--- a/Presentation/Presentation.pptx
+++ b/Presentation/Presentation.pptx
@@ -4,13 +4,19 @@
   <p:sldMasterIdLst>
     <p:sldMasterId id="2147483648" r:id="rId1"/>
   </p:sldMasterIdLst>
+  <p:notesMasterIdLst>
+    <p:notesMasterId r:id="rId11"/>
+  </p:notesMasterIdLst>
   <p:sldIdLst>
     <p:sldId id="256" r:id="rId2"/>
     <p:sldId id="260" r:id="rId3"/>
     <p:sldId id="261" r:id="rId4"/>
     <p:sldId id="258" r:id="rId5"/>
     <p:sldId id="259" r:id="rId6"/>
-    <p:sldId id="257" r:id="rId7"/>
+    <p:sldId id="264" r:id="rId7"/>
+    <p:sldId id="257" r:id="rId8"/>
+    <p:sldId id="262" r:id="rId9"/>
+    <p:sldId id="263" r:id="rId10"/>
   </p:sldIdLst>
   <p:sldSz cx="12192000" cy="6858000"/>
   <p:notesSz cx="6858000" cy="9144000"/>
@@ -109,7 +115,1791 @@
       </a:defRPr>
     </a:lvl9pPr>
   </p:defaultTextStyle>
+  <p:extLst>
+    <p:ext uri="{EFAFB233-063F-42B5-8137-9DF3F51BA10A}">
+      <p15:sldGuideLst xmlns:p15="http://schemas.microsoft.com/office/powerpoint/2012/main"/>
+    </p:ext>
+  </p:extLst>
 </p:presentation>
+</file>
+
+<file path=ppt/notesMasters/notesMaster1.xml><?xml version="1.0" encoding="utf-8"?>
+<p:notesMaster xmlns:a="http://schemas.openxmlformats.org/drawingml/2006/main" xmlns:r="http://schemas.openxmlformats.org/officeDocument/2006/relationships" xmlns:p="http://schemas.openxmlformats.org/presentationml/2006/main">
+  <p:cSld>
+    <p:bg>
+      <p:bgRef idx="1001">
+        <a:schemeClr val="bg1"/>
+      </p:bgRef>
+    </p:bg>
+    <p:spTree>
+      <p:nvGrpSpPr>
+        <p:cNvPr id="1" name=""/>
+        <p:cNvGrpSpPr/>
+        <p:nvPr/>
+      </p:nvGrpSpPr>
+      <p:grpSpPr>
+        <a:xfrm>
+          <a:off x="0" y="0"/>
+          <a:ext cx="0" cy="0"/>
+          <a:chOff x="0" y="0"/>
+          <a:chExt cx="0" cy="0"/>
+        </a:xfrm>
+      </p:grpSpPr>
+      <p:sp>
+        <p:nvSpPr>
+          <p:cNvPr id="2" name="页眉占位符 1"/>
+          <p:cNvSpPr>
+            <a:spLocks noGrp="1"/>
+          </p:cNvSpPr>
+          <p:nvPr>
+            <p:ph type="hdr" sz="quarter"/>
+          </p:nvPr>
+        </p:nvSpPr>
+        <p:spPr>
+          <a:xfrm>
+            <a:off x="0" y="0"/>
+            <a:ext cx="2971800" cy="458788"/>
+          </a:xfrm>
+          <a:prstGeom prst="rect">
+            <a:avLst/>
+          </a:prstGeom>
+        </p:spPr>
+        <p:txBody>
+          <a:bodyPr vert="horz" lIns="91440" tIns="45720" rIns="91440" bIns="45720" rtlCol="0"/>
+          <a:lstStyle>
+            <a:lvl1pPr algn="l">
+              <a:defRPr sz="1200"/>
+            </a:lvl1pPr>
+          </a:lstStyle>
+          <a:p>
+            <a:endParaRPr lang="zh-CN" altLang="en-US"/>
+          </a:p>
+        </p:txBody>
+      </p:sp>
+      <p:sp>
+        <p:nvSpPr>
+          <p:cNvPr id="3" name="日期占位符 2"/>
+          <p:cNvSpPr>
+            <a:spLocks noGrp="1"/>
+          </p:cNvSpPr>
+          <p:nvPr>
+            <p:ph type="dt" idx="1"/>
+          </p:nvPr>
+        </p:nvSpPr>
+        <p:spPr>
+          <a:xfrm>
+            <a:off x="3884613" y="0"/>
+            <a:ext cx="2971800" cy="458788"/>
+          </a:xfrm>
+          <a:prstGeom prst="rect">
+            <a:avLst/>
+          </a:prstGeom>
+        </p:spPr>
+        <p:txBody>
+          <a:bodyPr vert="horz" lIns="91440" tIns="45720" rIns="91440" bIns="45720" rtlCol="0"/>
+          <a:lstStyle>
+            <a:lvl1pPr algn="r">
+              <a:defRPr sz="1200"/>
+            </a:lvl1pPr>
+          </a:lstStyle>
+          <a:p>
+            <a:fld id="{DBBD54D2-A7C7-488F-BBBA-7F71421BDBE0}" type="datetimeFigureOut">
+              <a:rPr lang="zh-CN" altLang="en-US" smtClean="0"/>
+              <a:t>2017/4/3</a:t>
+            </a:fld>
+            <a:endParaRPr lang="zh-CN" altLang="en-US"/>
+          </a:p>
+        </p:txBody>
+      </p:sp>
+      <p:sp>
+        <p:nvSpPr>
+          <p:cNvPr id="4" name="幻灯片图像占位符 3"/>
+          <p:cNvSpPr>
+            <a:spLocks noGrp="1" noRot="1" noChangeAspect="1"/>
+          </p:cNvSpPr>
+          <p:nvPr>
+            <p:ph type="sldImg" idx="2"/>
+          </p:nvPr>
+        </p:nvSpPr>
+        <p:spPr>
+          <a:xfrm>
+            <a:off x="685800" y="1143000"/>
+            <a:ext cx="5486400" cy="3086100"/>
+          </a:xfrm>
+          <a:prstGeom prst="rect">
+            <a:avLst/>
+          </a:prstGeom>
+          <a:noFill/>
+          <a:ln w="12700">
+            <a:solidFill>
+              <a:prstClr val="black"/>
+            </a:solidFill>
+          </a:ln>
+        </p:spPr>
+        <p:txBody>
+          <a:bodyPr vert="horz" lIns="91440" tIns="45720" rIns="91440" bIns="45720" rtlCol="0" anchor="ctr"/>
+          <a:lstStyle/>
+          <a:p>
+            <a:endParaRPr lang="zh-CN" altLang="en-US"/>
+          </a:p>
+        </p:txBody>
+      </p:sp>
+      <p:sp>
+        <p:nvSpPr>
+          <p:cNvPr id="5" name="备注占位符 4"/>
+          <p:cNvSpPr>
+            <a:spLocks noGrp="1"/>
+          </p:cNvSpPr>
+          <p:nvPr>
+            <p:ph type="body" sz="quarter" idx="3"/>
+          </p:nvPr>
+        </p:nvSpPr>
+        <p:spPr>
+          <a:xfrm>
+            <a:off x="685800" y="4400550"/>
+            <a:ext cx="5486400" cy="3600450"/>
+          </a:xfrm>
+          <a:prstGeom prst="rect">
+            <a:avLst/>
+          </a:prstGeom>
+        </p:spPr>
+        <p:txBody>
+          <a:bodyPr vert="horz" lIns="91440" tIns="45720" rIns="91440" bIns="45720" rtlCol="0"/>
+          <a:lstStyle/>
+          <a:p>
+            <a:pPr lvl="0"/>
+            <a:r>
+              <a:rPr lang="zh-CN" altLang="en-US" smtClean="0"/>
+              <a:t>单击此处编辑母版文本样式</a:t>
+            </a:r>
+          </a:p>
+          <a:p>
+            <a:pPr lvl="1"/>
+            <a:r>
+              <a:rPr lang="zh-CN" altLang="en-US" smtClean="0"/>
+              <a:t>第二级</a:t>
+            </a:r>
+          </a:p>
+          <a:p>
+            <a:pPr lvl="2"/>
+            <a:r>
+              <a:rPr lang="zh-CN" altLang="en-US" smtClean="0"/>
+              <a:t>第三级</a:t>
+            </a:r>
+          </a:p>
+          <a:p>
+            <a:pPr lvl="3"/>
+            <a:r>
+              <a:rPr lang="zh-CN" altLang="en-US" smtClean="0"/>
+              <a:t>第四级</a:t>
+            </a:r>
+          </a:p>
+          <a:p>
+            <a:pPr lvl="4"/>
+            <a:r>
+              <a:rPr lang="zh-CN" altLang="en-US" smtClean="0"/>
+              <a:t>第五级</a:t>
+            </a:r>
+            <a:endParaRPr lang="zh-CN" altLang="en-US"/>
+          </a:p>
+        </p:txBody>
+      </p:sp>
+      <p:sp>
+        <p:nvSpPr>
+          <p:cNvPr id="6" name="页脚占位符 5"/>
+          <p:cNvSpPr>
+            <a:spLocks noGrp="1"/>
+          </p:cNvSpPr>
+          <p:nvPr>
+            <p:ph type="ftr" sz="quarter" idx="4"/>
+          </p:nvPr>
+        </p:nvSpPr>
+        <p:spPr>
+          <a:xfrm>
+            <a:off x="0" y="8685213"/>
+            <a:ext cx="2971800" cy="458787"/>
+          </a:xfrm>
+          <a:prstGeom prst="rect">
+            <a:avLst/>
+          </a:prstGeom>
+        </p:spPr>
+        <p:txBody>
+          <a:bodyPr vert="horz" lIns="91440" tIns="45720" rIns="91440" bIns="45720" rtlCol="0" anchor="b"/>
+          <a:lstStyle>
+            <a:lvl1pPr algn="l">
+              <a:defRPr sz="1200"/>
+            </a:lvl1pPr>
+          </a:lstStyle>
+          <a:p>
+            <a:endParaRPr lang="zh-CN" altLang="en-US"/>
+          </a:p>
+        </p:txBody>
+      </p:sp>
+      <p:sp>
+        <p:nvSpPr>
+          <p:cNvPr id="7" name="灯片编号占位符 6"/>
+          <p:cNvSpPr>
+            <a:spLocks noGrp="1"/>
+          </p:cNvSpPr>
+          <p:nvPr>
+            <p:ph type="sldNum" sz="quarter" idx="5"/>
+          </p:nvPr>
+        </p:nvSpPr>
+        <p:spPr>
+          <a:xfrm>
+            <a:off x="3884613" y="8685213"/>
+            <a:ext cx="2971800" cy="458787"/>
+          </a:xfrm>
+          <a:prstGeom prst="rect">
+            <a:avLst/>
+          </a:prstGeom>
+        </p:spPr>
+        <p:txBody>
+          <a:bodyPr vert="horz" lIns="91440" tIns="45720" rIns="91440" bIns="45720" rtlCol="0" anchor="b"/>
+          <a:lstStyle>
+            <a:lvl1pPr algn="r">
+              <a:defRPr sz="1200"/>
+            </a:lvl1pPr>
+          </a:lstStyle>
+          <a:p>
+            <a:fld id="{85952953-4931-4294-84E4-D4C8E0E07B6B}" type="slidenum">
+              <a:rPr lang="zh-CN" altLang="en-US" smtClean="0"/>
+              <a:t>‹#›</a:t>
+            </a:fld>
+            <a:endParaRPr lang="zh-CN" altLang="en-US"/>
+          </a:p>
+        </p:txBody>
+      </p:sp>
+    </p:spTree>
+    <p:extLst>
+      <p:ext uri="{BB962C8B-B14F-4D97-AF65-F5344CB8AC3E}">
+        <p14:creationId xmlns:p14="http://schemas.microsoft.com/office/powerpoint/2010/main" val="4181233448"/>
+      </p:ext>
+    </p:extLst>
+  </p:cSld>
+  <p:clrMap bg1="lt1" tx1="dk1" bg2="lt2" tx2="dk2" accent1="accent1" accent2="accent2" accent3="accent3" accent4="accent4" accent5="accent5" accent6="accent6" hlink="hlink" folHlink="folHlink"/>
+  <p:notesStyle>
+    <a:lvl1pPr marL="0" algn="l" defTabSz="914400" rtl="0" eaLnBrk="1" latinLnBrk="0" hangingPunct="1">
+      <a:defRPr sz="1200" kern="1200">
+        <a:solidFill>
+          <a:schemeClr val="tx1"/>
+        </a:solidFill>
+        <a:latin typeface="+mn-lt"/>
+        <a:ea typeface="+mn-ea"/>
+        <a:cs typeface="+mn-cs"/>
+      </a:defRPr>
+    </a:lvl1pPr>
+    <a:lvl2pPr marL="457200" algn="l" defTabSz="914400" rtl="0" eaLnBrk="1" latinLnBrk="0" hangingPunct="1">
+      <a:defRPr sz="1200" kern="1200">
+        <a:solidFill>
+          <a:schemeClr val="tx1"/>
+        </a:solidFill>
+        <a:latin typeface="+mn-lt"/>
+        <a:ea typeface="+mn-ea"/>
+        <a:cs typeface="+mn-cs"/>
+      </a:defRPr>
+    </a:lvl2pPr>
+    <a:lvl3pPr marL="914400" algn="l" defTabSz="914400" rtl="0" eaLnBrk="1" latinLnBrk="0" hangingPunct="1">
+      <a:defRPr sz="1200" kern="1200">
+        <a:solidFill>
+          <a:schemeClr val="tx1"/>
+        </a:solidFill>
+        <a:latin typeface="+mn-lt"/>
+        <a:ea typeface="+mn-ea"/>
+        <a:cs typeface="+mn-cs"/>
+      </a:defRPr>
+    </a:lvl3pPr>
+    <a:lvl4pPr marL="1371600" algn="l" defTabSz="914400" rtl="0" eaLnBrk="1" latinLnBrk="0" hangingPunct="1">
+      <a:defRPr sz="1200" kern="1200">
+        <a:solidFill>
+          <a:schemeClr val="tx1"/>
+        </a:solidFill>
+        <a:latin typeface="+mn-lt"/>
+        <a:ea typeface="+mn-ea"/>
+        <a:cs typeface="+mn-cs"/>
+      </a:defRPr>
+    </a:lvl4pPr>
+    <a:lvl5pPr marL="1828800" algn="l" defTabSz="914400" rtl="0" eaLnBrk="1" latinLnBrk="0" hangingPunct="1">
+      <a:defRPr sz="1200" kern="1200">
+        <a:solidFill>
+          <a:schemeClr val="tx1"/>
+        </a:solidFill>
+        <a:latin typeface="+mn-lt"/>
+        <a:ea typeface="+mn-ea"/>
+        <a:cs typeface="+mn-cs"/>
+      </a:defRPr>
+    </a:lvl5pPr>
+    <a:lvl6pPr marL="2286000" algn="l" defTabSz="914400" rtl="0" eaLnBrk="1" latinLnBrk="0" hangingPunct="1">
+      <a:defRPr sz="1200" kern="1200">
+        <a:solidFill>
+          <a:schemeClr val="tx1"/>
+        </a:solidFill>
+        <a:latin typeface="+mn-lt"/>
+        <a:ea typeface="+mn-ea"/>
+        <a:cs typeface="+mn-cs"/>
+      </a:defRPr>
+    </a:lvl6pPr>
+    <a:lvl7pPr marL="2743200" algn="l" defTabSz="914400" rtl="0" eaLnBrk="1" latinLnBrk="0" hangingPunct="1">
+      <a:defRPr sz="1200" kern="1200">
+        <a:solidFill>
+          <a:schemeClr val="tx1"/>
+        </a:solidFill>
+        <a:latin typeface="+mn-lt"/>
+        <a:ea typeface="+mn-ea"/>
+        <a:cs typeface="+mn-cs"/>
+      </a:defRPr>
+    </a:lvl7pPr>
+    <a:lvl8pPr marL="3200400" algn="l" defTabSz="914400" rtl="0" eaLnBrk="1" latinLnBrk="0" hangingPunct="1">
+      <a:defRPr sz="1200" kern="1200">
+        <a:solidFill>
+          <a:schemeClr val="tx1"/>
+        </a:solidFill>
+        <a:latin typeface="+mn-lt"/>
+        <a:ea typeface="+mn-ea"/>
+        <a:cs typeface="+mn-cs"/>
+      </a:defRPr>
+    </a:lvl8pPr>
+    <a:lvl9pPr marL="3657600" algn="l" defTabSz="914400" rtl="0" eaLnBrk="1" latinLnBrk="0" hangingPunct="1">
+      <a:defRPr sz="1200" kern="1200">
+        <a:solidFill>
+          <a:schemeClr val="tx1"/>
+        </a:solidFill>
+        <a:latin typeface="+mn-lt"/>
+        <a:ea typeface="+mn-ea"/>
+        <a:cs typeface="+mn-cs"/>
+      </a:defRPr>
+    </a:lvl9pPr>
+  </p:notesStyle>
+</p:notesMaster>
+</file>
+
+<file path=ppt/notesSlides/notesSlide1.xml><?xml version="1.0" encoding="utf-8"?>
+<p:notes xmlns:a="http://schemas.openxmlformats.org/drawingml/2006/main" xmlns:r="http://schemas.openxmlformats.org/officeDocument/2006/relationships" xmlns:p="http://schemas.openxmlformats.org/presentationml/2006/main">
+  <p:cSld>
+    <p:spTree>
+      <p:nvGrpSpPr>
+        <p:cNvPr id="1" name=""/>
+        <p:cNvGrpSpPr/>
+        <p:nvPr/>
+      </p:nvGrpSpPr>
+      <p:grpSpPr>
+        <a:xfrm>
+          <a:off x="0" y="0"/>
+          <a:ext cx="0" cy="0"/>
+          <a:chOff x="0" y="0"/>
+          <a:chExt cx="0" cy="0"/>
+        </a:xfrm>
+      </p:grpSpPr>
+      <p:sp>
+        <p:nvSpPr>
+          <p:cNvPr id="2" name="幻灯片图像占位符 1"/>
+          <p:cNvSpPr>
+            <a:spLocks noGrp="1" noRot="1" noChangeAspect="1"/>
+          </p:cNvSpPr>
+          <p:nvPr>
+            <p:ph type="sldImg"/>
+          </p:nvPr>
+        </p:nvSpPr>
+        <p:spPr/>
+      </p:sp>
+      <p:sp>
+        <p:nvSpPr>
+          <p:cNvPr id="3" name="备注占位符 2"/>
+          <p:cNvSpPr>
+            <a:spLocks noGrp="1"/>
+          </p:cNvSpPr>
+          <p:nvPr>
+            <p:ph type="body" idx="1"/>
+          </p:nvPr>
+        </p:nvSpPr>
+        <p:spPr/>
+        <p:txBody>
+          <a:bodyPr/>
+          <a:lstStyle/>
+          <a:p>
+            <a:pPr marL="0" marR="0" lvl="0" indent="0" algn="l" defTabSz="914400" rtl="0" eaLnBrk="1" fontAlgn="auto" latinLnBrk="0" hangingPunct="1">
+              <a:lnSpc>
+                <a:spcPct val="100000"/>
+              </a:lnSpc>
+              <a:spcBef>
+                <a:spcPts val="0"/>
+              </a:spcBef>
+              <a:spcAft>
+                <a:spcPts val="0"/>
+              </a:spcAft>
+              <a:buClrTx/>
+              <a:buSzTx/>
+              <a:buFontTx/>
+              <a:buNone/>
+              <a:tabLst/>
+              <a:defRPr/>
+            </a:pPr>
+            <a:r>
+              <a:rPr lang="zh-CN" altLang="en-US" dirty="0" smtClean="0"/>
+              <a:t>各位评委好，</a:t>
+            </a:r>
+            <a:r>
+              <a:rPr lang="zh-CN" altLang="en-US" sz="1200" b="0" kern="1200" dirty="0" smtClean="0">
+                <a:solidFill>
+                  <a:schemeClr val="tx1"/>
+                </a:solidFill>
+                <a:effectLst/>
+                <a:latin typeface="+mn-lt"/>
+                <a:ea typeface="+mn-ea"/>
+                <a:cs typeface="+mn-cs"/>
+              </a:rPr>
+              <a:t>我们是来自上海交通大学的</a:t>
+            </a:r>
+            <a:r>
+              <a:rPr lang="en-US" altLang="zh-CN" sz="1200" b="0" kern="1200" dirty="0" err="1" smtClean="0">
+                <a:solidFill>
+                  <a:schemeClr val="tx1"/>
+                </a:solidFill>
+                <a:effectLst/>
+                <a:latin typeface="+mn-lt"/>
+                <a:ea typeface="+mn-ea"/>
+                <a:cs typeface="+mn-cs"/>
+              </a:rPr>
+              <a:t>FracGames</a:t>
+            </a:r>
+            <a:r>
+              <a:rPr lang="zh-CN" altLang="en-US" sz="1200" b="0" kern="1200" dirty="0" smtClean="0">
+                <a:solidFill>
+                  <a:schemeClr val="tx1"/>
+                </a:solidFill>
+                <a:effectLst/>
+                <a:latin typeface="+mn-lt"/>
+                <a:ea typeface="+mn-ea"/>
+                <a:cs typeface="+mn-cs"/>
+              </a:rPr>
+              <a:t>团队。我们团队共有三名成员，分别是盛恩睿（队长）杨啸（队员）赵悟（队员）。我们提交的项目名称为</a:t>
+            </a:r>
+            <a:r>
+              <a:rPr lang="en-US" altLang="zh-CN" sz="1200" b="0" kern="1200" dirty="0" smtClean="0">
+                <a:solidFill>
+                  <a:schemeClr val="tx1"/>
+                </a:solidFill>
+                <a:effectLst/>
+                <a:latin typeface="+mn-lt"/>
+                <a:ea typeface="+mn-ea"/>
+                <a:cs typeface="+mn-cs"/>
+              </a:rPr>
+              <a:t>Seeder</a:t>
+            </a:r>
+            <a:r>
+              <a:rPr lang="zh-CN" altLang="en-US" sz="1200" b="0" kern="1200" dirty="0" smtClean="0">
+                <a:solidFill>
+                  <a:schemeClr val="tx1"/>
+                </a:solidFill>
+                <a:effectLst/>
+                <a:latin typeface="+mn-lt"/>
+                <a:ea typeface="+mn-ea"/>
+                <a:cs typeface="+mn-cs"/>
+              </a:rPr>
+              <a:t>，是一款通过控制重力方向进行操控的冒险解密类游戏。</a:t>
+            </a:r>
+          </a:p>
+          <a:p>
+            <a:endParaRPr lang="zh-CN" altLang="en-US" dirty="0"/>
+          </a:p>
+        </p:txBody>
+      </p:sp>
+      <p:sp>
+        <p:nvSpPr>
+          <p:cNvPr id="4" name="灯片编号占位符 3"/>
+          <p:cNvSpPr>
+            <a:spLocks noGrp="1"/>
+          </p:cNvSpPr>
+          <p:nvPr>
+            <p:ph type="sldNum" sz="quarter" idx="10"/>
+          </p:nvPr>
+        </p:nvSpPr>
+        <p:spPr/>
+        <p:txBody>
+          <a:bodyPr/>
+          <a:lstStyle/>
+          <a:p>
+            <a:fld id="{85952953-4931-4294-84E4-D4C8E0E07B6B}" type="slidenum">
+              <a:rPr lang="zh-CN" altLang="en-US" smtClean="0"/>
+              <a:t>1</a:t>
+            </a:fld>
+            <a:endParaRPr lang="zh-CN" altLang="en-US"/>
+          </a:p>
+        </p:txBody>
+      </p:sp>
+    </p:spTree>
+    <p:extLst>
+      <p:ext uri="{BB962C8B-B14F-4D97-AF65-F5344CB8AC3E}">
+        <p14:creationId xmlns:p14="http://schemas.microsoft.com/office/powerpoint/2010/main" val="604546652"/>
+      </p:ext>
+    </p:extLst>
+  </p:cSld>
+  <p:clrMapOvr>
+    <a:masterClrMapping/>
+  </p:clrMapOvr>
+</p:notes>
+</file>
+
+<file path=ppt/notesSlides/notesSlide2.xml><?xml version="1.0" encoding="utf-8"?>
+<p:notes xmlns:a="http://schemas.openxmlformats.org/drawingml/2006/main" xmlns:r="http://schemas.openxmlformats.org/officeDocument/2006/relationships" xmlns:p="http://schemas.openxmlformats.org/presentationml/2006/main">
+  <p:cSld>
+    <p:spTree>
+      <p:nvGrpSpPr>
+        <p:cNvPr id="1" name=""/>
+        <p:cNvGrpSpPr/>
+        <p:nvPr/>
+      </p:nvGrpSpPr>
+      <p:grpSpPr>
+        <a:xfrm>
+          <a:off x="0" y="0"/>
+          <a:ext cx="0" cy="0"/>
+          <a:chOff x="0" y="0"/>
+          <a:chExt cx="0" cy="0"/>
+        </a:xfrm>
+      </p:grpSpPr>
+      <p:sp>
+        <p:nvSpPr>
+          <p:cNvPr id="2" name="幻灯片图像占位符 1"/>
+          <p:cNvSpPr>
+            <a:spLocks noGrp="1" noRot="1" noChangeAspect="1"/>
+          </p:cNvSpPr>
+          <p:nvPr>
+            <p:ph type="sldImg"/>
+          </p:nvPr>
+        </p:nvSpPr>
+        <p:spPr/>
+      </p:sp>
+      <p:sp>
+        <p:nvSpPr>
+          <p:cNvPr id="3" name="备注占位符 2"/>
+          <p:cNvSpPr>
+            <a:spLocks noGrp="1"/>
+          </p:cNvSpPr>
+          <p:nvPr>
+            <p:ph type="body" idx="1"/>
+          </p:nvPr>
+        </p:nvSpPr>
+        <p:spPr/>
+        <p:txBody>
+          <a:bodyPr/>
+          <a:lstStyle/>
+          <a:p>
+            <a:r>
+              <a:rPr lang="zh-CN" altLang="en-US" dirty="0" smtClean="0"/>
+              <a:t>本次演示文档的结构分为游戏介绍与可行性分析。对于游戏的介绍，我将从游戏主题、玩法介绍、视觉效果进行介绍。最后进行</a:t>
+            </a:r>
+            <a:r>
+              <a:rPr lang="en-US" altLang="zh-CN" dirty="0" smtClean="0"/>
+              <a:t>Demo </a:t>
+            </a:r>
+            <a:r>
+              <a:rPr lang="zh-CN" altLang="en-US" dirty="0" smtClean="0"/>
+              <a:t>的演示。接下来，我将对游戏的可行性进行分析，并介绍我们的市场推广计划。</a:t>
+            </a:r>
+            <a:endParaRPr lang="zh-CN" altLang="en-US" dirty="0"/>
+          </a:p>
+        </p:txBody>
+      </p:sp>
+      <p:sp>
+        <p:nvSpPr>
+          <p:cNvPr id="4" name="灯片编号占位符 3"/>
+          <p:cNvSpPr>
+            <a:spLocks noGrp="1"/>
+          </p:cNvSpPr>
+          <p:nvPr>
+            <p:ph type="sldNum" sz="quarter" idx="10"/>
+          </p:nvPr>
+        </p:nvSpPr>
+        <p:spPr/>
+        <p:txBody>
+          <a:bodyPr/>
+          <a:lstStyle/>
+          <a:p>
+            <a:fld id="{85952953-4931-4294-84E4-D4C8E0E07B6B}" type="slidenum">
+              <a:rPr lang="zh-CN" altLang="en-US" smtClean="0"/>
+              <a:t>2</a:t>
+            </a:fld>
+            <a:endParaRPr lang="zh-CN" altLang="en-US"/>
+          </a:p>
+        </p:txBody>
+      </p:sp>
+    </p:spTree>
+    <p:extLst>
+      <p:ext uri="{BB962C8B-B14F-4D97-AF65-F5344CB8AC3E}">
+        <p14:creationId xmlns:p14="http://schemas.microsoft.com/office/powerpoint/2010/main" val="577460551"/>
+      </p:ext>
+    </p:extLst>
+  </p:cSld>
+  <p:clrMapOvr>
+    <a:masterClrMapping/>
+  </p:clrMapOvr>
+</p:notes>
+</file>
+
+<file path=ppt/notesSlides/notesSlide3.xml><?xml version="1.0" encoding="utf-8"?>
+<p:notes xmlns:a="http://schemas.openxmlformats.org/drawingml/2006/main" xmlns:r="http://schemas.openxmlformats.org/officeDocument/2006/relationships" xmlns:p="http://schemas.openxmlformats.org/presentationml/2006/main">
+  <p:cSld>
+    <p:spTree>
+      <p:nvGrpSpPr>
+        <p:cNvPr id="1" name=""/>
+        <p:cNvGrpSpPr/>
+        <p:nvPr/>
+      </p:nvGrpSpPr>
+      <p:grpSpPr>
+        <a:xfrm>
+          <a:off x="0" y="0"/>
+          <a:ext cx="0" cy="0"/>
+          <a:chOff x="0" y="0"/>
+          <a:chExt cx="0" cy="0"/>
+        </a:xfrm>
+      </p:grpSpPr>
+      <p:sp>
+        <p:nvSpPr>
+          <p:cNvPr id="2" name="幻灯片图像占位符 1"/>
+          <p:cNvSpPr>
+            <a:spLocks noGrp="1" noRot="1" noChangeAspect="1"/>
+          </p:cNvSpPr>
+          <p:nvPr>
+            <p:ph type="sldImg"/>
+          </p:nvPr>
+        </p:nvSpPr>
+        <p:spPr/>
+      </p:sp>
+      <p:sp>
+        <p:nvSpPr>
+          <p:cNvPr id="3" name="备注占位符 2"/>
+          <p:cNvSpPr>
+            <a:spLocks noGrp="1"/>
+          </p:cNvSpPr>
+          <p:nvPr>
+            <p:ph type="body" idx="1"/>
+          </p:nvPr>
+        </p:nvSpPr>
+        <p:spPr/>
+        <p:txBody>
+          <a:bodyPr/>
+          <a:lstStyle/>
+          <a:p>
+            <a:pPr marL="0" marR="0" lvl="0" indent="0" algn="l" defTabSz="914400" rtl="0" eaLnBrk="1" fontAlgn="auto" latinLnBrk="0" hangingPunct="1">
+              <a:lnSpc>
+                <a:spcPct val="100000"/>
+              </a:lnSpc>
+              <a:spcBef>
+                <a:spcPts val="0"/>
+              </a:spcBef>
+              <a:spcAft>
+                <a:spcPts val="0"/>
+              </a:spcAft>
+              <a:buClrTx/>
+              <a:buSzTx/>
+              <a:buFontTx/>
+              <a:buNone/>
+              <a:tabLst/>
+              <a:defRPr/>
+            </a:pPr>
+            <a:r>
+              <a:rPr lang="zh-CN" altLang="en-US" dirty="0" smtClean="0"/>
+              <a:t>长久以来，我们都是从一个仰视的角度去观察这个世界。在这个游戏中，我们大胆的假设重力的方向可以改变，那么我们眼中的世界又会有什么样的改变呢？因此我们从这个角度入手，设计了这款旋转视角的游戏，并用重力去表现这个主题。具体为利用重力去收集一些线索，并通过各种机关陷阱。而人物单独的旋转太过单一，因此我们引入了</a:t>
+            </a:r>
+            <a:r>
+              <a:rPr lang="en-US" altLang="zh-CN" dirty="0" smtClean="0"/>
+              <a:t>Seed</a:t>
+            </a:r>
+            <a:r>
+              <a:rPr lang="zh-CN" altLang="en-US" dirty="0" smtClean="0"/>
+              <a:t>。它是一个</a:t>
+            </a:r>
+            <a:r>
+              <a:rPr lang="zh-CN" altLang="en-US" sz="1200" b="0" kern="1200" dirty="0" smtClean="0">
+                <a:solidFill>
+                  <a:schemeClr val="tx1"/>
+                </a:solidFill>
+                <a:effectLst/>
+                <a:latin typeface="+mn-lt"/>
+                <a:ea typeface="+mn-ea"/>
+                <a:cs typeface="+mn-cs"/>
+              </a:rPr>
+              <a:t>笨呼呼的树种，只能借助重力的影响才能移动。人物不仅需要自己过关，并需要将</a:t>
+            </a:r>
+            <a:r>
+              <a:rPr lang="en-US" altLang="zh-CN" sz="1200" b="0" kern="1200" dirty="0" smtClean="0">
+                <a:solidFill>
+                  <a:schemeClr val="tx1"/>
+                </a:solidFill>
+                <a:effectLst/>
+                <a:latin typeface="+mn-lt"/>
+                <a:ea typeface="+mn-ea"/>
+                <a:cs typeface="+mn-cs"/>
+              </a:rPr>
+              <a:t>Seed</a:t>
+            </a:r>
+            <a:r>
+              <a:rPr lang="zh-CN" altLang="en-US" sz="1200" b="0" kern="1200" dirty="0" smtClean="0">
+                <a:solidFill>
+                  <a:schemeClr val="tx1"/>
+                </a:solidFill>
+                <a:effectLst/>
+                <a:latin typeface="+mn-lt"/>
+                <a:ea typeface="+mn-ea"/>
+                <a:cs typeface="+mn-cs"/>
+              </a:rPr>
+              <a:t>带至指定地点。这就为游戏增添了许多变数与乐趣。</a:t>
+            </a:r>
+            <a:endParaRPr lang="en-US" altLang="zh-CN" sz="1200" b="0" kern="1200" dirty="0" smtClean="0">
+              <a:solidFill>
+                <a:schemeClr val="tx1"/>
+              </a:solidFill>
+              <a:effectLst/>
+              <a:latin typeface="+mn-lt"/>
+              <a:ea typeface="+mn-ea"/>
+              <a:cs typeface="+mn-cs"/>
+            </a:endParaRPr>
+          </a:p>
+          <a:p>
+            <a:pPr marL="0" marR="0" lvl="0" indent="0" algn="l" defTabSz="914400" rtl="0" eaLnBrk="1" fontAlgn="auto" latinLnBrk="0" hangingPunct="1">
+              <a:lnSpc>
+                <a:spcPct val="100000"/>
+              </a:lnSpc>
+              <a:spcBef>
+                <a:spcPts val="0"/>
+              </a:spcBef>
+              <a:spcAft>
+                <a:spcPts val="0"/>
+              </a:spcAft>
+              <a:buClrTx/>
+              <a:buSzTx/>
+              <a:buFontTx/>
+              <a:buNone/>
+              <a:tabLst/>
+              <a:defRPr/>
+            </a:pPr>
+            <a:r>
+              <a:rPr lang="zh-CN" altLang="en-US" sz="1200" b="0" kern="1200" dirty="0" smtClean="0">
+                <a:solidFill>
+                  <a:schemeClr val="tx1"/>
+                </a:solidFill>
+                <a:effectLst/>
+                <a:latin typeface="+mn-lt"/>
+                <a:ea typeface="+mn-ea"/>
+                <a:cs typeface="+mn-cs"/>
+              </a:rPr>
+              <a:t>其次，我们的游戏还融入了探险的元素，我们设计了四个风格迥异的场景，包括荆棘丛生的上古森林、神秘莫测的黑色沙漠、接连天际的幽深海洋、隐匿曲折的黑暗洞穴。玩家在每一关都会有不同的体验。而且随意旋转的角度，使得玩家可以深入探索到地图的各个角落。当然，正如那句“</a:t>
+            </a:r>
+            <a:r>
+              <a:rPr lang="zh-CN" altLang="en-US" sz="1200" b="0" i="0" kern="1200" dirty="0" smtClean="0">
+                <a:solidFill>
+                  <a:schemeClr val="tx1"/>
+                </a:solidFill>
+                <a:effectLst/>
+                <a:latin typeface="+mn-lt"/>
+                <a:ea typeface="+mn-ea"/>
+                <a:cs typeface="+mn-cs"/>
+              </a:rPr>
+              <a:t>而世之奇伟瑰怪非常之观，常在于险远而人之所罕至焉，故非有志者不能至也</a:t>
+            </a:r>
+            <a:r>
+              <a:rPr lang="zh-CN" altLang="en-US" sz="1200" b="0" kern="1200" dirty="0" smtClean="0">
+                <a:solidFill>
+                  <a:schemeClr val="tx1"/>
+                </a:solidFill>
+                <a:effectLst/>
+                <a:latin typeface="+mn-lt"/>
+                <a:ea typeface="+mn-ea"/>
+                <a:cs typeface="+mn-cs"/>
+              </a:rPr>
+              <a:t>”所说的那样，世间最美丽的风景多在于难以到达的地方，而在我们的游戏中，玩家可以摆脱物理世界的束缚，用一种全新的角度去体验这个世界</a:t>
+            </a:r>
+            <a:endParaRPr lang="en-US" altLang="zh-CN" sz="1200" b="0" kern="1200" dirty="0" smtClean="0">
+              <a:solidFill>
+                <a:schemeClr val="tx1"/>
+              </a:solidFill>
+              <a:effectLst/>
+              <a:latin typeface="+mn-lt"/>
+              <a:ea typeface="+mn-ea"/>
+              <a:cs typeface="+mn-cs"/>
+            </a:endParaRPr>
+          </a:p>
+          <a:p>
+            <a:pPr marL="0" marR="0" lvl="0" indent="0" algn="l" defTabSz="914400" rtl="0" eaLnBrk="1" fontAlgn="auto" latinLnBrk="0" hangingPunct="1">
+              <a:lnSpc>
+                <a:spcPct val="100000"/>
+              </a:lnSpc>
+              <a:spcBef>
+                <a:spcPts val="0"/>
+              </a:spcBef>
+              <a:spcAft>
+                <a:spcPts val="0"/>
+              </a:spcAft>
+              <a:buClrTx/>
+              <a:buSzTx/>
+              <a:buFontTx/>
+              <a:buNone/>
+              <a:tabLst/>
+              <a:defRPr/>
+            </a:pPr>
+            <a:endParaRPr lang="zh-CN" altLang="en-US" sz="1200" b="0" kern="1200" dirty="0" smtClean="0">
+              <a:solidFill>
+                <a:schemeClr val="tx1"/>
+              </a:solidFill>
+              <a:effectLst/>
+              <a:latin typeface="+mn-lt"/>
+              <a:ea typeface="+mn-ea"/>
+              <a:cs typeface="+mn-cs"/>
+            </a:endParaRPr>
+          </a:p>
+          <a:p>
+            <a:pPr marL="0" marR="0" lvl="0" indent="0" algn="l" defTabSz="914400" rtl="0" eaLnBrk="1" fontAlgn="auto" latinLnBrk="0" hangingPunct="1">
+              <a:lnSpc>
+                <a:spcPct val="100000"/>
+              </a:lnSpc>
+              <a:spcBef>
+                <a:spcPts val="0"/>
+              </a:spcBef>
+              <a:spcAft>
+                <a:spcPts val="0"/>
+              </a:spcAft>
+              <a:buClrTx/>
+              <a:buSzTx/>
+              <a:buFontTx/>
+              <a:buNone/>
+              <a:tabLst/>
+              <a:defRPr/>
+            </a:pPr>
+            <a:endParaRPr lang="zh-CN" altLang="en-US" sz="1200" b="0" kern="1200" dirty="0" smtClean="0">
+              <a:solidFill>
+                <a:schemeClr val="tx1"/>
+              </a:solidFill>
+              <a:effectLst/>
+              <a:latin typeface="+mn-lt"/>
+              <a:ea typeface="+mn-ea"/>
+              <a:cs typeface="+mn-cs"/>
+            </a:endParaRPr>
+          </a:p>
+          <a:p>
+            <a:endParaRPr lang="zh-CN" altLang="en-US" dirty="0"/>
+          </a:p>
+        </p:txBody>
+      </p:sp>
+      <p:sp>
+        <p:nvSpPr>
+          <p:cNvPr id="4" name="灯片编号占位符 3"/>
+          <p:cNvSpPr>
+            <a:spLocks noGrp="1"/>
+          </p:cNvSpPr>
+          <p:nvPr>
+            <p:ph type="sldNum" sz="quarter" idx="10"/>
+          </p:nvPr>
+        </p:nvSpPr>
+        <p:spPr/>
+        <p:txBody>
+          <a:bodyPr/>
+          <a:lstStyle/>
+          <a:p>
+            <a:fld id="{85952953-4931-4294-84E4-D4C8E0E07B6B}" type="slidenum">
+              <a:rPr lang="zh-CN" altLang="en-US" smtClean="0"/>
+              <a:t>3</a:t>
+            </a:fld>
+            <a:endParaRPr lang="zh-CN" altLang="en-US"/>
+          </a:p>
+        </p:txBody>
+      </p:sp>
+    </p:spTree>
+    <p:extLst>
+      <p:ext uri="{BB962C8B-B14F-4D97-AF65-F5344CB8AC3E}">
+        <p14:creationId xmlns:p14="http://schemas.microsoft.com/office/powerpoint/2010/main" val="3316724749"/>
+      </p:ext>
+    </p:extLst>
+  </p:cSld>
+  <p:clrMapOvr>
+    <a:masterClrMapping/>
+  </p:clrMapOvr>
+</p:notes>
+</file>
+
+<file path=ppt/notesSlides/notesSlide4.xml><?xml version="1.0" encoding="utf-8"?>
+<p:notes xmlns:a="http://schemas.openxmlformats.org/drawingml/2006/main" xmlns:r="http://schemas.openxmlformats.org/officeDocument/2006/relationships" xmlns:p="http://schemas.openxmlformats.org/presentationml/2006/main">
+  <p:cSld>
+    <p:spTree>
+      <p:nvGrpSpPr>
+        <p:cNvPr id="1" name=""/>
+        <p:cNvGrpSpPr/>
+        <p:nvPr/>
+      </p:nvGrpSpPr>
+      <p:grpSpPr>
+        <a:xfrm>
+          <a:off x="0" y="0"/>
+          <a:ext cx="0" cy="0"/>
+          <a:chOff x="0" y="0"/>
+          <a:chExt cx="0" cy="0"/>
+        </a:xfrm>
+      </p:grpSpPr>
+      <p:sp>
+        <p:nvSpPr>
+          <p:cNvPr id="2" name="幻灯片图像占位符 1"/>
+          <p:cNvSpPr>
+            <a:spLocks noGrp="1" noRot="1" noChangeAspect="1"/>
+          </p:cNvSpPr>
+          <p:nvPr>
+            <p:ph type="sldImg"/>
+          </p:nvPr>
+        </p:nvSpPr>
+        <p:spPr/>
+      </p:sp>
+      <p:sp>
+        <p:nvSpPr>
+          <p:cNvPr id="3" name="备注占位符 2"/>
+          <p:cNvSpPr>
+            <a:spLocks noGrp="1"/>
+          </p:cNvSpPr>
+          <p:nvPr>
+            <p:ph type="body" idx="1"/>
+          </p:nvPr>
+        </p:nvSpPr>
+        <p:spPr/>
+        <p:txBody>
+          <a:bodyPr/>
+          <a:lstStyle/>
+          <a:p>
+            <a:pPr marL="0" marR="0" lvl="0" indent="0" algn="l" defTabSz="914400" rtl="0" eaLnBrk="1" fontAlgn="auto" latinLnBrk="0" hangingPunct="1">
+              <a:lnSpc>
+                <a:spcPct val="100000"/>
+              </a:lnSpc>
+              <a:spcBef>
+                <a:spcPts val="0"/>
+              </a:spcBef>
+              <a:spcAft>
+                <a:spcPts val="0"/>
+              </a:spcAft>
+              <a:buClrTx/>
+              <a:buSzTx/>
+              <a:buFontTx/>
+              <a:buNone/>
+              <a:tabLst/>
+              <a:defRPr/>
+            </a:pPr>
+            <a:r>
+              <a:rPr lang="zh-CN" altLang="en-US" dirty="0" smtClean="0"/>
+              <a:t>在游戏中，人物可以通过</a:t>
+            </a:r>
+            <a:r>
+              <a:rPr lang="en-US" altLang="zh-CN" sz="1200" b="0" kern="1200" dirty="0" smtClean="0">
+                <a:solidFill>
+                  <a:schemeClr val="tx1"/>
+                </a:solidFill>
+                <a:effectLst/>
+                <a:latin typeface="+mn-lt"/>
+                <a:ea typeface="+mn-ea"/>
+                <a:cs typeface="+mn-cs"/>
+              </a:rPr>
+              <a:t>A D</a:t>
+            </a:r>
+            <a:r>
+              <a:rPr lang="zh-CN" altLang="en-US" sz="1200" b="0" kern="1200" dirty="0" smtClean="0">
+                <a:solidFill>
+                  <a:schemeClr val="tx1"/>
+                </a:solidFill>
+                <a:effectLst/>
+                <a:latin typeface="+mn-lt"/>
+                <a:ea typeface="+mn-ea"/>
+                <a:cs typeface="+mn-cs"/>
+              </a:rPr>
+              <a:t>控制</a:t>
+            </a:r>
+            <a:r>
+              <a:rPr lang="zh-CN" altLang="en-US" dirty="0" smtClean="0"/>
+              <a:t>左右移动，用</a:t>
+            </a:r>
+            <a:r>
+              <a:rPr lang="zh-CN" altLang="en-US" sz="1200" b="0" kern="1200" dirty="0" smtClean="0">
+                <a:solidFill>
+                  <a:schemeClr val="tx1"/>
+                </a:solidFill>
+                <a:effectLst/>
+                <a:latin typeface="+mn-lt"/>
+                <a:ea typeface="+mn-ea"/>
+                <a:cs typeface="+mn-cs"/>
+              </a:rPr>
+              <a:t>空格控制</a:t>
+            </a:r>
+            <a:r>
+              <a:rPr lang="zh-CN" altLang="en-US" dirty="0" smtClean="0"/>
+              <a:t>跳跃，我们来看一下操作的演示视频</a:t>
+            </a:r>
+            <a:endParaRPr lang="en-US" altLang="zh-CN" dirty="0" smtClean="0"/>
+          </a:p>
+          <a:p>
+            <a:pPr marL="0" marR="0" lvl="0" indent="0" algn="l" defTabSz="914400" rtl="0" eaLnBrk="1" fontAlgn="auto" latinLnBrk="0" hangingPunct="1">
+              <a:lnSpc>
+                <a:spcPct val="100000"/>
+              </a:lnSpc>
+              <a:spcBef>
+                <a:spcPts val="0"/>
+              </a:spcBef>
+              <a:spcAft>
+                <a:spcPts val="0"/>
+              </a:spcAft>
+              <a:buClrTx/>
+              <a:buSzTx/>
+              <a:buFontTx/>
+              <a:buNone/>
+              <a:tabLst/>
+              <a:defRPr/>
+            </a:pPr>
+            <a:r>
+              <a:rPr lang="zh-CN" altLang="en-US" dirty="0" smtClean="0"/>
+              <a:t>在游戏中，人物可以通过方向左键与右键控制</a:t>
+            </a:r>
+            <a:r>
+              <a:rPr lang="zh-CN" altLang="en-US" sz="1200" b="0" kern="1200" dirty="0" smtClean="0">
+                <a:solidFill>
+                  <a:schemeClr val="tx1"/>
+                </a:solidFill>
+                <a:effectLst/>
+                <a:latin typeface="+mn-lt"/>
+                <a:ea typeface="+mn-ea"/>
+                <a:cs typeface="+mn-cs"/>
+              </a:rPr>
+              <a:t>重力顺时针旋转与逆时针旋转</a:t>
+            </a:r>
+            <a:r>
+              <a:rPr lang="en-US" altLang="zh-CN" sz="1200" b="0" kern="1200" dirty="0" smtClean="0">
+                <a:solidFill>
+                  <a:schemeClr val="tx1"/>
+                </a:solidFill>
+                <a:effectLst/>
+                <a:latin typeface="+mn-lt"/>
+                <a:ea typeface="+mn-ea"/>
+                <a:cs typeface="+mn-cs"/>
+              </a:rPr>
+              <a:t>90°</a:t>
+            </a:r>
+            <a:r>
+              <a:rPr lang="zh-CN" altLang="en-US" dirty="0" smtClean="0"/>
+              <a:t>，我们来看一下操作的演示视频</a:t>
+            </a:r>
+            <a:endParaRPr lang="en-US" altLang="zh-CN" dirty="0" smtClean="0"/>
+          </a:p>
+          <a:p>
+            <a:pPr marL="0" marR="0" lvl="0" indent="0" algn="l" defTabSz="914400" rtl="0" eaLnBrk="1" fontAlgn="auto" latinLnBrk="0" hangingPunct="1">
+              <a:lnSpc>
+                <a:spcPct val="100000"/>
+              </a:lnSpc>
+              <a:spcBef>
+                <a:spcPts val="0"/>
+              </a:spcBef>
+              <a:spcAft>
+                <a:spcPts val="0"/>
+              </a:spcAft>
+              <a:buClrTx/>
+              <a:buSzTx/>
+              <a:buFontTx/>
+              <a:buNone/>
+              <a:tabLst/>
+              <a:defRPr/>
+            </a:pPr>
+            <a:r>
+              <a:rPr lang="zh-CN" altLang="en-US" dirty="0" smtClean="0"/>
+              <a:t>在视频中可以看到，每次旋转会有短暂的停顿，这是为了防止旋转过快造成玩家的眩晕感，提升游戏体验。</a:t>
+            </a:r>
+            <a:endParaRPr lang="en-US" altLang="zh-CN" dirty="0" smtClean="0"/>
+          </a:p>
+          <a:p>
+            <a:pPr marL="0" marR="0" lvl="0" indent="0" algn="l" defTabSz="914400" rtl="0" eaLnBrk="1" fontAlgn="auto" latinLnBrk="0" hangingPunct="1">
+              <a:lnSpc>
+                <a:spcPct val="100000"/>
+              </a:lnSpc>
+              <a:spcBef>
+                <a:spcPts val="0"/>
+              </a:spcBef>
+              <a:spcAft>
+                <a:spcPts val="0"/>
+              </a:spcAft>
+              <a:buClrTx/>
+              <a:buSzTx/>
+              <a:buFontTx/>
+              <a:buNone/>
+              <a:tabLst/>
+              <a:defRPr/>
+            </a:pPr>
+            <a:r>
+              <a:rPr lang="zh-CN" altLang="en-US" dirty="0" smtClean="0"/>
+              <a:t>而且每次旋转只会影响当前视野内的物品，避免了解密与操作过于复杂。</a:t>
+            </a:r>
+            <a:endParaRPr lang="en-US" altLang="zh-CN" dirty="0" smtClean="0"/>
+          </a:p>
+          <a:p>
+            <a:r>
+              <a:rPr lang="zh-CN" altLang="en-US" dirty="0" smtClean="0"/>
+              <a:t>通过选择重力，人物可以跨越无法跨过的鸿沟，还能</a:t>
+            </a:r>
+            <a:r>
+              <a:rPr lang="zh-CN" altLang="en-US" sz="1200" b="0" kern="1200" dirty="0" smtClean="0">
+                <a:solidFill>
+                  <a:schemeClr val="tx1"/>
+                </a:solidFill>
+                <a:effectLst/>
+                <a:latin typeface="+mn-lt"/>
+                <a:ea typeface="+mn-ea"/>
+                <a:cs typeface="+mn-cs"/>
+              </a:rPr>
+              <a:t>利用</a:t>
+            </a:r>
+            <a:r>
+              <a:rPr lang="en-US" altLang="zh-CN" sz="1200" b="0" kern="1200" dirty="0" smtClean="0">
+                <a:solidFill>
+                  <a:schemeClr val="tx1"/>
+                </a:solidFill>
+                <a:effectLst/>
+                <a:latin typeface="+mn-lt"/>
+                <a:ea typeface="+mn-ea"/>
+                <a:cs typeface="+mn-cs"/>
+              </a:rPr>
+              <a:t>Seed</a:t>
+            </a:r>
+            <a:r>
+              <a:rPr lang="zh-CN" altLang="en-US" sz="1200" b="0" kern="1200" dirty="0" smtClean="0">
+                <a:solidFill>
+                  <a:schemeClr val="tx1"/>
+                </a:solidFill>
+                <a:effectLst/>
+                <a:latin typeface="+mn-lt"/>
+                <a:ea typeface="+mn-ea"/>
+                <a:cs typeface="+mn-cs"/>
+              </a:rPr>
+              <a:t>坚硬的外壳去消灭敌人</a:t>
+            </a:r>
+          </a:p>
+          <a:p>
+            <a:pPr marL="0" marR="0" lvl="0" indent="0" algn="l" defTabSz="914400" rtl="0" eaLnBrk="1" fontAlgn="auto" latinLnBrk="0" hangingPunct="1">
+              <a:lnSpc>
+                <a:spcPct val="100000"/>
+              </a:lnSpc>
+              <a:spcBef>
+                <a:spcPts val="0"/>
+              </a:spcBef>
+              <a:spcAft>
+                <a:spcPts val="0"/>
+              </a:spcAft>
+              <a:buClrTx/>
+              <a:buSzTx/>
+              <a:buFontTx/>
+              <a:buNone/>
+              <a:tabLst/>
+              <a:defRPr/>
+            </a:pPr>
+            <a:endParaRPr lang="zh-CN" altLang="en-US" dirty="0"/>
+          </a:p>
+        </p:txBody>
+      </p:sp>
+      <p:sp>
+        <p:nvSpPr>
+          <p:cNvPr id="4" name="灯片编号占位符 3"/>
+          <p:cNvSpPr>
+            <a:spLocks noGrp="1"/>
+          </p:cNvSpPr>
+          <p:nvPr>
+            <p:ph type="sldNum" sz="quarter" idx="10"/>
+          </p:nvPr>
+        </p:nvSpPr>
+        <p:spPr/>
+        <p:txBody>
+          <a:bodyPr/>
+          <a:lstStyle/>
+          <a:p>
+            <a:fld id="{85952953-4931-4294-84E4-D4C8E0E07B6B}" type="slidenum">
+              <a:rPr lang="zh-CN" altLang="en-US" smtClean="0"/>
+              <a:t>4</a:t>
+            </a:fld>
+            <a:endParaRPr lang="zh-CN" altLang="en-US"/>
+          </a:p>
+        </p:txBody>
+      </p:sp>
+    </p:spTree>
+    <p:extLst>
+      <p:ext uri="{BB962C8B-B14F-4D97-AF65-F5344CB8AC3E}">
+        <p14:creationId xmlns:p14="http://schemas.microsoft.com/office/powerpoint/2010/main" val="643450611"/>
+      </p:ext>
+    </p:extLst>
+  </p:cSld>
+  <p:clrMapOvr>
+    <a:masterClrMapping/>
+  </p:clrMapOvr>
+</p:notes>
+</file>
+
+<file path=ppt/notesSlides/notesSlide5.xml><?xml version="1.0" encoding="utf-8"?>
+<p:notes xmlns:a="http://schemas.openxmlformats.org/drawingml/2006/main" xmlns:r="http://schemas.openxmlformats.org/officeDocument/2006/relationships" xmlns:p="http://schemas.openxmlformats.org/presentationml/2006/main">
+  <p:cSld>
+    <p:spTree>
+      <p:nvGrpSpPr>
+        <p:cNvPr id="1" name=""/>
+        <p:cNvGrpSpPr/>
+        <p:nvPr/>
+      </p:nvGrpSpPr>
+      <p:grpSpPr>
+        <a:xfrm>
+          <a:off x="0" y="0"/>
+          <a:ext cx="0" cy="0"/>
+          <a:chOff x="0" y="0"/>
+          <a:chExt cx="0" cy="0"/>
+        </a:xfrm>
+      </p:grpSpPr>
+      <p:sp>
+        <p:nvSpPr>
+          <p:cNvPr id="2" name="幻灯片图像占位符 1"/>
+          <p:cNvSpPr>
+            <a:spLocks noGrp="1" noRot="1" noChangeAspect="1"/>
+          </p:cNvSpPr>
+          <p:nvPr>
+            <p:ph type="sldImg"/>
+          </p:nvPr>
+        </p:nvSpPr>
+        <p:spPr/>
+      </p:sp>
+      <p:sp>
+        <p:nvSpPr>
+          <p:cNvPr id="3" name="备注占位符 2"/>
+          <p:cNvSpPr>
+            <a:spLocks noGrp="1"/>
+          </p:cNvSpPr>
+          <p:nvPr>
+            <p:ph type="body" idx="1"/>
+          </p:nvPr>
+        </p:nvSpPr>
+        <p:spPr/>
+        <p:txBody>
+          <a:bodyPr/>
+          <a:lstStyle/>
+          <a:p>
+            <a:r>
+              <a:rPr lang="zh-CN" altLang="en-US" dirty="0" smtClean="0"/>
+              <a:t>这是我们的第一关的整体渲染图，可以看到。我们的地图细节十分清晰。。。。色彩。。。。。</a:t>
+            </a:r>
+            <a:endParaRPr lang="zh-CN" altLang="en-US" dirty="0"/>
+          </a:p>
+        </p:txBody>
+      </p:sp>
+      <p:sp>
+        <p:nvSpPr>
+          <p:cNvPr id="4" name="灯片编号占位符 3"/>
+          <p:cNvSpPr>
+            <a:spLocks noGrp="1"/>
+          </p:cNvSpPr>
+          <p:nvPr>
+            <p:ph type="sldNum" sz="quarter" idx="10"/>
+          </p:nvPr>
+        </p:nvSpPr>
+        <p:spPr/>
+        <p:txBody>
+          <a:bodyPr/>
+          <a:lstStyle/>
+          <a:p>
+            <a:fld id="{85952953-4931-4294-84E4-D4C8E0E07B6B}" type="slidenum">
+              <a:rPr lang="zh-CN" altLang="en-US" smtClean="0"/>
+              <a:t>5</a:t>
+            </a:fld>
+            <a:endParaRPr lang="zh-CN" altLang="en-US"/>
+          </a:p>
+        </p:txBody>
+      </p:sp>
+    </p:spTree>
+    <p:extLst>
+      <p:ext uri="{BB962C8B-B14F-4D97-AF65-F5344CB8AC3E}">
+        <p14:creationId xmlns:p14="http://schemas.microsoft.com/office/powerpoint/2010/main" val="3266731993"/>
+      </p:ext>
+    </p:extLst>
+  </p:cSld>
+  <p:clrMapOvr>
+    <a:masterClrMapping/>
+  </p:clrMapOvr>
+</p:notes>
+</file>
+
+<file path=ppt/notesSlides/notesSlide6.xml><?xml version="1.0" encoding="utf-8"?>
+<p:notes xmlns:a="http://schemas.openxmlformats.org/drawingml/2006/main" xmlns:r="http://schemas.openxmlformats.org/officeDocument/2006/relationships" xmlns:p="http://schemas.openxmlformats.org/presentationml/2006/main">
+  <p:cSld>
+    <p:spTree>
+      <p:nvGrpSpPr>
+        <p:cNvPr id="1" name=""/>
+        <p:cNvGrpSpPr/>
+        <p:nvPr/>
+      </p:nvGrpSpPr>
+      <p:grpSpPr>
+        <a:xfrm>
+          <a:off x="0" y="0"/>
+          <a:ext cx="0" cy="0"/>
+          <a:chOff x="0" y="0"/>
+          <a:chExt cx="0" cy="0"/>
+        </a:xfrm>
+      </p:grpSpPr>
+      <p:sp>
+        <p:nvSpPr>
+          <p:cNvPr id="2" name="幻灯片图像占位符 1"/>
+          <p:cNvSpPr>
+            <a:spLocks noGrp="1" noRot="1" noChangeAspect="1"/>
+          </p:cNvSpPr>
+          <p:nvPr>
+            <p:ph type="sldImg"/>
+          </p:nvPr>
+        </p:nvSpPr>
+        <p:spPr/>
+      </p:sp>
+      <p:sp>
+        <p:nvSpPr>
+          <p:cNvPr id="3" name="备注占位符 2"/>
+          <p:cNvSpPr>
+            <a:spLocks noGrp="1"/>
+          </p:cNvSpPr>
+          <p:nvPr>
+            <p:ph type="body" idx="1"/>
+          </p:nvPr>
+        </p:nvSpPr>
+        <p:spPr/>
+        <p:txBody>
+          <a:bodyPr/>
+          <a:lstStyle/>
+          <a:p>
+            <a:r>
+              <a:rPr lang="zh-CN" altLang="en-US" dirty="0" smtClean="0"/>
+              <a:t>我们的主角是一个穿着百褶裙的小姑娘，她对外面的世界充满了好奇与向往。</a:t>
+            </a:r>
+            <a:endParaRPr lang="zh-CN" altLang="en-US" dirty="0"/>
+          </a:p>
+        </p:txBody>
+      </p:sp>
+      <p:sp>
+        <p:nvSpPr>
+          <p:cNvPr id="4" name="灯片编号占位符 3"/>
+          <p:cNvSpPr>
+            <a:spLocks noGrp="1"/>
+          </p:cNvSpPr>
+          <p:nvPr>
+            <p:ph type="sldNum" sz="quarter" idx="10"/>
+          </p:nvPr>
+        </p:nvSpPr>
+        <p:spPr/>
+        <p:txBody>
+          <a:bodyPr/>
+          <a:lstStyle/>
+          <a:p>
+            <a:fld id="{85952953-4931-4294-84E4-D4C8E0E07B6B}" type="slidenum">
+              <a:rPr lang="zh-CN" altLang="en-US" smtClean="0"/>
+              <a:t>6</a:t>
+            </a:fld>
+            <a:endParaRPr lang="zh-CN" altLang="en-US"/>
+          </a:p>
+        </p:txBody>
+      </p:sp>
+    </p:spTree>
+    <p:extLst>
+      <p:ext uri="{BB962C8B-B14F-4D97-AF65-F5344CB8AC3E}">
+        <p14:creationId xmlns:p14="http://schemas.microsoft.com/office/powerpoint/2010/main" val="2045051955"/>
+      </p:ext>
+    </p:extLst>
+  </p:cSld>
+  <p:clrMapOvr>
+    <a:masterClrMapping/>
+  </p:clrMapOvr>
+</p:notes>
+</file>
+
+<file path=ppt/notesSlides/notesSlide7.xml><?xml version="1.0" encoding="utf-8"?>
+<p:notes xmlns:a="http://schemas.openxmlformats.org/drawingml/2006/main" xmlns:r="http://schemas.openxmlformats.org/officeDocument/2006/relationships" xmlns:p="http://schemas.openxmlformats.org/presentationml/2006/main">
+  <p:cSld>
+    <p:spTree>
+      <p:nvGrpSpPr>
+        <p:cNvPr id="1" name=""/>
+        <p:cNvGrpSpPr/>
+        <p:nvPr/>
+      </p:nvGrpSpPr>
+      <p:grpSpPr>
+        <a:xfrm>
+          <a:off x="0" y="0"/>
+          <a:ext cx="0" cy="0"/>
+          <a:chOff x="0" y="0"/>
+          <a:chExt cx="0" cy="0"/>
+        </a:xfrm>
+      </p:grpSpPr>
+      <p:sp>
+        <p:nvSpPr>
+          <p:cNvPr id="2" name="幻灯片图像占位符 1"/>
+          <p:cNvSpPr>
+            <a:spLocks noGrp="1" noRot="1" noChangeAspect="1"/>
+          </p:cNvSpPr>
+          <p:nvPr>
+            <p:ph type="sldImg"/>
+          </p:nvPr>
+        </p:nvSpPr>
+        <p:spPr/>
+      </p:sp>
+      <p:sp>
+        <p:nvSpPr>
+          <p:cNvPr id="3" name="备注占位符 2"/>
+          <p:cNvSpPr>
+            <a:spLocks noGrp="1"/>
+          </p:cNvSpPr>
+          <p:nvPr>
+            <p:ph type="body" idx="1"/>
+          </p:nvPr>
+        </p:nvSpPr>
+        <p:spPr/>
+        <p:txBody>
+          <a:bodyPr/>
+          <a:lstStyle/>
+          <a:p>
+            <a:pPr marL="0" marR="0" lvl="0" indent="0" algn="l" defTabSz="914400" rtl="0" eaLnBrk="1" fontAlgn="auto" latinLnBrk="0" hangingPunct="1">
+              <a:lnSpc>
+                <a:spcPct val="100000"/>
+              </a:lnSpc>
+              <a:spcBef>
+                <a:spcPts val="0"/>
+              </a:spcBef>
+              <a:spcAft>
+                <a:spcPts val="0"/>
+              </a:spcAft>
+              <a:buClrTx/>
+              <a:buSzTx/>
+              <a:buFontTx/>
+              <a:buNone/>
+              <a:tabLst/>
+              <a:defRPr/>
+            </a:pPr>
+            <a:r>
+              <a:rPr lang="zh-CN" altLang="en-US" dirty="0" smtClean="0"/>
+              <a:t>下面，我给大家展示一下我们的教学关卡的</a:t>
+            </a:r>
+            <a:r>
+              <a:rPr lang="en-US" altLang="zh-CN" dirty="0" smtClean="0"/>
+              <a:t>Demo</a:t>
+            </a:r>
+            <a:r>
+              <a:rPr lang="zh-CN" altLang="en-US" dirty="0" smtClean="0"/>
+              <a:t>。首先，主人公</a:t>
+            </a:r>
+            <a:r>
+              <a:rPr lang="en-US" altLang="zh-CN" dirty="0" smtClean="0"/>
+              <a:t>Eda</a:t>
+            </a:r>
+            <a:r>
+              <a:rPr lang="zh-CN" altLang="en-US" dirty="0" smtClean="0"/>
+              <a:t>无意中改变了重力的方向，救出了被困住的</a:t>
+            </a:r>
+            <a:r>
+              <a:rPr lang="en-US" altLang="zh-CN" dirty="0" smtClean="0"/>
+              <a:t>Seed</a:t>
+            </a:r>
+            <a:r>
+              <a:rPr lang="zh-CN" altLang="en-US" dirty="0" smtClean="0"/>
+              <a:t>，于是一段神奇的冒险旅程就此开启。</a:t>
+            </a:r>
+            <a:endParaRPr lang="en-US" altLang="zh-CN" dirty="0" smtClean="0"/>
+          </a:p>
+          <a:p>
+            <a:endParaRPr lang="zh-CN" altLang="en-US" dirty="0"/>
+          </a:p>
+        </p:txBody>
+      </p:sp>
+      <p:sp>
+        <p:nvSpPr>
+          <p:cNvPr id="4" name="灯片编号占位符 3"/>
+          <p:cNvSpPr>
+            <a:spLocks noGrp="1"/>
+          </p:cNvSpPr>
+          <p:nvPr>
+            <p:ph type="sldNum" sz="quarter" idx="10"/>
+          </p:nvPr>
+        </p:nvSpPr>
+        <p:spPr/>
+        <p:txBody>
+          <a:bodyPr/>
+          <a:lstStyle/>
+          <a:p>
+            <a:fld id="{85952953-4931-4294-84E4-D4C8E0E07B6B}" type="slidenum">
+              <a:rPr lang="zh-CN" altLang="en-US" smtClean="0"/>
+              <a:t>7</a:t>
+            </a:fld>
+            <a:endParaRPr lang="zh-CN" altLang="en-US"/>
+          </a:p>
+        </p:txBody>
+      </p:sp>
+    </p:spTree>
+    <p:extLst>
+      <p:ext uri="{BB962C8B-B14F-4D97-AF65-F5344CB8AC3E}">
+        <p14:creationId xmlns:p14="http://schemas.microsoft.com/office/powerpoint/2010/main" val="923321682"/>
+      </p:ext>
+    </p:extLst>
+  </p:cSld>
+  <p:clrMapOvr>
+    <a:masterClrMapping/>
+  </p:clrMapOvr>
+</p:notes>
+</file>
+
+<file path=ppt/notesSlides/notesSlide8.xml><?xml version="1.0" encoding="utf-8"?>
+<p:notes xmlns:a="http://schemas.openxmlformats.org/drawingml/2006/main" xmlns:r="http://schemas.openxmlformats.org/officeDocument/2006/relationships" xmlns:p="http://schemas.openxmlformats.org/presentationml/2006/main">
+  <p:cSld>
+    <p:spTree>
+      <p:nvGrpSpPr>
+        <p:cNvPr id="1" name=""/>
+        <p:cNvGrpSpPr/>
+        <p:nvPr/>
+      </p:nvGrpSpPr>
+      <p:grpSpPr>
+        <a:xfrm>
+          <a:off x="0" y="0"/>
+          <a:ext cx="0" cy="0"/>
+          <a:chOff x="0" y="0"/>
+          <a:chExt cx="0" cy="0"/>
+        </a:xfrm>
+      </p:grpSpPr>
+      <p:sp>
+        <p:nvSpPr>
+          <p:cNvPr id="2" name="幻灯片图像占位符 1"/>
+          <p:cNvSpPr>
+            <a:spLocks noGrp="1" noRot="1" noChangeAspect="1"/>
+          </p:cNvSpPr>
+          <p:nvPr>
+            <p:ph type="sldImg"/>
+          </p:nvPr>
+        </p:nvSpPr>
+        <p:spPr/>
+      </p:sp>
+      <p:sp>
+        <p:nvSpPr>
+          <p:cNvPr id="3" name="备注占位符 2"/>
+          <p:cNvSpPr>
+            <a:spLocks noGrp="1"/>
+          </p:cNvSpPr>
+          <p:nvPr>
+            <p:ph type="body" idx="1"/>
+          </p:nvPr>
+        </p:nvSpPr>
+        <p:spPr/>
+        <p:txBody>
+          <a:bodyPr/>
+          <a:lstStyle/>
+          <a:p>
+            <a:pPr marL="0" marR="0" lvl="0" indent="0" algn="l" defTabSz="914400" rtl="0" eaLnBrk="1" fontAlgn="auto" latinLnBrk="0" hangingPunct="1">
+              <a:lnSpc>
+                <a:spcPct val="100000"/>
+              </a:lnSpc>
+              <a:spcBef>
+                <a:spcPts val="0"/>
+              </a:spcBef>
+              <a:spcAft>
+                <a:spcPts val="0"/>
+              </a:spcAft>
+              <a:buClrTx/>
+              <a:buSzTx/>
+              <a:buFontTx/>
+              <a:buNone/>
+              <a:tabLst/>
+              <a:defRPr/>
+            </a:pPr>
+            <a:r>
+              <a:rPr lang="zh-CN" altLang="en-US" sz="1200" b="0" kern="1200" dirty="0" smtClean="0">
+                <a:solidFill>
+                  <a:schemeClr val="tx1"/>
+                </a:solidFill>
+                <a:effectLst/>
+                <a:latin typeface="+mn-lt"/>
+                <a:ea typeface="+mn-ea"/>
+                <a:cs typeface="+mn-cs"/>
+              </a:rPr>
+              <a:t>传统</a:t>
+            </a:r>
+            <a:endParaRPr lang="en-US" altLang="zh-CN" sz="1200" b="0" kern="1200" dirty="0" smtClean="0">
+              <a:solidFill>
+                <a:schemeClr val="tx1"/>
+              </a:solidFill>
+              <a:effectLst/>
+              <a:latin typeface="+mn-lt"/>
+              <a:ea typeface="+mn-ea"/>
+              <a:cs typeface="+mn-cs"/>
+            </a:endParaRPr>
+          </a:p>
+          <a:p>
+            <a:pPr marL="0" marR="0" lvl="0" indent="0" algn="l" defTabSz="914400" rtl="0" eaLnBrk="1" fontAlgn="auto" latinLnBrk="0" hangingPunct="1">
+              <a:lnSpc>
+                <a:spcPct val="100000"/>
+              </a:lnSpc>
+              <a:spcBef>
+                <a:spcPts val="0"/>
+              </a:spcBef>
+              <a:spcAft>
+                <a:spcPts val="0"/>
+              </a:spcAft>
+              <a:buClrTx/>
+              <a:buSzTx/>
+              <a:buFontTx/>
+              <a:buNone/>
+              <a:tabLst/>
+              <a:defRPr/>
+            </a:pPr>
+            <a:r>
+              <a:rPr lang="zh-CN" altLang="en-US" sz="1200" b="0" kern="1200" dirty="0" smtClean="0">
+                <a:solidFill>
+                  <a:schemeClr val="tx1"/>
+                </a:solidFill>
+                <a:effectLst/>
+                <a:latin typeface="+mn-lt"/>
+                <a:ea typeface="+mn-ea"/>
+                <a:cs typeface="+mn-cs"/>
+              </a:rPr>
+              <a:t>我们项目的目标群体主要是针对青少年。游戏的整体画风采用</a:t>
+            </a:r>
+            <a:r>
+              <a:rPr lang="en-US" altLang="zh-CN" sz="1200" b="0" kern="1200" dirty="0" smtClean="0">
+                <a:solidFill>
+                  <a:schemeClr val="tx1"/>
+                </a:solidFill>
+                <a:effectLst/>
+                <a:latin typeface="+mn-lt"/>
+                <a:ea typeface="+mn-ea"/>
+                <a:cs typeface="+mn-cs"/>
+              </a:rPr>
+              <a:t>Low-Poly </a:t>
+            </a:r>
+            <a:r>
+              <a:rPr lang="zh-CN" altLang="en-US" sz="1200" b="0" kern="1200" dirty="0" smtClean="0">
+                <a:solidFill>
+                  <a:schemeClr val="tx1"/>
+                </a:solidFill>
+                <a:effectLst/>
+                <a:latin typeface="+mn-lt"/>
+                <a:ea typeface="+mn-ea"/>
+                <a:cs typeface="+mn-cs"/>
+              </a:rPr>
+              <a:t>风格，贴近青少年的审美。而且游戏的解密要素与探索要素十分贴合少年思维活跃，想象力天马行空的年龄特点。</a:t>
+            </a:r>
+          </a:p>
+          <a:p>
+            <a:r>
+              <a:rPr lang="zh-CN" altLang="en-US" dirty="0" smtClean="0"/>
+              <a:t>我们率先提出了换个角度看世界的概念，给游戏增添了更多的自由度。</a:t>
+            </a:r>
+            <a:endParaRPr lang="zh-CN" altLang="en-US" dirty="0"/>
+          </a:p>
+        </p:txBody>
+      </p:sp>
+      <p:sp>
+        <p:nvSpPr>
+          <p:cNvPr id="4" name="灯片编号占位符 3"/>
+          <p:cNvSpPr>
+            <a:spLocks noGrp="1"/>
+          </p:cNvSpPr>
+          <p:nvPr>
+            <p:ph type="sldNum" sz="quarter" idx="10"/>
+          </p:nvPr>
+        </p:nvSpPr>
+        <p:spPr/>
+        <p:txBody>
+          <a:bodyPr/>
+          <a:lstStyle/>
+          <a:p>
+            <a:fld id="{85952953-4931-4294-84E4-D4C8E0E07B6B}" type="slidenum">
+              <a:rPr lang="zh-CN" altLang="en-US" smtClean="0"/>
+              <a:t>8</a:t>
+            </a:fld>
+            <a:endParaRPr lang="zh-CN" altLang="en-US"/>
+          </a:p>
+        </p:txBody>
+      </p:sp>
+    </p:spTree>
+    <p:extLst>
+      <p:ext uri="{BB962C8B-B14F-4D97-AF65-F5344CB8AC3E}">
+        <p14:creationId xmlns:p14="http://schemas.microsoft.com/office/powerpoint/2010/main" val="1512823724"/>
+      </p:ext>
+    </p:extLst>
+  </p:cSld>
+  <p:clrMapOvr>
+    <a:masterClrMapping/>
+  </p:clrMapOvr>
+</p:notes>
+</file>
+
+<file path=ppt/notesSlides/notesSlide9.xml><?xml version="1.0" encoding="utf-8"?>
+<p:notes xmlns:a="http://schemas.openxmlformats.org/drawingml/2006/main" xmlns:r="http://schemas.openxmlformats.org/officeDocument/2006/relationships" xmlns:p="http://schemas.openxmlformats.org/presentationml/2006/main">
+  <p:cSld>
+    <p:spTree>
+      <p:nvGrpSpPr>
+        <p:cNvPr id="1" name=""/>
+        <p:cNvGrpSpPr/>
+        <p:nvPr/>
+      </p:nvGrpSpPr>
+      <p:grpSpPr>
+        <a:xfrm>
+          <a:off x="0" y="0"/>
+          <a:ext cx="0" cy="0"/>
+          <a:chOff x="0" y="0"/>
+          <a:chExt cx="0" cy="0"/>
+        </a:xfrm>
+      </p:grpSpPr>
+      <p:sp>
+        <p:nvSpPr>
+          <p:cNvPr id="2" name="幻灯片图像占位符 1"/>
+          <p:cNvSpPr>
+            <a:spLocks noGrp="1" noRot="1" noChangeAspect="1"/>
+          </p:cNvSpPr>
+          <p:nvPr>
+            <p:ph type="sldImg"/>
+          </p:nvPr>
+        </p:nvSpPr>
+        <p:spPr/>
+      </p:sp>
+      <p:sp>
+        <p:nvSpPr>
+          <p:cNvPr id="3" name="备注占位符 2"/>
+          <p:cNvSpPr>
+            <a:spLocks noGrp="1"/>
+          </p:cNvSpPr>
+          <p:nvPr>
+            <p:ph type="body" idx="1"/>
+          </p:nvPr>
+        </p:nvSpPr>
+        <p:spPr/>
+        <p:txBody>
+          <a:bodyPr/>
+          <a:lstStyle/>
+          <a:p>
+            <a:endParaRPr lang="zh-CN" altLang="en-US" dirty="0"/>
+          </a:p>
+        </p:txBody>
+      </p:sp>
+      <p:sp>
+        <p:nvSpPr>
+          <p:cNvPr id="4" name="灯片编号占位符 3"/>
+          <p:cNvSpPr>
+            <a:spLocks noGrp="1"/>
+          </p:cNvSpPr>
+          <p:nvPr>
+            <p:ph type="sldNum" sz="quarter" idx="10"/>
+          </p:nvPr>
+        </p:nvSpPr>
+        <p:spPr/>
+        <p:txBody>
+          <a:bodyPr/>
+          <a:lstStyle/>
+          <a:p>
+            <a:fld id="{85952953-4931-4294-84E4-D4C8E0E07B6B}" type="slidenum">
+              <a:rPr lang="zh-CN" altLang="en-US" smtClean="0"/>
+              <a:t>9</a:t>
+            </a:fld>
+            <a:endParaRPr lang="zh-CN" altLang="en-US"/>
+          </a:p>
+        </p:txBody>
+      </p:sp>
+    </p:spTree>
+    <p:extLst>
+      <p:ext uri="{BB962C8B-B14F-4D97-AF65-F5344CB8AC3E}">
+        <p14:creationId xmlns:p14="http://schemas.microsoft.com/office/powerpoint/2010/main" val="712858840"/>
+      </p:ext>
+    </p:extLst>
+  </p:cSld>
+  <p:clrMapOvr>
+    <a:masterClrMapping/>
+  </p:clrMapOvr>
+</p:notes>
 </file>
 
 <file path=ppt/slideLayouts/slideLayout1.xml><?xml version="1.0" encoding="utf-8"?>
@@ -2950,45 +4740,152 @@
       </p:grpSpPr>
       <p:sp>
         <p:nvSpPr>
-          <p:cNvPr id="2" name="标题 1"/>
-          <p:cNvSpPr>
-            <a:spLocks noGrp="1"/>
-          </p:cNvSpPr>
-          <p:nvPr>
-            <p:ph type="ctrTitle"/>
-          </p:nvPr>
-        </p:nvSpPr>
-        <p:spPr/>
-        <p:txBody>
-          <a:bodyPr/>
-          <a:lstStyle/>
-          <a:p>
-            <a:r>
-              <a:rPr lang="zh-CN" altLang="en-US" dirty="0"/>
+          <p:cNvPr id="3" name="副标题 2"/>
+          <p:cNvSpPr>
+            <a:spLocks noGrp="1"/>
+          </p:cNvSpPr>
+          <p:nvPr>
+            <p:ph type="subTitle" idx="1"/>
+          </p:nvPr>
+        </p:nvSpPr>
+        <p:spPr>
+          <a:xfrm>
+            <a:off x="1524000" y="3211512"/>
+            <a:ext cx="9144000" cy="2693987"/>
+          </a:xfrm>
+        </p:spPr>
+        <p:txBody>
+          <a:bodyPr>
+            <a:normAutofit lnSpcReduction="10000"/>
+          </a:bodyPr>
+          <a:lstStyle/>
+          <a:p>
+            <a:r>
+              <a:rPr lang="en-US" altLang="zh-CN" sz="3600" dirty="0" smtClean="0">
+                <a:solidFill>
+                  <a:schemeClr val="accent5">
+                    <a:lumMod val="75000"/>
+                  </a:schemeClr>
+                </a:solidFill>
+              </a:rPr>
+              <a:t>Seeder</a:t>
+            </a:r>
+          </a:p>
+          <a:p>
+            <a:endParaRPr lang="en-US" altLang="zh-CN" dirty="0" smtClean="0"/>
+          </a:p>
+          <a:p>
+            <a:endParaRPr lang="en-US" altLang="zh-CN" dirty="0" smtClean="0"/>
+          </a:p>
+          <a:p>
+            <a:endParaRPr lang="en-US" altLang="zh-CN" dirty="0"/>
+          </a:p>
+          <a:p>
+            <a:endParaRPr lang="en-US" altLang="zh-CN" dirty="0" smtClean="0"/>
+          </a:p>
+          <a:p>
+            <a:r>
+              <a:rPr lang="en-US" altLang="zh-CN" dirty="0" smtClean="0"/>
+              <a:t>						</a:t>
+            </a:r>
+            <a:r>
+              <a:rPr lang="en-US" altLang="zh-CN" dirty="0" err="1" smtClean="0">
+                <a:solidFill>
+                  <a:srgbClr val="00B0F0"/>
+                </a:solidFill>
+              </a:rPr>
+              <a:t>FracGames</a:t>
+            </a:r>
+            <a:r>
+              <a:rPr lang="zh-CN" altLang="en-US" dirty="0">
+                <a:solidFill>
+                  <a:srgbClr val="00B0F0"/>
+                </a:solidFill>
+              </a:rPr>
+              <a:t>团队</a:t>
+            </a:r>
+          </a:p>
+          <a:p>
+            <a:endParaRPr lang="en-US" altLang="zh-CN" dirty="0"/>
+          </a:p>
+        </p:txBody>
+      </p:sp>
+      <p:sp>
+        <p:nvSpPr>
+          <p:cNvPr id="4" name="矩形 3"/>
+          <p:cNvSpPr/>
+          <p:nvPr/>
+        </p:nvSpPr>
+        <p:spPr>
+          <a:xfrm>
+            <a:off x="3757136" y="1490960"/>
+            <a:ext cx="4677728" cy="923330"/>
+          </a:xfrm>
+          <a:prstGeom prst="rect">
+            <a:avLst/>
+          </a:prstGeom>
+          <a:noFill/>
+        </p:spPr>
+        <p:txBody>
+          <a:bodyPr wrap="square" lIns="91440" tIns="45720" rIns="91440" bIns="45720">
+            <a:spAutoFit/>
+          </a:bodyPr>
+          <a:lstStyle/>
+          <a:p>
+            <a:pPr algn="ctr"/>
+            <a:r>
+              <a:rPr lang="zh-CN" altLang="en-US" sz="5400" b="0" cap="none" spc="0" dirty="0">
+                <a:ln w="0"/>
+                <a:gradFill>
+                  <a:gsLst>
+                    <a:gs pos="0">
+                      <a:schemeClr val="accent5">
+                        <a:lumMod val="50000"/>
+                      </a:schemeClr>
+                    </a:gs>
+                    <a:gs pos="50000">
+                      <a:schemeClr val="accent5"/>
+                    </a:gs>
+                    <a:gs pos="100000">
+                      <a:schemeClr val="accent5">
+                        <a:lumMod val="60000"/>
+                        <a:lumOff val="40000"/>
+                      </a:schemeClr>
+                    </a:gs>
+                  </a:gsLst>
+                  <a:lin ang="5400000"/>
+                </a:gradFill>
+                <a:effectLst>
+                  <a:reflection blurRad="6350" stA="53000" endA="300" endPos="35500" dir="5400000" sy="-90000" algn="bl" rotWithShape="0"/>
+                </a:effectLst>
+              </a:rPr>
               <a:t>项目名称</a:t>
             </a:r>
-          </a:p>
-        </p:txBody>
-      </p:sp>
-      <p:sp>
-        <p:nvSpPr>
-          <p:cNvPr id="3" name="副标题 2"/>
-          <p:cNvSpPr>
-            <a:spLocks noGrp="1"/>
-          </p:cNvSpPr>
-          <p:nvPr>
-            <p:ph type="subTitle" idx="1"/>
-          </p:nvPr>
-        </p:nvSpPr>
-        <p:spPr/>
-        <p:txBody>
-          <a:bodyPr/>
-          <a:lstStyle/>
-          <a:p>
-            <a:r>
-              <a:rPr lang="en-US" altLang="zh-CN" dirty="0"/>
-              <a:t>seeder</a:t>
-            </a:r>
+            <a:endParaRPr lang="zh-CN" altLang="en-US" sz="5400" b="0" cap="none" spc="0" dirty="0">
+              <a:ln w="0"/>
+              <a:gradFill>
+                <a:gsLst>
+                  <a:gs pos="0">
+                    <a:schemeClr val="accent5">
+                      <a:lumMod val="50000"/>
+                    </a:schemeClr>
+                  </a:gs>
+                  <a:gs pos="50000">
+                    <a:schemeClr val="accent5"/>
+                  </a:gs>
+                  <a:gs pos="100000">
+                    <a:schemeClr val="accent5">
+                      <a:lumMod val="60000"/>
+                      <a:lumOff val="40000"/>
+                    </a:schemeClr>
+                  </a:gs>
+                </a:gsLst>
+                <a:lin ang="5400000"/>
+              </a:gradFill>
+              <a:effectLst>
+                <a:reflection blurRad="6350" stA="53000" endA="300" endPos="35500" dir="5400000" sy="-90000" algn="bl" rotWithShape="0"/>
+              </a:effectLst>
+            </a:endParaRPr>
           </a:p>
         </p:txBody>
       </p:sp>
@@ -3032,41 +4929,160 @@
             <p:ph type="title"/>
           </p:nvPr>
         </p:nvSpPr>
-        <p:spPr/>
-        <p:txBody>
-          <a:bodyPr/>
-          <a:lstStyle/>
-          <a:p>
+        <p:spPr>
+          <a:xfrm>
+            <a:off x="723900" y="317500"/>
+            <a:ext cx="10515600" cy="1325563"/>
+          </a:xfrm>
+        </p:spPr>
+        <p:txBody>
+          <a:bodyPr/>
+          <a:lstStyle/>
+          <a:p>
+            <a:r>
+              <a:rPr lang="en-US" altLang="zh-CN" dirty="0" err="1" smtClean="0"/>
+              <a:t>ppt</a:t>
+            </a:r>
+            <a:r>
+              <a:rPr lang="zh-CN" altLang="en-US" dirty="0" smtClean="0"/>
+              <a:t>结构</a:t>
+            </a:r>
+            <a:endParaRPr lang="zh-CN" altLang="en-US" dirty="0"/>
+          </a:p>
+        </p:txBody>
+      </p:sp>
+      <p:sp>
+        <p:nvSpPr>
+          <p:cNvPr id="3" name="内容占位符 2"/>
+          <p:cNvSpPr>
+            <a:spLocks noGrp="1"/>
+          </p:cNvSpPr>
+          <p:nvPr>
+            <p:ph idx="1"/>
+          </p:nvPr>
+        </p:nvSpPr>
+        <p:spPr/>
+        <p:txBody>
+          <a:bodyPr/>
+          <a:lstStyle/>
+          <a:p>
+            <a:r>
+              <a:rPr lang="zh-CN" altLang="en-US" dirty="0" smtClean="0"/>
+              <a:t>游戏介绍</a:t>
+            </a:r>
+            <a:endParaRPr lang="en-US" altLang="zh-CN" dirty="0"/>
+          </a:p>
+          <a:p>
+            <a:pPr lvl="1"/>
             <a:r>
               <a:rPr lang="zh-CN" altLang="en-US" dirty="0"/>
-              <a:t>收到</a:t>
-            </a:r>
-          </a:p>
-        </p:txBody>
-      </p:sp>
-      <p:sp>
-        <p:nvSpPr>
-          <p:cNvPr id="3" name="内容占位符 2"/>
-          <p:cNvSpPr>
-            <a:spLocks noGrp="1"/>
-          </p:cNvSpPr>
-          <p:nvPr>
-            <p:ph idx="1"/>
-          </p:nvPr>
-        </p:nvSpPr>
-        <p:spPr/>
-        <p:txBody>
-          <a:bodyPr/>
-          <a:lstStyle/>
-          <a:p>
+              <a:t>游戏</a:t>
+            </a:r>
+            <a:r>
+              <a:rPr lang="zh-CN" altLang="en-US" dirty="0" smtClean="0"/>
+              <a:t>主题</a:t>
+            </a:r>
+            <a:endParaRPr lang="en-US" altLang="zh-CN" dirty="0" smtClean="0"/>
+          </a:p>
+          <a:p>
+            <a:pPr lvl="1"/>
+            <a:r>
+              <a:rPr lang="zh-CN" altLang="en-US" dirty="0" smtClean="0"/>
+              <a:t>玩</a:t>
+            </a:r>
             <a:r>
               <a:rPr lang="zh-CN" altLang="en-US" dirty="0"/>
-              <a:t>收到</a:t>
+              <a:t>法</a:t>
+            </a:r>
+            <a:r>
+              <a:rPr lang="zh-CN" altLang="en-US" dirty="0" smtClean="0"/>
+              <a:t>介绍           （加上翻转</a:t>
+            </a:r>
+            <a:r>
+              <a:rPr lang="en-US" altLang="zh-CN" dirty="0" smtClean="0"/>
+              <a:t>GIF</a:t>
+            </a:r>
+            <a:r>
+              <a:rPr lang="zh-CN" altLang="en-US" dirty="0" smtClean="0"/>
+              <a:t>）</a:t>
+            </a:r>
+            <a:endParaRPr lang="en-US" altLang="zh-CN" dirty="0" smtClean="0"/>
+          </a:p>
+          <a:p>
+            <a:pPr lvl="1"/>
+            <a:r>
+              <a:rPr lang="zh-CN" altLang="en-US" dirty="0" smtClean="0"/>
+              <a:t>惊艳的视觉效果（</a:t>
+            </a:r>
+            <a:r>
+              <a:rPr lang="en-US" altLang="zh-CN" dirty="0" smtClean="0"/>
+              <a:t>background graph display</a:t>
+            </a:r>
+            <a:r>
+              <a:rPr lang="zh-CN" altLang="en-US" dirty="0" smtClean="0"/>
+              <a:t>）</a:t>
+            </a:r>
+            <a:endParaRPr lang="en-US" altLang="zh-CN" dirty="0" smtClean="0"/>
+          </a:p>
+          <a:p>
+            <a:pPr lvl="1"/>
+            <a:r>
+              <a:rPr lang="en-US" altLang="zh-CN" dirty="0" smtClean="0"/>
+              <a:t>Demo</a:t>
+            </a:r>
+            <a:r>
+              <a:rPr lang="zh-CN" altLang="en-US" dirty="0" smtClean="0"/>
+              <a:t>展示         （一到两个关卡的视频）</a:t>
+            </a:r>
+            <a:endParaRPr lang="en-US" altLang="zh-CN" dirty="0" smtClean="0"/>
+          </a:p>
+          <a:p>
+            <a:r>
+              <a:rPr lang="zh-CN" altLang="en-US" dirty="0" smtClean="0"/>
+              <a:t>游戏可行性分析及市场推广</a:t>
             </a:r>
             <a:endParaRPr lang="en-US" altLang="zh-CN" dirty="0"/>
           </a:p>
           <a:p>
             <a:pPr lvl="1"/>
+            <a:r>
+              <a:rPr lang="zh-CN" altLang="en-US" dirty="0" smtClean="0"/>
+              <a:t>市场受众分析</a:t>
+            </a:r>
+            <a:endParaRPr lang="en-US" altLang="zh-CN" dirty="0"/>
+          </a:p>
+          <a:p>
+            <a:pPr lvl="1"/>
+            <a:r>
+              <a:rPr lang="zh-CN" altLang="en-US" dirty="0" smtClean="0"/>
+              <a:t>游戏</a:t>
+            </a:r>
+            <a:r>
+              <a:rPr lang="en-US" altLang="zh-CN" dirty="0" smtClean="0"/>
+              <a:t>hit</a:t>
+            </a:r>
+            <a:r>
+              <a:rPr lang="zh-CN" altLang="en-US" dirty="0" smtClean="0"/>
+              <a:t>点分析</a:t>
+            </a:r>
+            <a:endParaRPr lang="en-US" altLang="zh-CN" dirty="0"/>
+          </a:p>
+          <a:p>
+            <a:pPr lvl="1"/>
+            <a:r>
+              <a:rPr lang="zh-CN" altLang="en-US" dirty="0" smtClean="0"/>
+              <a:t>市场推广计划</a:t>
+            </a:r>
+            <a:endParaRPr lang="en-US" altLang="zh-CN" dirty="0"/>
+          </a:p>
+          <a:p>
+            <a:pPr lvl="1"/>
+            <a:endParaRPr lang="en-US" altLang="zh-CN" dirty="0"/>
+          </a:p>
+          <a:p>
+            <a:pPr marL="457200" lvl="1" indent="0">
+              <a:buNone/>
+            </a:pPr>
             <a:endParaRPr lang="zh-CN" altLang="en-US" dirty="0"/>
           </a:p>
         </p:txBody>
@@ -3116,6 +5132,18 @@
           <a:bodyPr/>
           <a:lstStyle/>
           <a:p>
+            <a:r>
+              <a:rPr lang="zh-CN" altLang="en-US" dirty="0" smtClean="0"/>
+              <a:t>游戏介绍</a:t>
+            </a:r>
+            <a:r>
+              <a:rPr lang="en-US" altLang="zh-CN" dirty="0" smtClean="0"/>
+              <a:t>-</a:t>
+            </a:r>
+            <a:r>
+              <a:rPr lang="zh-CN" altLang="en-US" dirty="0" smtClean="0"/>
+              <a:t>游戏主题</a:t>
+            </a:r>
             <a:endParaRPr lang="zh-CN" altLang="en-US" dirty="0"/>
           </a:p>
         </p:txBody>
@@ -3135,10 +5163,84 @@
           <a:bodyPr/>
           <a:lstStyle/>
           <a:p>
-            <a:endParaRPr lang="zh-CN" altLang="en-US"/>
-          </a:p>
-        </p:txBody>
-      </p:sp>
+            <a:r>
+              <a:rPr lang="zh-CN" altLang="en-US" dirty="0" smtClean="0"/>
+              <a:t>重力旋转</a:t>
+            </a:r>
+            <a:endParaRPr lang="en-US" altLang="zh-CN" dirty="0" smtClean="0"/>
+          </a:p>
+          <a:p>
+            <a:endParaRPr lang="en-US" altLang="zh-CN" dirty="0" smtClean="0"/>
+          </a:p>
+          <a:p>
+            <a:r>
+              <a:rPr lang="zh-CN" altLang="en-US" dirty="0" smtClean="0"/>
+              <a:t>探险</a:t>
+            </a:r>
+            <a:endParaRPr lang="zh-CN" altLang="en-US" dirty="0"/>
+          </a:p>
+        </p:txBody>
+      </p:sp>
+      <p:pic>
+        <p:nvPicPr>
+          <p:cNvPr id="4" name="图片 3"/>
+          <p:cNvPicPr>
+            <a:picLocks noChangeAspect="1"/>
+          </p:cNvPicPr>
+          <p:nvPr/>
+        </p:nvPicPr>
+        <p:blipFill>
+          <a:blip r:embed="rId3" cstate="print">
+            <a:extLst>
+              <a:ext uri="{28A0092B-C50C-407E-A947-70E740481C1C}">
+                <a14:useLocalDpi xmlns:a14="http://schemas.microsoft.com/office/drawing/2010/main" val="0"/>
+              </a:ext>
+            </a:extLst>
+          </a:blip>
+          <a:stretch>
+            <a:fillRect/>
+          </a:stretch>
+        </p:blipFill>
+        <p:spPr>
+          <a:xfrm>
+            <a:off x="6847114" y="479266"/>
+            <a:ext cx="1698171" cy="1097280"/>
+          </a:xfrm>
+          <a:prstGeom prst="rect">
+            <a:avLst/>
+          </a:prstGeom>
+        </p:spPr>
+      </p:pic>
+      <p:pic>
+        <p:nvPicPr>
+          <p:cNvPr id="5" name="图片 4"/>
+          <p:cNvPicPr>
+            <a:picLocks noChangeAspect="1"/>
+          </p:cNvPicPr>
+          <p:nvPr/>
+        </p:nvPicPr>
+        <p:blipFill>
+          <a:blip r:embed="rId4">
+            <a:extLst>
+              <a:ext uri="{28A0092B-C50C-407E-A947-70E740481C1C}">
+                <a14:useLocalDpi xmlns:a14="http://schemas.microsoft.com/office/drawing/2010/main" val="0"/>
+              </a:ext>
+            </a:extLst>
+          </a:blip>
+          <a:stretch>
+            <a:fillRect/>
+          </a:stretch>
+        </p:blipFill>
+        <p:spPr>
+          <a:xfrm>
+            <a:off x="7616200" y="4466431"/>
+            <a:ext cx="2391569" cy="2391569"/>
+          </a:xfrm>
+          <a:prstGeom prst="rect">
+            <a:avLst/>
+          </a:prstGeom>
+        </p:spPr>
+      </p:pic>
     </p:spTree>
     <p:extLst>
       <p:ext uri="{BB962C8B-B14F-4D97-AF65-F5344CB8AC3E}">
@@ -3184,6 +5286,18 @@
           <a:bodyPr/>
           <a:lstStyle/>
           <a:p>
+            <a:r>
+              <a:rPr lang="zh-CN" altLang="en-US" dirty="0" smtClean="0"/>
+              <a:t>游戏介绍</a:t>
+            </a:r>
+            <a:r>
+              <a:rPr lang="en-US" altLang="zh-CN" dirty="0" smtClean="0"/>
+              <a:t>——</a:t>
+            </a:r>
+            <a:r>
+              <a:rPr lang="zh-CN" altLang="en-US" dirty="0" smtClean="0"/>
+              <a:t>玩法介绍</a:t>
+            </a:r>
             <a:endParaRPr lang="zh-CN" altLang="en-US" dirty="0"/>
           </a:p>
         </p:txBody>
@@ -3200,9 +5314,75 @@
         </p:nvSpPr>
         <p:spPr/>
         <p:txBody>
-          <a:bodyPr/>
-          <a:lstStyle/>
-          <a:p>
+          <a:bodyPr>
+            <a:normAutofit/>
+          </a:bodyPr>
+          <a:lstStyle/>
+          <a:p>
+            <a:r>
+              <a:rPr lang="zh-CN" altLang="en-US" dirty="0" smtClean="0"/>
+              <a:t>人物可以左右</a:t>
+            </a:r>
+            <a:r>
+              <a:rPr lang="zh-CN" altLang="en-US" dirty="0"/>
+              <a:t>移动</a:t>
+            </a:r>
+          </a:p>
+          <a:p>
+            <a:endParaRPr lang="zh-CN" altLang="en-US" dirty="0"/>
+          </a:p>
+          <a:p>
+            <a:r>
+              <a:rPr lang="en-US" altLang="zh-CN" dirty="0"/>
+              <a:t> </a:t>
+            </a:r>
+            <a:r>
+              <a:rPr lang="zh-CN" altLang="en-US" dirty="0" smtClean="0"/>
+              <a:t>人物可以顺时针与逆时针旋转世界</a:t>
+            </a:r>
+            <a:endParaRPr lang="zh-CN" altLang="en-US" dirty="0"/>
+          </a:p>
+          <a:p>
+            <a:pPr marL="0" indent="0">
+              <a:buNone/>
+            </a:pPr>
+            <a:endParaRPr lang="zh-CN" altLang="en-US" dirty="0"/>
+          </a:p>
+          <a:p>
+            <a:r>
+              <a:rPr lang="zh-CN" altLang="en-US" dirty="0" smtClean="0"/>
+              <a:t>人物发动特殊能力</a:t>
+            </a:r>
+            <a:endParaRPr lang="en-US" altLang="zh-CN" dirty="0" smtClean="0"/>
+          </a:p>
+          <a:p>
+            <a:endParaRPr lang="en-US" altLang="zh-CN" dirty="0" smtClean="0"/>
+          </a:p>
+          <a:p>
+            <a:r>
+              <a:rPr lang="zh-CN" altLang="en-US" dirty="0" smtClean="0"/>
+              <a:t>每个关卡的任务是将</a:t>
+            </a:r>
+            <a:r>
+              <a:rPr lang="en-US" altLang="zh-CN" dirty="0" smtClean="0"/>
+              <a:t>Seed</a:t>
+            </a:r>
+            <a:r>
+              <a:rPr lang="zh-CN" altLang="en-US" dirty="0" smtClean="0"/>
+              <a:t>送至指定位置</a:t>
+            </a:r>
+            <a:endParaRPr lang="zh-CN" altLang="en-US" dirty="0"/>
+          </a:p>
+          <a:p>
+            <a:pPr marL="0" indent="0">
+              <a:buNone/>
+            </a:pPr>
+            <a:endParaRPr lang="en-US" altLang="zh-CN" dirty="0" smtClean="0"/>
+          </a:p>
+          <a:p>
+            <a:pPr marL="0" indent="0">
+              <a:buNone/>
+            </a:pPr>
             <a:endParaRPr lang="zh-CN" altLang="en-US" dirty="0"/>
           </a:p>
         </p:txBody>
@@ -3252,6 +5432,18 @@
           <a:bodyPr/>
           <a:lstStyle/>
           <a:p>
+            <a:r>
+              <a:rPr lang="zh-CN" altLang="en-US" dirty="0" smtClean="0"/>
+              <a:t>游戏介绍</a:t>
+            </a:r>
+            <a:r>
+              <a:rPr lang="en-US" altLang="zh-CN" dirty="0" smtClean="0"/>
+              <a:t>——</a:t>
+            </a:r>
+            <a:r>
+              <a:rPr lang="zh-CN" altLang="en-US" dirty="0" smtClean="0"/>
+              <a:t>场景渲染</a:t>
+            </a:r>
             <a:endParaRPr lang="zh-CN" altLang="en-US" dirty="0"/>
           </a:p>
         </p:txBody>
@@ -3271,6 +5463,31 @@
           <a:bodyPr/>
           <a:lstStyle/>
           <a:p>
+            <a:endParaRPr lang="en-US" altLang="zh-CN" dirty="0" smtClean="0"/>
+          </a:p>
+          <a:p>
+            <a:r>
+              <a:rPr lang="en-US" altLang="zh-CN" dirty="0" smtClean="0"/>
+              <a:t>Show </a:t>
+            </a:r>
+            <a:r>
+              <a:rPr lang="zh-CN" altLang="en-US" dirty="0" smtClean="0"/>
+              <a:t>背景图</a:t>
+            </a:r>
+            <a:endParaRPr lang="en-US" altLang="zh-CN" dirty="0" smtClean="0"/>
+          </a:p>
+          <a:p>
+            <a:endParaRPr lang="en-US" altLang="zh-CN" dirty="0"/>
+          </a:p>
+          <a:p>
+            <a:r>
+              <a:rPr lang="en-US" altLang="zh-CN" dirty="0" smtClean="0"/>
+              <a:t>Show </a:t>
+            </a:r>
+            <a:r>
+              <a:rPr lang="zh-CN" altLang="en-US" dirty="0" smtClean="0"/>
+              <a:t>人物模型</a:t>
+            </a:r>
             <a:endParaRPr lang="zh-CN" altLang="en-US" dirty="0"/>
           </a:p>
         </p:txBody>
@@ -3320,6 +5537,18 @@
           <a:bodyPr/>
           <a:lstStyle/>
           <a:p>
+            <a:r>
+              <a:rPr lang="zh-CN" altLang="en-US" dirty="0" smtClean="0"/>
+              <a:t>游戏介绍</a:t>
+            </a:r>
+            <a:r>
+              <a:rPr lang="en-US" altLang="zh-CN" dirty="0" smtClean="0"/>
+              <a:t>——</a:t>
+            </a:r>
+            <a:r>
+              <a:rPr lang="zh-CN" altLang="en-US" dirty="0" smtClean="0"/>
+              <a:t>人物模型</a:t>
+            </a:r>
             <a:endParaRPr lang="zh-CN" altLang="en-US" dirty="0"/>
           </a:p>
         </p:txBody>
@@ -3339,7 +5568,87 @@
           <a:bodyPr/>
           <a:lstStyle/>
           <a:p>
-            <a:endParaRPr lang="zh-CN" altLang="en-US"/>
+            <a:endParaRPr lang="zh-CN" altLang="en-US" dirty="0"/>
+          </a:p>
+        </p:txBody>
+      </p:sp>
+    </p:spTree>
+    <p:extLst>
+      <p:ext uri="{BB962C8B-B14F-4D97-AF65-F5344CB8AC3E}">
+        <p14:creationId xmlns:p14="http://schemas.microsoft.com/office/powerpoint/2010/main" val="768176747"/>
+      </p:ext>
+    </p:extLst>
+  </p:cSld>
+  <p:clrMapOvr>
+    <a:masterClrMapping/>
+  </p:clrMapOvr>
+</p:sld>
+</file>
+
+<file path=ppt/slides/slide7.xml><?xml version="1.0" encoding="utf-8"?>
+<p:sld xmlns:a="http://schemas.openxmlformats.org/drawingml/2006/main" xmlns:r="http://schemas.openxmlformats.org/officeDocument/2006/relationships" xmlns:p="http://schemas.openxmlformats.org/presentationml/2006/main">
+  <p:cSld>
+    <p:spTree>
+      <p:nvGrpSpPr>
+        <p:cNvPr id="1" name=""/>
+        <p:cNvGrpSpPr/>
+        <p:nvPr/>
+      </p:nvGrpSpPr>
+      <p:grpSpPr>
+        <a:xfrm>
+          <a:off x="0" y="0"/>
+          <a:ext cx="0" cy="0"/>
+          <a:chOff x="0" y="0"/>
+          <a:chExt cx="0" cy="0"/>
+        </a:xfrm>
+      </p:grpSpPr>
+      <p:sp>
+        <p:nvSpPr>
+          <p:cNvPr id="2" name="标题 1"/>
+          <p:cNvSpPr>
+            <a:spLocks noGrp="1"/>
+          </p:cNvSpPr>
+          <p:nvPr>
+            <p:ph type="title"/>
+          </p:nvPr>
+        </p:nvSpPr>
+        <p:spPr/>
+        <p:txBody>
+          <a:bodyPr/>
+          <a:lstStyle/>
+          <a:p>
+            <a:r>
+              <a:rPr lang="zh-CN" altLang="en-US" dirty="0" smtClean="0"/>
+              <a:t>游戏介绍</a:t>
+            </a:r>
+            <a:r>
+              <a:rPr lang="en-US" altLang="zh-CN" dirty="0" smtClean="0"/>
+              <a:t>——Demo</a:t>
+            </a:r>
+            <a:r>
+              <a:rPr lang="zh-CN" altLang="en-US" dirty="0" smtClean="0"/>
+              <a:t>演示</a:t>
+            </a:r>
+            <a:endParaRPr lang="zh-CN" altLang="en-US" dirty="0"/>
+          </a:p>
+        </p:txBody>
+      </p:sp>
+      <p:sp>
+        <p:nvSpPr>
+          <p:cNvPr id="3" name="内容占位符 2"/>
+          <p:cNvSpPr>
+            <a:spLocks noGrp="1"/>
+          </p:cNvSpPr>
+          <p:nvPr>
+            <p:ph idx="1"/>
+          </p:nvPr>
+        </p:nvSpPr>
+        <p:spPr/>
+        <p:txBody>
+          <a:bodyPr/>
+          <a:lstStyle/>
+          <a:p>
+            <a:endParaRPr lang="zh-CN" altLang="en-US" dirty="0"/>
           </a:p>
         </p:txBody>
       </p:sp>
@@ -3347,6 +5656,243 @@
     <p:extLst>
       <p:ext uri="{BB962C8B-B14F-4D97-AF65-F5344CB8AC3E}">
         <p14:creationId xmlns:p14="http://schemas.microsoft.com/office/powerpoint/2010/main" val="101502592"/>
+      </p:ext>
+    </p:extLst>
+  </p:cSld>
+  <p:clrMapOvr>
+    <a:masterClrMapping/>
+  </p:clrMapOvr>
+</p:sld>
+</file>
+
+<file path=ppt/slides/slide8.xml><?xml version="1.0" encoding="utf-8"?>
+<p:sld xmlns:a="http://schemas.openxmlformats.org/drawingml/2006/main" xmlns:r="http://schemas.openxmlformats.org/officeDocument/2006/relationships" xmlns:p="http://schemas.openxmlformats.org/presentationml/2006/main">
+  <p:cSld>
+    <p:spTree>
+      <p:nvGrpSpPr>
+        <p:cNvPr id="1" name=""/>
+        <p:cNvGrpSpPr/>
+        <p:nvPr/>
+      </p:nvGrpSpPr>
+      <p:grpSpPr>
+        <a:xfrm>
+          <a:off x="0" y="0"/>
+          <a:ext cx="0" cy="0"/>
+          <a:chOff x="0" y="0"/>
+          <a:chExt cx="0" cy="0"/>
+        </a:xfrm>
+      </p:grpSpPr>
+      <p:sp>
+        <p:nvSpPr>
+          <p:cNvPr id="2" name="标题 1"/>
+          <p:cNvSpPr>
+            <a:spLocks noGrp="1"/>
+          </p:cNvSpPr>
+          <p:nvPr>
+            <p:ph type="title"/>
+          </p:nvPr>
+        </p:nvSpPr>
+        <p:spPr/>
+        <p:txBody>
+          <a:bodyPr/>
+          <a:lstStyle/>
+          <a:p>
+            <a:r>
+              <a:rPr lang="zh-CN" altLang="en-US" dirty="0" smtClean="0"/>
+              <a:t>游戏可行性分析</a:t>
+            </a:r>
+            <a:endParaRPr lang="zh-CN" altLang="en-US" dirty="0"/>
+          </a:p>
+        </p:txBody>
+      </p:sp>
+      <p:sp>
+        <p:nvSpPr>
+          <p:cNvPr id="3" name="内容占位符 2"/>
+          <p:cNvSpPr>
+            <a:spLocks noGrp="1"/>
+          </p:cNvSpPr>
+          <p:nvPr>
+            <p:ph idx="1"/>
+          </p:nvPr>
+        </p:nvSpPr>
+        <p:spPr/>
+        <p:txBody>
+          <a:bodyPr/>
+          <a:lstStyle/>
+          <a:p>
+            <a:pPr marL="0" indent="0">
+              <a:buNone/>
+            </a:pPr>
+            <a:endParaRPr lang="en-US" altLang="zh-CN" dirty="0"/>
+          </a:p>
+          <a:p>
+            <a:r>
+              <a:rPr lang="zh-CN" altLang="en-US" dirty="0" smtClean="0"/>
+              <a:t>受众分析</a:t>
+            </a:r>
+            <a:endParaRPr lang="en-US" altLang="zh-CN" dirty="0" smtClean="0"/>
+          </a:p>
+          <a:p>
+            <a:endParaRPr lang="en-US" altLang="zh-CN" dirty="0"/>
+          </a:p>
+          <a:p>
+            <a:r>
+              <a:rPr lang="zh-CN" altLang="en-US" dirty="0" smtClean="0"/>
+              <a:t>贴合型分析</a:t>
+            </a:r>
+            <a:endParaRPr lang="en-US" altLang="zh-CN" dirty="0" smtClean="0"/>
+          </a:p>
+          <a:p>
+            <a:endParaRPr lang="en-US" altLang="zh-CN" dirty="0"/>
+          </a:p>
+          <a:p>
+            <a:r>
+              <a:rPr lang="zh-CN" altLang="en-US" dirty="0" smtClean="0"/>
+              <a:t>创新点</a:t>
+            </a:r>
+            <a:endParaRPr lang="en-US" altLang="zh-CN" dirty="0" smtClean="0"/>
+          </a:p>
+          <a:p>
+            <a:endParaRPr lang="en-US" altLang="zh-CN" dirty="0" smtClean="0"/>
+          </a:p>
+        </p:txBody>
+      </p:sp>
+    </p:spTree>
+    <p:extLst>
+      <p:ext uri="{BB962C8B-B14F-4D97-AF65-F5344CB8AC3E}">
+        <p14:creationId xmlns:p14="http://schemas.microsoft.com/office/powerpoint/2010/main" val="3808054890"/>
+      </p:ext>
+    </p:extLst>
+  </p:cSld>
+  <p:clrMapOvr>
+    <a:masterClrMapping/>
+  </p:clrMapOvr>
+</p:sld>
+</file>
+
+<file path=ppt/slides/slide9.xml><?xml version="1.0" encoding="utf-8"?>
+<p:sld xmlns:a="http://schemas.openxmlformats.org/drawingml/2006/main" xmlns:r="http://schemas.openxmlformats.org/officeDocument/2006/relationships" xmlns:p="http://schemas.openxmlformats.org/presentationml/2006/main">
+  <p:cSld>
+    <p:spTree>
+      <p:nvGrpSpPr>
+        <p:cNvPr id="1" name=""/>
+        <p:cNvGrpSpPr/>
+        <p:nvPr/>
+      </p:nvGrpSpPr>
+      <p:grpSpPr>
+        <a:xfrm>
+          <a:off x="0" y="0"/>
+          <a:ext cx="0" cy="0"/>
+          <a:chOff x="0" y="0"/>
+          <a:chExt cx="0" cy="0"/>
+        </a:xfrm>
+      </p:grpSpPr>
+      <p:sp>
+        <p:nvSpPr>
+          <p:cNvPr id="2" name="标题 1"/>
+          <p:cNvSpPr>
+            <a:spLocks noGrp="1"/>
+          </p:cNvSpPr>
+          <p:nvPr>
+            <p:ph type="title"/>
+          </p:nvPr>
+        </p:nvSpPr>
+        <p:spPr/>
+        <p:txBody>
+          <a:bodyPr/>
+          <a:lstStyle/>
+          <a:p>
+            <a:r>
+              <a:rPr lang="zh-CN" altLang="en-US" dirty="0" smtClean="0"/>
+              <a:t>市场推广</a:t>
+            </a:r>
+            <a:endParaRPr lang="zh-CN" altLang="en-US" dirty="0"/>
+          </a:p>
+        </p:txBody>
+      </p:sp>
+      <p:sp>
+        <p:nvSpPr>
+          <p:cNvPr id="3" name="内容占位符 2"/>
+          <p:cNvSpPr>
+            <a:spLocks noGrp="1"/>
+          </p:cNvSpPr>
+          <p:nvPr>
+            <p:ph idx="1"/>
+          </p:nvPr>
+        </p:nvSpPr>
+        <p:spPr/>
+        <p:txBody>
+          <a:bodyPr/>
+          <a:lstStyle/>
+          <a:p>
+            <a:r>
+              <a:rPr lang="zh-CN" altLang="en-US" dirty="0"/>
+              <a:t>我们项目的推广准备首先推出手游平台</a:t>
+            </a:r>
+            <a:r>
+              <a:rPr lang="en-US" altLang="zh-CN" dirty="0"/>
+              <a:t>,</a:t>
+            </a:r>
+            <a:r>
+              <a:rPr lang="zh-CN" altLang="en-US" dirty="0"/>
+              <a:t>利用手机的普及型与便携性迅速打开</a:t>
+            </a:r>
+            <a:r>
+              <a:rPr lang="zh-CN" altLang="en-US" dirty="0" smtClean="0"/>
+              <a:t>市场</a:t>
+            </a:r>
+            <a:endParaRPr lang="en-US" altLang="zh-CN" dirty="0" smtClean="0"/>
+          </a:p>
+          <a:p>
+            <a:endParaRPr lang="en-US" altLang="zh-CN" dirty="0" smtClean="0"/>
+          </a:p>
+          <a:p>
+            <a:r>
+              <a:rPr lang="zh-CN" altLang="en-US" dirty="0" smtClean="0"/>
+              <a:t>在一线游戏媒体进行宣传投放</a:t>
+            </a:r>
+            <a:endParaRPr lang="en-US" altLang="zh-CN" dirty="0" smtClean="0"/>
+          </a:p>
+          <a:p>
+            <a:endParaRPr lang="en-US" altLang="zh-CN" dirty="0" smtClean="0"/>
+          </a:p>
+          <a:p>
+            <a:r>
+              <a:rPr lang="zh-CN" altLang="en-US" dirty="0" smtClean="0"/>
+              <a:t>通过</a:t>
+            </a:r>
+            <a:r>
+              <a:rPr lang="zh-CN" altLang="en-US" dirty="0"/>
+              <a:t>微信微博平台进行</a:t>
+            </a:r>
+            <a:r>
+              <a:rPr lang="zh-CN" altLang="en-US" dirty="0" smtClean="0"/>
+              <a:t>宣传</a:t>
+            </a:r>
+            <a:endParaRPr lang="zh-CN" altLang="en-US" dirty="0"/>
+          </a:p>
+          <a:p>
+            <a:pPr marL="0" indent="0">
+              <a:buNone/>
+            </a:pPr>
+            <a:r>
+              <a:rPr lang="zh-CN" altLang="en-US" dirty="0"/>
+              <a:t/>
+            </a:r>
+            <a:br>
+              <a:rPr lang="zh-CN" altLang="en-US" dirty="0"/>
+            </a:br>
+            <a:endParaRPr lang="zh-CN" altLang="en-US" dirty="0"/>
+          </a:p>
+          <a:p>
+            <a:endParaRPr lang="zh-CN" altLang="en-US" dirty="0"/>
+          </a:p>
+        </p:txBody>
+      </p:sp>
+    </p:spTree>
+    <p:extLst>
+      <p:ext uri="{BB962C8B-B14F-4D97-AF65-F5344CB8AC3E}">
+        <p14:creationId xmlns:p14="http://schemas.microsoft.com/office/powerpoint/2010/main" val="2948610756"/>
       </p:ext>
     </p:extLst>
   </p:cSld>
@@ -3649,4 +6195,265 @@
     </a:ext>
   </a:extLst>
 </a:theme>
+</file>
+
+<file path=ppt/theme/theme2.xml><?xml version="1.0" encoding="utf-8"?>
+<a:theme xmlns:a="http://schemas.openxmlformats.org/drawingml/2006/main" name="Office 主题">
+  <a:themeElements>
+    <a:clrScheme name="Office">
+      <a:dk1>
+        <a:sysClr val="windowText" lastClr="000000"/>
+      </a:dk1>
+      <a:lt1>
+        <a:sysClr val="window" lastClr="FFFFFF"/>
+      </a:lt1>
+      <a:dk2>
+        <a:srgbClr val="44546A"/>
+      </a:dk2>
+      <a:lt2>
+        <a:srgbClr val="E7E6E6"/>
+      </a:lt2>
+      <a:accent1>
+        <a:srgbClr val="5B9BD5"/>
+      </a:accent1>
+      <a:accent2>
+        <a:srgbClr val="ED7D31"/>
+      </a:accent2>
+      <a:accent3>
+        <a:srgbClr val="A5A5A5"/>
+      </a:accent3>
+      <a:accent4>
+        <a:srgbClr val="FFC000"/>
+      </a:accent4>
+      <a:accent5>
+        <a:srgbClr val="4472C4"/>
+      </a:accent5>
+      <a:accent6>
+        <a:srgbClr val="70AD47"/>
+      </a:accent6>
+      <a:hlink>
+        <a:srgbClr val="0563C1"/>
+      </a:hlink>
+      <a:folHlink>
+        <a:srgbClr val="954F72"/>
+      </a:folHlink>
+    </a:clrScheme>
+    <a:fontScheme name="Office">
+      <a:majorFont>
+        <a:latin typeface="Calibri Light" panose="020F0302020204030204"/>
+        <a:ea typeface=""/>
+        <a:cs typeface=""/>
+        <a:font script="Jpan" typeface="ＭＳ Ｐゴシック"/>
+        <a:font script="Hang" typeface="맑은 고딕"/>
+        <a:font script="Hans" typeface="宋体"/>
+        <a:font script="Hant" typeface="新細明體"/>
+        <a:font script="Arab" typeface="Times New Roman"/>
+        <a:font script="Hebr" typeface="Times New Roman"/>
+        <a:font script="Thai" typeface="Angsana New"/>
+        <a:font script="Ethi" typeface="Nyala"/>
+        <a:font script="Beng" typeface="Vrinda"/>
+        <a:font script="Gujr" typeface="Shruti"/>
+        <a:font script="Khmr" typeface="MoolBoran"/>
+        <a:font script="Knda" typeface="Tunga"/>
+        <a:font script="Guru" typeface="Raavi"/>
+        <a:font script="Cans" typeface="Euphemia"/>
+        <a:font script="Cher" typeface="Plantagenet Cherokee"/>
+        <a:font script="Yiii" typeface="Microsoft Yi Baiti"/>
+        <a:font script="Tibt" typeface="Microsoft Himalaya"/>
+        <a:font script="Thaa" typeface="MV Boli"/>
+        <a:font script="Deva" typeface="Mangal"/>
+        <a:font script="Telu" typeface="Gautami"/>
+        <a:font script="Taml" typeface="Latha"/>
+        <a:font script="Syrc" typeface="Estrangelo Edessa"/>
+        <a:font script="Orya" typeface="Kalinga"/>
+        <a:font script="Mlym" typeface="Kartika"/>
+        <a:font script="Laoo" typeface="DokChampa"/>
+        <a:font script="Sinh" typeface="Iskoola Pota"/>
+        <a:font script="Mong" typeface="Mongolian Baiti"/>
+        <a:font script="Viet" typeface="Times New Roman"/>
+        <a:font script="Uigh" typeface="Microsoft Uighur"/>
+        <a:font script="Geor" typeface="Sylfaen"/>
+      </a:majorFont>
+      <a:minorFont>
+        <a:latin typeface="Calibri" panose="020F0502020204030204"/>
+        <a:ea typeface=""/>
+        <a:cs typeface=""/>
+        <a:font script="Jpan" typeface="ＭＳ Ｐゴシック"/>
+        <a:font script="Hang" typeface="맑은 고딕"/>
+        <a:font script="Hans" typeface="宋体"/>
+        <a:font script="Hant" typeface="新細明體"/>
+        <a:font script="Arab" typeface="Arial"/>
+        <a:font script="Hebr" typeface="Arial"/>
+        <a:font script="Thai" typeface="Cordia New"/>
+        <a:font script="Ethi" typeface="Nyala"/>
+        <a:font script="Beng" typeface="Vrinda"/>
+        <a:font script="Gujr" typeface="Shruti"/>
+        <a:font script="Khmr" typeface="DaunPenh"/>
+        <a:font script="Knda" typeface="Tunga"/>
+        <a:font script="Guru" typeface="Raavi"/>
+        <a:font script="Cans" typeface="Euphemia"/>
+        <a:font script="Cher" typeface="Plantagenet Cherokee"/>
+        <a:font script="Yiii" typeface="Microsoft Yi Baiti"/>
+        <a:font script="Tibt" typeface="Microsoft Himalaya"/>
+        <a:font script="Thaa" typeface="MV Boli"/>
+        <a:font script="Deva" typeface="Mangal"/>
+        <a:font script="Telu" typeface="Gautami"/>
+        <a:font script="Taml" typeface="Latha"/>
+        <a:font script="Syrc" typeface="Estrangelo Edessa"/>
+        <a:font script="Orya" typeface="Kalinga"/>
+        <a:font script="Mlym" typeface="Kartika"/>
+        <a:font script="Laoo" typeface="DokChampa"/>
+        <a:font script="Sinh" typeface="Iskoola Pota"/>
+        <a:font script="Mong" typeface="Mongolian Baiti"/>
+        <a:font script="Viet" typeface="Arial"/>
+        <a:font script="Uigh" typeface="Microsoft Uighur"/>
+        <a:font script="Geor" typeface="Sylfaen"/>
+      </a:minorFont>
+    </a:fontScheme>
+    <a:fmtScheme name="Office">
+      <a:fillStyleLst>
+        <a:solidFill>
+          <a:schemeClr val="phClr"/>
+        </a:solidFill>
+        <a:gradFill rotWithShape="1">
+          <a:gsLst>
+            <a:gs pos="0">
+              <a:schemeClr val="phClr">
+                <a:lumMod val="110000"/>
+                <a:satMod val="105000"/>
+                <a:tint val="67000"/>
+              </a:schemeClr>
+            </a:gs>
+            <a:gs pos="50000">
+              <a:schemeClr val="phClr">
+                <a:lumMod val="105000"/>
+                <a:satMod val="103000"/>
+                <a:tint val="73000"/>
+              </a:schemeClr>
+            </a:gs>
+            <a:gs pos="100000">
+              <a:schemeClr val="phClr">
+                <a:lumMod val="105000"/>
+                <a:satMod val="109000"/>
+                <a:tint val="81000"/>
+              </a:schemeClr>
+            </a:gs>
+          </a:gsLst>
+          <a:lin ang="5400000" scaled="0"/>
+        </a:gradFill>
+        <a:gradFill rotWithShape="1">
+          <a:gsLst>
+            <a:gs pos="0">
+              <a:schemeClr val="phClr">
+                <a:satMod val="103000"/>
+                <a:lumMod val="102000"/>
+                <a:tint val="94000"/>
+              </a:schemeClr>
+            </a:gs>
+            <a:gs pos="50000">
+              <a:schemeClr val="phClr">
+                <a:satMod val="110000"/>
+                <a:lumMod val="100000"/>
+                <a:shade val="100000"/>
+              </a:schemeClr>
+            </a:gs>
+            <a:gs pos="100000">
+              <a:schemeClr val="phClr">
+                <a:lumMod val="99000"/>
+                <a:satMod val="120000"/>
+                <a:shade val="78000"/>
+              </a:schemeClr>
+            </a:gs>
+          </a:gsLst>
+          <a:lin ang="5400000" scaled="0"/>
+        </a:gradFill>
+      </a:fillStyleLst>
+      <a:lnStyleLst>
+        <a:ln w="6350" cap="flat" cmpd="sng" algn="ctr">
+          <a:solidFill>
+            <a:schemeClr val="phClr"/>
+          </a:solidFill>
+          <a:prstDash val="solid"/>
+          <a:miter lim="800000"/>
+        </a:ln>
+        <a:ln w="12700" cap="flat" cmpd="sng" algn="ctr">
+          <a:solidFill>
+            <a:schemeClr val="phClr"/>
+          </a:solidFill>
+          <a:prstDash val="solid"/>
+          <a:miter lim="800000"/>
+        </a:ln>
+        <a:ln w="19050" cap="flat" cmpd="sng" algn="ctr">
+          <a:solidFill>
+            <a:schemeClr val="phClr"/>
+          </a:solidFill>
+          <a:prstDash val="solid"/>
+          <a:miter lim="800000"/>
+        </a:ln>
+      </a:lnStyleLst>
+      <a:effectStyleLst>
+        <a:effectStyle>
+          <a:effectLst/>
+        </a:effectStyle>
+        <a:effectStyle>
+          <a:effectLst/>
+        </a:effectStyle>
+        <a:effectStyle>
+          <a:effectLst>
+            <a:outerShdw blurRad="57150" dist="19050" dir="5400000" algn="ctr" rotWithShape="0">
+              <a:srgbClr val="000000">
+                <a:alpha val="63000"/>
+              </a:srgbClr>
+            </a:outerShdw>
+          </a:effectLst>
+        </a:effectStyle>
+      </a:effectStyleLst>
+      <a:bgFillStyleLst>
+        <a:solidFill>
+          <a:schemeClr val="phClr"/>
+        </a:solidFill>
+        <a:solidFill>
+          <a:schemeClr val="phClr">
+            <a:tint val="95000"/>
+            <a:satMod val="170000"/>
+          </a:schemeClr>
+        </a:solidFill>
+        <a:gradFill rotWithShape="1">
+          <a:gsLst>
+            <a:gs pos="0">
+              <a:schemeClr val="phClr">
+                <a:tint val="93000"/>
+                <a:satMod val="150000"/>
+                <a:shade val="98000"/>
+                <a:lumMod val="102000"/>
+              </a:schemeClr>
+            </a:gs>
+            <a:gs pos="50000">
+              <a:schemeClr val="phClr">
+                <a:tint val="98000"/>
+                <a:satMod val="130000"/>
+                <a:shade val="90000"/>
+                <a:lumMod val="103000"/>
+              </a:schemeClr>
+            </a:gs>
+            <a:gs pos="100000">
+              <a:schemeClr val="phClr">
+                <a:shade val="63000"/>
+                <a:satMod val="120000"/>
+              </a:schemeClr>
+            </a:gs>
+          </a:gsLst>
+          <a:lin ang="5400000" scaled="0"/>
+        </a:gradFill>
+      </a:bgFillStyleLst>
+    </a:fmtScheme>
+  </a:themeElements>
+  <a:objectDefaults/>
+  <a:extraClrSchemeLst/>
+  <a:extLst>
+    <a:ext uri="{05A4C25C-085E-4340-85A3-A5531E510DB2}">
+      <thm15:themeFamily xmlns:thm15="http://schemas.microsoft.com/office/thememl/2012/main" name="Office Theme" id="{62F939B6-93AF-4DB8-9C6B-D6C7DFDC589F}" vid="{4A3C46E8-61CC-4603-A589-7422A47A8E4A}"/>
+    </a:ext>
+  </a:extLst>
+</a:theme>
 </file>
--- a/Presentation/Presentation.pptx
+++ b/Presentation/Presentation.pptx
@@ -205,7 +205,7 @@
           <a:p>
             <a:fld id="{DBBD54D2-A7C7-488F-BBBA-7F71421BDBE0}" type="datetimeFigureOut">
               <a:rPr lang="zh-CN" altLang="en-US" smtClean="0"/>
-              <a:t>2017/4/3</a:t>
+              <a:t>2017/4/4</a:t>
             </a:fld>
             <a:endParaRPr lang="zh-CN" altLang="en-US"/>
           </a:p>
@@ -1706,7 +1706,103 @@
                 <a:ea typeface="+mn-ea"/>
                 <a:cs typeface="+mn-cs"/>
               </a:rPr>
-              <a:t>传统</a:t>
+              <a:t>在目前快节奏的生活中，人们的压力越来越大。而通过户外活动进行放松的时间成本又太大。于是我们的游戏就针对这一现象，设置为短巧精密的冒险解密类游戏，主要是针对休闲玩家这一目标群体。以改变观察世界的视角为切入点，赋予</a:t>
+            </a:r>
+            <a:r>
+              <a:rPr lang="en-US" altLang="zh-CN" sz="1200" b="0" kern="1200" dirty="0" smtClean="0">
+                <a:solidFill>
+                  <a:schemeClr val="tx1"/>
+                </a:solidFill>
+                <a:effectLst/>
+                <a:latin typeface="+mn-lt"/>
+                <a:ea typeface="+mn-ea"/>
+                <a:cs typeface="+mn-cs"/>
+              </a:rPr>
+              <a:t>2D</a:t>
+            </a:r>
+            <a:r>
+              <a:rPr lang="zh-CN" altLang="en-US" sz="1200" b="0" kern="1200" dirty="0" smtClean="0">
+                <a:solidFill>
+                  <a:schemeClr val="tx1"/>
+                </a:solidFill>
+                <a:effectLst/>
+                <a:latin typeface="+mn-lt"/>
+                <a:ea typeface="+mn-ea"/>
+                <a:cs typeface="+mn-cs"/>
+              </a:rPr>
+              <a:t>横版闯关这类游戏更多的灵活性与自由度。以萌妹子</a:t>
+            </a:r>
+            <a:r>
+              <a:rPr lang="en-US" altLang="zh-CN" sz="1200" b="0" kern="1200" dirty="0" smtClean="0">
+                <a:solidFill>
+                  <a:schemeClr val="tx1"/>
+                </a:solidFill>
+                <a:effectLst/>
+                <a:latin typeface="+mn-lt"/>
+                <a:ea typeface="+mn-ea"/>
+                <a:cs typeface="+mn-cs"/>
+              </a:rPr>
+              <a:t>Eda</a:t>
+            </a:r>
+            <a:r>
+              <a:rPr lang="zh-CN" altLang="en-US" sz="1200" b="0" kern="1200" dirty="0" smtClean="0">
+                <a:solidFill>
+                  <a:schemeClr val="tx1"/>
+                </a:solidFill>
+                <a:effectLst/>
+                <a:latin typeface="+mn-lt"/>
+                <a:ea typeface="+mn-ea"/>
+                <a:cs typeface="+mn-cs"/>
+              </a:rPr>
+              <a:t>为游戏主角会带给玩家更多的治愈感，用宏大的场景图带给玩家足够的神秘感。在</a:t>
+            </a:r>
+            <a:r>
+              <a:rPr lang="en-US" altLang="zh-CN" sz="1200" b="0" kern="1200" dirty="0" smtClean="0">
+                <a:solidFill>
+                  <a:schemeClr val="tx1"/>
+                </a:solidFill>
+                <a:effectLst/>
+                <a:latin typeface="+mn-lt"/>
+                <a:ea typeface="+mn-ea"/>
+                <a:cs typeface="+mn-cs"/>
+              </a:rPr>
+              <a:t>Eda</a:t>
+            </a:r>
+            <a:r>
+              <a:rPr lang="zh-CN" altLang="en-US" sz="1200" b="0" kern="1200" dirty="0" smtClean="0">
+                <a:solidFill>
+                  <a:schemeClr val="tx1"/>
+                </a:solidFill>
+                <a:effectLst/>
+                <a:latin typeface="+mn-lt"/>
+                <a:ea typeface="+mn-ea"/>
+                <a:cs typeface="+mn-cs"/>
+              </a:rPr>
+              <a:t>对地图的探索中，用一些精妙的机关帮助玩家切换思维获得充足的放松。并通过引入笨笨的</a:t>
+            </a:r>
+            <a:r>
+              <a:rPr lang="en-US" altLang="zh-CN" sz="1200" b="0" kern="1200" dirty="0" smtClean="0">
+                <a:solidFill>
+                  <a:schemeClr val="tx1"/>
+                </a:solidFill>
+                <a:effectLst/>
+                <a:latin typeface="+mn-lt"/>
+                <a:ea typeface="+mn-ea"/>
+                <a:cs typeface="+mn-cs"/>
+              </a:rPr>
+              <a:t>Seed</a:t>
+            </a:r>
+            <a:r>
+              <a:rPr lang="zh-CN" altLang="en-US" sz="1200" b="0" kern="1200" dirty="0" smtClean="0">
+                <a:solidFill>
+                  <a:schemeClr val="tx1"/>
+                </a:solidFill>
+                <a:effectLst/>
+                <a:latin typeface="+mn-lt"/>
+                <a:ea typeface="+mn-ea"/>
+                <a:cs typeface="+mn-cs"/>
+              </a:rPr>
+              <a:t>将游戏的解密难度进行提升，对玩家的脑洞进一步进行开发。</a:t>
             </a:r>
             <a:endParaRPr lang="en-US" altLang="zh-CN" sz="1200" b="0" kern="1200" dirty="0" smtClean="0">
               <a:solidFill>
@@ -1736,6 +1832,34 @@
               <a:tabLst/>
               <a:defRPr/>
             </a:pPr>
+            <a:endParaRPr lang="en-US" altLang="zh-CN" sz="1200" b="0" kern="1200" dirty="0" smtClean="0">
+              <a:solidFill>
+                <a:schemeClr val="tx1"/>
+              </a:solidFill>
+              <a:effectLst/>
+              <a:latin typeface="+mn-lt"/>
+              <a:ea typeface="+mn-ea"/>
+              <a:cs typeface="+mn-cs"/>
+            </a:endParaRPr>
+          </a:p>
+          <a:p>
+            <a:pPr marL="0" marR="0" lvl="0" indent="0" algn="l" defTabSz="914400" rtl="0" eaLnBrk="1" fontAlgn="auto" latinLnBrk="0" hangingPunct="1">
+              <a:lnSpc>
+                <a:spcPct val="100000"/>
+              </a:lnSpc>
+              <a:spcBef>
+                <a:spcPts val="0"/>
+              </a:spcBef>
+              <a:spcAft>
+                <a:spcPts val="0"/>
+              </a:spcAft>
+              <a:buClrTx/>
+              <a:buSzTx/>
+              <a:buFontTx/>
+              <a:buNone/>
+              <a:tabLst/>
+              <a:defRPr/>
+            </a:pPr>
             <a:r>
               <a:rPr lang="zh-CN" altLang="en-US" sz="1200" b="0" kern="1200" dirty="0" smtClean="0">
                 <a:solidFill>
@@ -1746,7 +1870,19 @@
                 <a:ea typeface="+mn-ea"/>
                 <a:cs typeface="+mn-cs"/>
               </a:rPr>
-              <a:t>我们项目的目标群体主要是针对青少年。游戏的整体画风采用</a:t>
+              <a:t>总的来说，游戏</a:t>
+            </a:r>
+            <a:r>
+              <a:rPr lang="zh-CN" altLang="en-US" sz="1200" b="0" kern="1200" dirty="0" smtClean="0">
+                <a:solidFill>
+                  <a:schemeClr val="tx1"/>
+                </a:solidFill>
+                <a:effectLst/>
+                <a:latin typeface="+mn-lt"/>
+                <a:ea typeface="+mn-ea"/>
+                <a:cs typeface="+mn-cs"/>
+              </a:rPr>
+              <a:t>的整体画风采用</a:t>
             </a:r>
             <a:r>
               <a:rPr lang="en-US" altLang="zh-CN" sz="1200" b="0" kern="1200" dirty="0" smtClean="0">
@@ -1770,15 +1906,121 @@
                 <a:ea typeface="+mn-ea"/>
                 <a:cs typeface="+mn-cs"/>
               </a:rPr>
-              <a:t>风格，贴近青少年的审美。而且游戏的解密要素与探索要素十分贴合少年思维活跃，想象力天马行空的年龄特点。</a:t>
-            </a:r>
-          </a:p>
-          <a:p>
-            <a:r>
-              <a:rPr lang="zh-CN" altLang="en-US" dirty="0" smtClean="0"/>
-              <a:t>我们率先提出了换个角度看世界的概念，给游戏增添了更多的自由度。</a:t>
-            </a:r>
-            <a:endParaRPr lang="zh-CN" altLang="en-US" dirty="0"/>
+              <a:t>风格</a:t>
+            </a:r>
+            <a:r>
+              <a:rPr lang="zh-CN" altLang="en-US" sz="1200" b="0" kern="1200" dirty="0" smtClean="0">
+                <a:solidFill>
+                  <a:schemeClr val="tx1"/>
+                </a:solidFill>
+                <a:effectLst/>
+                <a:latin typeface="+mn-lt"/>
+                <a:ea typeface="+mn-ea"/>
+                <a:cs typeface="+mn-cs"/>
+              </a:rPr>
+              <a:t>，适合玩家在休憩时释放压力，放松心情。</a:t>
+            </a:r>
+            <a:r>
+              <a:rPr lang="zh-CN" altLang="en-US" sz="1200" b="0" kern="1200" dirty="0" smtClean="0">
+                <a:solidFill>
+                  <a:schemeClr val="tx1"/>
+                </a:solidFill>
+                <a:effectLst/>
+                <a:latin typeface="+mn-lt"/>
+                <a:ea typeface="+mn-ea"/>
+                <a:cs typeface="+mn-cs"/>
+              </a:rPr>
+              <a:t>而且游戏的解密要素与探索</a:t>
+            </a:r>
+            <a:r>
+              <a:rPr lang="zh-CN" altLang="en-US" sz="1200" b="0" kern="1200" dirty="0" smtClean="0">
+                <a:solidFill>
+                  <a:schemeClr val="tx1"/>
+                </a:solidFill>
+                <a:effectLst/>
+                <a:latin typeface="+mn-lt"/>
+                <a:ea typeface="+mn-ea"/>
+                <a:cs typeface="+mn-cs"/>
+              </a:rPr>
+              <a:t>要素能够活跃玩家的思维，让玩家在轻松愉悦的节奏中舒缓日常生活中的压力。而且本项目中设置了多个存盘点，方便玩家在零碎的时间内进行简单的放松。这便大大提高了本款游戏对休闲玩家的贴合程度。</a:t>
+            </a:r>
+            <a:endParaRPr lang="en-US" altLang="zh-CN" sz="1200" b="0" kern="1200" dirty="0" smtClean="0">
+              <a:solidFill>
+                <a:schemeClr val="tx1"/>
+              </a:solidFill>
+              <a:effectLst/>
+              <a:latin typeface="+mn-lt"/>
+              <a:ea typeface="+mn-ea"/>
+              <a:cs typeface="+mn-cs"/>
+            </a:endParaRPr>
+          </a:p>
+          <a:p>
+            <a:pPr marL="0" marR="0" lvl="0" indent="0" algn="l" defTabSz="914400" rtl="0" eaLnBrk="1" fontAlgn="auto" latinLnBrk="0" hangingPunct="1">
+              <a:lnSpc>
+                <a:spcPct val="100000"/>
+              </a:lnSpc>
+              <a:spcBef>
+                <a:spcPts val="0"/>
+              </a:spcBef>
+              <a:spcAft>
+                <a:spcPts val="0"/>
+              </a:spcAft>
+              <a:buClrTx/>
+              <a:buSzTx/>
+              <a:buFontTx/>
+              <a:buNone/>
+              <a:tabLst/>
+              <a:defRPr/>
+            </a:pPr>
+            <a:endParaRPr lang="en-US" altLang="zh-CN" sz="1200" b="0" kern="1200" dirty="0" smtClean="0">
+              <a:solidFill>
+                <a:schemeClr val="tx1"/>
+              </a:solidFill>
+              <a:effectLst/>
+              <a:latin typeface="+mn-lt"/>
+              <a:ea typeface="+mn-ea"/>
+              <a:cs typeface="+mn-cs"/>
+            </a:endParaRPr>
+          </a:p>
+          <a:p>
+            <a:pPr marL="0" marR="0" lvl="0" indent="0" algn="l" defTabSz="914400" rtl="0" eaLnBrk="1" fontAlgn="auto" latinLnBrk="0" hangingPunct="1">
+              <a:lnSpc>
+                <a:spcPct val="100000"/>
+              </a:lnSpc>
+              <a:spcBef>
+                <a:spcPts val="0"/>
+              </a:spcBef>
+              <a:spcAft>
+                <a:spcPts val="0"/>
+              </a:spcAft>
+              <a:buClrTx/>
+              <a:buSzTx/>
+              <a:buFontTx/>
+              <a:buNone/>
+              <a:tabLst/>
+              <a:defRPr/>
+            </a:pPr>
+            <a:r>
+              <a:rPr lang="zh-CN" altLang="en-US" sz="1200" b="0" kern="1200" dirty="0" smtClean="0">
+                <a:solidFill>
+                  <a:schemeClr val="tx1"/>
+                </a:solidFill>
+                <a:effectLst/>
+                <a:latin typeface="+mn-lt"/>
+                <a:ea typeface="+mn-ea"/>
+                <a:cs typeface="+mn-cs"/>
+              </a:rPr>
+              <a:t>本款游戏的创新点主要表现在游戏创意的新颖，和操作方式的灵活。</a:t>
+            </a:r>
+            <a:endParaRPr lang="zh-CN" altLang="en-US" sz="1200" b="0" kern="1200" dirty="0" smtClean="0">
+              <a:solidFill>
+                <a:schemeClr val="tx1"/>
+              </a:solidFill>
+              <a:effectLst/>
+              <a:latin typeface="+mn-lt"/>
+              <a:ea typeface="+mn-ea"/>
+              <a:cs typeface="+mn-cs"/>
+            </a:endParaRPr>
           </a:p>
         </p:txBody>
       </p:sp>
@@ -2031,7 +2273,7 @@
           <a:p>
             <a:fld id="{15D456AA-6927-4B30-9E39-3F4E335FC853}" type="datetimeFigureOut">
               <a:rPr lang="zh-CN" altLang="en-US" smtClean="0"/>
-              <a:t>2017/4/3</a:t>
+              <a:t>2017/4/4</a:t>
             </a:fld>
             <a:endParaRPr lang="zh-CN" altLang="en-US"/>
           </a:p>
@@ -2199,7 +2441,7 @@
           <a:p>
             <a:fld id="{15D456AA-6927-4B30-9E39-3F4E335FC853}" type="datetimeFigureOut">
               <a:rPr lang="zh-CN" altLang="en-US" smtClean="0"/>
-              <a:t>2017/4/3</a:t>
+              <a:t>2017/4/4</a:t>
             </a:fld>
             <a:endParaRPr lang="zh-CN" altLang="en-US"/>
           </a:p>
@@ -2377,7 +2619,7 @@
           <a:p>
             <a:fld id="{15D456AA-6927-4B30-9E39-3F4E335FC853}" type="datetimeFigureOut">
               <a:rPr lang="zh-CN" altLang="en-US" smtClean="0"/>
-              <a:t>2017/4/3</a:t>
+              <a:t>2017/4/4</a:t>
             </a:fld>
             <a:endParaRPr lang="zh-CN" altLang="en-US"/>
           </a:p>
@@ -2545,7 +2787,7 @@
           <a:p>
             <a:fld id="{15D456AA-6927-4B30-9E39-3F4E335FC853}" type="datetimeFigureOut">
               <a:rPr lang="zh-CN" altLang="en-US" smtClean="0"/>
-              <a:t>2017/4/3</a:t>
+              <a:t>2017/4/4</a:t>
             </a:fld>
             <a:endParaRPr lang="zh-CN" altLang="en-US"/>
           </a:p>
@@ -2790,7 +3032,7 @@
           <a:p>
             <a:fld id="{15D456AA-6927-4B30-9E39-3F4E335FC853}" type="datetimeFigureOut">
               <a:rPr lang="zh-CN" altLang="en-US" smtClean="0"/>
-              <a:t>2017/4/3</a:t>
+              <a:t>2017/4/4</a:t>
             </a:fld>
             <a:endParaRPr lang="zh-CN" altLang="en-US"/>
           </a:p>
@@ -3019,7 +3261,7 @@
           <a:p>
             <a:fld id="{15D456AA-6927-4B30-9E39-3F4E335FC853}" type="datetimeFigureOut">
               <a:rPr lang="zh-CN" altLang="en-US" smtClean="0"/>
-              <a:t>2017/4/3</a:t>
+              <a:t>2017/4/4</a:t>
             </a:fld>
             <a:endParaRPr lang="zh-CN" altLang="en-US"/>
           </a:p>
@@ -3383,7 +3625,7 @@
           <a:p>
             <a:fld id="{15D456AA-6927-4B30-9E39-3F4E335FC853}" type="datetimeFigureOut">
               <a:rPr lang="zh-CN" altLang="en-US" smtClean="0"/>
-              <a:t>2017/4/3</a:t>
+              <a:t>2017/4/4</a:t>
             </a:fld>
             <a:endParaRPr lang="zh-CN" altLang="en-US"/>
           </a:p>
@@ -3500,7 +3742,7 @@
           <a:p>
             <a:fld id="{15D456AA-6927-4B30-9E39-3F4E335FC853}" type="datetimeFigureOut">
               <a:rPr lang="zh-CN" altLang="en-US" smtClean="0"/>
-              <a:t>2017/4/3</a:t>
+              <a:t>2017/4/4</a:t>
             </a:fld>
             <a:endParaRPr lang="zh-CN" altLang="en-US"/>
           </a:p>
@@ -3595,7 +3837,7 @@
           <a:p>
             <a:fld id="{15D456AA-6927-4B30-9E39-3F4E335FC853}" type="datetimeFigureOut">
               <a:rPr lang="zh-CN" altLang="en-US" smtClean="0"/>
-              <a:t>2017/4/3</a:t>
+              <a:t>2017/4/4</a:t>
             </a:fld>
             <a:endParaRPr lang="zh-CN" altLang="en-US"/>
           </a:p>
@@ -3870,7 +4112,7 @@
           <a:p>
             <a:fld id="{15D456AA-6927-4B30-9E39-3F4E335FC853}" type="datetimeFigureOut">
               <a:rPr lang="zh-CN" altLang="en-US" smtClean="0"/>
-              <a:t>2017/4/3</a:t>
+              <a:t>2017/4/4</a:t>
             </a:fld>
             <a:endParaRPr lang="zh-CN" altLang="en-US"/>
           </a:p>
@@ -4122,7 +4364,7 @@
           <a:p>
             <a:fld id="{15D456AA-6927-4B30-9E39-3F4E335FC853}" type="datetimeFigureOut">
               <a:rPr lang="zh-CN" altLang="en-US" smtClean="0"/>
-              <a:t>2017/4/3</a:t>
+              <a:t>2017/4/4</a:t>
             </a:fld>
             <a:endParaRPr lang="zh-CN" altLang="en-US"/>
           </a:p>
@@ -4333,7 +4575,7 @@
           <a:p>
             <a:fld id="{15D456AA-6927-4B30-9E39-3F4E335FC853}" type="datetimeFigureOut">
               <a:rPr lang="zh-CN" altLang="en-US" smtClean="0"/>
-              <a:t>2017/4/3</a:t>
+              <a:t>2017/4/4</a:t>
             </a:fld>
             <a:endParaRPr lang="zh-CN" altLang="en-US"/>
           </a:p>
@@ -4861,31 +5103,6 @@
               </a:rPr>
               <a:t>项目名称</a:t>
             </a:r>
-            <a:endParaRPr lang="zh-CN" altLang="en-US" sz="5400" b="0" cap="none" spc="0" dirty="0">
-              <a:ln w="0"/>
-              <a:gradFill>
-                <a:gsLst>
-                  <a:gs pos="0">
-                    <a:schemeClr val="accent5">
-                      <a:lumMod val="50000"/>
-                    </a:schemeClr>
-                  </a:gs>
-                  <a:gs pos="50000">
-                    <a:schemeClr val="accent5"/>
-                  </a:gs>
-                  <a:gs pos="100000">
-                    <a:schemeClr val="accent5">
-                      <a:lumMod val="60000"/>
-                      <a:lumOff val="40000"/>
-                    </a:schemeClr>
-                  </a:gs>
-                </a:gsLst>
-                <a:lin ang="5400000"/>
-              </a:gradFill>
-              <a:effectLst>
-                <a:reflection blurRad="6350" stA="53000" endA="300" endPos="35500" dir="5400000" sy="-90000" algn="bl" rotWithShape="0"/>
-              </a:effectLst>
-            </a:endParaRPr>
           </a:p>
         </p:txBody>
       </p:sp>

--- a/Presentation/Presentation.pptx
+++ b/Presentation/Presentation.pptx
@@ -5,7 +5,7 @@
     <p:sldMasterId id="2147483648" r:id="rId1"/>
   </p:sldMasterIdLst>
   <p:notesMasterIdLst>
-    <p:notesMasterId r:id="rId11"/>
+    <p:notesMasterId r:id="rId12"/>
   </p:notesMasterIdLst>
   <p:sldIdLst>
     <p:sldId id="256" r:id="rId2"/>
@@ -17,6 +17,7 @@
     <p:sldId id="257" r:id="rId8"/>
     <p:sldId id="262" r:id="rId9"/>
     <p:sldId id="263" r:id="rId10"/>
+    <p:sldId id="265" r:id="rId11"/>
   </p:sldIdLst>
   <p:sldSz cx="12192000" cy="6858000"/>
   <p:notesSz cx="6858000" cy="9144000"/>
@@ -205,7 +206,7 @@
           <a:p>
             <a:fld id="{DBBD54D2-A7C7-488F-BBBA-7F71421BDBE0}" type="datetimeFigureOut">
               <a:rPr lang="zh-CN" altLang="en-US" smtClean="0"/>
-              <a:t>2017/4/4</a:t>
+              <a:t>2017/4/7</a:t>
             </a:fld>
             <a:endParaRPr lang="zh-CN" altLang="en-US"/>
           </a:p>
@@ -1870,19 +1871,7 @@
                 <a:ea typeface="+mn-ea"/>
                 <a:cs typeface="+mn-cs"/>
               </a:rPr>
-              <a:t>总的来说，游戏</a:t>
-            </a:r>
-            <a:r>
-              <a:rPr lang="zh-CN" altLang="en-US" sz="1200" b="0" kern="1200" dirty="0" smtClean="0">
-                <a:solidFill>
-                  <a:schemeClr val="tx1"/>
-                </a:solidFill>
-                <a:effectLst/>
-                <a:latin typeface="+mn-lt"/>
-                <a:ea typeface="+mn-ea"/>
-                <a:cs typeface="+mn-cs"/>
-              </a:rPr>
-              <a:t>的整体画风采用</a:t>
+              <a:t>总的来说，游戏的整体画风采用</a:t>
             </a:r>
             <a:r>
               <a:rPr lang="en-US" altLang="zh-CN" sz="1200" b="0" kern="1200" dirty="0" smtClean="0">
@@ -1906,43 +1895,7 @@
                 <a:ea typeface="+mn-ea"/>
                 <a:cs typeface="+mn-cs"/>
               </a:rPr>
-              <a:t>风格</a:t>
-            </a:r>
-            <a:r>
-              <a:rPr lang="zh-CN" altLang="en-US" sz="1200" b="0" kern="1200" dirty="0" smtClean="0">
-                <a:solidFill>
-                  <a:schemeClr val="tx1"/>
-                </a:solidFill>
-                <a:effectLst/>
-                <a:latin typeface="+mn-lt"/>
-                <a:ea typeface="+mn-ea"/>
-                <a:cs typeface="+mn-cs"/>
-              </a:rPr>
-              <a:t>，适合玩家在休憩时释放压力，放松心情。</a:t>
-            </a:r>
-            <a:r>
-              <a:rPr lang="zh-CN" altLang="en-US" sz="1200" b="0" kern="1200" dirty="0" smtClean="0">
-                <a:solidFill>
-                  <a:schemeClr val="tx1"/>
-                </a:solidFill>
-                <a:effectLst/>
-                <a:latin typeface="+mn-lt"/>
-                <a:ea typeface="+mn-ea"/>
-                <a:cs typeface="+mn-cs"/>
-              </a:rPr>
-              <a:t>而且游戏的解密要素与探索</a:t>
-            </a:r>
-            <a:r>
-              <a:rPr lang="zh-CN" altLang="en-US" sz="1200" b="0" kern="1200" dirty="0" smtClean="0">
-                <a:solidFill>
-                  <a:schemeClr val="tx1"/>
-                </a:solidFill>
-                <a:effectLst/>
-                <a:latin typeface="+mn-lt"/>
-                <a:ea typeface="+mn-ea"/>
-                <a:cs typeface="+mn-cs"/>
-              </a:rPr>
-              <a:t>要素能够活跃玩家的思维，让玩家在轻松愉悦的节奏中舒缓日常生活中的压力。而且本项目中设置了多个存盘点，方便玩家在零碎的时间内进行简单的放松。这便大大提高了本款游戏对休闲玩家的贴合程度。</a:t>
+              <a:t>风格，适合玩家在休憩时释放压力，放松心情。而且游戏的解密要素与探索要素能够活跃玩家的思维，让玩家在轻松愉悦的节奏中舒缓日常生活中的压力。而且本项目中设置了多个存盘点，方便玩家在零碎的时间内进行简单的放松。这便大大提高了本款游戏对休闲玩家的贴合程度。</a:t>
             </a:r>
             <a:endParaRPr lang="en-US" altLang="zh-CN" sz="1200" b="0" kern="1200" dirty="0" smtClean="0">
               <a:solidFill>
@@ -2012,15 +1965,6 @@
               </a:rPr>
               <a:t>本款游戏的创新点主要表现在游戏创意的新颖，和操作方式的灵活。</a:t>
             </a:r>
-            <a:endParaRPr lang="zh-CN" altLang="en-US" sz="1200" b="0" kern="1200" dirty="0" smtClean="0">
-              <a:solidFill>
-                <a:schemeClr val="tx1"/>
-              </a:solidFill>
-              <a:effectLst/>
-              <a:latin typeface="+mn-lt"/>
-              <a:ea typeface="+mn-ea"/>
-              <a:cs typeface="+mn-cs"/>
-            </a:endParaRPr>
           </a:p>
         </p:txBody>
       </p:sp>
@@ -2273,7 +2217,7 @@
           <a:p>
             <a:fld id="{15D456AA-6927-4B30-9E39-3F4E335FC853}" type="datetimeFigureOut">
               <a:rPr lang="zh-CN" altLang="en-US" smtClean="0"/>
-              <a:t>2017/4/4</a:t>
+              <a:t>2017/4/7</a:t>
             </a:fld>
             <a:endParaRPr lang="zh-CN" altLang="en-US"/>
           </a:p>
@@ -2441,7 +2385,7 @@
           <a:p>
             <a:fld id="{15D456AA-6927-4B30-9E39-3F4E335FC853}" type="datetimeFigureOut">
               <a:rPr lang="zh-CN" altLang="en-US" smtClean="0"/>
-              <a:t>2017/4/4</a:t>
+              <a:t>2017/4/7</a:t>
             </a:fld>
             <a:endParaRPr lang="zh-CN" altLang="en-US"/>
           </a:p>
@@ -2619,7 +2563,7 @@
           <a:p>
             <a:fld id="{15D456AA-6927-4B30-9E39-3F4E335FC853}" type="datetimeFigureOut">
               <a:rPr lang="zh-CN" altLang="en-US" smtClean="0"/>
-              <a:t>2017/4/4</a:t>
+              <a:t>2017/4/7</a:t>
             </a:fld>
             <a:endParaRPr lang="zh-CN" altLang="en-US"/>
           </a:p>
@@ -2787,7 +2731,7 @@
           <a:p>
             <a:fld id="{15D456AA-6927-4B30-9E39-3F4E335FC853}" type="datetimeFigureOut">
               <a:rPr lang="zh-CN" altLang="en-US" smtClean="0"/>
-              <a:t>2017/4/4</a:t>
+              <a:t>2017/4/7</a:t>
             </a:fld>
             <a:endParaRPr lang="zh-CN" altLang="en-US"/>
           </a:p>
@@ -3032,7 +2976,7 @@
           <a:p>
             <a:fld id="{15D456AA-6927-4B30-9E39-3F4E335FC853}" type="datetimeFigureOut">
               <a:rPr lang="zh-CN" altLang="en-US" smtClean="0"/>
-              <a:t>2017/4/4</a:t>
+              <a:t>2017/4/7</a:t>
             </a:fld>
             <a:endParaRPr lang="zh-CN" altLang="en-US"/>
           </a:p>
@@ -3261,7 +3205,7 @@
           <a:p>
             <a:fld id="{15D456AA-6927-4B30-9E39-3F4E335FC853}" type="datetimeFigureOut">
               <a:rPr lang="zh-CN" altLang="en-US" smtClean="0"/>
-              <a:t>2017/4/4</a:t>
+              <a:t>2017/4/7</a:t>
             </a:fld>
             <a:endParaRPr lang="zh-CN" altLang="en-US"/>
           </a:p>
@@ -3625,7 +3569,7 @@
           <a:p>
             <a:fld id="{15D456AA-6927-4B30-9E39-3F4E335FC853}" type="datetimeFigureOut">
               <a:rPr lang="zh-CN" altLang="en-US" smtClean="0"/>
-              <a:t>2017/4/4</a:t>
+              <a:t>2017/4/7</a:t>
             </a:fld>
             <a:endParaRPr lang="zh-CN" altLang="en-US"/>
           </a:p>
@@ -3742,7 +3686,7 @@
           <a:p>
             <a:fld id="{15D456AA-6927-4B30-9E39-3F4E335FC853}" type="datetimeFigureOut">
               <a:rPr lang="zh-CN" altLang="en-US" smtClean="0"/>
-              <a:t>2017/4/4</a:t>
+              <a:t>2017/4/7</a:t>
             </a:fld>
             <a:endParaRPr lang="zh-CN" altLang="en-US"/>
           </a:p>
@@ -3837,7 +3781,7 @@
           <a:p>
             <a:fld id="{15D456AA-6927-4B30-9E39-3F4E335FC853}" type="datetimeFigureOut">
               <a:rPr lang="zh-CN" altLang="en-US" smtClean="0"/>
-              <a:t>2017/4/4</a:t>
+              <a:t>2017/4/7</a:t>
             </a:fld>
             <a:endParaRPr lang="zh-CN" altLang="en-US"/>
           </a:p>
@@ -4112,7 +4056,7 @@
           <a:p>
             <a:fld id="{15D456AA-6927-4B30-9E39-3F4E335FC853}" type="datetimeFigureOut">
               <a:rPr lang="zh-CN" altLang="en-US" smtClean="0"/>
-              <a:t>2017/4/4</a:t>
+              <a:t>2017/4/7</a:t>
             </a:fld>
             <a:endParaRPr lang="zh-CN" altLang="en-US"/>
           </a:p>
@@ -4364,7 +4308,7 @@
           <a:p>
             <a:fld id="{15D456AA-6927-4B30-9E39-3F4E335FC853}" type="datetimeFigureOut">
               <a:rPr lang="zh-CN" altLang="en-US" smtClean="0"/>
-              <a:t>2017/4/4</a:t>
+              <a:t>2017/4/7</a:t>
             </a:fld>
             <a:endParaRPr lang="zh-CN" altLang="en-US"/>
           </a:p>
@@ -4575,7 +4519,7 @@
           <a:p>
             <a:fld id="{15D456AA-6927-4B30-9E39-3F4E335FC853}" type="datetimeFigureOut">
               <a:rPr lang="zh-CN" altLang="en-US" smtClean="0"/>
-              <a:t>2017/4/4</a:t>
+              <a:t>2017/4/7</a:t>
             </a:fld>
             <a:endParaRPr lang="zh-CN" altLang="en-US"/>
           </a:p>
@@ -5110,6 +5054,150 @@
     <p:extLst>
       <p:ext uri="{BB962C8B-B14F-4D97-AF65-F5344CB8AC3E}">
         <p14:creationId xmlns:p14="http://schemas.microsoft.com/office/powerpoint/2010/main" val="1334082257"/>
+      </p:ext>
+    </p:extLst>
+  </p:cSld>
+  <p:clrMapOvr>
+    <a:masterClrMapping/>
+  </p:clrMapOvr>
+</p:sld>
+</file>
+
+<file path=ppt/slides/slide10.xml><?xml version="1.0" encoding="utf-8"?>
+<p:sld xmlns:a="http://schemas.openxmlformats.org/drawingml/2006/main" xmlns:r="http://schemas.openxmlformats.org/officeDocument/2006/relationships" xmlns:p="http://schemas.openxmlformats.org/presentationml/2006/main">
+  <p:cSld>
+    <p:spTree>
+      <p:nvGrpSpPr>
+        <p:cNvPr id="1" name=""/>
+        <p:cNvGrpSpPr/>
+        <p:nvPr/>
+      </p:nvGrpSpPr>
+      <p:grpSpPr>
+        <a:xfrm>
+          <a:off x="0" y="0"/>
+          <a:ext cx="0" cy="0"/>
+          <a:chOff x="0" y="0"/>
+          <a:chExt cx="0" cy="0"/>
+        </a:xfrm>
+      </p:grpSpPr>
+      <p:sp>
+        <p:nvSpPr>
+          <p:cNvPr id="3" name="内容占位符 2"/>
+          <p:cNvSpPr>
+            <a:spLocks noGrp="1"/>
+          </p:cNvSpPr>
+          <p:nvPr>
+            <p:ph idx="1"/>
+          </p:nvPr>
+        </p:nvSpPr>
+        <p:spPr>
+          <a:xfrm>
+            <a:off x="651510" y="708660"/>
+            <a:ext cx="10645140" cy="5536883"/>
+          </a:xfrm>
+        </p:spPr>
+        <p:txBody>
+          <a:bodyPr>
+            <a:normAutofit fontScale="85000" lnSpcReduction="20000"/>
+          </a:bodyPr>
+          <a:lstStyle/>
+          <a:p>
+            <a:r>
+              <a:rPr lang="zh-CN" altLang="zh-CN" dirty="0"/>
+              <a:t>总的来说，我们的项目是一款独立性游戏。我们想借助游戏这一平台去实现我们对于未来世界的畅想。我们的游戏理念是打破人们的固有思维，挣脱重力方向的束缚，改变观察世界的角度，以极大的自由度去探索这个世界。正如那句“而世之奇伟瑰怪非常之观，常在于险远而人之所罕至焉，故非有志者不能至也</a:t>
+            </a:r>
+            <a:r>
+              <a:rPr lang="en-US" altLang="zh-CN" dirty="0"/>
+              <a:t>”</a:t>
+            </a:r>
+            <a:r>
+              <a:rPr lang="zh-CN" altLang="zh-CN" dirty="0"/>
+              <a:t>所说的那样，世间最美丽的风景多在于难以到达的地方。然而由于物理世界的束缚，我们只能在险阻前望而却步向世界妥协。于是，我们赋予了</a:t>
+            </a:r>
+            <a:r>
+              <a:rPr lang="en-US" altLang="zh-CN" dirty="0"/>
+              <a:t>Eda</a:t>
+            </a:r>
+            <a:r>
+              <a:rPr lang="zh-CN" altLang="zh-CN" dirty="0"/>
+              <a:t>改变重力方向这一特殊能力，让我们得以自由得探索世界。</a:t>
+            </a:r>
+          </a:p>
+          <a:p>
+            <a:r>
+              <a:rPr lang="en-US" altLang="zh-CN" dirty="0"/>
+              <a:t> </a:t>
+            </a:r>
+            <a:endParaRPr lang="zh-CN" altLang="zh-CN" dirty="0"/>
+          </a:p>
+          <a:p>
+            <a:r>
+              <a:rPr lang="zh-CN" altLang="zh-CN" dirty="0"/>
+              <a:t>然而，有些自然法则却是无法改变的，比如生命，比如时间。每一次重力的翻转，对不同的生命来说，可能意味着不同的结果。也许，</a:t>
+            </a:r>
+            <a:r>
+              <a:rPr lang="en-US" altLang="zh-CN" dirty="0"/>
+              <a:t>Eda</a:t>
+            </a:r>
+            <a:r>
+              <a:rPr lang="zh-CN" altLang="zh-CN" dirty="0"/>
+              <a:t>和</a:t>
+            </a:r>
+            <a:r>
+              <a:rPr lang="en-US" altLang="zh-CN" dirty="0"/>
+              <a:t>Seed</a:t>
+            </a:r>
+            <a:r>
+              <a:rPr lang="zh-CN" altLang="zh-CN" dirty="0"/>
+              <a:t>可以顺利的跨过障碍，但是世界里的其他生物却要因此而失去性命。这也许是对</a:t>
+            </a:r>
+            <a:r>
+              <a:rPr lang="en-US" altLang="zh-CN" dirty="0"/>
+              <a:t>“</a:t>
+            </a:r>
+            <a:r>
+              <a:rPr lang="zh-CN" altLang="zh-CN" dirty="0"/>
+              <a:t>鱼和熊掌，不可得兼也</a:t>
+            </a:r>
+            <a:r>
+              <a:rPr lang="en-US" altLang="zh-CN" dirty="0"/>
+              <a:t>”</a:t>
+            </a:r>
+            <a:r>
+              <a:rPr lang="zh-CN" altLang="zh-CN" dirty="0"/>
+              <a:t>最好的诠释了吧。</a:t>
+            </a:r>
+          </a:p>
+          <a:p>
+            <a:r>
+              <a:rPr lang="en-US" altLang="zh-CN" dirty="0"/>
+              <a:t> </a:t>
+            </a:r>
+            <a:endParaRPr lang="zh-CN" altLang="zh-CN" dirty="0"/>
+          </a:p>
+          <a:p>
+            <a:r>
+              <a:rPr lang="zh-CN" altLang="zh-CN" dirty="0"/>
+              <a:t>游戏的整体画风采用</a:t>
+            </a:r>
+            <a:r>
+              <a:rPr lang="en-US" altLang="zh-CN" dirty="0"/>
+              <a:t>Low-Poly </a:t>
+            </a:r>
+            <a:r>
+              <a:rPr lang="zh-CN" altLang="zh-CN" dirty="0"/>
+              <a:t>风格，适合玩家在休憩时释放压力，放松心情。而且游戏的解密要素与收集要素可以很好的活跃玩家的思维，让玩家沉浸在对世界的探索之中。整个游戏分为四个世界，每个世界中都有不同的主题与机关，对应着。</a:t>
+            </a:r>
+          </a:p>
+          <a:p>
+            <a:endParaRPr lang="zh-CN" altLang="en-US" dirty="0"/>
+          </a:p>
+        </p:txBody>
+      </p:sp>
+    </p:spTree>
+    <p:extLst>
+      <p:ext uri="{BB962C8B-B14F-4D97-AF65-F5344CB8AC3E}">
+        <p14:creationId xmlns:p14="http://schemas.microsoft.com/office/powerpoint/2010/main" val="1763875189"/>
       </p:ext>
     </p:extLst>
   </p:cSld>

--- a/Presentation/Presentation.pptx
+++ b/Presentation/Presentation.pptx
@@ -5,19 +5,23 @@
     <p:sldMasterId id="2147483648" r:id="rId1"/>
   </p:sldMasterIdLst>
   <p:notesMasterIdLst>
-    <p:notesMasterId r:id="rId12"/>
+    <p:notesMasterId r:id="rId16"/>
   </p:notesMasterIdLst>
   <p:sldIdLst>
     <p:sldId id="256" r:id="rId2"/>
-    <p:sldId id="260" r:id="rId3"/>
-    <p:sldId id="261" r:id="rId4"/>
-    <p:sldId id="258" r:id="rId5"/>
-    <p:sldId id="259" r:id="rId6"/>
-    <p:sldId id="264" r:id="rId7"/>
-    <p:sldId id="257" r:id="rId8"/>
-    <p:sldId id="262" r:id="rId9"/>
-    <p:sldId id="263" r:id="rId10"/>
-    <p:sldId id="265" r:id="rId11"/>
+    <p:sldId id="268" r:id="rId3"/>
+    <p:sldId id="267" r:id="rId4"/>
+    <p:sldId id="269" r:id="rId5"/>
+    <p:sldId id="260" r:id="rId6"/>
+    <p:sldId id="261" r:id="rId7"/>
+    <p:sldId id="258" r:id="rId8"/>
+    <p:sldId id="259" r:id="rId9"/>
+    <p:sldId id="264" r:id="rId10"/>
+    <p:sldId id="257" r:id="rId11"/>
+    <p:sldId id="262" r:id="rId12"/>
+    <p:sldId id="263" r:id="rId13"/>
+    <p:sldId id="265" r:id="rId14"/>
+    <p:sldId id="266" r:id="rId15"/>
   </p:sldIdLst>
   <p:sldSz cx="12192000" cy="6858000"/>
   <p:notesSz cx="6858000" cy="9144000"/>
@@ -270,38 +274,37 @@
           <a:p>
             <a:pPr lvl="0"/>
             <a:r>
-              <a:rPr lang="zh-CN" altLang="en-US" smtClean="0"/>
+              <a:rPr lang="zh-CN" altLang="en-US"/>
               <a:t>单击此处编辑母版文本样式</a:t>
             </a:r>
           </a:p>
           <a:p>
             <a:pPr lvl="1"/>
             <a:r>
-              <a:rPr lang="zh-CN" altLang="en-US" smtClean="0"/>
+              <a:rPr lang="zh-CN" altLang="en-US"/>
               <a:t>第二级</a:t>
             </a:r>
           </a:p>
           <a:p>
             <a:pPr lvl="2"/>
             <a:r>
-              <a:rPr lang="zh-CN" altLang="en-US" smtClean="0"/>
+              <a:rPr lang="zh-CN" altLang="en-US"/>
               <a:t>第三级</a:t>
             </a:r>
           </a:p>
           <a:p>
             <a:pPr lvl="3"/>
             <a:r>
-              <a:rPr lang="zh-CN" altLang="en-US" smtClean="0"/>
+              <a:rPr lang="zh-CN" altLang="en-US"/>
               <a:t>第四级</a:t>
             </a:r>
           </a:p>
           <a:p>
             <a:pPr lvl="4"/>
             <a:r>
-              <a:rPr lang="zh-CN" altLang="en-US" smtClean="0"/>
+              <a:rPr lang="zh-CN" altLang="en-US"/>
               <a:t>第五级</a:t>
             </a:r>
-            <a:endParaRPr lang="zh-CN" altLang="en-US"/>
           </a:p>
         </p:txBody>
       </p:sp>
@@ -536,11 +539,11 @@
               <a:defRPr/>
             </a:pPr>
             <a:r>
-              <a:rPr lang="zh-CN" altLang="en-US" dirty="0" smtClean="0"/>
+              <a:rPr lang="zh-CN" altLang="en-US" dirty="0"/>
               <a:t>各位评委好，</a:t>
             </a:r>
             <a:r>
-              <a:rPr lang="zh-CN" altLang="en-US" sz="1200" b="0" kern="1200" dirty="0" smtClean="0">
+              <a:rPr lang="zh-CN" altLang="en-US" sz="1200" b="0" kern="1200" dirty="0">
                 <a:solidFill>
                   <a:schemeClr val="tx1"/>
                 </a:solidFill>
@@ -552,7 +555,7 @@
               <a:t>我们是来自上海交通大学的</a:t>
             </a:r>
             <a:r>
-              <a:rPr lang="en-US" altLang="zh-CN" sz="1200" b="0" kern="1200" dirty="0" err="1" smtClean="0">
+              <a:rPr lang="en-US" altLang="zh-CN" sz="1200" b="0" kern="1200" dirty="0" err="1">
                 <a:solidFill>
                   <a:schemeClr val="tx1"/>
                 </a:solidFill>
@@ -564,7 +567,7 @@
               <a:t>FracGames</a:t>
             </a:r>
             <a:r>
-              <a:rPr lang="zh-CN" altLang="en-US" sz="1200" b="0" kern="1200" dirty="0" smtClean="0">
+              <a:rPr lang="zh-CN" altLang="en-US" sz="1200" b="0" kern="1200" dirty="0">
                 <a:solidFill>
                   <a:schemeClr val="tx1"/>
                 </a:solidFill>
@@ -573,10 +576,10 @@
                 <a:ea typeface="+mn-ea"/>
                 <a:cs typeface="+mn-cs"/>
               </a:rPr>
-              <a:t>团队。我们团队共有三名成员，分别是盛恩睿（队长）杨啸（队员）赵悟（队员）。我们提交的项目名称为</a:t>
-            </a:r>
-            <a:r>
-              <a:rPr lang="en-US" altLang="zh-CN" sz="1200" b="0" kern="1200" dirty="0" smtClean="0">
+              <a:t>游戏制作团队。我们团队共有三名成员，分别是盛恩睿（队长）杨啸（队员）赵悟（队员）。我们提交的项目名称为</a:t>
+            </a:r>
+            <a:r>
+              <a:rPr lang="en-US" altLang="zh-CN" sz="1200" b="0" kern="1200" dirty="0">
                 <a:solidFill>
                   <a:schemeClr val="tx1"/>
                 </a:solidFill>
@@ -588,7 +591,7 @@
               <a:t>Seeder</a:t>
             </a:r>
             <a:r>
-              <a:rPr lang="zh-CN" altLang="en-US" sz="1200" b="0" kern="1200" dirty="0" smtClean="0">
+              <a:rPr lang="zh-CN" altLang="en-US" sz="1200" b="0" kern="1200" dirty="0">
                 <a:solidFill>
                   <a:schemeClr val="tx1"/>
                 </a:solidFill>
@@ -686,18 +689,17 @@
           <a:lstStyle/>
           <a:p>
             <a:r>
-              <a:rPr lang="zh-CN" altLang="en-US" dirty="0" smtClean="0"/>
+              <a:rPr lang="zh-CN" altLang="en-US" dirty="0"/>
               <a:t>本次演示文档的结构分为游戏介绍与可行性分析。对于游戏的介绍，我将从游戏主题、玩法介绍、视觉效果进行介绍。最后进行</a:t>
             </a:r>
             <a:r>
-              <a:rPr lang="en-US" altLang="zh-CN" dirty="0" smtClean="0"/>
+              <a:rPr lang="en-US" altLang="zh-CN" dirty="0"/>
               <a:t>Demo </a:t>
             </a:r>
             <a:r>
-              <a:rPr lang="zh-CN" altLang="en-US" dirty="0" smtClean="0"/>
+              <a:rPr lang="zh-CN" altLang="en-US" dirty="0"/>
               <a:t>的演示。接下来，我将对游戏的可行性进行分析，并介绍我们的市场推广计划。</a:t>
             </a:r>
-            <a:endParaRPr lang="zh-CN" altLang="en-US" dirty="0"/>
           </a:p>
         </p:txBody>
       </p:sp>
@@ -718,7 +720,7 @@
           <a:p>
             <a:fld id="{85952953-4931-4294-84E4-D4C8E0E07B6B}" type="slidenum">
               <a:rPr lang="zh-CN" altLang="en-US" smtClean="0"/>
-              <a:t>2</a:t>
+              <a:t>5</a:t>
             </a:fld>
             <a:endParaRPr lang="zh-CN" altLang="en-US"/>
           </a:p>
@@ -799,19 +801,19 @@
               <a:defRPr/>
             </a:pPr>
             <a:r>
-              <a:rPr lang="zh-CN" altLang="en-US" dirty="0" smtClean="0"/>
+              <a:rPr lang="zh-CN" altLang="en-US" dirty="0"/>
               <a:t>长久以来，我们都是从一个仰视的角度去观察这个世界。在这个游戏中，我们大胆的假设重力的方向可以改变，那么我们眼中的世界又会有什么样的改变呢？因此我们从这个角度入手，设计了这款旋转视角的游戏，并用重力去表现这个主题。具体为利用重力去收集一些线索，并通过各种机关陷阱。而人物单独的旋转太过单一，因此我们引入了</a:t>
             </a:r>
             <a:r>
-              <a:rPr lang="en-US" altLang="zh-CN" dirty="0" smtClean="0"/>
+              <a:rPr lang="en-US" altLang="zh-CN" dirty="0"/>
               <a:t>Seed</a:t>
             </a:r>
             <a:r>
-              <a:rPr lang="zh-CN" altLang="en-US" dirty="0" smtClean="0"/>
+              <a:rPr lang="zh-CN" altLang="en-US" dirty="0"/>
               <a:t>。它是一个</a:t>
             </a:r>
             <a:r>
-              <a:rPr lang="zh-CN" altLang="en-US" sz="1200" b="0" kern="1200" dirty="0" smtClean="0">
+              <a:rPr lang="zh-CN" altLang="en-US" sz="1200" b="0" kern="1200" dirty="0">
                 <a:solidFill>
                   <a:schemeClr val="tx1"/>
                 </a:solidFill>
@@ -823,7 +825,7 @@
               <a:t>笨呼呼的树种，只能借助重力的影响才能移动。人物不仅需要自己过关，并需要将</a:t>
             </a:r>
             <a:r>
-              <a:rPr lang="en-US" altLang="zh-CN" sz="1200" b="0" kern="1200" dirty="0" smtClean="0">
+              <a:rPr lang="en-US" altLang="zh-CN" sz="1200" b="0" kern="1200" dirty="0">
                 <a:solidFill>
                   <a:schemeClr val="tx1"/>
                 </a:solidFill>
@@ -835,7 +837,7 @@
               <a:t>Seed</a:t>
             </a:r>
             <a:r>
-              <a:rPr lang="zh-CN" altLang="en-US" sz="1200" b="0" kern="1200" dirty="0" smtClean="0">
+              <a:rPr lang="zh-CN" altLang="en-US" sz="1200" b="0" kern="1200" dirty="0">
                 <a:solidFill>
                   <a:schemeClr val="tx1"/>
                 </a:solidFill>
@@ -846,7 +848,7 @@
               </a:rPr>
               <a:t>带至指定地点。这就为游戏增添了许多变数与乐趣。</a:t>
             </a:r>
-            <a:endParaRPr lang="en-US" altLang="zh-CN" sz="1200" b="0" kern="1200" dirty="0" smtClean="0">
+            <a:endParaRPr lang="en-US" altLang="zh-CN" sz="1200" b="0" kern="1200" dirty="0">
               <a:solidFill>
                 <a:schemeClr val="tx1"/>
               </a:solidFill>
@@ -875,7 +877,7 @@
               <a:defRPr/>
             </a:pPr>
             <a:r>
-              <a:rPr lang="zh-CN" altLang="en-US" sz="1200" b="0" kern="1200" dirty="0" smtClean="0">
+              <a:rPr lang="zh-CN" altLang="en-US" sz="1200" b="0" kern="1200" dirty="0">
                 <a:solidFill>
                   <a:schemeClr val="tx1"/>
                 </a:solidFill>
@@ -887,7 +889,7 @@
               <a:t>其次，我们的游戏还融入了探险的元素，我们设计了四个风格迥异的场景，包括荆棘丛生的上古森林、神秘莫测的黑色沙漠、接连天际的幽深海洋、隐匿曲折的黑暗洞穴。玩家在每一关都会有不同的体验。而且随意旋转的角度，使得玩家可以深入探索到地图的各个角落。当然，正如那句“</a:t>
             </a:r>
             <a:r>
-              <a:rPr lang="zh-CN" altLang="en-US" sz="1200" b="0" i="0" kern="1200" dirty="0" smtClean="0">
+              <a:rPr lang="zh-CN" altLang="en-US" sz="1200" b="0" i="0" kern="1200" dirty="0">
                 <a:solidFill>
                   <a:schemeClr val="tx1"/>
                 </a:solidFill>
@@ -899,7 +901,7 @@
               <a:t>而世之奇伟瑰怪非常之观，常在于险远而人之所罕至焉，故非有志者不能至也</a:t>
             </a:r>
             <a:r>
-              <a:rPr lang="zh-CN" altLang="en-US" sz="1200" b="0" kern="1200" dirty="0" smtClean="0">
+              <a:rPr lang="zh-CN" altLang="en-US" sz="1200" b="0" kern="1200" dirty="0">
                 <a:solidFill>
                   <a:schemeClr val="tx1"/>
                 </a:solidFill>
@@ -910,7 +912,7 @@
               </a:rPr>
               <a:t>”所说的那样，世间最美丽的风景多在于难以到达的地方，而在我们的游戏中，玩家可以摆脱物理世界的束缚，用一种全新的角度去体验这个世界</a:t>
             </a:r>
-            <a:endParaRPr lang="en-US" altLang="zh-CN" sz="1200" b="0" kern="1200" dirty="0" smtClean="0">
+            <a:endParaRPr lang="en-US" altLang="zh-CN" sz="1200" b="0" kern="1200" dirty="0">
               <a:solidFill>
                 <a:schemeClr val="tx1"/>
               </a:solidFill>
@@ -938,7 +940,7 @@
               <a:tabLst/>
               <a:defRPr/>
             </a:pPr>
-            <a:endParaRPr lang="zh-CN" altLang="en-US" sz="1200" b="0" kern="1200" dirty="0" smtClean="0">
+            <a:endParaRPr lang="zh-CN" altLang="en-US" sz="1200" b="0" kern="1200" dirty="0">
               <a:solidFill>
                 <a:schemeClr val="tx1"/>
               </a:solidFill>
@@ -966,7 +968,7 @@
               <a:tabLst/>
               <a:defRPr/>
             </a:pPr>
-            <a:endParaRPr lang="zh-CN" altLang="en-US" sz="1200" b="0" kern="1200" dirty="0" smtClean="0">
+            <a:endParaRPr lang="zh-CN" altLang="en-US" sz="1200" b="0" kern="1200" dirty="0">
               <a:solidFill>
                 <a:schemeClr val="tx1"/>
               </a:solidFill>
@@ -998,7 +1000,7 @@
           <a:p>
             <a:fld id="{85952953-4931-4294-84E4-D4C8E0E07B6B}" type="slidenum">
               <a:rPr lang="zh-CN" altLang="en-US" smtClean="0"/>
-              <a:t>3</a:t>
+              <a:t>6</a:t>
             </a:fld>
             <a:endParaRPr lang="zh-CN" altLang="en-US"/>
           </a:p>
@@ -1079,11 +1081,11 @@
               <a:defRPr/>
             </a:pPr>
             <a:r>
-              <a:rPr lang="zh-CN" altLang="en-US" dirty="0" smtClean="0"/>
+              <a:rPr lang="zh-CN" altLang="en-US" dirty="0"/>
               <a:t>在游戏中，人物可以通过</a:t>
             </a:r>
             <a:r>
-              <a:rPr lang="en-US" altLang="zh-CN" sz="1200" b="0" kern="1200" dirty="0" smtClean="0">
+              <a:rPr lang="en-US" altLang="zh-CN" sz="1200" b="0" kern="1200" dirty="0">
                 <a:solidFill>
                   <a:schemeClr val="tx1"/>
                 </a:solidFill>
@@ -1095,7 +1097,7 @@
               <a:t>A D</a:t>
             </a:r>
             <a:r>
-              <a:rPr lang="zh-CN" altLang="en-US" sz="1200" b="0" kern="1200" dirty="0" smtClean="0">
+              <a:rPr lang="zh-CN" altLang="en-US" sz="1200" b="0" kern="1200" dirty="0">
                 <a:solidFill>
                   <a:schemeClr val="tx1"/>
                 </a:solidFill>
@@ -1107,11 +1109,11 @@
               <a:t>控制</a:t>
             </a:r>
             <a:r>
-              <a:rPr lang="zh-CN" altLang="en-US" dirty="0" smtClean="0"/>
+              <a:rPr lang="zh-CN" altLang="en-US" dirty="0"/>
               <a:t>左右移动，用</a:t>
             </a:r>
             <a:r>
-              <a:rPr lang="zh-CN" altLang="en-US" sz="1200" b="0" kern="1200" dirty="0" smtClean="0">
+              <a:rPr lang="zh-CN" altLang="en-US" sz="1200" b="0" kern="1200" dirty="0">
                 <a:solidFill>
                   <a:schemeClr val="tx1"/>
                 </a:solidFill>
@@ -1123,10 +1125,10 @@
               <a:t>空格控制</a:t>
             </a:r>
             <a:r>
-              <a:rPr lang="zh-CN" altLang="en-US" dirty="0" smtClean="0"/>
+              <a:rPr lang="zh-CN" altLang="en-US" dirty="0"/>
               <a:t>跳跃，我们来看一下操作的演示视频</a:t>
             </a:r>
-            <a:endParaRPr lang="en-US" altLang="zh-CN" dirty="0" smtClean="0"/>
+            <a:endParaRPr lang="en-US" altLang="zh-CN" dirty="0"/>
           </a:p>
           <a:p>
             <a:pPr marL="0" marR="0" lvl="0" indent="0" algn="l" defTabSz="914400" rtl="0" eaLnBrk="1" fontAlgn="auto" latinLnBrk="0" hangingPunct="1">
@@ -1147,11 +1149,11 @@
               <a:defRPr/>
             </a:pPr>
             <a:r>
-              <a:rPr lang="zh-CN" altLang="en-US" dirty="0" smtClean="0"/>
+              <a:rPr lang="zh-CN" altLang="en-US" dirty="0"/>
               <a:t>在游戏中，人物可以通过方向左键与右键控制</a:t>
             </a:r>
             <a:r>
-              <a:rPr lang="zh-CN" altLang="en-US" sz="1200" b="0" kern="1200" dirty="0" smtClean="0">
+              <a:rPr lang="zh-CN" altLang="en-US" sz="1200" b="0" kern="1200" dirty="0">
                 <a:solidFill>
                   <a:schemeClr val="tx1"/>
                 </a:solidFill>
@@ -1163,7 +1165,7 @@
               <a:t>重力顺时针旋转与逆时针旋转</a:t>
             </a:r>
             <a:r>
-              <a:rPr lang="en-US" altLang="zh-CN" sz="1200" b="0" kern="1200" dirty="0" smtClean="0">
+              <a:rPr lang="en-US" altLang="zh-CN" sz="1200" b="0" kern="1200" dirty="0">
                 <a:solidFill>
                   <a:schemeClr val="tx1"/>
                 </a:solidFill>
@@ -1175,10 +1177,10 @@
               <a:t>90°</a:t>
             </a:r>
             <a:r>
-              <a:rPr lang="zh-CN" altLang="en-US" dirty="0" smtClean="0"/>
+              <a:rPr lang="zh-CN" altLang="en-US" dirty="0"/>
               <a:t>，我们来看一下操作的演示视频</a:t>
             </a:r>
-            <a:endParaRPr lang="en-US" altLang="zh-CN" dirty="0" smtClean="0"/>
+            <a:endParaRPr lang="en-US" altLang="zh-CN" dirty="0"/>
           </a:p>
           <a:p>
             <a:pPr marL="0" marR="0" lvl="0" indent="0" algn="l" defTabSz="914400" rtl="0" eaLnBrk="1" fontAlgn="auto" latinLnBrk="0" hangingPunct="1">
@@ -1199,10 +1201,10 @@
               <a:defRPr/>
             </a:pPr>
             <a:r>
-              <a:rPr lang="zh-CN" altLang="en-US" dirty="0" smtClean="0"/>
+              <a:rPr lang="zh-CN" altLang="en-US" dirty="0"/>
               <a:t>在视频中可以看到，每次旋转会有短暂的停顿，这是为了防止旋转过快造成玩家的眩晕感，提升游戏体验。</a:t>
             </a:r>
-            <a:endParaRPr lang="en-US" altLang="zh-CN" dirty="0" smtClean="0"/>
+            <a:endParaRPr lang="en-US" altLang="zh-CN" dirty="0"/>
           </a:p>
           <a:p>
             <a:pPr marL="0" marR="0" lvl="0" indent="0" algn="l" defTabSz="914400" rtl="0" eaLnBrk="1" fontAlgn="auto" latinLnBrk="0" hangingPunct="1">
@@ -1223,18 +1225,18 @@
               <a:defRPr/>
             </a:pPr>
             <a:r>
-              <a:rPr lang="zh-CN" altLang="en-US" dirty="0" smtClean="0"/>
+              <a:rPr lang="zh-CN" altLang="en-US" dirty="0"/>
               <a:t>而且每次旋转只会影响当前视野内的物品，避免了解密与操作过于复杂。</a:t>
             </a:r>
-            <a:endParaRPr lang="en-US" altLang="zh-CN" dirty="0" smtClean="0"/>
-          </a:p>
-          <a:p>
-            <a:r>
-              <a:rPr lang="zh-CN" altLang="en-US" dirty="0" smtClean="0"/>
+            <a:endParaRPr lang="en-US" altLang="zh-CN" dirty="0"/>
+          </a:p>
+          <a:p>
+            <a:r>
+              <a:rPr lang="zh-CN" altLang="en-US" dirty="0"/>
               <a:t>通过选择重力，人物可以跨越无法跨过的鸿沟，还能</a:t>
             </a:r>
             <a:r>
-              <a:rPr lang="zh-CN" altLang="en-US" sz="1200" b="0" kern="1200" dirty="0" smtClean="0">
+              <a:rPr lang="zh-CN" altLang="en-US" sz="1200" b="0" kern="1200" dirty="0">
                 <a:solidFill>
                   <a:schemeClr val="tx1"/>
                 </a:solidFill>
@@ -1246,7 +1248,7 @@
               <a:t>利用</a:t>
             </a:r>
             <a:r>
-              <a:rPr lang="en-US" altLang="zh-CN" sz="1200" b="0" kern="1200" dirty="0" smtClean="0">
+              <a:rPr lang="en-US" altLang="zh-CN" sz="1200" b="0" kern="1200" dirty="0">
                 <a:solidFill>
                   <a:schemeClr val="tx1"/>
                 </a:solidFill>
@@ -1258,7 +1260,7 @@
               <a:t>Seed</a:t>
             </a:r>
             <a:r>
-              <a:rPr lang="zh-CN" altLang="en-US" sz="1200" b="0" kern="1200" dirty="0" smtClean="0">
+              <a:rPr lang="zh-CN" altLang="en-US" sz="1200" b="0" kern="1200" dirty="0">
                 <a:solidFill>
                   <a:schemeClr val="tx1"/>
                 </a:solidFill>
@@ -1309,7 +1311,7 @@
           <a:p>
             <a:fld id="{85952953-4931-4294-84E4-D4C8E0E07B6B}" type="slidenum">
               <a:rPr lang="zh-CN" altLang="en-US" smtClean="0"/>
-              <a:t>4</a:t>
+              <a:t>7</a:t>
             </a:fld>
             <a:endParaRPr lang="zh-CN" altLang="en-US"/>
           </a:p>
@@ -1373,10 +1375,9 @@
           <a:lstStyle/>
           <a:p>
             <a:r>
-              <a:rPr lang="zh-CN" altLang="en-US" dirty="0" smtClean="0"/>
+              <a:rPr lang="zh-CN" altLang="en-US" dirty="0"/>
               <a:t>这是我们的第一关的整体渲染图，可以看到。我们的地图细节十分清晰。。。。色彩。。。。。</a:t>
             </a:r>
-            <a:endParaRPr lang="zh-CN" altLang="en-US" dirty="0"/>
           </a:p>
         </p:txBody>
       </p:sp>
@@ -1397,7 +1398,7 @@
           <a:p>
             <a:fld id="{85952953-4931-4294-84E4-D4C8E0E07B6B}" type="slidenum">
               <a:rPr lang="zh-CN" altLang="en-US" smtClean="0"/>
-              <a:t>5</a:t>
+              <a:t>8</a:t>
             </a:fld>
             <a:endParaRPr lang="zh-CN" altLang="en-US"/>
           </a:p>
@@ -1461,10 +1462,9 @@
           <a:lstStyle/>
           <a:p>
             <a:r>
-              <a:rPr lang="zh-CN" altLang="en-US" dirty="0" smtClean="0"/>
+              <a:rPr lang="zh-CN" altLang="en-US" dirty="0"/>
               <a:t>我们的主角是一个穿着百褶裙的小姑娘，她对外面的世界充满了好奇与向往。</a:t>
             </a:r>
-            <a:endParaRPr lang="zh-CN" altLang="en-US" dirty="0"/>
           </a:p>
         </p:txBody>
       </p:sp>
@@ -1485,7 +1485,7 @@
           <a:p>
             <a:fld id="{85952953-4931-4294-84E4-D4C8E0E07B6B}" type="slidenum">
               <a:rPr lang="zh-CN" altLang="en-US" smtClean="0"/>
-              <a:t>6</a:t>
+              <a:t>9</a:t>
             </a:fld>
             <a:endParaRPr lang="zh-CN" altLang="en-US"/>
           </a:p>
@@ -1566,34 +1566,34 @@
               <a:defRPr/>
             </a:pPr>
             <a:r>
-              <a:rPr lang="zh-CN" altLang="en-US" dirty="0" smtClean="0"/>
+              <a:rPr lang="zh-CN" altLang="en-US" dirty="0"/>
               <a:t>下面，我给大家展示一下我们的教学关卡的</a:t>
             </a:r>
             <a:r>
-              <a:rPr lang="en-US" altLang="zh-CN" dirty="0" smtClean="0"/>
+              <a:rPr lang="en-US" altLang="zh-CN" dirty="0"/>
               <a:t>Demo</a:t>
             </a:r>
             <a:r>
-              <a:rPr lang="zh-CN" altLang="en-US" dirty="0" smtClean="0"/>
+              <a:rPr lang="zh-CN" altLang="en-US" dirty="0"/>
               <a:t>。首先，主人公</a:t>
             </a:r>
             <a:r>
-              <a:rPr lang="en-US" altLang="zh-CN" dirty="0" smtClean="0"/>
+              <a:rPr lang="en-US" altLang="zh-CN" dirty="0"/>
               <a:t>Eda</a:t>
             </a:r>
             <a:r>
-              <a:rPr lang="zh-CN" altLang="en-US" dirty="0" smtClean="0"/>
+              <a:rPr lang="zh-CN" altLang="en-US" dirty="0"/>
               <a:t>无意中改变了重力的方向，救出了被困住的</a:t>
             </a:r>
             <a:r>
-              <a:rPr lang="en-US" altLang="zh-CN" dirty="0" smtClean="0"/>
+              <a:rPr lang="en-US" altLang="zh-CN" dirty="0"/>
               <a:t>Seed</a:t>
             </a:r>
             <a:r>
-              <a:rPr lang="zh-CN" altLang="en-US" dirty="0" smtClean="0"/>
+              <a:rPr lang="zh-CN" altLang="en-US" dirty="0"/>
               <a:t>，于是一段神奇的冒险旅程就此开启。</a:t>
             </a:r>
-            <a:endParaRPr lang="en-US" altLang="zh-CN" dirty="0" smtClean="0"/>
+            <a:endParaRPr lang="en-US" altLang="zh-CN" dirty="0"/>
           </a:p>
           <a:p>
             <a:endParaRPr lang="zh-CN" altLang="en-US" dirty="0"/>
@@ -1617,7 +1617,7 @@
           <a:p>
             <a:fld id="{85952953-4931-4294-84E4-D4C8E0E07B6B}" type="slidenum">
               <a:rPr lang="zh-CN" altLang="en-US" smtClean="0"/>
-              <a:t>7</a:t>
+              <a:t>10</a:t>
             </a:fld>
             <a:endParaRPr lang="zh-CN" altLang="en-US"/>
           </a:p>
@@ -1698,7 +1698,7 @@
               <a:defRPr/>
             </a:pPr>
             <a:r>
-              <a:rPr lang="zh-CN" altLang="en-US" sz="1200" b="0" kern="1200" dirty="0" smtClean="0">
+              <a:rPr lang="zh-CN" altLang="en-US" sz="1200" b="0" kern="1200" dirty="0">
                 <a:solidFill>
                   <a:schemeClr val="tx1"/>
                 </a:solidFill>
@@ -1710,7 +1710,7 @@
               <a:t>在目前快节奏的生活中，人们的压力越来越大。而通过户外活动进行放松的时间成本又太大。于是我们的游戏就针对这一现象，设置为短巧精密的冒险解密类游戏，主要是针对休闲玩家这一目标群体。以改变观察世界的视角为切入点，赋予</a:t>
             </a:r>
             <a:r>
-              <a:rPr lang="en-US" altLang="zh-CN" sz="1200" b="0" kern="1200" dirty="0" smtClean="0">
+              <a:rPr lang="en-US" altLang="zh-CN" sz="1200" b="0" kern="1200" dirty="0">
                 <a:solidFill>
                   <a:schemeClr val="tx1"/>
                 </a:solidFill>
@@ -1722,7 +1722,7 @@
               <a:t>2D</a:t>
             </a:r>
             <a:r>
-              <a:rPr lang="zh-CN" altLang="en-US" sz="1200" b="0" kern="1200" dirty="0" smtClean="0">
+              <a:rPr lang="zh-CN" altLang="en-US" sz="1200" b="0" kern="1200" dirty="0">
                 <a:solidFill>
                   <a:schemeClr val="tx1"/>
                 </a:solidFill>
@@ -1734,7 +1734,7 @@
               <a:t>横版闯关这类游戏更多的灵活性与自由度。以萌妹子</a:t>
             </a:r>
             <a:r>
-              <a:rPr lang="en-US" altLang="zh-CN" sz="1200" b="0" kern="1200" dirty="0" smtClean="0">
+              <a:rPr lang="en-US" altLang="zh-CN" sz="1200" b="0" kern="1200" dirty="0">
                 <a:solidFill>
                   <a:schemeClr val="tx1"/>
                 </a:solidFill>
@@ -1746,7 +1746,7 @@
               <a:t>Eda</a:t>
             </a:r>
             <a:r>
-              <a:rPr lang="zh-CN" altLang="en-US" sz="1200" b="0" kern="1200" dirty="0" smtClean="0">
+              <a:rPr lang="zh-CN" altLang="en-US" sz="1200" b="0" kern="1200" dirty="0">
                 <a:solidFill>
                   <a:schemeClr val="tx1"/>
                 </a:solidFill>
@@ -1758,7 +1758,7 @@
               <a:t>为游戏主角会带给玩家更多的治愈感，用宏大的场景图带给玩家足够的神秘感。在</a:t>
             </a:r>
             <a:r>
-              <a:rPr lang="en-US" altLang="zh-CN" sz="1200" b="0" kern="1200" dirty="0" smtClean="0">
+              <a:rPr lang="en-US" altLang="zh-CN" sz="1200" b="0" kern="1200" dirty="0">
                 <a:solidFill>
                   <a:schemeClr val="tx1"/>
                 </a:solidFill>
@@ -1770,7 +1770,7 @@
               <a:t>Eda</a:t>
             </a:r>
             <a:r>
-              <a:rPr lang="zh-CN" altLang="en-US" sz="1200" b="0" kern="1200" dirty="0" smtClean="0">
+              <a:rPr lang="zh-CN" altLang="en-US" sz="1200" b="0" kern="1200" dirty="0">
                 <a:solidFill>
                   <a:schemeClr val="tx1"/>
                 </a:solidFill>
@@ -1782,7 +1782,7 @@
               <a:t>对地图的探索中，用一些精妙的机关帮助玩家切换思维获得充足的放松。并通过引入笨笨的</a:t>
             </a:r>
             <a:r>
-              <a:rPr lang="en-US" altLang="zh-CN" sz="1200" b="0" kern="1200" dirty="0" smtClean="0">
+              <a:rPr lang="en-US" altLang="zh-CN" sz="1200" b="0" kern="1200" dirty="0">
                 <a:solidFill>
                   <a:schemeClr val="tx1"/>
                 </a:solidFill>
@@ -1794,7 +1794,7 @@
               <a:t>Seed</a:t>
             </a:r>
             <a:r>
-              <a:rPr lang="zh-CN" altLang="en-US" sz="1200" b="0" kern="1200" dirty="0" smtClean="0">
+              <a:rPr lang="zh-CN" altLang="en-US" sz="1200" b="0" kern="1200" dirty="0">
                 <a:solidFill>
                   <a:schemeClr val="tx1"/>
                 </a:solidFill>
@@ -1805,7 +1805,7 @@
               </a:rPr>
               <a:t>将游戏的解密难度进行提升，对玩家的脑洞进一步进行开发。</a:t>
             </a:r>
-            <a:endParaRPr lang="en-US" altLang="zh-CN" sz="1200" b="0" kern="1200" dirty="0" smtClean="0">
+            <a:endParaRPr lang="en-US" altLang="zh-CN" sz="1200" b="0" kern="1200" dirty="0">
               <a:solidFill>
                 <a:schemeClr val="tx1"/>
               </a:solidFill>
@@ -1833,7 +1833,7 @@
               <a:tabLst/>
               <a:defRPr/>
             </a:pPr>
-            <a:endParaRPr lang="en-US" altLang="zh-CN" sz="1200" b="0" kern="1200" dirty="0" smtClean="0">
+            <a:endParaRPr lang="en-US" altLang="zh-CN" sz="1200" b="0" kern="1200" dirty="0">
               <a:solidFill>
                 <a:schemeClr val="tx1"/>
               </a:solidFill>
@@ -1862,7 +1862,7 @@
               <a:defRPr/>
             </a:pPr>
             <a:r>
-              <a:rPr lang="zh-CN" altLang="en-US" sz="1200" b="0" kern="1200" dirty="0" smtClean="0">
+              <a:rPr lang="zh-CN" altLang="en-US" sz="1200" b="0" kern="1200" dirty="0">
                 <a:solidFill>
                   <a:schemeClr val="tx1"/>
                 </a:solidFill>
@@ -1874,7 +1874,7 @@
               <a:t>总的来说，游戏的整体画风采用</a:t>
             </a:r>
             <a:r>
-              <a:rPr lang="en-US" altLang="zh-CN" sz="1200" b="0" kern="1200" dirty="0" smtClean="0">
+              <a:rPr lang="en-US" altLang="zh-CN" sz="1200" b="0" kern="1200" dirty="0">
                 <a:solidFill>
                   <a:schemeClr val="tx1"/>
                 </a:solidFill>
@@ -1886,7 +1886,7 @@
               <a:t>Low-Poly </a:t>
             </a:r>
             <a:r>
-              <a:rPr lang="zh-CN" altLang="en-US" sz="1200" b="0" kern="1200" dirty="0" smtClean="0">
+              <a:rPr lang="zh-CN" altLang="en-US" sz="1200" b="0" kern="1200" dirty="0">
                 <a:solidFill>
                   <a:schemeClr val="tx1"/>
                 </a:solidFill>
@@ -1897,7 +1897,7 @@
               </a:rPr>
               <a:t>风格，适合玩家在休憩时释放压力，放松心情。而且游戏的解密要素与探索要素能够活跃玩家的思维，让玩家在轻松愉悦的节奏中舒缓日常生活中的压力。而且本项目中设置了多个存盘点，方便玩家在零碎的时间内进行简单的放松。这便大大提高了本款游戏对休闲玩家的贴合程度。</a:t>
             </a:r>
-            <a:endParaRPr lang="en-US" altLang="zh-CN" sz="1200" b="0" kern="1200" dirty="0" smtClean="0">
+            <a:endParaRPr lang="en-US" altLang="zh-CN" sz="1200" b="0" kern="1200" dirty="0">
               <a:solidFill>
                 <a:schemeClr val="tx1"/>
               </a:solidFill>
@@ -1925,7 +1925,7 @@
               <a:tabLst/>
               <a:defRPr/>
             </a:pPr>
-            <a:endParaRPr lang="en-US" altLang="zh-CN" sz="1200" b="0" kern="1200" dirty="0" smtClean="0">
+            <a:endParaRPr lang="en-US" altLang="zh-CN" sz="1200" b="0" kern="1200" dirty="0">
               <a:solidFill>
                 <a:schemeClr val="tx1"/>
               </a:solidFill>
@@ -1954,7 +1954,7 @@
               <a:defRPr/>
             </a:pPr>
             <a:r>
-              <a:rPr lang="zh-CN" altLang="en-US" sz="1200" b="0" kern="1200" dirty="0" smtClean="0">
+              <a:rPr lang="zh-CN" altLang="en-US" sz="1200" b="0" kern="1200" dirty="0">
                 <a:solidFill>
                   <a:schemeClr val="tx1"/>
                 </a:solidFill>
@@ -1985,7 +1985,7 @@
           <a:p>
             <a:fld id="{85952953-4931-4294-84E4-D4C8E0E07B6B}" type="slidenum">
               <a:rPr lang="zh-CN" altLang="en-US" smtClean="0"/>
-              <a:t>8</a:t>
+              <a:t>11</a:t>
             </a:fld>
             <a:endParaRPr lang="zh-CN" altLang="en-US"/>
           </a:p>
@@ -2069,7 +2069,7 @@
           <a:p>
             <a:fld id="{85952953-4931-4294-84E4-D4C8E0E07B6B}" type="slidenum">
               <a:rPr lang="zh-CN" altLang="en-US" smtClean="0"/>
-              <a:t>9</a:t>
+              <a:t>12</a:t>
             </a:fld>
             <a:endParaRPr lang="zh-CN" altLang="en-US"/>
           </a:p>
@@ -4926,78 +4926,6 @@
       </p:grpSpPr>
       <p:sp>
         <p:nvSpPr>
-          <p:cNvPr id="3" name="副标题 2"/>
-          <p:cNvSpPr>
-            <a:spLocks noGrp="1"/>
-          </p:cNvSpPr>
-          <p:nvPr>
-            <p:ph type="subTitle" idx="1"/>
-          </p:nvPr>
-        </p:nvSpPr>
-        <p:spPr>
-          <a:xfrm>
-            <a:off x="1524000" y="3211512"/>
-            <a:ext cx="9144000" cy="2693987"/>
-          </a:xfrm>
-        </p:spPr>
-        <p:txBody>
-          <a:bodyPr>
-            <a:normAutofit lnSpcReduction="10000"/>
-          </a:bodyPr>
-          <a:lstStyle/>
-          <a:p>
-            <a:r>
-              <a:rPr lang="en-US" altLang="zh-CN" sz="3600" dirty="0" smtClean="0">
-                <a:solidFill>
-                  <a:schemeClr val="accent5">
-                    <a:lumMod val="75000"/>
-                  </a:schemeClr>
-                </a:solidFill>
-              </a:rPr>
-              <a:t>Seeder</a:t>
-            </a:r>
-          </a:p>
-          <a:p>
-            <a:endParaRPr lang="en-US" altLang="zh-CN" dirty="0" smtClean="0"/>
-          </a:p>
-          <a:p>
-            <a:endParaRPr lang="en-US" altLang="zh-CN" dirty="0" smtClean="0"/>
-          </a:p>
-          <a:p>
-            <a:endParaRPr lang="en-US" altLang="zh-CN" dirty="0"/>
-          </a:p>
-          <a:p>
-            <a:endParaRPr lang="en-US" altLang="zh-CN" dirty="0" smtClean="0"/>
-          </a:p>
-          <a:p>
-            <a:r>
-              <a:rPr lang="en-US" altLang="zh-CN" dirty="0" smtClean="0"/>
-              <a:t>						</a:t>
-            </a:r>
-            <a:r>
-              <a:rPr lang="en-US" altLang="zh-CN" dirty="0" err="1" smtClean="0">
-                <a:solidFill>
-                  <a:srgbClr val="00B0F0"/>
-                </a:solidFill>
-              </a:rPr>
-              <a:t>FracGames</a:t>
-            </a:r>
-            <a:r>
-              <a:rPr lang="zh-CN" altLang="en-US" dirty="0">
-                <a:solidFill>
-                  <a:srgbClr val="00B0F0"/>
-                </a:solidFill>
-              </a:rPr>
-              <a:t>团队</a:t>
-            </a:r>
-          </a:p>
-          <a:p>
-            <a:endParaRPr lang="en-US" altLang="zh-CN" dirty="0"/>
-          </a:p>
-        </p:txBody>
-      </p:sp>
-      <p:sp>
-        <p:nvSpPr>
           <p:cNvPr id="4" name="矩形 3"/>
           <p:cNvSpPr/>
           <p:nvPr/>
@@ -5019,37 +4947,64 @@
           <a:lstStyle/>
           <a:p>
             <a:pPr algn="ctr"/>
-            <a:r>
-              <a:rPr lang="zh-CN" altLang="en-US" sz="5400" b="0" cap="none" spc="0" dirty="0">
-                <a:ln w="0"/>
-                <a:gradFill>
-                  <a:gsLst>
-                    <a:gs pos="0">
-                      <a:schemeClr val="accent5">
-                        <a:lumMod val="50000"/>
-                      </a:schemeClr>
-                    </a:gs>
-                    <a:gs pos="50000">
-                      <a:schemeClr val="accent5"/>
-                    </a:gs>
-                    <a:gs pos="100000">
-                      <a:schemeClr val="accent5">
-                        <a:lumMod val="60000"/>
-                        <a:lumOff val="40000"/>
-                      </a:schemeClr>
-                    </a:gs>
-                  </a:gsLst>
-                  <a:lin ang="5400000"/>
-                </a:gradFill>
-                <a:effectLst>
-                  <a:reflection blurRad="6350" stA="53000" endA="300" endPos="35500" dir="5400000" sy="-90000" algn="bl" rotWithShape="0"/>
-                </a:effectLst>
-              </a:rPr>
-              <a:t>项目名称</a:t>
-            </a:r>
-          </a:p>
-        </p:txBody>
-      </p:sp>
+            <a:endParaRPr lang="zh-CN" altLang="en-US" sz="5400" b="0" cap="none" spc="0" dirty="0">
+              <a:ln w="0"/>
+              <a:gradFill>
+                <a:gsLst>
+                  <a:gs pos="0">
+                    <a:schemeClr val="accent5">
+                      <a:lumMod val="50000"/>
+                    </a:schemeClr>
+                  </a:gs>
+                  <a:gs pos="50000">
+                    <a:schemeClr val="accent5"/>
+                  </a:gs>
+                  <a:gs pos="100000">
+                    <a:schemeClr val="accent5">
+                      <a:lumMod val="60000"/>
+                      <a:lumOff val="40000"/>
+                    </a:schemeClr>
+                  </a:gs>
+                </a:gsLst>
+                <a:lin ang="5400000"/>
+              </a:gradFill>
+              <a:effectLst>
+                <a:reflection blurRad="6350" stA="53000" endA="300" endPos="35500" dir="5400000" sy="-90000" algn="bl" rotWithShape="0"/>
+              </a:effectLst>
+            </a:endParaRPr>
+          </a:p>
+        </p:txBody>
+      </p:sp>
+      <p:pic>
+        <p:nvPicPr>
+          <p:cNvPr id="5" name="图片 4"/>
+          <p:cNvPicPr>
+            <a:picLocks noChangeAspect="1"/>
+          </p:cNvPicPr>
+          <p:nvPr/>
+        </p:nvPicPr>
+        <p:blipFill>
+          <a:blip r:embed="rId3">
+            <a:extLst>
+              <a:ext uri="{28A0092B-C50C-407E-A947-70E740481C1C}">
+                <a14:useLocalDpi xmlns:a14="http://schemas.microsoft.com/office/drawing/2010/main" val="0"/>
+              </a:ext>
+            </a:extLst>
+          </a:blip>
+          <a:stretch>
+            <a:fillRect/>
+          </a:stretch>
+        </p:blipFill>
+        <p:spPr>
+          <a:xfrm>
+            <a:off x="2498863" y="169606"/>
+            <a:ext cx="6501587" cy="6501587"/>
+          </a:xfrm>
+          <a:prstGeom prst="rect">
+            <a:avLst/>
+          </a:prstGeom>
+        </p:spPr>
+      </p:pic>
     </p:spTree>
     <p:extLst>
       <p:ext uri="{BB962C8B-B14F-4D97-AF65-F5344CB8AC3E}">
@@ -5082,6 +5037,303 @@
       </p:grpSpPr>
       <p:sp>
         <p:nvSpPr>
+          <p:cNvPr id="2" name="标题 1"/>
+          <p:cNvSpPr>
+            <a:spLocks noGrp="1"/>
+          </p:cNvSpPr>
+          <p:nvPr>
+            <p:ph type="title"/>
+          </p:nvPr>
+        </p:nvSpPr>
+        <p:spPr/>
+        <p:txBody>
+          <a:bodyPr/>
+          <a:lstStyle/>
+          <a:p>
+            <a:r>
+              <a:rPr lang="zh-CN" altLang="en-US" dirty="0"/>
+              <a:t>游戏介绍</a:t>
+            </a:r>
+            <a:r>
+              <a:rPr lang="en-US" altLang="zh-CN" dirty="0"/>
+              <a:t>——Demo</a:t>
+            </a:r>
+            <a:r>
+              <a:rPr lang="zh-CN" altLang="en-US" dirty="0"/>
+              <a:t>演示</a:t>
+            </a:r>
+          </a:p>
+        </p:txBody>
+      </p:sp>
+      <p:sp>
+        <p:nvSpPr>
+          <p:cNvPr id="3" name="内容占位符 2"/>
+          <p:cNvSpPr>
+            <a:spLocks noGrp="1"/>
+          </p:cNvSpPr>
+          <p:nvPr>
+            <p:ph idx="1"/>
+          </p:nvPr>
+        </p:nvSpPr>
+        <p:spPr/>
+        <p:txBody>
+          <a:bodyPr/>
+          <a:lstStyle/>
+          <a:p>
+            <a:endParaRPr lang="zh-CN" altLang="en-US" dirty="0"/>
+          </a:p>
+        </p:txBody>
+      </p:sp>
+    </p:spTree>
+    <p:extLst>
+      <p:ext uri="{BB962C8B-B14F-4D97-AF65-F5344CB8AC3E}">
+        <p14:creationId xmlns:p14="http://schemas.microsoft.com/office/powerpoint/2010/main" val="101502592"/>
+      </p:ext>
+    </p:extLst>
+  </p:cSld>
+  <p:clrMapOvr>
+    <a:masterClrMapping/>
+  </p:clrMapOvr>
+</p:sld>
+</file>
+
+<file path=ppt/slides/slide11.xml><?xml version="1.0" encoding="utf-8"?>
+<p:sld xmlns:a="http://schemas.openxmlformats.org/drawingml/2006/main" xmlns:r="http://schemas.openxmlformats.org/officeDocument/2006/relationships" xmlns:p="http://schemas.openxmlformats.org/presentationml/2006/main">
+  <p:cSld>
+    <p:spTree>
+      <p:nvGrpSpPr>
+        <p:cNvPr id="1" name=""/>
+        <p:cNvGrpSpPr/>
+        <p:nvPr/>
+      </p:nvGrpSpPr>
+      <p:grpSpPr>
+        <a:xfrm>
+          <a:off x="0" y="0"/>
+          <a:ext cx="0" cy="0"/>
+          <a:chOff x="0" y="0"/>
+          <a:chExt cx="0" cy="0"/>
+        </a:xfrm>
+      </p:grpSpPr>
+      <p:sp>
+        <p:nvSpPr>
+          <p:cNvPr id="2" name="标题 1"/>
+          <p:cNvSpPr>
+            <a:spLocks noGrp="1"/>
+          </p:cNvSpPr>
+          <p:nvPr>
+            <p:ph type="title"/>
+          </p:nvPr>
+        </p:nvSpPr>
+        <p:spPr/>
+        <p:txBody>
+          <a:bodyPr/>
+          <a:lstStyle/>
+          <a:p>
+            <a:r>
+              <a:rPr lang="zh-CN" altLang="en-US" dirty="0"/>
+              <a:t>游戏可行性分析</a:t>
+            </a:r>
+          </a:p>
+        </p:txBody>
+      </p:sp>
+      <p:sp>
+        <p:nvSpPr>
+          <p:cNvPr id="3" name="内容占位符 2"/>
+          <p:cNvSpPr>
+            <a:spLocks noGrp="1"/>
+          </p:cNvSpPr>
+          <p:nvPr>
+            <p:ph idx="1"/>
+          </p:nvPr>
+        </p:nvSpPr>
+        <p:spPr/>
+        <p:txBody>
+          <a:bodyPr/>
+          <a:lstStyle/>
+          <a:p>
+            <a:pPr marL="0" indent="0">
+              <a:buNone/>
+            </a:pPr>
+            <a:endParaRPr lang="en-US" altLang="zh-CN" dirty="0"/>
+          </a:p>
+          <a:p>
+            <a:r>
+              <a:rPr lang="zh-CN" altLang="en-US" dirty="0"/>
+              <a:t>受众分析</a:t>
+            </a:r>
+            <a:endParaRPr lang="en-US" altLang="zh-CN" dirty="0"/>
+          </a:p>
+          <a:p>
+            <a:endParaRPr lang="en-US" altLang="zh-CN" dirty="0"/>
+          </a:p>
+          <a:p>
+            <a:r>
+              <a:rPr lang="zh-CN" altLang="en-US" dirty="0"/>
+              <a:t>贴合型分析</a:t>
+            </a:r>
+            <a:endParaRPr lang="en-US" altLang="zh-CN" dirty="0"/>
+          </a:p>
+          <a:p>
+            <a:endParaRPr lang="en-US" altLang="zh-CN" dirty="0"/>
+          </a:p>
+          <a:p>
+            <a:r>
+              <a:rPr lang="zh-CN" altLang="en-US" dirty="0"/>
+              <a:t>创新点</a:t>
+            </a:r>
+            <a:endParaRPr lang="en-US" altLang="zh-CN" dirty="0"/>
+          </a:p>
+          <a:p>
+            <a:endParaRPr lang="en-US" altLang="zh-CN" dirty="0"/>
+          </a:p>
+        </p:txBody>
+      </p:sp>
+    </p:spTree>
+    <p:extLst>
+      <p:ext uri="{BB962C8B-B14F-4D97-AF65-F5344CB8AC3E}">
+        <p14:creationId xmlns:p14="http://schemas.microsoft.com/office/powerpoint/2010/main" val="3808054890"/>
+      </p:ext>
+    </p:extLst>
+  </p:cSld>
+  <p:clrMapOvr>
+    <a:masterClrMapping/>
+  </p:clrMapOvr>
+</p:sld>
+</file>
+
+<file path=ppt/slides/slide12.xml><?xml version="1.0" encoding="utf-8"?>
+<p:sld xmlns:a="http://schemas.openxmlformats.org/drawingml/2006/main" xmlns:r="http://schemas.openxmlformats.org/officeDocument/2006/relationships" xmlns:p="http://schemas.openxmlformats.org/presentationml/2006/main">
+  <p:cSld>
+    <p:spTree>
+      <p:nvGrpSpPr>
+        <p:cNvPr id="1" name=""/>
+        <p:cNvGrpSpPr/>
+        <p:nvPr/>
+      </p:nvGrpSpPr>
+      <p:grpSpPr>
+        <a:xfrm>
+          <a:off x="0" y="0"/>
+          <a:ext cx="0" cy="0"/>
+          <a:chOff x="0" y="0"/>
+          <a:chExt cx="0" cy="0"/>
+        </a:xfrm>
+      </p:grpSpPr>
+      <p:sp>
+        <p:nvSpPr>
+          <p:cNvPr id="2" name="标题 1"/>
+          <p:cNvSpPr>
+            <a:spLocks noGrp="1"/>
+          </p:cNvSpPr>
+          <p:nvPr>
+            <p:ph type="title"/>
+          </p:nvPr>
+        </p:nvSpPr>
+        <p:spPr/>
+        <p:txBody>
+          <a:bodyPr/>
+          <a:lstStyle/>
+          <a:p>
+            <a:r>
+              <a:rPr lang="zh-CN" altLang="en-US" dirty="0"/>
+              <a:t>市场推广</a:t>
+            </a:r>
+          </a:p>
+        </p:txBody>
+      </p:sp>
+      <p:sp>
+        <p:nvSpPr>
+          <p:cNvPr id="3" name="内容占位符 2"/>
+          <p:cNvSpPr>
+            <a:spLocks noGrp="1"/>
+          </p:cNvSpPr>
+          <p:nvPr>
+            <p:ph idx="1"/>
+          </p:nvPr>
+        </p:nvSpPr>
+        <p:spPr/>
+        <p:txBody>
+          <a:bodyPr/>
+          <a:lstStyle/>
+          <a:p>
+            <a:r>
+              <a:rPr lang="zh-CN" altLang="en-US" dirty="0"/>
+              <a:t>我们项目的推广准备首先推出手游平台</a:t>
+            </a:r>
+            <a:r>
+              <a:rPr lang="en-US" altLang="zh-CN" dirty="0"/>
+              <a:t>,</a:t>
+            </a:r>
+            <a:r>
+              <a:rPr lang="zh-CN" altLang="en-US" dirty="0"/>
+              <a:t>利用手机的普及型与便携性迅速打开市场</a:t>
+            </a:r>
+            <a:endParaRPr lang="en-US" altLang="zh-CN" dirty="0"/>
+          </a:p>
+          <a:p>
+            <a:endParaRPr lang="en-US" altLang="zh-CN" dirty="0"/>
+          </a:p>
+          <a:p>
+            <a:r>
+              <a:rPr lang="zh-CN" altLang="en-US" dirty="0"/>
+              <a:t>在一线游戏媒体进行宣传投放</a:t>
+            </a:r>
+            <a:endParaRPr lang="en-US" altLang="zh-CN" dirty="0"/>
+          </a:p>
+          <a:p>
+            <a:endParaRPr lang="en-US" altLang="zh-CN" dirty="0"/>
+          </a:p>
+          <a:p>
+            <a:r>
+              <a:rPr lang="zh-CN" altLang="en-US" dirty="0"/>
+              <a:t>通过微信微博平台进行宣传</a:t>
+            </a:r>
+          </a:p>
+          <a:p>
+            <a:pPr marL="0" indent="0">
+              <a:buNone/>
+            </a:pPr>
+            <a:br>
+              <a:rPr lang="zh-CN" altLang="en-US" dirty="0"/>
+            </a:br>
+            <a:endParaRPr lang="zh-CN" altLang="en-US" dirty="0"/>
+          </a:p>
+          <a:p>
+            <a:endParaRPr lang="zh-CN" altLang="en-US" dirty="0"/>
+          </a:p>
+        </p:txBody>
+      </p:sp>
+    </p:spTree>
+    <p:extLst>
+      <p:ext uri="{BB962C8B-B14F-4D97-AF65-F5344CB8AC3E}">
+        <p14:creationId xmlns:p14="http://schemas.microsoft.com/office/powerpoint/2010/main" val="2948610756"/>
+      </p:ext>
+    </p:extLst>
+  </p:cSld>
+  <p:clrMapOvr>
+    <a:masterClrMapping/>
+  </p:clrMapOvr>
+</p:sld>
+</file>
+
+<file path=ppt/slides/slide13.xml><?xml version="1.0" encoding="utf-8"?>
+<p:sld xmlns:a="http://schemas.openxmlformats.org/drawingml/2006/main" xmlns:r="http://schemas.openxmlformats.org/officeDocument/2006/relationships" xmlns:p="http://schemas.openxmlformats.org/presentationml/2006/main">
+  <p:cSld>
+    <p:spTree>
+      <p:nvGrpSpPr>
+        <p:cNvPr id="1" name=""/>
+        <p:cNvGrpSpPr/>
+        <p:nvPr/>
+      </p:nvGrpSpPr>
+      <p:grpSpPr>
+        <a:xfrm>
+          <a:off x="0" y="0"/>
+          <a:ext cx="0" cy="0"/>
+          <a:chOff x="0" y="0"/>
+          <a:chExt cx="0" cy="0"/>
+        </a:xfrm>
+      </p:grpSpPr>
+      <p:sp>
+        <p:nvSpPr>
           <p:cNvPr id="3" name="内容占位符 2"/>
           <p:cNvSpPr>
             <a:spLocks noGrp="1"/>
@@ -5098,10 +5350,15 @@
         </p:spPr>
         <p:txBody>
           <a:bodyPr>
-            <a:normAutofit fontScale="85000" lnSpcReduction="20000"/>
+            <a:normAutofit fontScale="70000" lnSpcReduction="20000"/>
           </a:bodyPr>
           <a:lstStyle/>
           <a:p>
+            <a:pPr>
+              <a:lnSpc>
+                <a:spcPct val="170000"/>
+              </a:lnSpc>
+            </a:pPr>
             <a:r>
               <a:rPr lang="zh-CN" altLang="zh-CN" dirty="0"/>
               <a:t>总的来说，我们的项目是一款独立性游戏。我们想借助游戏这一平台去实现我们对于未来世界的畅想。我们的游戏理念是打破人们的固有思维，挣脱重力方向的束缚，改变观察世界的角度，以极大的自由度去探索这个世界。正如那句“而世之奇伟瑰怪非常之观，常在于险远而人之所罕至焉，故非有志者不能至也</a:t>
@@ -5124,6 +5381,11 @@
             </a:r>
           </a:p>
           <a:p>
+            <a:pPr>
+              <a:lnSpc>
+                <a:spcPct val="170000"/>
+              </a:lnSpc>
+            </a:pPr>
             <a:r>
               <a:rPr lang="en-US" altLang="zh-CN" dirty="0"/>
               <a:t> </a:t>
@@ -5131,6 +5393,11 @@
             <a:endParaRPr lang="zh-CN" altLang="zh-CN" dirty="0"/>
           </a:p>
           <a:p>
+            <a:pPr>
+              <a:lnSpc>
+                <a:spcPct val="170000"/>
+              </a:lnSpc>
+            </a:pPr>
             <a:r>
               <a:rPr lang="zh-CN" altLang="zh-CN" dirty="0"/>
               <a:t>然而，有些自然法则却是无法改变的，比如生命，比如时间。每一次重力的翻转，对不同的生命来说，可能意味着不同的结果。也许，</a:t>
@@ -5169,27 +5436,11 @@
             </a:r>
           </a:p>
           <a:p>
-            <a:r>
-              <a:rPr lang="en-US" altLang="zh-CN" dirty="0"/>
-              <a:t> </a:t>
-            </a:r>
-            <a:endParaRPr lang="zh-CN" altLang="zh-CN" dirty="0"/>
-          </a:p>
-          <a:p>
-            <a:r>
-              <a:rPr lang="zh-CN" altLang="zh-CN" dirty="0"/>
-              <a:t>游戏的整体画风采用</a:t>
-            </a:r>
-            <a:r>
-              <a:rPr lang="en-US" altLang="zh-CN" dirty="0"/>
-              <a:t>Low-Poly </a:t>
-            </a:r>
-            <a:r>
-              <a:rPr lang="zh-CN" altLang="zh-CN" dirty="0"/>
-              <a:t>风格，适合玩家在休憩时释放压力，放松心情。而且游戏的解密要素与收集要素可以很好的活跃玩家的思维，让玩家沉浸在对世界的探索之中。整个游戏分为四个世界，每个世界中都有不同的主题与机关，对应着。</a:t>
-            </a:r>
-          </a:p>
-          <a:p>
+            <a:pPr>
+              <a:lnSpc>
+                <a:spcPct val="170000"/>
+              </a:lnSpc>
+            </a:pPr>
             <a:endParaRPr lang="zh-CN" altLang="en-US" dirty="0"/>
           </a:p>
         </p:txBody>
@@ -5198,6 +5449,105 @@
     <p:extLst>
       <p:ext uri="{BB962C8B-B14F-4D97-AF65-F5344CB8AC3E}">
         <p14:creationId xmlns:p14="http://schemas.microsoft.com/office/powerpoint/2010/main" val="1763875189"/>
+      </p:ext>
+    </p:extLst>
+  </p:cSld>
+  <p:clrMapOvr>
+    <a:masterClrMapping/>
+  </p:clrMapOvr>
+</p:sld>
+</file>
+
+<file path=ppt/slides/slide14.xml><?xml version="1.0" encoding="utf-8"?>
+<p:sld xmlns:a="http://schemas.openxmlformats.org/drawingml/2006/main" xmlns:r="http://schemas.openxmlformats.org/officeDocument/2006/relationships" xmlns:p="http://schemas.openxmlformats.org/presentationml/2006/main">
+  <p:cSld>
+    <p:spTree>
+      <p:nvGrpSpPr>
+        <p:cNvPr id="1" name=""/>
+        <p:cNvGrpSpPr/>
+        <p:nvPr/>
+      </p:nvGrpSpPr>
+      <p:grpSpPr>
+        <a:xfrm>
+          <a:off x="0" y="0"/>
+          <a:ext cx="0" cy="0"/>
+          <a:chOff x="0" y="0"/>
+          <a:chExt cx="0" cy="0"/>
+        </a:xfrm>
+      </p:grpSpPr>
+      <p:sp>
+        <p:nvSpPr>
+          <p:cNvPr id="2" name="标题 1"/>
+          <p:cNvSpPr>
+            <a:spLocks noGrp="1"/>
+          </p:cNvSpPr>
+          <p:nvPr>
+            <p:ph type="title"/>
+          </p:nvPr>
+        </p:nvSpPr>
+        <p:spPr/>
+        <p:txBody>
+          <a:bodyPr/>
+          <a:lstStyle/>
+          <a:p>
+            <a:endParaRPr lang="zh-CN" altLang="en-US" dirty="0"/>
+          </a:p>
+        </p:txBody>
+      </p:sp>
+      <p:sp>
+        <p:nvSpPr>
+          <p:cNvPr id="3" name="内容占位符 2"/>
+          <p:cNvSpPr>
+            <a:spLocks noGrp="1"/>
+          </p:cNvSpPr>
+          <p:nvPr>
+            <p:ph idx="1"/>
+          </p:nvPr>
+        </p:nvSpPr>
+        <p:spPr/>
+        <p:txBody>
+          <a:bodyPr/>
+          <a:lstStyle/>
+          <a:p>
+            <a:pPr>
+              <a:lnSpc>
+                <a:spcPct val="170000"/>
+              </a:lnSpc>
+            </a:pPr>
+            <a:r>
+              <a:rPr lang="en-US" altLang="zh-CN" dirty="0"/>
+              <a:t> </a:t>
+            </a:r>
+            <a:endParaRPr lang="zh-CN" altLang="zh-CN" dirty="0"/>
+          </a:p>
+          <a:p>
+            <a:pPr>
+              <a:lnSpc>
+                <a:spcPct val="170000"/>
+              </a:lnSpc>
+            </a:pPr>
+            <a:r>
+              <a:rPr lang="zh-CN" altLang="zh-CN" dirty="0"/>
+              <a:t>游戏的整体画风采用</a:t>
+            </a:r>
+            <a:r>
+              <a:rPr lang="en-US" altLang="zh-CN" dirty="0"/>
+              <a:t>Low-Poly </a:t>
+            </a:r>
+            <a:r>
+              <a:rPr lang="zh-CN" altLang="zh-CN" dirty="0"/>
+              <a:t>风格，适合玩家在休憩时释放压力，放松心情。而且游戏的解密要素与收集要素可以很好的活跃玩家的思维，让玩家沉浸在对世界的探索之中。整个游戏分为四个世界，每个世界中都有不同的主题与机关，对应着。</a:t>
+            </a:r>
+          </a:p>
+          <a:p>
+            <a:endParaRPr lang="zh-CN" altLang="en-US" dirty="0"/>
+          </a:p>
+        </p:txBody>
+      </p:sp>
+    </p:spTree>
+    <p:extLst>
+      <p:ext uri="{BB962C8B-B14F-4D97-AF65-F5344CB8AC3E}">
+        <p14:creationId xmlns:p14="http://schemas.microsoft.com/office/powerpoint/2010/main" val="3860927885"/>
       </p:ext>
     </p:extLst>
   </p:cSld>
@@ -5234,160 +5584,168 @@
             <p:ph type="title"/>
           </p:nvPr>
         </p:nvSpPr>
+        <p:spPr/>
+        <p:txBody>
+          <a:bodyPr>
+            <a:normAutofit/>
+          </a:bodyPr>
+          <a:lstStyle/>
+          <a:p>
+            <a:pPr marL="0" marR="0" lvl="0" indent="0" algn="l" defTabSz="914400" rtl="0" eaLnBrk="1" fontAlgn="auto" latinLnBrk="0" hangingPunct="1">
+              <a:lnSpc>
+                <a:spcPct val="90000"/>
+              </a:lnSpc>
+              <a:spcBef>
+                <a:spcPct val="0"/>
+              </a:spcBef>
+              <a:spcAft>
+                <a:spcPts val="0"/>
+              </a:spcAft>
+              <a:buClrTx/>
+              <a:buSzTx/>
+              <a:buFontTx/>
+              <a:buNone/>
+              <a:tabLst/>
+              <a:defRPr/>
+            </a:pPr>
+            <a:r>
+              <a:rPr lang="zh-CN" altLang="en-US" dirty="0"/>
+              <a:t>为什么叫</a:t>
+            </a:r>
+            <a:r>
+              <a:rPr lang="en-US" altLang="zh-CN" dirty="0"/>
+              <a:t>Seeder</a:t>
+            </a:r>
+            <a:r>
+              <a:rPr lang="zh-CN" altLang="en-US" dirty="0"/>
+              <a:t>？</a:t>
+            </a:r>
+          </a:p>
+        </p:txBody>
+      </p:sp>
+      <p:pic>
+        <p:nvPicPr>
+          <p:cNvPr id="5" name="内容占位符 4"/>
+          <p:cNvPicPr>
+            <a:picLocks noGrp="1" noChangeAspect="1"/>
+          </p:cNvPicPr>
+          <p:nvPr>
+            <p:ph idx="1"/>
+          </p:nvPr>
+        </p:nvPicPr>
+        <p:blipFill>
+          <a:blip r:embed="rId2">
+            <a:extLst>
+              <a:ext uri="{28A0092B-C50C-407E-A947-70E740481C1C}">
+                <a14:useLocalDpi xmlns:a14="http://schemas.microsoft.com/office/drawing/2010/main" val="0"/>
+              </a:ext>
+            </a:extLst>
+          </a:blip>
+          <a:stretch>
+            <a:fillRect/>
+          </a:stretch>
+        </p:blipFill>
         <p:spPr>
           <a:xfrm>
-            <a:off x="723900" y="317500"/>
-            <a:ext cx="10515600" cy="1325563"/>
+            <a:off x="4021225" y="1690688"/>
+            <a:ext cx="7735712" cy="4351338"/>
           </a:xfrm>
         </p:spPr>
-        <p:txBody>
-          <a:bodyPr/>
-          <a:lstStyle/>
-          <a:p>
-            <a:r>
-              <a:rPr lang="en-US" altLang="zh-CN" dirty="0" err="1" smtClean="0"/>
-              <a:t>ppt</a:t>
-            </a:r>
-            <a:r>
-              <a:rPr lang="zh-CN" altLang="en-US" dirty="0" smtClean="0"/>
-              <a:t>结构</a:t>
-            </a:r>
-            <a:endParaRPr lang="zh-CN" altLang="en-US" dirty="0"/>
-          </a:p>
-        </p:txBody>
-      </p:sp>
-      <p:sp>
-        <p:nvSpPr>
-          <p:cNvPr id="3" name="内容占位符 2"/>
-          <p:cNvSpPr>
-            <a:spLocks noGrp="1"/>
-          </p:cNvSpPr>
-          <p:nvPr>
-            <p:ph idx="1"/>
-          </p:nvPr>
-        </p:nvSpPr>
-        <p:spPr/>
-        <p:txBody>
-          <a:bodyPr/>
-          <a:lstStyle/>
-          <a:p>
-            <a:r>
-              <a:rPr lang="zh-CN" altLang="en-US" dirty="0" smtClean="0"/>
-              <a:t>游戏介绍</a:t>
-            </a:r>
-            <a:endParaRPr lang="en-US" altLang="zh-CN" dirty="0"/>
-          </a:p>
-          <a:p>
-            <a:pPr lvl="1"/>
-            <a:r>
-              <a:rPr lang="zh-CN" altLang="en-US" dirty="0"/>
-              <a:t>游戏</a:t>
-            </a:r>
-            <a:r>
-              <a:rPr lang="zh-CN" altLang="en-US" dirty="0" smtClean="0"/>
-              <a:t>主题</a:t>
-            </a:r>
-            <a:endParaRPr lang="en-US" altLang="zh-CN" dirty="0" smtClean="0"/>
-          </a:p>
-          <a:p>
-            <a:pPr lvl="1"/>
-            <a:r>
-              <a:rPr lang="zh-CN" altLang="en-US" dirty="0" smtClean="0"/>
-              <a:t>玩</a:t>
-            </a:r>
-            <a:r>
-              <a:rPr lang="zh-CN" altLang="en-US" dirty="0"/>
-              <a:t>法</a:t>
-            </a:r>
-            <a:r>
-              <a:rPr lang="zh-CN" altLang="en-US" dirty="0" smtClean="0"/>
-              <a:t>介绍           （加上翻转</a:t>
-            </a:r>
-            <a:r>
-              <a:rPr lang="en-US" altLang="zh-CN" dirty="0" smtClean="0"/>
-              <a:t>GIF</a:t>
-            </a:r>
-            <a:r>
-              <a:rPr lang="zh-CN" altLang="en-US" dirty="0" smtClean="0"/>
-              <a:t>）</a:t>
-            </a:r>
-            <a:endParaRPr lang="en-US" altLang="zh-CN" dirty="0" smtClean="0"/>
-          </a:p>
-          <a:p>
-            <a:pPr lvl="1"/>
-            <a:r>
-              <a:rPr lang="zh-CN" altLang="en-US" dirty="0" smtClean="0"/>
-              <a:t>惊艳的视觉效果（</a:t>
-            </a:r>
-            <a:r>
-              <a:rPr lang="en-US" altLang="zh-CN" dirty="0" smtClean="0"/>
-              <a:t>background graph display</a:t>
-            </a:r>
-            <a:r>
-              <a:rPr lang="zh-CN" altLang="en-US" dirty="0" smtClean="0"/>
-              <a:t>）</a:t>
-            </a:r>
-            <a:endParaRPr lang="en-US" altLang="zh-CN" dirty="0" smtClean="0"/>
-          </a:p>
-          <a:p>
-            <a:pPr lvl="1"/>
-            <a:r>
-              <a:rPr lang="en-US" altLang="zh-CN" dirty="0" smtClean="0"/>
-              <a:t>Demo</a:t>
-            </a:r>
-            <a:r>
-              <a:rPr lang="zh-CN" altLang="en-US" dirty="0" smtClean="0"/>
-              <a:t>展示         （一到两个关卡的视频）</a:t>
-            </a:r>
-            <a:endParaRPr lang="en-US" altLang="zh-CN" dirty="0" smtClean="0"/>
-          </a:p>
-          <a:p>
-            <a:r>
-              <a:rPr lang="zh-CN" altLang="en-US" dirty="0" smtClean="0"/>
-              <a:t>游戏可行性分析及市场推广</a:t>
-            </a:r>
-            <a:endParaRPr lang="en-US" altLang="zh-CN" dirty="0"/>
-          </a:p>
-          <a:p>
-            <a:pPr lvl="1"/>
-            <a:r>
-              <a:rPr lang="zh-CN" altLang="en-US" dirty="0" smtClean="0"/>
-              <a:t>市场受众分析</a:t>
-            </a:r>
-            <a:endParaRPr lang="en-US" altLang="zh-CN" dirty="0"/>
-          </a:p>
-          <a:p>
-            <a:pPr lvl="1"/>
-            <a:r>
-              <a:rPr lang="zh-CN" altLang="en-US" dirty="0" smtClean="0"/>
-              <a:t>游戏</a:t>
-            </a:r>
-            <a:r>
-              <a:rPr lang="en-US" altLang="zh-CN" dirty="0" smtClean="0"/>
-              <a:t>hit</a:t>
-            </a:r>
-            <a:r>
-              <a:rPr lang="zh-CN" altLang="en-US" dirty="0" smtClean="0"/>
-              <a:t>点分析</a:t>
-            </a:r>
-            <a:endParaRPr lang="en-US" altLang="zh-CN" dirty="0"/>
-          </a:p>
-          <a:p>
-            <a:pPr lvl="1"/>
-            <a:r>
-              <a:rPr lang="zh-CN" altLang="en-US" dirty="0" smtClean="0"/>
-              <a:t>市场推广计划</a:t>
-            </a:r>
-            <a:endParaRPr lang="en-US" altLang="zh-CN" dirty="0"/>
-          </a:p>
-          <a:p>
-            <a:pPr lvl="1"/>
-            <a:endParaRPr lang="en-US" altLang="zh-CN" dirty="0"/>
-          </a:p>
-          <a:p>
-            <a:pPr marL="457200" lvl="1" indent="0">
-              <a:buNone/>
+      </p:pic>
+      <p:sp>
+        <p:nvSpPr>
+          <p:cNvPr id="6" name="文本占位符 5"/>
+          <p:cNvSpPr>
+            <a:spLocks noGrp="1"/>
+          </p:cNvSpPr>
+          <p:nvPr>
+            <p:ph type="body" idx="4294967295"/>
+          </p:nvPr>
+        </p:nvSpPr>
+        <p:spPr>
+          <a:xfrm>
+            <a:off x="838200" y="1825625"/>
+            <a:ext cx="3090863" cy="4351338"/>
+          </a:xfrm>
+        </p:spPr>
+        <p:txBody>
+          <a:bodyPr/>
+          <a:lstStyle/>
+          <a:p>
+            <a:pPr marL="228600" marR="0" lvl="0" indent="-228600" algn="l" defTabSz="914400" rtl="0" eaLnBrk="1" fontAlgn="auto" latinLnBrk="0" hangingPunct="1">
+              <a:lnSpc>
+                <a:spcPct val="90000"/>
+              </a:lnSpc>
+              <a:spcBef>
+                <a:spcPts val="1000"/>
+              </a:spcBef>
+              <a:spcAft>
+                <a:spcPts val="0"/>
+              </a:spcAft>
+              <a:buClrTx/>
+              <a:buSzTx/>
+              <a:buFont typeface="Arial" panose="020B0604020202020204" pitchFamily="34" charset="0"/>
+              <a:buChar char="•"/>
+              <a:tabLst/>
+              <a:defRPr/>
             </a:pPr>
+            <a:r>
+              <a:rPr lang="zh-CN" altLang="zh-CN" sz="2800" kern="1200" dirty="0">
+                <a:solidFill>
+                  <a:schemeClr val="tx1"/>
+                </a:solidFill>
+                <a:effectLst/>
+                <a:latin typeface="+mn-lt"/>
+                <a:ea typeface="+mn-ea"/>
+                <a:cs typeface="+mn-cs"/>
+              </a:rPr>
+              <a:t>这是一个关于我们的女主角护送种子君回归大地的故事。</a:t>
+            </a:r>
+            <a:endParaRPr lang="en-US" altLang="zh-CN" sz="2800" kern="1200" dirty="0">
+              <a:solidFill>
+                <a:schemeClr val="tx1"/>
+              </a:solidFill>
+              <a:effectLst/>
+              <a:latin typeface="+mn-lt"/>
+              <a:ea typeface="+mn-ea"/>
+              <a:cs typeface="+mn-cs"/>
+            </a:endParaRPr>
+          </a:p>
+          <a:p>
+            <a:pPr marL="228600" marR="0" lvl="0" indent="-228600" algn="l" defTabSz="914400" rtl="0" eaLnBrk="1" fontAlgn="auto" latinLnBrk="0" hangingPunct="1">
+              <a:lnSpc>
+                <a:spcPct val="90000"/>
+              </a:lnSpc>
+              <a:spcBef>
+                <a:spcPts val="1000"/>
+              </a:spcBef>
+              <a:spcAft>
+                <a:spcPts val="0"/>
+              </a:spcAft>
+              <a:buClrTx/>
+              <a:buSzTx/>
+              <a:buFont typeface="Arial" panose="020B0604020202020204" pitchFamily="34" charset="0"/>
+              <a:buChar char="•"/>
+              <a:tabLst/>
+              <a:defRPr/>
+            </a:pPr>
+            <a:r>
+              <a:rPr lang="zh-CN" altLang="en-US" sz="2800" kern="1200" dirty="0">
+                <a:solidFill>
+                  <a:schemeClr val="tx1"/>
+                </a:solidFill>
+                <a:effectLst/>
+                <a:latin typeface="+mn-lt"/>
+                <a:ea typeface="+mn-ea"/>
+                <a:cs typeface="+mn-cs"/>
+              </a:rPr>
+              <a:t>我们的主角拥有改变重力方向的能力，依靠这种能力帮助被困在树上的种子落入大地。</a:t>
+            </a:r>
+            <a:endParaRPr lang="zh-CN" altLang="zh-CN" sz="2800" dirty="0">
+              <a:effectLst/>
+            </a:endParaRPr>
+          </a:p>
+          <a:p>
             <a:endParaRPr lang="zh-CN" altLang="en-US" dirty="0"/>
           </a:p>
         </p:txBody>
@@ -5395,7 +5753,7 @@
     </p:spTree>
     <p:extLst>
       <p:ext uri="{BB962C8B-B14F-4D97-AF65-F5344CB8AC3E}">
-        <p14:creationId xmlns:p14="http://schemas.microsoft.com/office/powerpoint/2010/main" val="3573711563"/>
+        <p14:creationId xmlns:p14="http://schemas.microsoft.com/office/powerpoint/2010/main" val="2605368513"/>
       </p:ext>
     </p:extLst>
   </p:cSld>
@@ -5438,18 +5796,391 @@
           <a:lstStyle/>
           <a:p>
             <a:r>
-              <a:rPr lang="zh-CN" altLang="en-US" dirty="0" smtClean="0"/>
+              <a:rPr lang="zh-CN" altLang="en-US" dirty="0"/>
+              <a:t>游戏玩法介绍</a:t>
+            </a:r>
+          </a:p>
+        </p:txBody>
+      </p:sp>
+      <p:sp>
+        <p:nvSpPr>
+          <p:cNvPr id="3" name="内容占位符 2"/>
+          <p:cNvSpPr>
+            <a:spLocks noGrp="1"/>
+          </p:cNvSpPr>
+          <p:nvPr>
+            <p:ph idx="1"/>
+          </p:nvPr>
+        </p:nvSpPr>
+        <p:spPr/>
+        <p:txBody>
+          <a:bodyPr/>
+          <a:lstStyle/>
+          <a:p>
+            <a:r>
+              <a:rPr lang="en-US" altLang="zh-CN" dirty="0"/>
+              <a:t>Seeder</a:t>
+            </a:r>
+            <a:r>
+              <a:rPr lang="zh-CN" altLang="en-US" dirty="0"/>
+              <a:t>是一款在平台跳跃游戏基础上加入重力元素的解密冒险类游戏。</a:t>
+            </a:r>
+            <a:endParaRPr lang="en-US" altLang="zh-CN" dirty="0"/>
+          </a:p>
+          <a:p>
+            <a:r>
+              <a:rPr lang="zh-CN" altLang="en-US" dirty="0"/>
+              <a:t>和种子君一同冒险，相互照应，保护。</a:t>
+            </a:r>
+            <a:endParaRPr lang="en-US" altLang="zh-CN" dirty="0"/>
+          </a:p>
+          <a:p>
+            <a:r>
+              <a:rPr lang="zh-CN" altLang="en-US" dirty="0"/>
+              <a:t>利用主角改变重力的能力，以每次</a:t>
+            </a:r>
+            <a:r>
+              <a:rPr lang="en-US" altLang="zh-CN" dirty="0"/>
+              <a:t>90°</a:t>
+            </a:r>
+            <a:r>
+              <a:rPr lang="zh-CN" altLang="en-US" dirty="0"/>
+              <a:t>旋转重力方向，在危险中寻求生机。</a:t>
+            </a:r>
+            <a:endParaRPr lang="en-US" altLang="zh-CN" dirty="0"/>
+          </a:p>
+          <a:p>
+            <a:r>
+              <a:rPr lang="zh-CN" altLang="en-US" dirty="0"/>
+              <a:t>收集隐藏要素，来解开这个世界的谜团。</a:t>
+            </a:r>
+            <a:endParaRPr lang="en-US" altLang="zh-CN" dirty="0"/>
+          </a:p>
+          <a:p>
+            <a:r>
+              <a:rPr lang="zh-CN" altLang="en-US" dirty="0"/>
+              <a:t>改变观察世界的角度，探索难以到达的地方。</a:t>
+            </a:r>
+            <a:endParaRPr lang="en-US" altLang="zh-CN" dirty="0"/>
+          </a:p>
+          <a:p>
+            <a:r>
+              <a:rPr lang="zh-CN" altLang="en-US" dirty="0"/>
+              <a:t>有很高的操作难度，适合硬核向玩家。</a:t>
+            </a:r>
+          </a:p>
+        </p:txBody>
+      </p:sp>
+    </p:spTree>
+    <p:extLst>
+      <p:ext uri="{BB962C8B-B14F-4D97-AF65-F5344CB8AC3E}">
+        <p14:creationId xmlns:p14="http://schemas.microsoft.com/office/powerpoint/2010/main" val="1268714831"/>
+      </p:ext>
+    </p:extLst>
+  </p:cSld>
+  <p:clrMapOvr>
+    <a:masterClrMapping/>
+  </p:clrMapOvr>
+</p:sld>
+</file>
+
+<file path=ppt/slides/slide4.xml><?xml version="1.0" encoding="utf-8"?>
+<p:sld xmlns:a="http://schemas.openxmlformats.org/drawingml/2006/main" xmlns:r="http://schemas.openxmlformats.org/officeDocument/2006/relationships" xmlns:p="http://schemas.openxmlformats.org/presentationml/2006/main">
+  <p:cSld>
+    <p:spTree>
+      <p:nvGrpSpPr>
+        <p:cNvPr id="1" name=""/>
+        <p:cNvGrpSpPr/>
+        <p:nvPr/>
+      </p:nvGrpSpPr>
+      <p:grpSpPr>
+        <a:xfrm>
+          <a:off x="0" y="0"/>
+          <a:ext cx="0" cy="0"/>
+          <a:chOff x="0" y="0"/>
+          <a:chExt cx="0" cy="0"/>
+        </a:xfrm>
+      </p:grpSpPr>
+      <p:sp>
+        <p:nvSpPr>
+          <p:cNvPr id="2" name="标题 1"/>
+          <p:cNvSpPr>
+            <a:spLocks noGrp="1"/>
+          </p:cNvSpPr>
+          <p:nvPr>
+            <p:ph type="title"/>
+          </p:nvPr>
+        </p:nvSpPr>
+        <p:spPr/>
+        <p:txBody>
+          <a:bodyPr/>
+          <a:lstStyle/>
+          <a:p>
+            <a:endParaRPr lang="zh-CN" altLang="en-US" dirty="0"/>
+          </a:p>
+        </p:txBody>
+      </p:sp>
+      <p:sp>
+        <p:nvSpPr>
+          <p:cNvPr id="3" name="内容占位符 2"/>
+          <p:cNvSpPr>
+            <a:spLocks noGrp="1"/>
+          </p:cNvSpPr>
+          <p:nvPr>
+            <p:ph idx="1"/>
+          </p:nvPr>
+        </p:nvSpPr>
+        <p:spPr/>
+        <p:txBody>
+          <a:bodyPr/>
+          <a:lstStyle/>
+          <a:p>
+            <a:endParaRPr lang="zh-CN" altLang="en-US" dirty="0"/>
+          </a:p>
+        </p:txBody>
+      </p:sp>
+    </p:spTree>
+    <p:extLst>
+      <p:ext uri="{BB962C8B-B14F-4D97-AF65-F5344CB8AC3E}">
+        <p14:creationId xmlns:p14="http://schemas.microsoft.com/office/powerpoint/2010/main" val="3542208624"/>
+      </p:ext>
+    </p:extLst>
+  </p:cSld>
+  <p:clrMapOvr>
+    <a:masterClrMapping/>
+  </p:clrMapOvr>
+</p:sld>
+</file>
+
+<file path=ppt/slides/slide5.xml><?xml version="1.0" encoding="utf-8"?>
+<p:sld xmlns:a="http://schemas.openxmlformats.org/drawingml/2006/main" xmlns:r="http://schemas.openxmlformats.org/officeDocument/2006/relationships" xmlns:p="http://schemas.openxmlformats.org/presentationml/2006/main" show="0">
+  <p:cSld>
+    <p:spTree>
+      <p:nvGrpSpPr>
+        <p:cNvPr id="1" name=""/>
+        <p:cNvGrpSpPr/>
+        <p:nvPr/>
+      </p:nvGrpSpPr>
+      <p:grpSpPr>
+        <a:xfrm>
+          <a:off x="0" y="0"/>
+          <a:ext cx="0" cy="0"/>
+          <a:chOff x="0" y="0"/>
+          <a:chExt cx="0" cy="0"/>
+        </a:xfrm>
+      </p:grpSpPr>
+      <p:sp>
+        <p:nvSpPr>
+          <p:cNvPr id="2" name="标题 1"/>
+          <p:cNvSpPr>
+            <a:spLocks noGrp="1"/>
+          </p:cNvSpPr>
+          <p:nvPr>
+            <p:ph type="title"/>
+          </p:nvPr>
+        </p:nvSpPr>
+        <p:spPr>
+          <a:xfrm>
+            <a:off x="723900" y="317500"/>
+            <a:ext cx="10515600" cy="1325563"/>
+          </a:xfrm>
+        </p:spPr>
+        <p:txBody>
+          <a:bodyPr/>
+          <a:lstStyle/>
+          <a:p>
+            <a:r>
+              <a:rPr lang="en-US" altLang="zh-CN" dirty="0" err="1"/>
+              <a:t>ppt</a:t>
+            </a:r>
+            <a:r>
+              <a:rPr lang="zh-CN" altLang="en-US" dirty="0"/>
+              <a:t>结构</a:t>
+            </a:r>
+          </a:p>
+        </p:txBody>
+      </p:sp>
+      <p:sp>
+        <p:nvSpPr>
+          <p:cNvPr id="3" name="内容占位符 2"/>
+          <p:cNvSpPr>
+            <a:spLocks noGrp="1"/>
+          </p:cNvSpPr>
+          <p:nvPr>
+            <p:ph idx="1"/>
+          </p:nvPr>
+        </p:nvSpPr>
+        <p:spPr/>
+        <p:txBody>
+          <a:bodyPr/>
+          <a:lstStyle/>
+          <a:p>
+            <a:r>
+              <a:rPr lang="zh-CN" altLang="en-US" dirty="0"/>
               <a:t>游戏介绍</a:t>
             </a:r>
-            <a:r>
-              <a:rPr lang="en-US" altLang="zh-CN" dirty="0" smtClean="0"/>
+            <a:endParaRPr lang="en-US" altLang="zh-CN" dirty="0"/>
+          </a:p>
+          <a:p>
+            <a:pPr lvl="1"/>
+            <a:r>
+              <a:rPr lang="zh-CN" altLang="en-US" dirty="0"/>
+              <a:t>游戏主题</a:t>
+            </a:r>
+            <a:endParaRPr lang="en-US" altLang="zh-CN" dirty="0"/>
+          </a:p>
+          <a:p>
+            <a:pPr lvl="1"/>
+            <a:r>
+              <a:rPr lang="zh-CN" altLang="en-US" dirty="0"/>
+              <a:t>玩法介绍           （加上翻转</a:t>
+            </a:r>
+            <a:r>
+              <a:rPr lang="en-US" altLang="zh-CN" dirty="0"/>
+              <a:t>GIF</a:t>
+            </a:r>
+            <a:r>
+              <a:rPr lang="zh-CN" altLang="en-US" dirty="0"/>
+              <a:t>）</a:t>
+            </a:r>
+            <a:endParaRPr lang="en-US" altLang="zh-CN" dirty="0"/>
+          </a:p>
+          <a:p>
+            <a:pPr lvl="1"/>
+            <a:r>
+              <a:rPr lang="zh-CN" altLang="en-US" dirty="0"/>
+              <a:t>惊艳的视觉效果（</a:t>
+            </a:r>
+            <a:r>
+              <a:rPr lang="en-US" altLang="zh-CN" dirty="0"/>
+              <a:t>background graph display</a:t>
+            </a:r>
+            <a:r>
+              <a:rPr lang="zh-CN" altLang="en-US" dirty="0"/>
+              <a:t>）</a:t>
+            </a:r>
+            <a:endParaRPr lang="en-US" altLang="zh-CN" dirty="0"/>
+          </a:p>
+          <a:p>
+            <a:pPr lvl="1"/>
+            <a:r>
+              <a:rPr lang="en-US" altLang="zh-CN" dirty="0"/>
+              <a:t>Demo</a:t>
+            </a:r>
+            <a:r>
+              <a:rPr lang="zh-CN" altLang="en-US" dirty="0"/>
+              <a:t>展示         （一到两个关卡的视频）</a:t>
+            </a:r>
+            <a:endParaRPr lang="en-US" altLang="zh-CN" dirty="0"/>
+          </a:p>
+          <a:p>
+            <a:r>
+              <a:rPr lang="zh-CN" altLang="en-US" dirty="0"/>
+              <a:t>游戏可行性分析及市场推广</a:t>
+            </a:r>
+            <a:endParaRPr lang="en-US" altLang="zh-CN" dirty="0"/>
+          </a:p>
+          <a:p>
+            <a:pPr lvl="1"/>
+            <a:r>
+              <a:rPr lang="zh-CN" altLang="en-US" dirty="0"/>
+              <a:t>市场受众分析</a:t>
+            </a:r>
+            <a:endParaRPr lang="en-US" altLang="zh-CN" dirty="0"/>
+          </a:p>
+          <a:p>
+            <a:pPr lvl="1"/>
+            <a:r>
+              <a:rPr lang="zh-CN" altLang="en-US" dirty="0"/>
+              <a:t>游戏</a:t>
+            </a:r>
+            <a:r>
+              <a:rPr lang="en-US" altLang="zh-CN" dirty="0"/>
+              <a:t>hit</a:t>
+            </a:r>
+            <a:r>
+              <a:rPr lang="zh-CN" altLang="en-US" dirty="0"/>
+              <a:t>点分析</a:t>
+            </a:r>
+            <a:endParaRPr lang="en-US" altLang="zh-CN" dirty="0"/>
+          </a:p>
+          <a:p>
+            <a:pPr lvl="1"/>
+            <a:r>
+              <a:rPr lang="zh-CN" altLang="en-US" dirty="0"/>
+              <a:t>市场推广计划</a:t>
+            </a:r>
+            <a:endParaRPr lang="en-US" altLang="zh-CN" dirty="0"/>
+          </a:p>
+          <a:p>
+            <a:pPr lvl="1"/>
+            <a:endParaRPr lang="en-US" altLang="zh-CN" dirty="0"/>
+          </a:p>
+          <a:p>
+            <a:pPr marL="457200" lvl="1" indent="0">
+              <a:buNone/>
+            </a:pPr>
+            <a:endParaRPr lang="zh-CN" altLang="en-US" dirty="0"/>
+          </a:p>
+        </p:txBody>
+      </p:sp>
+    </p:spTree>
+    <p:extLst>
+      <p:ext uri="{BB962C8B-B14F-4D97-AF65-F5344CB8AC3E}">
+        <p14:creationId xmlns:p14="http://schemas.microsoft.com/office/powerpoint/2010/main" val="3573711563"/>
+      </p:ext>
+    </p:extLst>
+  </p:cSld>
+  <p:clrMapOvr>
+    <a:masterClrMapping/>
+  </p:clrMapOvr>
+</p:sld>
+</file>
+
+<file path=ppt/slides/slide6.xml><?xml version="1.0" encoding="utf-8"?>
+<p:sld xmlns:a="http://schemas.openxmlformats.org/drawingml/2006/main" xmlns:r="http://schemas.openxmlformats.org/officeDocument/2006/relationships" xmlns:p="http://schemas.openxmlformats.org/presentationml/2006/main" show="0">
+  <p:cSld>
+    <p:spTree>
+      <p:nvGrpSpPr>
+        <p:cNvPr id="1" name=""/>
+        <p:cNvGrpSpPr/>
+        <p:nvPr/>
+      </p:nvGrpSpPr>
+      <p:grpSpPr>
+        <a:xfrm>
+          <a:off x="0" y="0"/>
+          <a:ext cx="0" cy="0"/>
+          <a:chOff x="0" y="0"/>
+          <a:chExt cx="0" cy="0"/>
+        </a:xfrm>
+      </p:grpSpPr>
+      <p:sp>
+        <p:nvSpPr>
+          <p:cNvPr id="2" name="标题 1"/>
+          <p:cNvSpPr>
+            <a:spLocks noGrp="1"/>
+          </p:cNvSpPr>
+          <p:nvPr>
+            <p:ph type="title"/>
+          </p:nvPr>
+        </p:nvSpPr>
+        <p:spPr/>
+        <p:txBody>
+          <a:bodyPr/>
+          <a:lstStyle/>
+          <a:p>
+            <a:r>
+              <a:rPr lang="zh-CN" altLang="en-US" dirty="0"/>
+              <a:t>游戏介绍</a:t>
+            </a:r>
+            <a:r>
+              <a:rPr lang="en-US" altLang="zh-CN" dirty="0"/>
               <a:t>-</a:t>
             </a:r>
             <a:r>
-              <a:rPr lang="zh-CN" altLang="en-US" dirty="0" smtClean="0"/>
+              <a:rPr lang="zh-CN" altLang="en-US" dirty="0"/>
               <a:t>游戏主题</a:t>
             </a:r>
-            <a:endParaRPr lang="zh-CN" altLang="en-US" dirty="0"/>
           </a:p>
         </p:txBody>
       </p:sp>
@@ -5469,20 +6200,19 @@
           <a:lstStyle/>
           <a:p>
             <a:r>
-              <a:rPr lang="zh-CN" altLang="en-US" dirty="0" smtClean="0"/>
+              <a:rPr lang="zh-CN" altLang="en-US" dirty="0"/>
               <a:t>重力旋转</a:t>
             </a:r>
-            <a:endParaRPr lang="en-US" altLang="zh-CN" dirty="0" smtClean="0"/>
-          </a:p>
-          <a:p>
-            <a:endParaRPr lang="en-US" altLang="zh-CN" dirty="0" smtClean="0"/>
-          </a:p>
-          <a:p>
-            <a:r>
-              <a:rPr lang="zh-CN" altLang="en-US" dirty="0" smtClean="0"/>
+            <a:endParaRPr lang="en-US" altLang="zh-CN" dirty="0"/>
+          </a:p>
+          <a:p>
+            <a:endParaRPr lang="en-US" altLang="zh-CN" dirty="0"/>
+          </a:p>
+          <a:p>
+            <a:r>
+              <a:rPr lang="zh-CN" altLang="en-US" dirty="0"/>
               <a:t>探险</a:t>
             </a:r>
-            <a:endParaRPr lang="zh-CN" altLang="en-US" dirty="0"/>
           </a:p>
         </p:txBody>
       </p:sp>
@@ -5559,8 +6289,8 @@
 </p:sld>
 </file>
 
-<file path=ppt/slides/slide4.xml><?xml version="1.0" encoding="utf-8"?>
-<p:sld xmlns:a="http://schemas.openxmlformats.org/drawingml/2006/main" xmlns:r="http://schemas.openxmlformats.org/officeDocument/2006/relationships" xmlns:p="http://schemas.openxmlformats.org/presentationml/2006/main">
+<file path=ppt/slides/slide7.xml><?xml version="1.0" encoding="utf-8"?>
+<p:sld xmlns:a="http://schemas.openxmlformats.org/drawingml/2006/main" xmlns:r="http://schemas.openxmlformats.org/officeDocument/2006/relationships" xmlns:p="http://schemas.openxmlformats.org/presentationml/2006/main" show="0">
   <p:cSld>
     <p:spTree>
       <p:nvGrpSpPr>
@@ -5592,18 +6322,17 @@
           <a:lstStyle/>
           <a:p>
             <a:r>
-              <a:rPr lang="zh-CN" altLang="en-US" dirty="0" smtClean="0"/>
+              <a:rPr lang="zh-CN" altLang="en-US" dirty="0"/>
               <a:t>游戏介绍</a:t>
             </a:r>
             <a:r>
-              <a:rPr lang="en-US" altLang="zh-CN" dirty="0" smtClean="0"/>
+              <a:rPr lang="en-US" altLang="zh-CN" dirty="0"/>
               <a:t>——</a:t>
             </a:r>
             <a:r>
-              <a:rPr lang="zh-CN" altLang="en-US" dirty="0" smtClean="0"/>
+              <a:rPr lang="zh-CN" altLang="en-US" dirty="0"/>
               <a:t>玩法介绍</a:t>
             </a:r>
-            <a:endParaRPr lang="zh-CN" altLang="en-US" dirty="0"/>
           </a:p>
         </p:txBody>
       </p:sp>
@@ -5625,12 +6354,8 @@
           <a:lstStyle/>
           <a:p>
             <a:r>
-              <a:rPr lang="zh-CN" altLang="en-US" dirty="0" smtClean="0"/>
-              <a:t>人物可以左右</a:t>
-            </a:r>
-            <a:r>
               <a:rPr lang="zh-CN" altLang="en-US" dirty="0"/>
-              <a:t>移动</a:t>
+              <a:t>人物可以左右移动</a:t>
             </a:r>
           </a:p>
           <a:p>
@@ -5642,10 +6367,9 @@
               <a:t> </a:t>
             </a:r>
             <a:r>
-              <a:rPr lang="zh-CN" altLang="en-US" dirty="0" smtClean="0"/>
+              <a:rPr lang="zh-CN" altLang="en-US" dirty="0"/>
               <a:t>人物可以顺时针与逆时针旋转世界</a:t>
             </a:r>
-            <a:endParaRPr lang="zh-CN" altLang="en-US" dirty="0"/>
           </a:p>
           <a:p>
             <a:pPr marL="0" indent="0">
@@ -5655,34 +6379,33 @@
           </a:p>
           <a:p>
             <a:r>
-              <a:rPr lang="zh-CN" altLang="en-US" dirty="0" smtClean="0"/>
+              <a:rPr lang="zh-CN" altLang="en-US" dirty="0"/>
               <a:t>人物发动特殊能力</a:t>
             </a:r>
-            <a:endParaRPr lang="en-US" altLang="zh-CN" dirty="0" smtClean="0"/>
-          </a:p>
-          <a:p>
-            <a:endParaRPr lang="en-US" altLang="zh-CN" dirty="0" smtClean="0"/>
-          </a:p>
-          <a:p>
-            <a:r>
-              <a:rPr lang="zh-CN" altLang="en-US" dirty="0" smtClean="0"/>
+            <a:endParaRPr lang="en-US" altLang="zh-CN" dirty="0"/>
+          </a:p>
+          <a:p>
+            <a:endParaRPr lang="en-US" altLang="zh-CN" dirty="0"/>
+          </a:p>
+          <a:p>
+            <a:r>
+              <a:rPr lang="zh-CN" altLang="en-US" dirty="0"/>
               <a:t>每个关卡的任务是将</a:t>
             </a:r>
             <a:r>
-              <a:rPr lang="en-US" altLang="zh-CN" dirty="0" smtClean="0"/>
+              <a:rPr lang="en-US" altLang="zh-CN" dirty="0"/>
               <a:t>Seed</a:t>
             </a:r>
             <a:r>
-              <a:rPr lang="zh-CN" altLang="en-US" dirty="0" smtClean="0"/>
+              <a:rPr lang="zh-CN" altLang="en-US" dirty="0"/>
               <a:t>送至指定位置</a:t>
             </a:r>
-            <a:endParaRPr lang="zh-CN" altLang="en-US" dirty="0"/>
           </a:p>
           <a:p>
             <a:pPr marL="0" indent="0">
               <a:buNone/>
             </a:pPr>
-            <a:endParaRPr lang="en-US" altLang="zh-CN" dirty="0" smtClean="0"/>
+            <a:endParaRPr lang="en-US" altLang="zh-CN" dirty="0"/>
           </a:p>
           <a:p>
             <a:pPr marL="0" indent="0">
@@ -5696,271 +6419,6 @@
     <p:extLst>
       <p:ext uri="{BB962C8B-B14F-4D97-AF65-F5344CB8AC3E}">
         <p14:creationId xmlns:p14="http://schemas.microsoft.com/office/powerpoint/2010/main" val="1227583079"/>
-      </p:ext>
-    </p:extLst>
-  </p:cSld>
-  <p:clrMapOvr>
-    <a:masterClrMapping/>
-  </p:clrMapOvr>
-</p:sld>
-</file>
-
-<file path=ppt/slides/slide5.xml><?xml version="1.0" encoding="utf-8"?>
-<p:sld xmlns:a="http://schemas.openxmlformats.org/drawingml/2006/main" xmlns:r="http://schemas.openxmlformats.org/officeDocument/2006/relationships" xmlns:p="http://schemas.openxmlformats.org/presentationml/2006/main">
-  <p:cSld>
-    <p:spTree>
-      <p:nvGrpSpPr>
-        <p:cNvPr id="1" name=""/>
-        <p:cNvGrpSpPr/>
-        <p:nvPr/>
-      </p:nvGrpSpPr>
-      <p:grpSpPr>
-        <a:xfrm>
-          <a:off x="0" y="0"/>
-          <a:ext cx="0" cy="0"/>
-          <a:chOff x="0" y="0"/>
-          <a:chExt cx="0" cy="0"/>
-        </a:xfrm>
-      </p:grpSpPr>
-      <p:sp>
-        <p:nvSpPr>
-          <p:cNvPr id="2" name="标题 1"/>
-          <p:cNvSpPr>
-            <a:spLocks noGrp="1"/>
-          </p:cNvSpPr>
-          <p:nvPr>
-            <p:ph type="title"/>
-          </p:nvPr>
-        </p:nvSpPr>
-        <p:spPr/>
-        <p:txBody>
-          <a:bodyPr/>
-          <a:lstStyle/>
-          <a:p>
-            <a:r>
-              <a:rPr lang="zh-CN" altLang="en-US" dirty="0" smtClean="0"/>
-              <a:t>游戏介绍</a:t>
-            </a:r>
-            <a:r>
-              <a:rPr lang="en-US" altLang="zh-CN" dirty="0" smtClean="0"/>
-              <a:t>——</a:t>
-            </a:r>
-            <a:r>
-              <a:rPr lang="zh-CN" altLang="en-US" dirty="0" smtClean="0"/>
-              <a:t>场景渲染</a:t>
-            </a:r>
-            <a:endParaRPr lang="zh-CN" altLang="en-US" dirty="0"/>
-          </a:p>
-        </p:txBody>
-      </p:sp>
-      <p:sp>
-        <p:nvSpPr>
-          <p:cNvPr id="3" name="内容占位符 2"/>
-          <p:cNvSpPr>
-            <a:spLocks noGrp="1"/>
-          </p:cNvSpPr>
-          <p:nvPr>
-            <p:ph idx="1"/>
-          </p:nvPr>
-        </p:nvSpPr>
-        <p:spPr/>
-        <p:txBody>
-          <a:bodyPr/>
-          <a:lstStyle/>
-          <a:p>
-            <a:endParaRPr lang="en-US" altLang="zh-CN" dirty="0" smtClean="0"/>
-          </a:p>
-          <a:p>
-            <a:r>
-              <a:rPr lang="en-US" altLang="zh-CN" dirty="0" smtClean="0"/>
-              <a:t>Show </a:t>
-            </a:r>
-            <a:r>
-              <a:rPr lang="zh-CN" altLang="en-US" dirty="0" smtClean="0"/>
-              <a:t>背景图</a:t>
-            </a:r>
-            <a:endParaRPr lang="en-US" altLang="zh-CN" dirty="0" smtClean="0"/>
-          </a:p>
-          <a:p>
-            <a:endParaRPr lang="en-US" altLang="zh-CN" dirty="0"/>
-          </a:p>
-          <a:p>
-            <a:r>
-              <a:rPr lang="en-US" altLang="zh-CN" dirty="0" smtClean="0"/>
-              <a:t>Show </a:t>
-            </a:r>
-            <a:r>
-              <a:rPr lang="zh-CN" altLang="en-US" dirty="0" smtClean="0"/>
-              <a:t>人物模型</a:t>
-            </a:r>
-            <a:endParaRPr lang="zh-CN" altLang="en-US" dirty="0"/>
-          </a:p>
-        </p:txBody>
-      </p:sp>
-    </p:spTree>
-    <p:extLst>
-      <p:ext uri="{BB962C8B-B14F-4D97-AF65-F5344CB8AC3E}">
-        <p14:creationId xmlns:p14="http://schemas.microsoft.com/office/powerpoint/2010/main" val="2546324220"/>
-      </p:ext>
-    </p:extLst>
-  </p:cSld>
-  <p:clrMapOvr>
-    <a:masterClrMapping/>
-  </p:clrMapOvr>
-</p:sld>
-</file>
-
-<file path=ppt/slides/slide6.xml><?xml version="1.0" encoding="utf-8"?>
-<p:sld xmlns:a="http://schemas.openxmlformats.org/drawingml/2006/main" xmlns:r="http://schemas.openxmlformats.org/officeDocument/2006/relationships" xmlns:p="http://schemas.openxmlformats.org/presentationml/2006/main">
-  <p:cSld>
-    <p:spTree>
-      <p:nvGrpSpPr>
-        <p:cNvPr id="1" name=""/>
-        <p:cNvGrpSpPr/>
-        <p:nvPr/>
-      </p:nvGrpSpPr>
-      <p:grpSpPr>
-        <a:xfrm>
-          <a:off x="0" y="0"/>
-          <a:ext cx="0" cy="0"/>
-          <a:chOff x="0" y="0"/>
-          <a:chExt cx="0" cy="0"/>
-        </a:xfrm>
-      </p:grpSpPr>
-      <p:sp>
-        <p:nvSpPr>
-          <p:cNvPr id="2" name="标题 1"/>
-          <p:cNvSpPr>
-            <a:spLocks noGrp="1"/>
-          </p:cNvSpPr>
-          <p:nvPr>
-            <p:ph type="title"/>
-          </p:nvPr>
-        </p:nvSpPr>
-        <p:spPr/>
-        <p:txBody>
-          <a:bodyPr/>
-          <a:lstStyle/>
-          <a:p>
-            <a:r>
-              <a:rPr lang="zh-CN" altLang="en-US" dirty="0" smtClean="0"/>
-              <a:t>游戏介绍</a:t>
-            </a:r>
-            <a:r>
-              <a:rPr lang="en-US" altLang="zh-CN" dirty="0" smtClean="0"/>
-              <a:t>——</a:t>
-            </a:r>
-            <a:r>
-              <a:rPr lang="zh-CN" altLang="en-US" dirty="0" smtClean="0"/>
-              <a:t>人物模型</a:t>
-            </a:r>
-            <a:endParaRPr lang="zh-CN" altLang="en-US" dirty="0"/>
-          </a:p>
-        </p:txBody>
-      </p:sp>
-      <p:sp>
-        <p:nvSpPr>
-          <p:cNvPr id="3" name="内容占位符 2"/>
-          <p:cNvSpPr>
-            <a:spLocks noGrp="1"/>
-          </p:cNvSpPr>
-          <p:nvPr>
-            <p:ph idx="1"/>
-          </p:nvPr>
-        </p:nvSpPr>
-        <p:spPr/>
-        <p:txBody>
-          <a:bodyPr/>
-          <a:lstStyle/>
-          <a:p>
-            <a:endParaRPr lang="zh-CN" altLang="en-US" dirty="0"/>
-          </a:p>
-        </p:txBody>
-      </p:sp>
-    </p:spTree>
-    <p:extLst>
-      <p:ext uri="{BB962C8B-B14F-4D97-AF65-F5344CB8AC3E}">
-        <p14:creationId xmlns:p14="http://schemas.microsoft.com/office/powerpoint/2010/main" val="768176747"/>
-      </p:ext>
-    </p:extLst>
-  </p:cSld>
-  <p:clrMapOvr>
-    <a:masterClrMapping/>
-  </p:clrMapOvr>
-</p:sld>
-</file>
-
-<file path=ppt/slides/slide7.xml><?xml version="1.0" encoding="utf-8"?>
-<p:sld xmlns:a="http://schemas.openxmlformats.org/drawingml/2006/main" xmlns:r="http://schemas.openxmlformats.org/officeDocument/2006/relationships" xmlns:p="http://schemas.openxmlformats.org/presentationml/2006/main">
-  <p:cSld>
-    <p:spTree>
-      <p:nvGrpSpPr>
-        <p:cNvPr id="1" name=""/>
-        <p:cNvGrpSpPr/>
-        <p:nvPr/>
-      </p:nvGrpSpPr>
-      <p:grpSpPr>
-        <a:xfrm>
-          <a:off x="0" y="0"/>
-          <a:ext cx="0" cy="0"/>
-          <a:chOff x="0" y="0"/>
-          <a:chExt cx="0" cy="0"/>
-        </a:xfrm>
-      </p:grpSpPr>
-      <p:sp>
-        <p:nvSpPr>
-          <p:cNvPr id="2" name="标题 1"/>
-          <p:cNvSpPr>
-            <a:spLocks noGrp="1"/>
-          </p:cNvSpPr>
-          <p:nvPr>
-            <p:ph type="title"/>
-          </p:nvPr>
-        </p:nvSpPr>
-        <p:spPr/>
-        <p:txBody>
-          <a:bodyPr/>
-          <a:lstStyle/>
-          <a:p>
-            <a:r>
-              <a:rPr lang="zh-CN" altLang="en-US" dirty="0" smtClean="0"/>
-              <a:t>游戏介绍</a:t>
-            </a:r>
-            <a:r>
-              <a:rPr lang="en-US" altLang="zh-CN" dirty="0" smtClean="0"/>
-              <a:t>——Demo</a:t>
-            </a:r>
-            <a:r>
-              <a:rPr lang="zh-CN" altLang="en-US" dirty="0" smtClean="0"/>
-              <a:t>演示</a:t>
-            </a:r>
-            <a:endParaRPr lang="zh-CN" altLang="en-US" dirty="0"/>
-          </a:p>
-        </p:txBody>
-      </p:sp>
-      <p:sp>
-        <p:nvSpPr>
-          <p:cNvPr id="3" name="内容占位符 2"/>
-          <p:cNvSpPr>
-            <a:spLocks noGrp="1"/>
-          </p:cNvSpPr>
-          <p:nvPr>
-            <p:ph idx="1"/>
-          </p:nvPr>
-        </p:nvSpPr>
-        <p:spPr/>
-        <p:txBody>
-          <a:bodyPr/>
-          <a:lstStyle/>
-          <a:p>
-            <a:endParaRPr lang="zh-CN" altLang="en-US" dirty="0"/>
-          </a:p>
-        </p:txBody>
-      </p:sp>
-    </p:spTree>
-    <p:extLst>
-      <p:ext uri="{BB962C8B-B14F-4D97-AF65-F5344CB8AC3E}">
-        <p14:creationId xmlns:p14="http://schemas.microsoft.com/office/powerpoint/2010/main" val="101502592"/>
       </p:ext>
     </p:extLst>
   </p:cSld>
@@ -6003,10 +6461,17 @@
           <a:lstStyle/>
           <a:p>
             <a:r>
-              <a:rPr lang="zh-CN" altLang="en-US" dirty="0" smtClean="0"/>
-              <a:t>游戏可行性分析</a:t>
-            </a:r>
-            <a:endParaRPr lang="zh-CN" altLang="en-US" dirty="0"/>
+              <a:rPr lang="zh-CN" altLang="en-US" dirty="0"/>
+              <a:t>游戏介绍</a:t>
+            </a:r>
+            <a:r>
+              <a:rPr lang="en-US" altLang="zh-CN" dirty="0"/>
+              <a:t>——</a:t>
+            </a:r>
+            <a:r>
+              <a:rPr lang="zh-CN" altLang="en-US" dirty="0"/>
+              <a:t>场景渲染</a:t>
+            </a:r>
           </a:p>
         </p:txBody>
       </p:sp>
@@ -6025,47 +6490,38 @@
           <a:bodyPr/>
           <a:lstStyle/>
           <a:p>
-            <a:pPr marL="0" indent="0">
-              <a:buNone/>
-            </a:pPr>
             <a:endParaRPr lang="en-US" altLang="zh-CN" dirty="0"/>
           </a:p>
           <a:p>
             <a:r>
-              <a:rPr lang="zh-CN" altLang="en-US" dirty="0" smtClean="0"/>
-              <a:t>受众分析</a:t>
-            </a:r>
-            <a:endParaRPr lang="en-US" altLang="zh-CN" dirty="0" smtClean="0"/>
-          </a:p>
-          <a:p>
+              <a:rPr lang="en-US" altLang="zh-CN" dirty="0"/>
+              <a:t>Show </a:t>
+            </a:r>
+            <a:r>
+              <a:rPr lang="zh-CN" altLang="en-US" dirty="0"/>
+              <a:t>背景图</a:t>
+            </a:r>
             <a:endParaRPr lang="en-US" altLang="zh-CN" dirty="0"/>
           </a:p>
           <a:p>
-            <a:r>
-              <a:rPr lang="zh-CN" altLang="en-US" dirty="0" smtClean="0"/>
-              <a:t>贴合型分析</a:t>
-            </a:r>
-            <a:endParaRPr lang="en-US" altLang="zh-CN" dirty="0" smtClean="0"/>
-          </a:p>
-          <a:p>
             <a:endParaRPr lang="en-US" altLang="zh-CN" dirty="0"/>
           </a:p>
           <a:p>
             <a:r>
-              <a:rPr lang="zh-CN" altLang="en-US" dirty="0" smtClean="0"/>
-              <a:t>创新点</a:t>
-            </a:r>
-            <a:endParaRPr lang="en-US" altLang="zh-CN" dirty="0" smtClean="0"/>
-          </a:p>
-          <a:p>
-            <a:endParaRPr lang="en-US" altLang="zh-CN" dirty="0" smtClean="0"/>
+              <a:rPr lang="en-US" altLang="zh-CN" dirty="0"/>
+              <a:t>Show </a:t>
+            </a:r>
+            <a:r>
+              <a:rPr lang="zh-CN" altLang="en-US" dirty="0"/>
+              <a:t>人物模型</a:t>
+            </a:r>
           </a:p>
         </p:txBody>
       </p:sp>
     </p:spTree>
     <p:extLst>
       <p:ext uri="{BB962C8B-B14F-4D97-AF65-F5344CB8AC3E}">
-        <p14:creationId xmlns:p14="http://schemas.microsoft.com/office/powerpoint/2010/main" val="3808054890"/>
+        <p14:creationId xmlns:p14="http://schemas.microsoft.com/office/powerpoint/2010/main" val="2546324220"/>
       </p:ext>
     </p:extLst>
   </p:cSld>
@@ -6108,10 +6564,17 @@
           <a:lstStyle/>
           <a:p>
             <a:r>
-              <a:rPr lang="zh-CN" altLang="en-US" dirty="0" smtClean="0"/>
-              <a:t>市场推广</a:t>
-            </a:r>
-            <a:endParaRPr lang="zh-CN" altLang="en-US" dirty="0"/>
+              <a:rPr lang="zh-CN" altLang="en-US" dirty="0"/>
+              <a:t>游戏介绍</a:t>
+            </a:r>
+            <a:r>
+              <a:rPr lang="en-US" altLang="zh-CN" dirty="0"/>
+              <a:t>——</a:t>
+            </a:r>
+            <a:r>
+              <a:rPr lang="zh-CN" altLang="en-US" dirty="0"/>
+              <a:t>人物模型</a:t>
+            </a:r>
           </a:p>
         </p:txBody>
       </p:sp>
@@ -6129,66 +6592,6 @@
         <p:txBody>
           <a:bodyPr/>
           <a:lstStyle/>
-          <a:p>
-            <a:r>
-              <a:rPr lang="zh-CN" altLang="en-US" dirty="0"/>
-              <a:t>我们项目的推广准备首先推出手游平台</a:t>
-            </a:r>
-            <a:r>
-              <a:rPr lang="en-US" altLang="zh-CN" dirty="0"/>
-              <a:t>,</a:t>
-            </a:r>
-            <a:r>
-              <a:rPr lang="zh-CN" altLang="en-US" dirty="0"/>
-              <a:t>利用手机的普及型与便携性迅速打开</a:t>
-            </a:r>
-            <a:r>
-              <a:rPr lang="zh-CN" altLang="en-US" dirty="0" smtClean="0"/>
-              <a:t>市场</a:t>
-            </a:r>
-            <a:endParaRPr lang="en-US" altLang="zh-CN" dirty="0" smtClean="0"/>
-          </a:p>
-          <a:p>
-            <a:endParaRPr lang="en-US" altLang="zh-CN" dirty="0" smtClean="0"/>
-          </a:p>
-          <a:p>
-            <a:r>
-              <a:rPr lang="zh-CN" altLang="en-US" dirty="0" smtClean="0"/>
-              <a:t>在一线游戏媒体进行宣传投放</a:t>
-            </a:r>
-            <a:endParaRPr lang="en-US" altLang="zh-CN" dirty="0" smtClean="0"/>
-          </a:p>
-          <a:p>
-            <a:endParaRPr lang="en-US" altLang="zh-CN" dirty="0" smtClean="0"/>
-          </a:p>
-          <a:p>
-            <a:r>
-              <a:rPr lang="zh-CN" altLang="en-US" dirty="0" smtClean="0"/>
-              <a:t>通过</a:t>
-            </a:r>
-            <a:r>
-              <a:rPr lang="zh-CN" altLang="en-US" dirty="0"/>
-              <a:t>微信微博平台进行</a:t>
-            </a:r>
-            <a:r>
-              <a:rPr lang="zh-CN" altLang="en-US" dirty="0" smtClean="0"/>
-              <a:t>宣传</a:t>
-            </a:r>
-            <a:endParaRPr lang="zh-CN" altLang="en-US" dirty="0"/>
-          </a:p>
-          <a:p>
-            <a:pPr marL="0" indent="0">
-              <a:buNone/>
-            </a:pPr>
-            <a:r>
-              <a:rPr lang="zh-CN" altLang="en-US" dirty="0"/>
-              <a:t/>
-            </a:r>
-            <a:br>
-              <a:rPr lang="zh-CN" altLang="en-US" dirty="0"/>
-            </a:br>
-            <a:endParaRPr lang="zh-CN" altLang="en-US" dirty="0"/>
-          </a:p>
           <a:p>
             <a:endParaRPr lang="zh-CN" altLang="en-US" dirty="0"/>
           </a:p>
@@ -6197,7 +6600,7 @@
     </p:spTree>
     <p:extLst>
       <p:ext uri="{BB962C8B-B14F-4D97-AF65-F5344CB8AC3E}">
-        <p14:creationId xmlns:p14="http://schemas.microsoft.com/office/powerpoint/2010/main" val="2948610756"/>
+        <p14:creationId xmlns:p14="http://schemas.microsoft.com/office/powerpoint/2010/main" val="768176747"/>
       </p:ext>
     </p:extLst>
   </p:cSld>

--- a/Presentation/Presentation.pptx
+++ b/Presentation/Presentation.pptx
@@ -5,13 +5,13 @@
     <p:sldMasterId id="2147483648" r:id="rId1"/>
   </p:sldMasterIdLst>
   <p:notesMasterIdLst>
-    <p:notesMasterId r:id="rId16"/>
+    <p:notesMasterId r:id="rId18"/>
   </p:notesMasterIdLst>
   <p:sldIdLst>
     <p:sldId id="256" r:id="rId2"/>
     <p:sldId id="268" r:id="rId3"/>
     <p:sldId id="267" r:id="rId4"/>
-    <p:sldId id="269" r:id="rId5"/>
+    <p:sldId id="274" r:id="rId5"/>
     <p:sldId id="260" r:id="rId6"/>
     <p:sldId id="261" r:id="rId7"/>
     <p:sldId id="258" r:id="rId8"/>
@@ -20,8 +20,10 @@
     <p:sldId id="257" r:id="rId11"/>
     <p:sldId id="262" r:id="rId12"/>
     <p:sldId id="263" r:id="rId13"/>
-    <p:sldId id="265" r:id="rId14"/>
-    <p:sldId id="266" r:id="rId15"/>
+    <p:sldId id="271" r:id="rId14"/>
+    <p:sldId id="272" r:id="rId15"/>
+    <p:sldId id="273" r:id="rId16"/>
+    <p:sldId id="275" r:id="rId17"/>
   </p:sldIdLst>
   <p:sldSz cx="12192000" cy="6858000"/>
   <p:notesSz cx="6858000" cy="9144000"/>
@@ -5019,7 +5021,7 @@
 </file>
 
 <file path=ppt/slides/slide10.xml><?xml version="1.0" encoding="utf-8"?>
-<p:sld xmlns:a="http://schemas.openxmlformats.org/drawingml/2006/main" xmlns:r="http://schemas.openxmlformats.org/officeDocument/2006/relationships" xmlns:p="http://schemas.openxmlformats.org/presentationml/2006/main">
+<p:sld xmlns:a="http://schemas.openxmlformats.org/drawingml/2006/main" xmlns:r="http://schemas.openxmlformats.org/officeDocument/2006/relationships" xmlns:p="http://schemas.openxmlformats.org/presentationml/2006/main" show="0">
   <p:cSld>
     <p:spTree>
       <p:nvGrpSpPr>
@@ -5098,7 +5100,7 @@
 </file>
 
 <file path=ppt/slides/slide11.xml><?xml version="1.0" encoding="utf-8"?>
-<p:sld xmlns:a="http://schemas.openxmlformats.org/drawingml/2006/main" xmlns:r="http://schemas.openxmlformats.org/officeDocument/2006/relationships" xmlns:p="http://schemas.openxmlformats.org/presentationml/2006/main">
+<p:sld xmlns:a="http://schemas.openxmlformats.org/drawingml/2006/main" xmlns:r="http://schemas.openxmlformats.org/officeDocument/2006/relationships" xmlns:p="http://schemas.openxmlformats.org/presentationml/2006/main" show="0">
   <p:cSld>
     <p:spTree>
       <p:nvGrpSpPr>
@@ -5202,7 +5204,7 @@
 </file>
 
 <file path=ppt/slides/slide12.xml><?xml version="1.0" encoding="utf-8"?>
-<p:sld xmlns:a="http://schemas.openxmlformats.org/drawingml/2006/main" xmlns:r="http://schemas.openxmlformats.org/officeDocument/2006/relationships" xmlns:p="http://schemas.openxmlformats.org/presentationml/2006/main">
+<p:sld xmlns:a="http://schemas.openxmlformats.org/drawingml/2006/main" xmlns:r="http://schemas.openxmlformats.org/officeDocument/2006/relationships" xmlns:p="http://schemas.openxmlformats.org/presentationml/2006/main" show="0">
   <p:cSld>
     <p:spTree>
       <p:nvGrpSpPr>
@@ -5334,121 +5336,188 @@
       </p:grpSpPr>
       <p:sp>
         <p:nvSpPr>
-          <p:cNvPr id="3" name="内容占位符 2"/>
-          <p:cNvSpPr>
-            <a:spLocks noGrp="1"/>
-          </p:cNvSpPr>
-          <p:nvPr>
-            <p:ph idx="1"/>
-          </p:nvPr>
-        </p:nvSpPr>
+          <p:cNvPr id="15" name="Rectangle 14"/>
+          <p:cNvSpPr>
+            <a:spLocks noGrp="1" noRot="1" noChangeAspect="1" noMove="1" noResize="1" noEditPoints="1" noAdjustHandles="1" noChangeArrowheads="1" noChangeShapeType="1" noTextEdit="1"/>
+          </p:cNvSpPr>
+          <p:nvPr>
+            <p:extLst>
+              <p:ext uri="{386F3935-93C4-4BCD-93E2-E3B085C9AB24}">
+                <p16:designElem xmlns:p16="http://schemas.microsoft.com/office/powerpoint/2015/main" val="1"/>
+              </p:ext>
+            </p:extLst>
+          </p:nvPr>
+        </p:nvSpPr>
+        <p:spPr bwMode="ltGray">
+          <a:xfrm>
+            <a:off x="321564" y="320040"/>
+            <a:ext cx="11548872" cy="6217920"/>
+          </a:xfrm>
+          <a:prstGeom prst="rect">
+            <a:avLst/>
+          </a:prstGeom>
+          <a:solidFill>
+            <a:schemeClr val="tx1">
+              <a:alpha val="8000"/>
+            </a:schemeClr>
+          </a:solidFill>
+          <a:ln w="127000" cap="sq" cmpd="thinThick">
+            <a:noFill/>
+          </a:ln>
+        </p:spPr>
+        <p:style>
+          <a:lnRef idx="2">
+            <a:schemeClr val="accent1">
+              <a:shade val="50000"/>
+            </a:schemeClr>
+          </a:lnRef>
+          <a:fillRef idx="1">
+            <a:schemeClr val="accent1"/>
+          </a:fillRef>
+          <a:effectRef idx="0">
+            <a:schemeClr val="accent1"/>
+          </a:effectRef>
+          <a:fontRef idx="minor">
+            <a:schemeClr val="lt1"/>
+          </a:fontRef>
+        </p:style>
+        <p:txBody>
+          <a:bodyPr rtlCol="0" anchor="ctr"/>
+          <a:lstStyle/>
+          <a:p>
+            <a:pPr algn="ctr"/>
+            <a:endParaRPr lang="en-US"/>
+          </a:p>
+        </p:txBody>
+      </p:sp>
+      <p:cxnSp>
+        <p:nvCxnSpPr>
+          <p:cNvPr id="17" name="Straight Connector 16"/>
+          <p:cNvCxnSpPr>
+            <a:cxnSpLocks noGrp="1" noRot="1" noChangeAspect="1" noMove="1" noResize="1" noEditPoints="1" noAdjustHandles="1" noChangeArrowheads="1" noChangeShapeType="1"/>
+          </p:cNvCxnSpPr>
+          <p:nvPr>
+            <p:extLst>
+              <p:ext uri="{386F3935-93C4-4BCD-93E2-E3B085C9AB24}">
+                <p16:designElem xmlns:p16="http://schemas.microsoft.com/office/powerpoint/2015/main" val="1"/>
+              </p:ext>
+            </p:extLst>
+          </p:nvPr>
+        </p:nvCxnSpPr>
         <p:spPr>
           <a:xfrm>
-            <a:off x="651510" y="708660"/>
-            <a:ext cx="10645140" cy="5536883"/>
+            <a:off x="4654296" y="2057400"/>
+            <a:ext cx="0" cy="2743200"/>
+          </a:xfrm>
+          <a:prstGeom prst="line">
+            <a:avLst/>
+          </a:prstGeom>
+          <a:ln w="19050">
+            <a:solidFill>
+              <a:schemeClr val="tx1">
+                <a:lumMod val="85000"/>
+                <a:lumOff val="15000"/>
+              </a:schemeClr>
+            </a:solidFill>
+          </a:ln>
+        </p:spPr>
+        <p:style>
+          <a:lnRef idx="1">
+            <a:schemeClr val="accent1"/>
+          </a:lnRef>
+          <a:fillRef idx="0">
+            <a:schemeClr val="accent1"/>
+          </a:fillRef>
+          <a:effectRef idx="0">
+            <a:schemeClr val="accent1"/>
+          </a:effectRef>
+          <a:fontRef idx="minor">
+            <a:schemeClr val="tx1"/>
+          </a:fontRef>
+        </p:style>
+      </p:cxnSp>
+      <p:sp>
+        <p:nvSpPr>
+          <p:cNvPr id="3" name="内容占位符 2"/>
+          <p:cNvSpPr>
+            <a:spLocks noGrp="1"/>
+          </p:cNvSpPr>
+          <p:nvPr>
+            <p:ph idx="1"/>
+          </p:nvPr>
+        </p:nvSpPr>
+        <p:spPr>
+          <a:xfrm>
+            <a:off x="4654296" y="1036320"/>
+            <a:ext cx="6785864" cy="5501639"/>
           </a:xfrm>
         </p:spPr>
         <p:txBody>
-          <a:bodyPr>
-            <a:normAutofit fontScale="70000" lnSpcReduction="20000"/>
+          <a:bodyPr anchor="ctr">
+            <a:normAutofit/>
           </a:bodyPr>
           <a:lstStyle/>
           <a:p>
-            <a:pPr>
-              <a:lnSpc>
-                <a:spcPct val="170000"/>
-              </a:lnSpc>
-            </a:pPr>
-            <a:r>
-              <a:rPr lang="zh-CN" altLang="zh-CN" dirty="0"/>
-              <a:t>总的来说，我们的项目是一款独立性游戏。我们想借助游戏这一平台去实现我们对于未来世界的畅想。我们的游戏理念是打破人们的固有思维，挣脱重力方向的束缚，改变观察世界的角度，以极大的自由度去探索这个世界。正如那句“而世之奇伟瑰怪非常之观，常在于险远而人之所罕至焉，故非有志者不能至也</a:t>
-            </a:r>
-            <a:r>
-              <a:rPr lang="en-US" altLang="zh-CN" dirty="0"/>
+            <a:r>
+              <a:rPr lang="zh-CN" altLang="zh-CN" sz="2400" dirty="0"/>
+              <a:t>总的来说，我们的项目是一款独立游戏。我们想借助游戏这一平台去实现我们对于未来世界的畅想。我们的游戏理念是打破人们的固有思维，挣脱重力方向的束缚，改变观察世界的角度，以极大的自由度去探索这个世界。正如那句“而世之奇伟瑰怪非常之观，常在于险远而人之所罕至焉，故非有志者不能至也</a:t>
+            </a:r>
+            <a:r>
+              <a:rPr lang="en-US" altLang="zh-CN" sz="2400" dirty="0"/>
               <a:t>”</a:t>
             </a:r>
             <a:r>
-              <a:rPr lang="zh-CN" altLang="zh-CN" dirty="0"/>
+              <a:rPr lang="zh-CN" altLang="zh-CN" sz="2400" dirty="0"/>
               <a:t>所说的那样，世间最美丽的风景多在于难以到达的地方。然而由于物理世界的束缚，我们只能在险阻前望而却步向世界妥协。于是，我们赋予了</a:t>
             </a:r>
             <a:r>
-              <a:rPr lang="en-US" altLang="zh-CN" dirty="0"/>
-              <a:t>Eda</a:t>
-            </a:r>
-            <a:r>
-              <a:rPr lang="zh-CN" altLang="zh-CN" dirty="0"/>
+              <a:rPr lang="zh-CN" altLang="en-US" sz="2400" dirty="0"/>
+              <a:t>主角</a:t>
+            </a:r>
+            <a:r>
+              <a:rPr lang="zh-CN" altLang="zh-CN" sz="2400" dirty="0"/>
               <a:t>改变重力方向这一特殊能力，让我们得以自由得探索世界。</a:t>
             </a:r>
           </a:p>
           <a:p>
-            <a:pPr>
-              <a:lnSpc>
-                <a:spcPct val="170000"/>
-              </a:lnSpc>
-            </a:pPr>
-            <a:r>
-              <a:rPr lang="en-US" altLang="zh-CN" dirty="0"/>
-              <a:t> </a:t>
-            </a:r>
-            <a:endParaRPr lang="zh-CN" altLang="zh-CN" dirty="0"/>
-          </a:p>
-          <a:p>
-            <a:pPr>
-              <a:lnSpc>
-                <a:spcPct val="170000"/>
-              </a:lnSpc>
-            </a:pPr>
-            <a:r>
-              <a:rPr lang="zh-CN" altLang="zh-CN" dirty="0"/>
-              <a:t>然而，有些自然法则却是无法改变的，比如生命，比如时间。每一次重力的翻转，对不同的生命来说，可能意味着不同的结果。也许，</a:t>
-            </a:r>
-            <a:r>
-              <a:rPr lang="en-US" altLang="zh-CN" dirty="0"/>
-              <a:t>Eda</a:t>
-            </a:r>
-            <a:r>
-              <a:rPr lang="zh-CN" altLang="zh-CN" dirty="0"/>
-              <a:t>和</a:t>
-            </a:r>
-            <a:r>
-              <a:rPr lang="en-US" altLang="zh-CN" dirty="0"/>
-              <a:t>Seed</a:t>
-            </a:r>
-            <a:r>
-              <a:rPr lang="zh-CN" altLang="zh-CN" dirty="0"/>
-              <a:t>可以顺利的跨过障碍，但是世界里的其他生物却要因此而失去性命。这也许是对</a:t>
-            </a:r>
-            <a:r>
-              <a:rPr lang="en-US" altLang="zh-CN" dirty="0"/>
-              <a:t>“</a:t>
-            </a:r>
-            <a:r>
-              <a:rPr lang="zh-CN" altLang="zh-CN" dirty="0"/>
-              <a:t>鱼和熊掌，不可得兼也</a:t>
-            </a:r>
-            <a:r>
-              <a:rPr lang="en-US" altLang="zh-CN" dirty="0"/>
-              <a:t>”</a:t>
-            </a:r>
-            <a:r>
-              <a:rPr lang="zh-CN" altLang="zh-CN" dirty="0"/>
-              <a:t>最好的诠释了吧。</a:t>
-            </a:r>
-          </a:p>
-          <a:p>
-            <a:pPr>
-              <a:lnSpc>
-                <a:spcPct val="170000"/>
-              </a:lnSpc>
-            </a:pPr>
-            <a:endParaRPr lang="zh-CN" altLang="en-US" dirty="0"/>
-          </a:p>
-        </p:txBody>
-      </p:sp>
+            <a:endParaRPr lang="zh-CN" altLang="en-US" sz="2400" dirty="0"/>
+          </a:p>
+        </p:txBody>
+      </p:sp>
+      <p:pic>
+        <p:nvPicPr>
+          <p:cNvPr id="7" name="图片 6"/>
+          <p:cNvPicPr>
+            <a:picLocks noChangeAspect="1"/>
+          </p:cNvPicPr>
+          <p:nvPr/>
+        </p:nvPicPr>
+        <p:blipFill>
+          <a:blip r:embed="rId2">
+            <a:extLst>
+              <a:ext uri="{28A0092B-C50C-407E-A947-70E740481C1C}">
+                <a14:useLocalDpi xmlns:a14="http://schemas.microsoft.com/office/drawing/2010/main" val="0"/>
+              </a:ext>
+            </a:extLst>
+          </a:blip>
+          <a:stretch>
+            <a:fillRect/>
+          </a:stretch>
+        </p:blipFill>
+        <p:spPr>
+          <a:xfrm>
+            <a:off x="1160250" y="963877"/>
+            <a:ext cx="2333625" cy="5105400"/>
+          </a:xfrm>
+          <a:prstGeom prst="rect">
+            <a:avLst/>
+          </a:prstGeom>
+        </p:spPr>
+      </p:pic>
     </p:spTree>
     <p:extLst>
       <p:ext uri="{BB962C8B-B14F-4D97-AF65-F5344CB8AC3E}">
-        <p14:creationId xmlns:p14="http://schemas.microsoft.com/office/powerpoint/2010/main" val="1763875189"/>
+        <p14:creationId xmlns:p14="http://schemas.microsoft.com/office/powerpoint/2010/main" val="2604144851"/>
       </p:ext>
     </p:extLst>
   </p:cSld>
@@ -5475,25 +5544,36 @@
           <a:chExt cx="0" cy="0"/>
         </a:xfrm>
       </p:grpSpPr>
-      <p:sp>
-        <p:nvSpPr>
-          <p:cNvPr id="2" name="标题 1"/>
-          <p:cNvSpPr>
-            <a:spLocks noGrp="1"/>
-          </p:cNvSpPr>
-          <p:nvPr>
-            <p:ph type="title"/>
-          </p:nvPr>
-        </p:nvSpPr>
-        <p:spPr/>
-        <p:txBody>
-          <a:bodyPr/>
-          <a:lstStyle/>
-          <a:p>
-            <a:endParaRPr lang="zh-CN" altLang="en-US" dirty="0"/>
-          </a:p>
-        </p:txBody>
-      </p:sp>
+      <p:pic>
+        <p:nvPicPr>
+          <p:cNvPr id="5" name="图片 4"/>
+          <p:cNvPicPr>
+            <a:picLocks noChangeAspect="1"/>
+          </p:cNvPicPr>
+          <p:nvPr/>
+        </p:nvPicPr>
+        <p:blipFill rotWithShape="1">
+          <a:blip r:embed="rId2">
+            <a:extLst>
+              <a:ext uri="{28A0092B-C50C-407E-A947-70E740481C1C}">
+                <a14:useLocalDpi xmlns:a14="http://schemas.microsoft.com/office/drawing/2010/main" val="0"/>
+              </a:ext>
+            </a:extLst>
+          </a:blip>
+          <a:srcRect l="25891" r="12159"/>
+          <a:stretch/>
+        </p:blipFill>
+        <p:spPr>
+          <a:xfrm>
+            <a:off x="4639056" y="10"/>
+            <a:ext cx="7552944" cy="6857990"/>
+          </a:xfrm>
+          <a:prstGeom prst="rect">
+            <a:avLst/>
+          </a:prstGeom>
+          <a:effectLst/>
+        </p:spPr>
+      </p:pic>
       <p:sp>
         <p:nvSpPr>
           <p:cNvPr id="3" name="内容占位符 2"/>
@@ -5504,50 +5584,355 @@
             <p:ph idx="1"/>
           </p:nvPr>
         </p:nvSpPr>
-        <p:spPr/>
-        <p:txBody>
-          <a:bodyPr/>
-          <a:lstStyle/>
-          <a:p>
-            <a:pPr>
-              <a:lnSpc>
-                <a:spcPct val="170000"/>
-              </a:lnSpc>
-            </a:pPr>
-            <a:r>
-              <a:rPr lang="en-US" altLang="zh-CN" dirty="0"/>
-              <a:t> </a:t>
-            </a:r>
-            <a:endParaRPr lang="zh-CN" altLang="zh-CN" dirty="0"/>
-          </a:p>
-          <a:p>
-            <a:pPr>
-              <a:lnSpc>
-                <a:spcPct val="170000"/>
-              </a:lnSpc>
-            </a:pPr>
-            <a:r>
-              <a:rPr lang="zh-CN" altLang="zh-CN" dirty="0"/>
-              <a:t>游戏的整体画风采用</a:t>
-            </a:r>
-            <a:r>
-              <a:rPr lang="en-US" altLang="zh-CN" dirty="0"/>
-              <a:t>Low-Poly </a:t>
-            </a:r>
-            <a:r>
-              <a:rPr lang="zh-CN" altLang="zh-CN" dirty="0"/>
-              <a:t>风格，适合玩家在休憩时释放压力，放松心情。而且游戏的解密要素与收集要素可以很好的活跃玩家的思维，让玩家沉浸在对世界的探索之中。整个游戏分为四个世界，每个世界中都有不同的主题与机关，对应着。</a:t>
-            </a:r>
-          </a:p>
-          <a:p>
-            <a:endParaRPr lang="zh-CN" altLang="en-US" dirty="0"/>
+        <p:spPr>
+          <a:xfrm>
+            <a:off x="497841" y="1566775"/>
+            <a:ext cx="3863516" cy="3724459"/>
+          </a:xfrm>
+        </p:spPr>
+        <p:txBody>
+          <a:bodyPr>
+            <a:normAutofit/>
+          </a:bodyPr>
+          <a:lstStyle/>
+          <a:p>
+            <a:r>
+              <a:rPr lang="zh-CN" altLang="zh-CN" sz="2400" dirty="0"/>
+              <a:t>然而，有些自然法则却是无法改变的，比如生命，比如时间。每一次重力的翻转，对不同的生命来说，可能意味着不同的结果。也许，</a:t>
+            </a:r>
+            <a:r>
+              <a:rPr lang="zh-CN" altLang="en-US" sz="2400" dirty="0"/>
+              <a:t>主角</a:t>
+            </a:r>
+            <a:r>
+              <a:rPr lang="zh-CN" altLang="zh-CN" sz="2400" dirty="0"/>
+              <a:t>和</a:t>
+            </a:r>
+            <a:r>
+              <a:rPr lang="zh-CN" altLang="en-US" sz="2400" dirty="0"/>
+              <a:t>种子君</a:t>
+            </a:r>
+            <a:r>
+              <a:rPr lang="zh-CN" altLang="zh-CN" sz="2400" dirty="0"/>
+              <a:t>可以顺利的跨过障碍，但是世界里的其他生物却要因此而失去性命。这也许是对</a:t>
+            </a:r>
+            <a:r>
+              <a:rPr lang="en-US" altLang="zh-CN" sz="2400" dirty="0"/>
+              <a:t>“</a:t>
+            </a:r>
+            <a:r>
+              <a:rPr lang="zh-CN" altLang="zh-CN" sz="2400" dirty="0"/>
+              <a:t>鱼和熊掌，不可得兼也</a:t>
+            </a:r>
+            <a:r>
+              <a:rPr lang="en-US" altLang="zh-CN" sz="2400" dirty="0"/>
+              <a:t>”</a:t>
+            </a:r>
+            <a:r>
+              <a:rPr lang="zh-CN" altLang="zh-CN" sz="2400" dirty="0"/>
+              <a:t>最好的诠释了吧。</a:t>
+            </a:r>
+          </a:p>
+          <a:p>
+            <a:endParaRPr lang="zh-CN" altLang="en-US" sz="2400" dirty="0"/>
+          </a:p>
+          <a:p>
+            <a:endParaRPr lang="zh-CN" altLang="en-US" sz="1800" dirty="0"/>
           </a:p>
         </p:txBody>
       </p:sp>
     </p:spTree>
     <p:extLst>
       <p:ext uri="{BB962C8B-B14F-4D97-AF65-F5344CB8AC3E}">
-        <p14:creationId xmlns:p14="http://schemas.microsoft.com/office/powerpoint/2010/main" val="3860927885"/>
+        <p14:creationId xmlns:p14="http://schemas.microsoft.com/office/powerpoint/2010/main" val="1578263695"/>
+      </p:ext>
+    </p:extLst>
+  </p:cSld>
+  <p:clrMapOvr>
+    <a:masterClrMapping/>
+  </p:clrMapOvr>
+</p:sld>
+</file>
+
+<file path=ppt/slides/slide15.xml><?xml version="1.0" encoding="utf-8"?>
+<p:sld xmlns:a="http://schemas.openxmlformats.org/drawingml/2006/main" xmlns:r="http://schemas.openxmlformats.org/officeDocument/2006/relationships" xmlns:p="http://schemas.openxmlformats.org/presentationml/2006/main">
+  <p:cSld>
+    <p:spTree>
+      <p:nvGrpSpPr>
+        <p:cNvPr id="1" name=""/>
+        <p:cNvGrpSpPr/>
+        <p:nvPr/>
+      </p:nvGrpSpPr>
+      <p:grpSpPr>
+        <a:xfrm>
+          <a:off x="0" y="0"/>
+          <a:ext cx="0" cy="0"/>
+          <a:chOff x="0" y="0"/>
+          <a:chExt cx="0" cy="0"/>
+        </a:xfrm>
+      </p:grpSpPr>
+      <p:pic>
+        <p:nvPicPr>
+          <p:cNvPr id="5" name="图片 4"/>
+          <p:cNvPicPr>
+            <a:picLocks noChangeAspect="1"/>
+          </p:cNvPicPr>
+          <p:nvPr/>
+        </p:nvPicPr>
+        <p:blipFill rotWithShape="1">
+          <a:blip r:embed="rId2">
+            <a:extLst>
+              <a:ext uri="{28A0092B-C50C-407E-A947-70E740481C1C}">
+                <a14:useLocalDpi xmlns:a14="http://schemas.microsoft.com/office/drawing/2010/main" val="0"/>
+              </a:ext>
+            </a:extLst>
+          </a:blip>
+          <a:srcRect l="22255" r="36162"/>
+          <a:stretch/>
+        </p:blipFill>
+        <p:spPr>
+          <a:xfrm>
+            <a:off x="20" y="10"/>
+            <a:ext cx="5069920" cy="6857990"/>
+          </a:xfrm>
+          <a:prstGeom prst="rect">
+            <a:avLst/>
+          </a:prstGeom>
+        </p:spPr>
+      </p:pic>
+      <p:sp>
+        <p:nvSpPr>
+          <p:cNvPr id="10" name="Rectangle 9"/>
+          <p:cNvSpPr>
+            <a:spLocks noGrp="1" noRot="1" noChangeAspect="1" noMove="1" noResize="1" noEditPoints="1" noAdjustHandles="1" noChangeArrowheads="1" noChangeShapeType="1" noTextEdit="1"/>
+          </p:cNvSpPr>
+          <p:nvPr>
+            <p:extLst>
+              <p:ext uri="{386F3935-93C4-4BCD-93E2-E3B085C9AB24}">
+                <p16:designElem xmlns:p16="http://schemas.microsoft.com/office/powerpoint/2015/main" val="1"/>
+              </p:ext>
+            </p:extLst>
+          </p:nvPr>
+        </p:nvSpPr>
+        <p:spPr bwMode="white">
+          <a:xfrm>
+            <a:off x="4639733" y="0"/>
+            <a:ext cx="7552267" cy="6858000"/>
+          </a:xfrm>
+          <a:prstGeom prst="rect">
+            <a:avLst/>
+          </a:prstGeom>
+          <a:solidFill>
+            <a:schemeClr val="tx1">
+              <a:lumMod val="85000"/>
+              <a:lumOff val="15000"/>
+            </a:schemeClr>
+          </a:solidFill>
+          <a:ln>
+            <a:noFill/>
+          </a:ln>
+        </p:spPr>
+        <p:style>
+          <a:lnRef idx="2">
+            <a:schemeClr val="accent1">
+              <a:shade val="50000"/>
+            </a:schemeClr>
+          </a:lnRef>
+          <a:fillRef idx="1">
+            <a:schemeClr val="accent1"/>
+          </a:fillRef>
+          <a:effectRef idx="0">
+            <a:schemeClr val="accent1"/>
+          </a:effectRef>
+          <a:fontRef idx="minor">
+            <a:schemeClr val="lt1"/>
+          </a:fontRef>
+        </p:style>
+        <p:txBody>
+          <a:bodyPr rtlCol="0" anchor="ctr"/>
+          <a:lstStyle/>
+          <a:p>
+            <a:pPr marL="0" marR="0" lvl="0" indent="0" algn="ctr" defTabSz="914400" rtl="0" eaLnBrk="1" fontAlgn="auto" latinLnBrk="0" hangingPunct="1">
+              <a:lnSpc>
+                <a:spcPct val="100000"/>
+              </a:lnSpc>
+              <a:spcBef>
+                <a:spcPts val="0"/>
+              </a:spcBef>
+              <a:spcAft>
+                <a:spcPts val="0"/>
+              </a:spcAft>
+              <a:buClrTx/>
+              <a:buSzTx/>
+              <a:buFontTx/>
+              <a:buNone/>
+              <a:tabLst/>
+              <a:defRPr/>
+            </a:pPr>
+            <a:endParaRPr kumimoji="0" lang="en-US" sz="1800" b="0" i="0" u="none" strike="noStrike" kern="1200" cap="none" spc="0" normalizeH="0" baseline="0" noProof="0">
+              <a:ln>
+                <a:noFill/>
+              </a:ln>
+              <a:solidFill>
+                <a:prstClr val="white"/>
+              </a:solidFill>
+              <a:effectLst/>
+              <a:uLnTx/>
+              <a:uFillTx/>
+              <a:latin typeface="Calibri" panose="020F0502020204030204"/>
+              <a:ea typeface="+mn-ea"/>
+              <a:cs typeface="+mn-cs"/>
+            </a:endParaRPr>
+          </a:p>
+        </p:txBody>
+      </p:sp>
+      <p:sp>
+        <p:nvSpPr>
+          <p:cNvPr id="3" name="内容占位符 2"/>
+          <p:cNvSpPr>
+            <a:spLocks noGrp="1"/>
+          </p:cNvSpPr>
+          <p:nvPr>
+            <p:ph idx="1"/>
+          </p:nvPr>
+        </p:nvSpPr>
+        <p:spPr>
+          <a:xfrm>
+            <a:off x="5069940" y="2322576"/>
+            <a:ext cx="6172200" cy="2269744"/>
+          </a:xfrm>
+        </p:spPr>
+        <p:txBody>
+          <a:bodyPr>
+            <a:normAutofit/>
+          </a:bodyPr>
+          <a:lstStyle/>
+          <a:p>
+            <a:r>
+              <a:rPr lang="zh-CN" altLang="en-US" sz="2400" dirty="0">
+                <a:solidFill>
+                  <a:schemeClr val="bg1"/>
+                </a:solidFill>
+              </a:rPr>
+              <a:t>游戏的整体画风采用</a:t>
+            </a:r>
+            <a:r>
+              <a:rPr lang="en-US" altLang="zh-CN" sz="2400" dirty="0">
+                <a:solidFill>
+                  <a:schemeClr val="bg1"/>
+                </a:solidFill>
+              </a:rPr>
+              <a:t>Low-Poly </a:t>
+            </a:r>
+            <a:r>
+              <a:rPr lang="zh-CN" altLang="en-US" sz="2400" dirty="0">
+                <a:solidFill>
+                  <a:schemeClr val="bg1"/>
+                </a:solidFill>
+              </a:rPr>
+              <a:t>风格，适合玩家在休憩时释放压力，放松心情。而且游戏的解密要素与收集要素可以很好的活跃玩家的思维，让玩家沉浸在对世界的探索之中。整个游戏分为四个世界，每个世界中都有不同的主题与机关。</a:t>
+            </a:r>
+          </a:p>
+          <a:p>
+            <a:endParaRPr lang="zh-CN" altLang="en-US" sz="2400" dirty="0">
+              <a:solidFill>
+                <a:schemeClr val="bg1"/>
+              </a:solidFill>
+            </a:endParaRPr>
+          </a:p>
+          <a:p>
+            <a:pPr marL="0" indent="0">
+              <a:buNone/>
+            </a:pPr>
+            <a:endParaRPr lang="zh-CN" altLang="en-US" sz="2400" dirty="0">
+              <a:solidFill>
+                <a:schemeClr val="bg1"/>
+              </a:solidFill>
+            </a:endParaRPr>
+          </a:p>
+        </p:txBody>
+      </p:sp>
+    </p:spTree>
+    <p:extLst>
+      <p:ext uri="{BB962C8B-B14F-4D97-AF65-F5344CB8AC3E}">
+        <p14:creationId xmlns:p14="http://schemas.microsoft.com/office/powerpoint/2010/main" val="2273129484"/>
+      </p:ext>
+    </p:extLst>
+  </p:cSld>
+  <p:clrMapOvr>
+    <a:masterClrMapping/>
+  </p:clrMapOvr>
+</p:sld>
+</file>
+
+<file path=ppt/slides/slide16.xml><?xml version="1.0" encoding="utf-8"?>
+<p:sld xmlns:a="http://schemas.openxmlformats.org/drawingml/2006/main" xmlns:r="http://schemas.openxmlformats.org/officeDocument/2006/relationships" xmlns:p="http://schemas.openxmlformats.org/presentationml/2006/main">
+  <p:cSld>
+    <p:bg>
+      <p:bgPr>
+        <a:solidFill>
+          <a:schemeClr val="tx1">
+            <a:lumMod val="75000"/>
+            <a:lumOff val="25000"/>
+          </a:schemeClr>
+        </a:solidFill>
+        <a:effectLst/>
+      </p:bgPr>
+    </p:bg>
+    <p:spTree>
+      <p:nvGrpSpPr>
+        <p:cNvPr id="1" name=""/>
+        <p:cNvGrpSpPr/>
+        <p:nvPr/>
+      </p:nvGrpSpPr>
+      <p:grpSpPr>
+        <a:xfrm>
+          <a:off x="0" y="0"/>
+          <a:ext cx="0" cy="0"/>
+          <a:chOff x="0" y="0"/>
+          <a:chExt cx="0" cy="0"/>
+        </a:xfrm>
+      </p:grpSpPr>
+      <p:sp>
+        <p:nvSpPr>
+          <p:cNvPr id="3" name="内容占位符 2"/>
+          <p:cNvSpPr>
+            <a:spLocks noGrp="1"/>
+          </p:cNvSpPr>
+          <p:nvPr>
+            <p:ph idx="1"/>
+          </p:nvPr>
+        </p:nvSpPr>
+        <p:spPr>
+          <a:xfrm>
+            <a:off x="838200" y="2267211"/>
+            <a:ext cx="10515600" cy="3909752"/>
+          </a:xfrm>
+        </p:spPr>
+        <p:txBody>
+          <a:bodyPr>
+            <a:normAutofit/>
+          </a:bodyPr>
+          <a:lstStyle/>
+          <a:p>
+            <a:pPr marL="0" indent="0" algn="ctr">
+              <a:buNone/>
+            </a:pPr>
+            <a:r>
+              <a:rPr lang="zh-CN" altLang="en-US" sz="4800" dirty="0">
+                <a:solidFill>
+                  <a:schemeClr val="bg1"/>
+                </a:solidFill>
+              </a:rPr>
+              <a:t>谢谢各位评委</a:t>
+            </a:r>
+          </a:p>
+        </p:txBody>
+      </p:sp>
+    </p:spTree>
+    <p:extLst>
+      <p:ext uri="{BB962C8B-B14F-4D97-AF65-F5344CB8AC3E}">
+        <p14:creationId xmlns:p14="http://schemas.microsoft.com/office/powerpoint/2010/main" val="3074767836"/>
       </p:ext>
     </p:extLst>
   </p:cSld>
@@ -5903,6 +6288,44 @@
       </p:grpSpPr>
       <p:sp>
         <p:nvSpPr>
+          <p:cNvPr id="8" name="矩形 7"/>
+          <p:cNvSpPr/>
+          <p:nvPr/>
+        </p:nvSpPr>
+        <p:spPr>
+          <a:xfrm>
+            <a:off x="416560" y="457200"/>
+            <a:ext cx="11358880" cy="6055314"/>
+          </a:xfrm>
+          <a:prstGeom prst="rect">
+            <a:avLst/>
+          </a:prstGeom>
+        </p:spPr>
+        <p:style>
+          <a:lnRef idx="1">
+            <a:schemeClr val="accent3"/>
+          </a:lnRef>
+          <a:fillRef idx="2">
+            <a:schemeClr val="accent3"/>
+          </a:fillRef>
+          <a:effectRef idx="1">
+            <a:schemeClr val="accent3"/>
+          </a:effectRef>
+          <a:fontRef idx="minor">
+            <a:schemeClr val="dk1"/>
+          </a:fontRef>
+        </p:style>
+        <p:txBody>
+          <a:bodyPr rtlCol="0" anchor="ctr"/>
+          <a:lstStyle/>
+          <a:p>
+            <a:pPr algn="ctr"/>
+            <a:endParaRPr lang="zh-CN" altLang="en-US"/>
+          </a:p>
+        </p:txBody>
+      </p:sp>
+      <p:sp>
+        <p:nvSpPr>
           <p:cNvPr id="2" name="标题 1"/>
           <p:cNvSpPr>
             <a:spLocks noGrp="1"/>
@@ -5911,38 +6334,112 @@
             <p:ph type="title"/>
           </p:nvPr>
         </p:nvSpPr>
-        <p:spPr/>
-        <p:txBody>
-          <a:bodyPr/>
-          <a:lstStyle/>
-          <a:p>
-            <a:endParaRPr lang="zh-CN" altLang="en-US" dirty="0"/>
-          </a:p>
-        </p:txBody>
-      </p:sp>
-      <p:sp>
-        <p:nvSpPr>
-          <p:cNvPr id="3" name="内容占位符 2"/>
-          <p:cNvSpPr>
-            <a:spLocks noGrp="1"/>
-          </p:cNvSpPr>
+        <p:spPr>
+          <a:xfrm>
+            <a:off x="1134427" y="1495641"/>
+            <a:ext cx="3932237" cy="656748"/>
+          </a:xfrm>
+        </p:spPr>
+        <p:txBody>
+          <a:bodyPr/>
+          <a:lstStyle/>
+          <a:p>
+            <a:r>
+              <a:rPr lang="zh-CN" altLang="en-US" dirty="0"/>
+              <a:t>游戏</a:t>
+            </a:r>
+            <a:r>
+              <a:rPr lang="en-US" altLang="zh-CN" dirty="0"/>
+              <a:t>demo</a:t>
+            </a:r>
+            <a:r>
+              <a:rPr lang="zh-CN" altLang="en-US" dirty="0"/>
+              <a:t>展示</a:t>
+            </a:r>
+          </a:p>
+        </p:txBody>
+      </p:sp>
+      <p:pic>
+        <p:nvPicPr>
+          <p:cNvPr id="5" name="内容占位符 4">
+            <a:hlinkClick r:id="rId2" action="ppaction://hlinkfile"/>
+          </p:cNvPr>
+          <p:cNvPicPr>
+            <a:picLocks noGrp="1" noChangeAspect="1"/>
+          </p:cNvPicPr>
           <p:nvPr>
             <p:ph idx="1"/>
           </p:nvPr>
-        </p:nvSpPr>
-        <p:spPr/>
-        <p:txBody>
-          <a:bodyPr/>
-          <a:lstStyle/>
-          <a:p>
-            <a:endParaRPr lang="zh-CN" altLang="en-US" dirty="0"/>
-          </a:p>
-        </p:txBody>
-      </p:sp>
+        </p:nvPicPr>
+        <p:blipFill>
+          <a:blip r:embed="rId3">
+            <a:extLst>
+              <a:ext uri="{BEBA8EAE-BF5A-486C-A8C5-ECC9F3942E4B}">
+                <a14:imgProps xmlns:a14="http://schemas.microsoft.com/office/drawing/2010/main">
+                  <a14:imgLayer r:embed="rId4">
+                    <a14:imgEffect>
+                      <a14:artisticPencilSketch/>
+                    </a14:imgEffect>
+                    <a14:imgEffect>
+                      <a14:brightnessContrast bright="-21000"/>
+                    </a14:imgEffect>
+                  </a14:imgLayer>
+                </a14:imgProps>
+              </a:ext>
+              <a:ext uri="{28A0092B-C50C-407E-A947-70E740481C1C}">
+                <a14:useLocalDpi xmlns:a14="http://schemas.microsoft.com/office/drawing/2010/main" val="0"/>
+              </a:ext>
+            </a:extLst>
+          </a:blip>
+          <a:stretch>
+            <a:fillRect/>
+          </a:stretch>
+        </p:blipFill>
+        <p:spPr>
+          <a:xfrm>
+            <a:off x="6911467" y="3484857"/>
+            <a:ext cx="3919094" cy="2799352"/>
+          </a:xfrm>
+          <a:prstGeom prst="rect">
+            <a:avLst/>
+          </a:prstGeom>
+          <a:noFill/>
+        </p:spPr>
+      </p:pic>
+      <p:pic>
+        <p:nvPicPr>
+          <p:cNvPr id="10" name="图片 9"/>
+          <p:cNvPicPr>
+            <a:picLocks noChangeAspect="1"/>
+          </p:cNvPicPr>
+          <p:nvPr/>
+        </p:nvPicPr>
+        <p:blipFill>
+          <a:blip r:embed="rId5">
+            <a:extLst>
+              <a:ext uri="{28A0092B-C50C-407E-A947-70E740481C1C}">
+                <a14:useLocalDpi xmlns:a14="http://schemas.microsoft.com/office/drawing/2010/main" val="0"/>
+              </a:ext>
+            </a:extLst>
+          </a:blip>
+          <a:stretch>
+            <a:fillRect/>
+          </a:stretch>
+        </p:blipFill>
+        <p:spPr>
+          <a:xfrm>
+            <a:off x="985802" y="2052320"/>
+            <a:ext cx="4229488" cy="4231889"/>
+          </a:xfrm>
+          <a:prstGeom prst="rect">
+            <a:avLst/>
+          </a:prstGeom>
+        </p:spPr>
+      </p:pic>
     </p:spTree>
     <p:extLst>
       <p:ext uri="{BB962C8B-B14F-4D97-AF65-F5344CB8AC3E}">
-        <p14:creationId xmlns:p14="http://schemas.microsoft.com/office/powerpoint/2010/main" val="3542208624"/>
+        <p14:creationId xmlns:p14="http://schemas.microsoft.com/office/powerpoint/2010/main" val="1436793634"/>
       </p:ext>
     </p:extLst>
   </p:cSld>
@@ -6429,7 +6926,7 @@
 </file>
 
 <file path=ppt/slides/slide8.xml><?xml version="1.0" encoding="utf-8"?>
-<p:sld xmlns:a="http://schemas.openxmlformats.org/drawingml/2006/main" xmlns:r="http://schemas.openxmlformats.org/officeDocument/2006/relationships" xmlns:p="http://schemas.openxmlformats.org/presentationml/2006/main">
+<p:sld xmlns:a="http://schemas.openxmlformats.org/drawingml/2006/main" xmlns:r="http://schemas.openxmlformats.org/officeDocument/2006/relationships" xmlns:p="http://schemas.openxmlformats.org/presentationml/2006/main" show="0">
   <p:cSld>
     <p:spTree>
       <p:nvGrpSpPr>
@@ -6532,7 +7029,7 @@
 </file>
 
 <file path=ppt/slides/slide9.xml><?xml version="1.0" encoding="utf-8"?>
-<p:sld xmlns:a="http://schemas.openxmlformats.org/drawingml/2006/main" xmlns:r="http://schemas.openxmlformats.org/officeDocument/2006/relationships" xmlns:p="http://schemas.openxmlformats.org/presentationml/2006/main">
+<p:sld xmlns:a="http://schemas.openxmlformats.org/drawingml/2006/main" xmlns:r="http://schemas.openxmlformats.org/officeDocument/2006/relationships" xmlns:p="http://schemas.openxmlformats.org/presentationml/2006/main" show="0">
   <p:cSld>
     <p:spTree>
       <p:nvGrpSpPr>

--- a/Presentation/Presentation.pptx
+++ b/Presentation/Presentation.pptx
@@ -5,25 +5,18 @@
     <p:sldMasterId id="2147483648" r:id="rId1"/>
   </p:sldMasterIdLst>
   <p:notesMasterIdLst>
-    <p:notesMasterId r:id="rId18"/>
+    <p:notesMasterId r:id="rId11"/>
   </p:notesMasterIdLst>
   <p:sldIdLst>
     <p:sldId id="256" r:id="rId2"/>
     <p:sldId id="268" r:id="rId3"/>
-    <p:sldId id="267" r:id="rId4"/>
+    <p:sldId id="261" r:id="rId4"/>
     <p:sldId id="274" r:id="rId5"/>
-    <p:sldId id="260" r:id="rId6"/>
-    <p:sldId id="261" r:id="rId7"/>
-    <p:sldId id="258" r:id="rId8"/>
-    <p:sldId id="259" r:id="rId9"/>
-    <p:sldId id="264" r:id="rId10"/>
-    <p:sldId id="257" r:id="rId11"/>
-    <p:sldId id="262" r:id="rId12"/>
-    <p:sldId id="263" r:id="rId13"/>
-    <p:sldId id="271" r:id="rId14"/>
-    <p:sldId id="272" r:id="rId15"/>
-    <p:sldId id="273" r:id="rId16"/>
-    <p:sldId id="275" r:id="rId17"/>
+    <p:sldId id="276" r:id="rId6"/>
+    <p:sldId id="271" r:id="rId7"/>
+    <p:sldId id="272" r:id="rId8"/>
+    <p:sldId id="273" r:id="rId9"/>
+    <p:sldId id="275" r:id="rId10"/>
   </p:sldIdLst>
   <p:sldSz cx="12192000" cy="6858000"/>
   <p:notesSz cx="6858000" cy="9144000"/>
@@ -690,18 +683,203 @@
           <a:bodyPr/>
           <a:lstStyle/>
           <a:p>
+            <a:pPr marL="0" marR="0" lvl="0" indent="0" algn="l" defTabSz="914400" rtl="0" eaLnBrk="1" fontAlgn="auto" latinLnBrk="0" hangingPunct="1">
+              <a:lnSpc>
+                <a:spcPct val="100000"/>
+              </a:lnSpc>
+              <a:spcBef>
+                <a:spcPts val="0"/>
+              </a:spcBef>
+              <a:spcAft>
+                <a:spcPts val="0"/>
+              </a:spcAft>
+              <a:buClrTx/>
+              <a:buSzTx/>
+              <a:buFontTx/>
+              <a:buNone/>
+              <a:tabLst/>
+              <a:defRPr/>
+            </a:pPr>
             <a:r>
               <a:rPr lang="zh-CN" altLang="en-US" dirty="0"/>
-              <a:t>本次演示文档的结构分为游戏介绍与可行性分析。对于游戏的介绍，我将从游戏主题、玩法介绍、视觉效果进行介绍。最后进行</a:t>
+              <a:t>长久以来，我们都是从一个仰视的角度去观察这个世界。在这个游戏中，我们大胆的假设重力的方向可以改变，那么我们眼中的世界又会有什么样的改变呢？因此我们从这个角度入手，设计了这款旋转视角的游戏，并用重力去表现这个主题。具体为利用重力去收集一些线索，并通过各种机关陷阱。而人物单独的旋转太过单一，因此我们引入了</a:t>
             </a:r>
             <a:r>
               <a:rPr lang="en-US" altLang="zh-CN" dirty="0"/>
-              <a:t>Demo </a:t>
+              <a:t>Seed</a:t>
             </a:r>
             <a:r>
               <a:rPr lang="zh-CN" altLang="en-US" dirty="0"/>
-              <a:t>的演示。接下来，我将对游戏的可行性进行分析，并介绍我们的市场推广计划。</a:t>
-            </a:r>
+              <a:t>。它是一个</a:t>
+            </a:r>
+            <a:r>
+              <a:rPr lang="zh-CN" altLang="en-US" sz="1200" b="0" kern="1200" dirty="0">
+                <a:solidFill>
+                  <a:schemeClr val="tx1"/>
+                </a:solidFill>
+                <a:effectLst/>
+                <a:latin typeface="+mn-lt"/>
+                <a:ea typeface="+mn-ea"/>
+                <a:cs typeface="+mn-cs"/>
+              </a:rPr>
+              <a:t>笨呼呼的树种，只能借助重力的影响才能移动。人物不仅需要自己过关，并需要将</a:t>
+            </a:r>
+            <a:r>
+              <a:rPr lang="en-US" altLang="zh-CN" sz="1200" b="0" kern="1200" dirty="0">
+                <a:solidFill>
+                  <a:schemeClr val="tx1"/>
+                </a:solidFill>
+                <a:effectLst/>
+                <a:latin typeface="+mn-lt"/>
+                <a:ea typeface="+mn-ea"/>
+                <a:cs typeface="+mn-cs"/>
+              </a:rPr>
+              <a:t>Seed</a:t>
+            </a:r>
+            <a:r>
+              <a:rPr lang="zh-CN" altLang="en-US" sz="1200" b="0" kern="1200" dirty="0">
+                <a:solidFill>
+                  <a:schemeClr val="tx1"/>
+                </a:solidFill>
+                <a:effectLst/>
+                <a:latin typeface="+mn-lt"/>
+                <a:ea typeface="+mn-ea"/>
+                <a:cs typeface="+mn-cs"/>
+              </a:rPr>
+              <a:t>带至指定地点。这就为游戏增添了许多变数与乐趣。</a:t>
+            </a:r>
+            <a:endParaRPr lang="en-US" altLang="zh-CN" sz="1200" b="0" kern="1200" dirty="0">
+              <a:solidFill>
+                <a:schemeClr val="tx1"/>
+              </a:solidFill>
+              <a:effectLst/>
+              <a:latin typeface="+mn-lt"/>
+              <a:ea typeface="+mn-ea"/>
+              <a:cs typeface="+mn-cs"/>
+            </a:endParaRPr>
+          </a:p>
+          <a:p>
+            <a:pPr marL="0" marR="0" lvl="0" indent="0" algn="l" defTabSz="914400" rtl="0" eaLnBrk="1" fontAlgn="auto" latinLnBrk="0" hangingPunct="1">
+              <a:lnSpc>
+                <a:spcPct val="100000"/>
+              </a:lnSpc>
+              <a:spcBef>
+                <a:spcPts val="0"/>
+              </a:spcBef>
+              <a:spcAft>
+                <a:spcPts val="0"/>
+              </a:spcAft>
+              <a:buClrTx/>
+              <a:buSzTx/>
+              <a:buFontTx/>
+              <a:buNone/>
+              <a:tabLst/>
+              <a:defRPr/>
+            </a:pPr>
+            <a:r>
+              <a:rPr lang="zh-CN" altLang="en-US" sz="1200" b="0" kern="1200" dirty="0">
+                <a:solidFill>
+                  <a:schemeClr val="tx1"/>
+                </a:solidFill>
+                <a:effectLst/>
+                <a:latin typeface="+mn-lt"/>
+                <a:ea typeface="+mn-ea"/>
+                <a:cs typeface="+mn-cs"/>
+              </a:rPr>
+              <a:t>其次，我们的游戏还融入了探险的元素，我们设计了四个风格迥异的场景，包括荆棘丛生的上古森林、神秘莫测的黑色沙漠、接连天际的幽深海洋、隐匿曲折的黑暗洞穴。玩家在每一关都会有不同的体验。而且随意旋转的角度，使得玩家可以深入探索到地图的各个角落。当然，正如那句“</a:t>
+            </a:r>
+            <a:r>
+              <a:rPr lang="zh-CN" altLang="en-US" sz="1200" b="0" i="0" kern="1200" dirty="0">
+                <a:solidFill>
+                  <a:schemeClr val="tx1"/>
+                </a:solidFill>
+                <a:effectLst/>
+                <a:latin typeface="+mn-lt"/>
+                <a:ea typeface="+mn-ea"/>
+                <a:cs typeface="+mn-cs"/>
+              </a:rPr>
+              <a:t>而世之奇伟瑰怪非常之观，常在于险远而人之所罕至焉，故非有志者不能至也</a:t>
+            </a:r>
+            <a:r>
+              <a:rPr lang="zh-CN" altLang="en-US" sz="1200" b="0" kern="1200" dirty="0">
+                <a:solidFill>
+                  <a:schemeClr val="tx1"/>
+                </a:solidFill>
+                <a:effectLst/>
+                <a:latin typeface="+mn-lt"/>
+                <a:ea typeface="+mn-ea"/>
+                <a:cs typeface="+mn-cs"/>
+              </a:rPr>
+              <a:t>”所说的那样，世间最美丽的风景多在于难以到达的地方，而在我们的游戏中，玩家可以摆脱物理世界的束缚，用一种全新的角度去体验这个世界</a:t>
+            </a:r>
+            <a:endParaRPr lang="en-US" altLang="zh-CN" sz="1200" b="0" kern="1200" dirty="0">
+              <a:solidFill>
+                <a:schemeClr val="tx1"/>
+              </a:solidFill>
+              <a:effectLst/>
+              <a:latin typeface="+mn-lt"/>
+              <a:ea typeface="+mn-ea"/>
+              <a:cs typeface="+mn-cs"/>
+            </a:endParaRPr>
+          </a:p>
+          <a:p>
+            <a:pPr marL="0" marR="0" lvl="0" indent="0" algn="l" defTabSz="914400" rtl="0" eaLnBrk="1" fontAlgn="auto" latinLnBrk="0" hangingPunct="1">
+              <a:lnSpc>
+                <a:spcPct val="100000"/>
+              </a:lnSpc>
+              <a:spcBef>
+                <a:spcPts val="0"/>
+              </a:spcBef>
+              <a:spcAft>
+                <a:spcPts val="0"/>
+              </a:spcAft>
+              <a:buClrTx/>
+              <a:buSzTx/>
+              <a:buFontTx/>
+              <a:buNone/>
+              <a:tabLst/>
+              <a:defRPr/>
+            </a:pPr>
+            <a:endParaRPr lang="zh-CN" altLang="en-US" sz="1200" b="0" kern="1200" dirty="0">
+              <a:solidFill>
+                <a:schemeClr val="tx1"/>
+              </a:solidFill>
+              <a:effectLst/>
+              <a:latin typeface="+mn-lt"/>
+              <a:ea typeface="+mn-ea"/>
+              <a:cs typeface="+mn-cs"/>
+            </a:endParaRPr>
+          </a:p>
+          <a:p>
+            <a:pPr marL="0" marR="0" lvl="0" indent="0" algn="l" defTabSz="914400" rtl="0" eaLnBrk="1" fontAlgn="auto" latinLnBrk="0" hangingPunct="1">
+              <a:lnSpc>
+                <a:spcPct val="100000"/>
+              </a:lnSpc>
+              <a:spcBef>
+                <a:spcPts val="0"/>
+              </a:spcBef>
+              <a:spcAft>
+                <a:spcPts val="0"/>
+              </a:spcAft>
+              <a:buClrTx/>
+              <a:buSzTx/>
+              <a:buFontTx/>
+              <a:buNone/>
+              <a:tabLst/>
+              <a:defRPr/>
+            </a:pPr>
+            <a:endParaRPr lang="zh-CN" altLang="en-US" sz="1200" b="0" kern="1200" dirty="0">
+              <a:solidFill>
+                <a:schemeClr val="tx1"/>
+              </a:solidFill>
+              <a:effectLst/>
+              <a:latin typeface="+mn-lt"/>
+              <a:ea typeface="+mn-ea"/>
+              <a:cs typeface="+mn-cs"/>
+            </a:endParaRPr>
+          </a:p>
+          <a:p>
+            <a:endParaRPr lang="zh-CN" altLang="en-US" dirty="0"/>
           </a:p>
         </p:txBody>
       </p:sp>
@@ -722,7 +900,7 @@
           <a:p>
             <a:fld id="{85952953-4931-4294-84E4-D4C8E0E07B6B}" type="slidenum">
               <a:rPr lang="zh-CN" altLang="en-US" smtClean="0"/>
-              <a:t>5</a:t>
+              <a:t>3</a:t>
             </a:fld>
             <a:endParaRPr lang="zh-CN" altLang="en-US"/>
           </a:p>
@@ -731,7 +909,7 @@
     </p:spTree>
     <p:extLst>
       <p:ext uri="{BB962C8B-B14F-4D97-AF65-F5344CB8AC3E}">
-        <p14:creationId xmlns:p14="http://schemas.microsoft.com/office/powerpoint/2010/main" val="577460551"/>
+        <p14:creationId xmlns:p14="http://schemas.microsoft.com/office/powerpoint/2010/main" val="3316724749"/>
       </p:ext>
     </p:extLst>
   </p:cSld>
@@ -803,62 +981,18 @@
               <a:defRPr/>
             </a:pPr>
             <a:r>
-              <a:rPr lang="zh-CN" altLang="en-US" dirty="0"/>
-              <a:t>长久以来，我们都是从一个仰视的角度去观察这个世界。在这个游戏中，我们大胆的假设重力的方向可以改变，那么我们眼中的世界又会有什么样的改变呢？因此我们从这个角度入手，设计了这款旋转视角的游戏，并用重力去表现这个主题。具体为利用重力去收集一些线索，并通过各种机关陷阱。而人物单独的旋转太过单一，因此我们引入了</a:t>
-            </a:r>
-            <a:r>
-              <a:rPr lang="en-US" altLang="zh-CN" dirty="0"/>
+              <a:rPr lang="zh-CN" altLang="en-US" dirty="0" smtClean="0"/>
+              <a:t>我们游戏的设定是将</a:t>
+            </a:r>
+            <a:r>
+              <a:rPr lang="en-US" altLang="zh-CN" dirty="0" smtClean="0"/>
               <a:t>Seed</a:t>
             </a:r>
             <a:r>
-              <a:rPr lang="zh-CN" altLang="en-US" dirty="0"/>
-              <a:t>。它是一个</a:t>
-            </a:r>
-            <a:r>
-              <a:rPr lang="zh-CN" altLang="en-US" sz="1200" b="0" kern="1200" dirty="0">
-                <a:solidFill>
-                  <a:schemeClr val="tx1"/>
-                </a:solidFill>
-                <a:effectLst/>
-                <a:latin typeface="+mn-lt"/>
-                <a:ea typeface="+mn-ea"/>
-                <a:cs typeface="+mn-cs"/>
-              </a:rPr>
-              <a:t>笨呼呼的树种，只能借助重力的影响才能移动。人物不仅需要自己过关，并需要将</a:t>
-            </a:r>
-            <a:r>
-              <a:rPr lang="en-US" altLang="zh-CN" sz="1200" b="0" kern="1200" dirty="0">
-                <a:solidFill>
-                  <a:schemeClr val="tx1"/>
-                </a:solidFill>
-                <a:effectLst/>
-                <a:latin typeface="+mn-lt"/>
-                <a:ea typeface="+mn-ea"/>
-                <a:cs typeface="+mn-cs"/>
-              </a:rPr>
-              <a:t>Seed</a:t>
-            </a:r>
-            <a:r>
-              <a:rPr lang="zh-CN" altLang="en-US" sz="1200" b="0" kern="1200" dirty="0">
-                <a:solidFill>
-                  <a:schemeClr val="tx1"/>
-                </a:solidFill>
-                <a:effectLst/>
-                <a:latin typeface="+mn-lt"/>
-                <a:ea typeface="+mn-ea"/>
-                <a:cs typeface="+mn-cs"/>
-              </a:rPr>
-              <a:t>带至指定地点。这就为游戏增添了许多变数与乐趣。</a:t>
-            </a:r>
-            <a:endParaRPr lang="en-US" altLang="zh-CN" sz="1200" b="0" kern="1200" dirty="0">
-              <a:solidFill>
-                <a:schemeClr val="tx1"/>
-              </a:solidFill>
-              <a:effectLst/>
-              <a:latin typeface="+mn-lt"/>
-              <a:ea typeface="+mn-ea"/>
-              <a:cs typeface="+mn-cs"/>
-            </a:endParaRPr>
+              <a:rPr lang="zh-CN" altLang="en-US" dirty="0" smtClean="0"/>
+              <a:t>护送至指定位置。</a:t>
+            </a:r>
+            <a:endParaRPr lang="en-US" altLang="zh-CN" dirty="0" smtClean="0"/>
           </a:p>
           <a:p>
             <a:pPr marL="0" marR="0" lvl="0" indent="0" algn="l" defTabSz="914400" rtl="0" eaLnBrk="1" fontAlgn="auto" latinLnBrk="0" hangingPunct="1">
@@ -879,7 +1013,11 @@
               <a:defRPr/>
             </a:pPr>
             <a:r>
-              <a:rPr lang="zh-CN" altLang="en-US" sz="1200" b="0" kern="1200" dirty="0">
+              <a:rPr lang="zh-CN" altLang="en-US" dirty="0" smtClean="0"/>
+              <a:t>在游戏中，人物可以通过</a:t>
+            </a:r>
+            <a:r>
+              <a:rPr lang="en-US" altLang="zh-CN" sz="1200" b="0" kern="1200" dirty="0" smtClean="0">
                 <a:solidFill>
                   <a:schemeClr val="tx1"/>
                 </a:solidFill>
@@ -888,10 +1026,10 @@
                 <a:ea typeface="+mn-ea"/>
                 <a:cs typeface="+mn-cs"/>
               </a:rPr>
-              <a:t>其次，我们的游戏还融入了探险的元素，我们设计了四个风格迥异的场景，包括荆棘丛生的上古森林、神秘莫测的黑色沙漠、接连天际的幽深海洋、隐匿曲折的黑暗洞穴。玩家在每一关都会有不同的体验。而且随意旋转的角度，使得玩家可以深入探索到地图的各个角落。当然，正如那句“</a:t>
-            </a:r>
-            <a:r>
-              <a:rPr lang="zh-CN" altLang="en-US" sz="1200" b="0" i="0" kern="1200" dirty="0">
+              <a:t>A D</a:t>
+            </a:r>
+            <a:r>
+              <a:rPr lang="zh-CN" altLang="en-US" sz="1200" b="0" kern="1200" dirty="0" smtClean="0">
                 <a:solidFill>
                   <a:schemeClr val="tx1"/>
                 </a:solidFill>
@@ -900,10 +1038,14 @@
                 <a:ea typeface="+mn-ea"/>
                 <a:cs typeface="+mn-cs"/>
               </a:rPr>
-              <a:t>而世之奇伟瑰怪非常之观，常在于险远而人之所罕至焉，故非有志者不能至也</a:t>
-            </a:r>
-            <a:r>
-              <a:rPr lang="zh-CN" altLang="en-US" sz="1200" b="0" kern="1200" dirty="0">
+              <a:t>控制</a:t>
+            </a:r>
+            <a:r>
+              <a:rPr lang="zh-CN" altLang="en-US" dirty="0" smtClean="0"/>
+              <a:t>左右移动，用</a:t>
+            </a:r>
+            <a:r>
+              <a:rPr lang="zh-CN" altLang="en-US" sz="1200" b="0" kern="1200" dirty="0" smtClean="0">
                 <a:solidFill>
                   <a:schemeClr val="tx1"/>
                 </a:solidFill>
@@ -912,17 +1054,13 @@
                 <a:ea typeface="+mn-ea"/>
                 <a:cs typeface="+mn-cs"/>
               </a:rPr>
-              <a:t>”所说的那样，世间最美丽的风景多在于难以到达的地方，而在我们的游戏中，玩家可以摆脱物理世界的束缚，用一种全新的角度去体验这个世界</a:t>
-            </a:r>
-            <a:endParaRPr lang="en-US" altLang="zh-CN" sz="1200" b="0" kern="1200" dirty="0">
-              <a:solidFill>
-                <a:schemeClr val="tx1"/>
-              </a:solidFill>
-              <a:effectLst/>
-              <a:latin typeface="+mn-lt"/>
-              <a:ea typeface="+mn-ea"/>
-              <a:cs typeface="+mn-cs"/>
-            </a:endParaRPr>
+              <a:t>空格控制</a:t>
+            </a:r>
+            <a:r>
+              <a:rPr lang="zh-CN" altLang="en-US" dirty="0" smtClean="0"/>
+              <a:t>跳跃，我们来看一下操作的演示视频</a:t>
+            </a:r>
+            <a:endParaRPr lang="en-US" altLang="zh-CN" dirty="0" smtClean="0"/>
           </a:p>
           <a:p>
             <a:pPr marL="0" marR="0" lvl="0" indent="0" algn="l" defTabSz="914400" rtl="0" eaLnBrk="1" fontAlgn="auto" latinLnBrk="0" hangingPunct="1">
@@ -942,15 +1080,39 @@
               <a:tabLst/>
               <a:defRPr/>
             </a:pPr>
-            <a:endParaRPr lang="zh-CN" altLang="en-US" sz="1200" b="0" kern="1200" dirty="0">
-              <a:solidFill>
-                <a:schemeClr val="tx1"/>
-              </a:solidFill>
-              <a:effectLst/>
-              <a:latin typeface="+mn-lt"/>
-              <a:ea typeface="+mn-ea"/>
-              <a:cs typeface="+mn-cs"/>
-            </a:endParaRPr>
+            <a:r>
+              <a:rPr lang="zh-CN" altLang="en-US" dirty="0" smtClean="0"/>
+              <a:t>在游戏中，人物可以通过方向左键与右键控制</a:t>
+            </a:r>
+            <a:r>
+              <a:rPr lang="zh-CN" altLang="en-US" sz="1200" b="0" kern="1200" dirty="0" smtClean="0">
+                <a:solidFill>
+                  <a:schemeClr val="tx1"/>
+                </a:solidFill>
+                <a:effectLst/>
+                <a:latin typeface="+mn-lt"/>
+                <a:ea typeface="+mn-ea"/>
+                <a:cs typeface="+mn-cs"/>
+              </a:rPr>
+              <a:t>重力顺时针旋转与逆时针旋转</a:t>
+            </a:r>
+            <a:r>
+              <a:rPr lang="en-US" altLang="zh-CN" sz="1200" b="0" kern="1200" dirty="0" smtClean="0">
+                <a:solidFill>
+                  <a:schemeClr val="tx1"/>
+                </a:solidFill>
+                <a:effectLst/>
+                <a:latin typeface="+mn-lt"/>
+                <a:ea typeface="+mn-ea"/>
+                <a:cs typeface="+mn-cs"/>
+              </a:rPr>
+              <a:t>90°</a:t>
+            </a:r>
+            <a:r>
+              <a:rPr lang="zh-CN" altLang="en-US" dirty="0" smtClean="0"/>
+              <a:t>，我们来看一下操作的演示视频</a:t>
+            </a:r>
+            <a:endParaRPr lang="en-US" altLang="zh-CN" dirty="0" smtClean="0"/>
           </a:p>
           <a:p>
             <a:pPr marL="0" marR="0" lvl="0" indent="0" algn="l" defTabSz="914400" rtl="0" eaLnBrk="1" fontAlgn="auto" latinLnBrk="0" hangingPunct="1">
@@ -970,100 +1132,12 @@
               <a:tabLst/>
               <a:defRPr/>
             </a:pPr>
-            <a:endParaRPr lang="zh-CN" altLang="en-US" sz="1200" b="0" kern="1200" dirty="0">
-              <a:solidFill>
-                <a:schemeClr val="tx1"/>
-              </a:solidFill>
-              <a:effectLst/>
-              <a:latin typeface="+mn-lt"/>
-              <a:ea typeface="+mn-ea"/>
-              <a:cs typeface="+mn-cs"/>
-            </a:endParaRPr>
-          </a:p>
-          <a:p>
-            <a:endParaRPr lang="zh-CN" altLang="en-US" dirty="0"/>
-          </a:p>
-        </p:txBody>
-      </p:sp>
-      <p:sp>
-        <p:nvSpPr>
-          <p:cNvPr id="4" name="灯片编号占位符 3"/>
-          <p:cNvSpPr>
-            <a:spLocks noGrp="1"/>
-          </p:cNvSpPr>
-          <p:nvPr>
-            <p:ph type="sldNum" sz="quarter" idx="10"/>
-          </p:nvPr>
-        </p:nvSpPr>
-        <p:spPr/>
-        <p:txBody>
-          <a:bodyPr/>
-          <a:lstStyle/>
-          <a:p>
-            <a:fld id="{85952953-4931-4294-84E4-D4C8E0E07B6B}" type="slidenum">
-              <a:rPr lang="zh-CN" altLang="en-US" smtClean="0"/>
-              <a:t>6</a:t>
-            </a:fld>
-            <a:endParaRPr lang="zh-CN" altLang="en-US"/>
-          </a:p>
-        </p:txBody>
-      </p:sp>
-    </p:spTree>
-    <p:extLst>
-      <p:ext uri="{BB962C8B-B14F-4D97-AF65-F5344CB8AC3E}">
-        <p14:creationId xmlns:p14="http://schemas.microsoft.com/office/powerpoint/2010/main" val="3316724749"/>
-      </p:ext>
-    </p:extLst>
-  </p:cSld>
-  <p:clrMapOvr>
-    <a:masterClrMapping/>
-  </p:clrMapOvr>
-</p:notes>
-</file>
-
-<file path=ppt/notesSlides/notesSlide4.xml><?xml version="1.0" encoding="utf-8"?>
-<p:notes xmlns:a="http://schemas.openxmlformats.org/drawingml/2006/main" xmlns:r="http://schemas.openxmlformats.org/officeDocument/2006/relationships" xmlns:p="http://schemas.openxmlformats.org/presentationml/2006/main">
-  <p:cSld>
-    <p:spTree>
-      <p:nvGrpSpPr>
-        <p:cNvPr id="1" name=""/>
-        <p:cNvGrpSpPr/>
-        <p:nvPr/>
-      </p:nvGrpSpPr>
-      <p:grpSpPr>
-        <a:xfrm>
-          <a:off x="0" y="0"/>
-          <a:ext cx="0" cy="0"/>
-          <a:chOff x="0" y="0"/>
-          <a:chExt cx="0" cy="0"/>
-        </a:xfrm>
-      </p:grpSpPr>
-      <p:sp>
-        <p:nvSpPr>
-          <p:cNvPr id="2" name="幻灯片图像占位符 1"/>
-          <p:cNvSpPr>
-            <a:spLocks noGrp="1" noRot="1" noChangeAspect="1"/>
-          </p:cNvSpPr>
-          <p:nvPr>
-            <p:ph type="sldImg"/>
-          </p:nvPr>
-        </p:nvSpPr>
-        <p:spPr/>
-      </p:sp>
-      <p:sp>
-        <p:nvSpPr>
-          <p:cNvPr id="3" name="备注占位符 2"/>
-          <p:cNvSpPr>
-            <a:spLocks noGrp="1"/>
-          </p:cNvSpPr>
-          <p:nvPr>
-            <p:ph type="body" idx="1"/>
-          </p:nvPr>
-        </p:nvSpPr>
-        <p:spPr/>
-        <p:txBody>
-          <a:bodyPr/>
-          <a:lstStyle/>
+            <a:r>
+              <a:rPr lang="zh-CN" altLang="en-US" dirty="0" smtClean="0"/>
+              <a:t>在视频中可以看到，每次旋转会有短暂的停顿，这是为了防止旋转过快造成玩家的眩晕感，提升游戏体验。</a:t>
+            </a:r>
+            <a:endParaRPr lang="en-US" altLang="zh-CN" dirty="0" smtClean="0"/>
+          </a:p>
           <a:p>
             <a:pPr marL="0" marR="0" lvl="0" indent="0" algn="l" defTabSz="914400" rtl="0" eaLnBrk="1" fontAlgn="auto" latinLnBrk="0" hangingPunct="1">
               <a:lnSpc>
@@ -1083,11 +1157,18 @@
               <a:defRPr/>
             </a:pPr>
             <a:r>
-              <a:rPr lang="zh-CN" altLang="en-US" dirty="0"/>
-              <a:t>在游戏中，人物可以通过</a:t>
-            </a:r>
-            <a:r>
-              <a:rPr lang="en-US" altLang="zh-CN" sz="1200" b="0" kern="1200" dirty="0">
+              <a:rPr lang="zh-CN" altLang="en-US" dirty="0" smtClean="0"/>
+              <a:t>而且每次旋转只会影响当前视野内的物品，避免了解密与操作过于复杂。</a:t>
+            </a:r>
+            <a:endParaRPr lang="en-US" altLang="zh-CN" dirty="0" smtClean="0"/>
+          </a:p>
+          <a:p>
+            <a:r>
+              <a:rPr lang="zh-CN" altLang="en-US" dirty="0" smtClean="0"/>
+              <a:t>通过选择重力，人物可以跨越无法跨过的鸿沟，还能</a:t>
+            </a:r>
+            <a:r>
+              <a:rPr lang="zh-CN" altLang="en-US" sz="1200" b="0" kern="1200" dirty="0" smtClean="0">
                 <a:solidFill>
                   <a:schemeClr val="tx1"/>
                 </a:solidFill>
@@ -1096,10 +1177,10 @@
                 <a:ea typeface="+mn-ea"/>
                 <a:cs typeface="+mn-cs"/>
               </a:rPr>
-              <a:t>A D</a:t>
-            </a:r>
-            <a:r>
-              <a:rPr lang="zh-CN" altLang="en-US" sz="1200" b="0" kern="1200" dirty="0">
+              <a:t>利用</a:t>
+            </a:r>
+            <a:r>
+              <a:rPr lang="en-US" altLang="zh-CN" sz="1200" b="0" kern="1200" dirty="0" smtClean="0">
                 <a:solidFill>
                   <a:schemeClr val="tx1"/>
                 </a:solidFill>
@@ -1108,14 +1189,10 @@
                 <a:ea typeface="+mn-ea"/>
                 <a:cs typeface="+mn-cs"/>
               </a:rPr>
-              <a:t>控制</a:t>
-            </a:r>
-            <a:r>
-              <a:rPr lang="zh-CN" altLang="en-US" dirty="0"/>
-              <a:t>左右移动，用</a:t>
-            </a:r>
-            <a:r>
-              <a:rPr lang="zh-CN" altLang="en-US" sz="1200" b="0" kern="1200" dirty="0">
+              <a:t>Seed</a:t>
+            </a:r>
+            <a:r>
+              <a:rPr lang="zh-CN" altLang="en-US" sz="1200" b="0" kern="1200" dirty="0" smtClean="0">
                 <a:solidFill>
                   <a:schemeClr val="tx1"/>
                 </a:solidFill>
@@ -1124,13 +1201,8 @@
                 <a:ea typeface="+mn-ea"/>
                 <a:cs typeface="+mn-cs"/>
               </a:rPr>
-              <a:t>空格控制</a:t>
-            </a:r>
-            <a:r>
-              <a:rPr lang="zh-CN" altLang="en-US" dirty="0"/>
-              <a:t>跳跃，我们来看一下操作的演示视频</a:t>
-            </a:r>
-            <a:endParaRPr lang="en-US" altLang="zh-CN" dirty="0"/>
+              <a:t>坚硬的外壳去消灭敌人</a:t>
+            </a:r>
           </a:p>
           <a:p>
             <a:pPr marL="0" marR="0" lvl="0" indent="0" algn="l" defTabSz="914400" rtl="0" eaLnBrk="1" fontAlgn="auto" latinLnBrk="0" hangingPunct="1">
@@ -1150,148 +1222,6 @@
               <a:tabLst/>
               <a:defRPr/>
             </a:pPr>
-            <a:r>
-              <a:rPr lang="zh-CN" altLang="en-US" dirty="0"/>
-              <a:t>在游戏中，人物可以通过方向左键与右键控制</a:t>
-            </a:r>
-            <a:r>
-              <a:rPr lang="zh-CN" altLang="en-US" sz="1200" b="0" kern="1200" dirty="0">
-                <a:solidFill>
-                  <a:schemeClr val="tx1"/>
-                </a:solidFill>
-                <a:effectLst/>
-                <a:latin typeface="+mn-lt"/>
-                <a:ea typeface="+mn-ea"/>
-                <a:cs typeface="+mn-cs"/>
-              </a:rPr>
-              <a:t>重力顺时针旋转与逆时针旋转</a:t>
-            </a:r>
-            <a:r>
-              <a:rPr lang="en-US" altLang="zh-CN" sz="1200" b="0" kern="1200" dirty="0">
-                <a:solidFill>
-                  <a:schemeClr val="tx1"/>
-                </a:solidFill>
-                <a:effectLst/>
-                <a:latin typeface="+mn-lt"/>
-                <a:ea typeface="+mn-ea"/>
-                <a:cs typeface="+mn-cs"/>
-              </a:rPr>
-              <a:t>90°</a:t>
-            </a:r>
-            <a:r>
-              <a:rPr lang="zh-CN" altLang="en-US" dirty="0"/>
-              <a:t>，我们来看一下操作的演示视频</a:t>
-            </a:r>
-            <a:endParaRPr lang="en-US" altLang="zh-CN" dirty="0"/>
-          </a:p>
-          <a:p>
-            <a:pPr marL="0" marR="0" lvl="0" indent="0" algn="l" defTabSz="914400" rtl="0" eaLnBrk="1" fontAlgn="auto" latinLnBrk="0" hangingPunct="1">
-              <a:lnSpc>
-                <a:spcPct val="100000"/>
-              </a:lnSpc>
-              <a:spcBef>
-                <a:spcPts val="0"/>
-              </a:spcBef>
-              <a:spcAft>
-                <a:spcPts val="0"/>
-              </a:spcAft>
-              <a:buClrTx/>
-              <a:buSzTx/>
-              <a:buFontTx/>
-              <a:buNone/>
-              <a:tabLst/>
-              <a:defRPr/>
-            </a:pPr>
-            <a:r>
-              <a:rPr lang="zh-CN" altLang="en-US" dirty="0"/>
-              <a:t>在视频中可以看到，每次旋转会有短暂的停顿，这是为了防止旋转过快造成玩家的眩晕感，提升游戏体验。</a:t>
-            </a:r>
-            <a:endParaRPr lang="en-US" altLang="zh-CN" dirty="0"/>
-          </a:p>
-          <a:p>
-            <a:pPr marL="0" marR="0" lvl="0" indent="0" algn="l" defTabSz="914400" rtl="0" eaLnBrk="1" fontAlgn="auto" latinLnBrk="0" hangingPunct="1">
-              <a:lnSpc>
-                <a:spcPct val="100000"/>
-              </a:lnSpc>
-              <a:spcBef>
-                <a:spcPts val="0"/>
-              </a:spcBef>
-              <a:spcAft>
-                <a:spcPts val="0"/>
-              </a:spcAft>
-              <a:buClrTx/>
-              <a:buSzTx/>
-              <a:buFontTx/>
-              <a:buNone/>
-              <a:tabLst/>
-              <a:defRPr/>
-            </a:pPr>
-            <a:r>
-              <a:rPr lang="zh-CN" altLang="en-US" dirty="0"/>
-              <a:t>而且每次旋转只会影响当前视野内的物品，避免了解密与操作过于复杂。</a:t>
-            </a:r>
-            <a:endParaRPr lang="en-US" altLang="zh-CN" dirty="0"/>
-          </a:p>
-          <a:p>
-            <a:r>
-              <a:rPr lang="zh-CN" altLang="en-US" dirty="0"/>
-              <a:t>通过选择重力，人物可以跨越无法跨过的鸿沟，还能</a:t>
-            </a:r>
-            <a:r>
-              <a:rPr lang="zh-CN" altLang="en-US" sz="1200" b="0" kern="1200" dirty="0">
-                <a:solidFill>
-                  <a:schemeClr val="tx1"/>
-                </a:solidFill>
-                <a:effectLst/>
-                <a:latin typeface="+mn-lt"/>
-                <a:ea typeface="+mn-ea"/>
-                <a:cs typeface="+mn-cs"/>
-              </a:rPr>
-              <a:t>利用</a:t>
-            </a:r>
-            <a:r>
-              <a:rPr lang="en-US" altLang="zh-CN" sz="1200" b="0" kern="1200" dirty="0">
-                <a:solidFill>
-                  <a:schemeClr val="tx1"/>
-                </a:solidFill>
-                <a:effectLst/>
-                <a:latin typeface="+mn-lt"/>
-                <a:ea typeface="+mn-ea"/>
-                <a:cs typeface="+mn-cs"/>
-              </a:rPr>
-              <a:t>Seed</a:t>
-            </a:r>
-            <a:r>
-              <a:rPr lang="zh-CN" altLang="en-US" sz="1200" b="0" kern="1200" dirty="0">
-                <a:solidFill>
-                  <a:schemeClr val="tx1"/>
-                </a:solidFill>
-                <a:effectLst/>
-                <a:latin typeface="+mn-lt"/>
-                <a:ea typeface="+mn-ea"/>
-                <a:cs typeface="+mn-cs"/>
-              </a:rPr>
-              <a:t>坚硬的外壳去消灭敌人</a:t>
-            </a:r>
-          </a:p>
-          <a:p>
-            <a:pPr marL="0" marR="0" lvl="0" indent="0" algn="l" defTabSz="914400" rtl="0" eaLnBrk="1" fontAlgn="auto" latinLnBrk="0" hangingPunct="1">
-              <a:lnSpc>
-                <a:spcPct val="100000"/>
-              </a:lnSpc>
-              <a:spcBef>
-                <a:spcPts val="0"/>
-              </a:spcBef>
-              <a:spcAft>
-                <a:spcPts val="0"/>
-              </a:spcAft>
-              <a:buClrTx/>
-              <a:buSzTx/>
-              <a:buFontTx/>
-              <a:buNone/>
-              <a:tabLst/>
-              <a:defRPr/>
-            </a:pPr>
             <a:endParaRPr lang="zh-CN" altLang="en-US" dirty="0"/>
           </a:p>
         </p:txBody>
@@ -1313,7 +1243,7 @@
           <a:p>
             <a:fld id="{85952953-4931-4294-84E4-D4C8E0E07B6B}" type="slidenum">
               <a:rPr lang="zh-CN" altLang="en-US" smtClean="0"/>
-              <a:t>7</a:t>
+              <a:t>5</a:t>
             </a:fld>
             <a:endParaRPr lang="zh-CN" altLang="en-US"/>
           </a:p>
@@ -1322,765 +1252,7 @@
     </p:spTree>
     <p:extLst>
       <p:ext uri="{BB962C8B-B14F-4D97-AF65-F5344CB8AC3E}">
-        <p14:creationId xmlns:p14="http://schemas.microsoft.com/office/powerpoint/2010/main" val="643450611"/>
-      </p:ext>
-    </p:extLst>
-  </p:cSld>
-  <p:clrMapOvr>
-    <a:masterClrMapping/>
-  </p:clrMapOvr>
-</p:notes>
-</file>
-
-<file path=ppt/notesSlides/notesSlide5.xml><?xml version="1.0" encoding="utf-8"?>
-<p:notes xmlns:a="http://schemas.openxmlformats.org/drawingml/2006/main" xmlns:r="http://schemas.openxmlformats.org/officeDocument/2006/relationships" xmlns:p="http://schemas.openxmlformats.org/presentationml/2006/main">
-  <p:cSld>
-    <p:spTree>
-      <p:nvGrpSpPr>
-        <p:cNvPr id="1" name=""/>
-        <p:cNvGrpSpPr/>
-        <p:nvPr/>
-      </p:nvGrpSpPr>
-      <p:grpSpPr>
-        <a:xfrm>
-          <a:off x="0" y="0"/>
-          <a:ext cx="0" cy="0"/>
-          <a:chOff x="0" y="0"/>
-          <a:chExt cx="0" cy="0"/>
-        </a:xfrm>
-      </p:grpSpPr>
-      <p:sp>
-        <p:nvSpPr>
-          <p:cNvPr id="2" name="幻灯片图像占位符 1"/>
-          <p:cNvSpPr>
-            <a:spLocks noGrp="1" noRot="1" noChangeAspect="1"/>
-          </p:cNvSpPr>
-          <p:nvPr>
-            <p:ph type="sldImg"/>
-          </p:nvPr>
-        </p:nvSpPr>
-        <p:spPr/>
-      </p:sp>
-      <p:sp>
-        <p:nvSpPr>
-          <p:cNvPr id="3" name="备注占位符 2"/>
-          <p:cNvSpPr>
-            <a:spLocks noGrp="1"/>
-          </p:cNvSpPr>
-          <p:nvPr>
-            <p:ph type="body" idx="1"/>
-          </p:nvPr>
-        </p:nvSpPr>
-        <p:spPr/>
-        <p:txBody>
-          <a:bodyPr/>
-          <a:lstStyle/>
-          <a:p>
-            <a:r>
-              <a:rPr lang="zh-CN" altLang="en-US" dirty="0"/>
-              <a:t>这是我们的第一关的整体渲染图，可以看到。我们的地图细节十分清晰。。。。色彩。。。。。</a:t>
-            </a:r>
-          </a:p>
-        </p:txBody>
-      </p:sp>
-      <p:sp>
-        <p:nvSpPr>
-          <p:cNvPr id="4" name="灯片编号占位符 3"/>
-          <p:cNvSpPr>
-            <a:spLocks noGrp="1"/>
-          </p:cNvSpPr>
-          <p:nvPr>
-            <p:ph type="sldNum" sz="quarter" idx="10"/>
-          </p:nvPr>
-        </p:nvSpPr>
-        <p:spPr/>
-        <p:txBody>
-          <a:bodyPr/>
-          <a:lstStyle/>
-          <a:p>
-            <a:fld id="{85952953-4931-4294-84E4-D4C8E0E07B6B}" type="slidenum">
-              <a:rPr lang="zh-CN" altLang="en-US" smtClean="0"/>
-              <a:t>8</a:t>
-            </a:fld>
-            <a:endParaRPr lang="zh-CN" altLang="en-US"/>
-          </a:p>
-        </p:txBody>
-      </p:sp>
-    </p:spTree>
-    <p:extLst>
-      <p:ext uri="{BB962C8B-B14F-4D97-AF65-F5344CB8AC3E}">
-        <p14:creationId xmlns:p14="http://schemas.microsoft.com/office/powerpoint/2010/main" val="3266731993"/>
-      </p:ext>
-    </p:extLst>
-  </p:cSld>
-  <p:clrMapOvr>
-    <a:masterClrMapping/>
-  </p:clrMapOvr>
-</p:notes>
-</file>
-
-<file path=ppt/notesSlides/notesSlide6.xml><?xml version="1.0" encoding="utf-8"?>
-<p:notes xmlns:a="http://schemas.openxmlformats.org/drawingml/2006/main" xmlns:r="http://schemas.openxmlformats.org/officeDocument/2006/relationships" xmlns:p="http://schemas.openxmlformats.org/presentationml/2006/main">
-  <p:cSld>
-    <p:spTree>
-      <p:nvGrpSpPr>
-        <p:cNvPr id="1" name=""/>
-        <p:cNvGrpSpPr/>
-        <p:nvPr/>
-      </p:nvGrpSpPr>
-      <p:grpSpPr>
-        <a:xfrm>
-          <a:off x="0" y="0"/>
-          <a:ext cx="0" cy="0"/>
-          <a:chOff x="0" y="0"/>
-          <a:chExt cx="0" cy="0"/>
-        </a:xfrm>
-      </p:grpSpPr>
-      <p:sp>
-        <p:nvSpPr>
-          <p:cNvPr id="2" name="幻灯片图像占位符 1"/>
-          <p:cNvSpPr>
-            <a:spLocks noGrp="1" noRot="1" noChangeAspect="1"/>
-          </p:cNvSpPr>
-          <p:nvPr>
-            <p:ph type="sldImg"/>
-          </p:nvPr>
-        </p:nvSpPr>
-        <p:spPr/>
-      </p:sp>
-      <p:sp>
-        <p:nvSpPr>
-          <p:cNvPr id="3" name="备注占位符 2"/>
-          <p:cNvSpPr>
-            <a:spLocks noGrp="1"/>
-          </p:cNvSpPr>
-          <p:nvPr>
-            <p:ph type="body" idx="1"/>
-          </p:nvPr>
-        </p:nvSpPr>
-        <p:spPr/>
-        <p:txBody>
-          <a:bodyPr/>
-          <a:lstStyle/>
-          <a:p>
-            <a:r>
-              <a:rPr lang="zh-CN" altLang="en-US" dirty="0"/>
-              <a:t>我们的主角是一个穿着百褶裙的小姑娘，她对外面的世界充满了好奇与向往。</a:t>
-            </a:r>
-          </a:p>
-        </p:txBody>
-      </p:sp>
-      <p:sp>
-        <p:nvSpPr>
-          <p:cNvPr id="4" name="灯片编号占位符 3"/>
-          <p:cNvSpPr>
-            <a:spLocks noGrp="1"/>
-          </p:cNvSpPr>
-          <p:nvPr>
-            <p:ph type="sldNum" sz="quarter" idx="10"/>
-          </p:nvPr>
-        </p:nvSpPr>
-        <p:spPr/>
-        <p:txBody>
-          <a:bodyPr/>
-          <a:lstStyle/>
-          <a:p>
-            <a:fld id="{85952953-4931-4294-84E4-D4C8E0E07B6B}" type="slidenum">
-              <a:rPr lang="zh-CN" altLang="en-US" smtClean="0"/>
-              <a:t>9</a:t>
-            </a:fld>
-            <a:endParaRPr lang="zh-CN" altLang="en-US"/>
-          </a:p>
-        </p:txBody>
-      </p:sp>
-    </p:spTree>
-    <p:extLst>
-      <p:ext uri="{BB962C8B-B14F-4D97-AF65-F5344CB8AC3E}">
-        <p14:creationId xmlns:p14="http://schemas.microsoft.com/office/powerpoint/2010/main" val="2045051955"/>
-      </p:ext>
-    </p:extLst>
-  </p:cSld>
-  <p:clrMapOvr>
-    <a:masterClrMapping/>
-  </p:clrMapOvr>
-</p:notes>
-</file>
-
-<file path=ppt/notesSlides/notesSlide7.xml><?xml version="1.0" encoding="utf-8"?>
-<p:notes xmlns:a="http://schemas.openxmlformats.org/drawingml/2006/main" xmlns:r="http://schemas.openxmlformats.org/officeDocument/2006/relationships" xmlns:p="http://schemas.openxmlformats.org/presentationml/2006/main">
-  <p:cSld>
-    <p:spTree>
-      <p:nvGrpSpPr>
-        <p:cNvPr id="1" name=""/>
-        <p:cNvGrpSpPr/>
-        <p:nvPr/>
-      </p:nvGrpSpPr>
-      <p:grpSpPr>
-        <a:xfrm>
-          <a:off x="0" y="0"/>
-          <a:ext cx="0" cy="0"/>
-          <a:chOff x="0" y="0"/>
-          <a:chExt cx="0" cy="0"/>
-        </a:xfrm>
-      </p:grpSpPr>
-      <p:sp>
-        <p:nvSpPr>
-          <p:cNvPr id="2" name="幻灯片图像占位符 1"/>
-          <p:cNvSpPr>
-            <a:spLocks noGrp="1" noRot="1" noChangeAspect="1"/>
-          </p:cNvSpPr>
-          <p:nvPr>
-            <p:ph type="sldImg"/>
-          </p:nvPr>
-        </p:nvSpPr>
-        <p:spPr/>
-      </p:sp>
-      <p:sp>
-        <p:nvSpPr>
-          <p:cNvPr id="3" name="备注占位符 2"/>
-          <p:cNvSpPr>
-            <a:spLocks noGrp="1"/>
-          </p:cNvSpPr>
-          <p:nvPr>
-            <p:ph type="body" idx="1"/>
-          </p:nvPr>
-        </p:nvSpPr>
-        <p:spPr/>
-        <p:txBody>
-          <a:bodyPr/>
-          <a:lstStyle/>
-          <a:p>
-            <a:pPr marL="0" marR="0" lvl="0" indent="0" algn="l" defTabSz="914400" rtl="0" eaLnBrk="1" fontAlgn="auto" latinLnBrk="0" hangingPunct="1">
-              <a:lnSpc>
-                <a:spcPct val="100000"/>
-              </a:lnSpc>
-              <a:spcBef>
-                <a:spcPts val="0"/>
-              </a:spcBef>
-              <a:spcAft>
-                <a:spcPts val="0"/>
-              </a:spcAft>
-              <a:buClrTx/>
-              <a:buSzTx/>
-              <a:buFontTx/>
-              <a:buNone/>
-              <a:tabLst/>
-              <a:defRPr/>
-            </a:pPr>
-            <a:r>
-              <a:rPr lang="zh-CN" altLang="en-US" dirty="0"/>
-              <a:t>下面，我给大家展示一下我们的教学关卡的</a:t>
-            </a:r>
-            <a:r>
-              <a:rPr lang="en-US" altLang="zh-CN" dirty="0"/>
-              <a:t>Demo</a:t>
-            </a:r>
-            <a:r>
-              <a:rPr lang="zh-CN" altLang="en-US" dirty="0"/>
-              <a:t>。首先，主人公</a:t>
-            </a:r>
-            <a:r>
-              <a:rPr lang="en-US" altLang="zh-CN" dirty="0"/>
-              <a:t>Eda</a:t>
-            </a:r>
-            <a:r>
-              <a:rPr lang="zh-CN" altLang="en-US" dirty="0"/>
-              <a:t>无意中改变了重力的方向，救出了被困住的</a:t>
-            </a:r>
-            <a:r>
-              <a:rPr lang="en-US" altLang="zh-CN" dirty="0"/>
-              <a:t>Seed</a:t>
-            </a:r>
-            <a:r>
-              <a:rPr lang="zh-CN" altLang="en-US" dirty="0"/>
-              <a:t>，于是一段神奇的冒险旅程就此开启。</a:t>
-            </a:r>
-            <a:endParaRPr lang="en-US" altLang="zh-CN" dirty="0"/>
-          </a:p>
-          <a:p>
-            <a:endParaRPr lang="zh-CN" altLang="en-US" dirty="0"/>
-          </a:p>
-        </p:txBody>
-      </p:sp>
-      <p:sp>
-        <p:nvSpPr>
-          <p:cNvPr id="4" name="灯片编号占位符 3"/>
-          <p:cNvSpPr>
-            <a:spLocks noGrp="1"/>
-          </p:cNvSpPr>
-          <p:nvPr>
-            <p:ph type="sldNum" sz="quarter" idx="10"/>
-          </p:nvPr>
-        </p:nvSpPr>
-        <p:spPr/>
-        <p:txBody>
-          <a:bodyPr/>
-          <a:lstStyle/>
-          <a:p>
-            <a:fld id="{85952953-4931-4294-84E4-D4C8E0E07B6B}" type="slidenum">
-              <a:rPr lang="zh-CN" altLang="en-US" smtClean="0"/>
-              <a:t>10</a:t>
-            </a:fld>
-            <a:endParaRPr lang="zh-CN" altLang="en-US"/>
-          </a:p>
-        </p:txBody>
-      </p:sp>
-    </p:spTree>
-    <p:extLst>
-      <p:ext uri="{BB962C8B-B14F-4D97-AF65-F5344CB8AC3E}">
-        <p14:creationId xmlns:p14="http://schemas.microsoft.com/office/powerpoint/2010/main" val="923321682"/>
-      </p:ext>
-    </p:extLst>
-  </p:cSld>
-  <p:clrMapOvr>
-    <a:masterClrMapping/>
-  </p:clrMapOvr>
-</p:notes>
-</file>
-
-<file path=ppt/notesSlides/notesSlide8.xml><?xml version="1.0" encoding="utf-8"?>
-<p:notes xmlns:a="http://schemas.openxmlformats.org/drawingml/2006/main" xmlns:r="http://schemas.openxmlformats.org/officeDocument/2006/relationships" xmlns:p="http://schemas.openxmlformats.org/presentationml/2006/main">
-  <p:cSld>
-    <p:spTree>
-      <p:nvGrpSpPr>
-        <p:cNvPr id="1" name=""/>
-        <p:cNvGrpSpPr/>
-        <p:nvPr/>
-      </p:nvGrpSpPr>
-      <p:grpSpPr>
-        <a:xfrm>
-          <a:off x="0" y="0"/>
-          <a:ext cx="0" cy="0"/>
-          <a:chOff x="0" y="0"/>
-          <a:chExt cx="0" cy="0"/>
-        </a:xfrm>
-      </p:grpSpPr>
-      <p:sp>
-        <p:nvSpPr>
-          <p:cNvPr id="2" name="幻灯片图像占位符 1"/>
-          <p:cNvSpPr>
-            <a:spLocks noGrp="1" noRot="1" noChangeAspect="1"/>
-          </p:cNvSpPr>
-          <p:nvPr>
-            <p:ph type="sldImg"/>
-          </p:nvPr>
-        </p:nvSpPr>
-        <p:spPr/>
-      </p:sp>
-      <p:sp>
-        <p:nvSpPr>
-          <p:cNvPr id="3" name="备注占位符 2"/>
-          <p:cNvSpPr>
-            <a:spLocks noGrp="1"/>
-          </p:cNvSpPr>
-          <p:nvPr>
-            <p:ph type="body" idx="1"/>
-          </p:nvPr>
-        </p:nvSpPr>
-        <p:spPr/>
-        <p:txBody>
-          <a:bodyPr/>
-          <a:lstStyle/>
-          <a:p>
-            <a:pPr marL="0" marR="0" lvl="0" indent="0" algn="l" defTabSz="914400" rtl="0" eaLnBrk="1" fontAlgn="auto" latinLnBrk="0" hangingPunct="1">
-              <a:lnSpc>
-                <a:spcPct val="100000"/>
-              </a:lnSpc>
-              <a:spcBef>
-                <a:spcPts val="0"/>
-              </a:spcBef>
-              <a:spcAft>
-                <a:spcPts val="0"/>
-              </a:spcAft>
-              <a:buClrTx/>
-              <a:buSzTx/>
-              <a:buFontTx/>
-              <a:buNone/>
-              <a:tabLst/>
-              <a:defRPr/>
-            </a:pPr>
-            <a:r>
-              <a:rPr lang="zh-CN" altLang="en-US" sz="1200" b="0" kern="1200" dirty="0">
-                <a:solidFill>
-                  <a:schemeClr val="tx1"/>
-                </a:solidFill>
-                <a:effectLst/>
-                <a:latin typeface="+mn-lt"/>
-                <a:ea typeface="+mn-ea"/>
-                <a:cs typeface="+mn-cs"/>
-              </a:rPr>
-              <a:t>在目前快节奏的生活中，人们的压力越来越大。而通过户外活动进行放松的时间成本又太大。于是我们的游戏就针对这一现象，设置为短巧精密的冒险解密类游戏，主要是针对休闲玩家这一目标群体。以改变观察世界的视角为切入点，赋予</a:t>
-            </a:r>
-            <a:r>
-              <a:rPr lang="en-US" altLang="zh-CN" sz="1200" b="0" kern="1200" dirty="0">
-                <a:solidFill>
-                  <a:schemeClr val="tx1"/>
-                </a:solidFill>
-                <a:effectLst/>
-                <a:latin typeface="+mn-lt"/>
-                <a:ea typeface="+mn-ea"/>
-                <a:cs typeface="+mn-cs"/>
-              </a:rPr>
-              <a:t>2D</a:t>
-            </a:r>
-            <a:r>
-              <a:rPr lang="zh-CN" altLang="en-US" sz="1200" b="0" kern="1200" dirty="0">
-                <a:solidFill>
-                  <a:schemeClr val="tx1"/>
-                </a:solidFill>
-                <a:effectLst/>
-                <a:latin typeface="+mn-lt"/>
-                <a:ea typeface="+mn-ea"/>
-                <a:cs typeface="+mn-cs"/>
-              </a:rPr>
-              <a:t>横版闯关这类游戏更多的灵活性与自由度。以萌妹子</a:t>
-            </a:r>
-            <a:r>
-              <a:rPr lang="en-US" altLang="zh-CN" sz="1200" b="0" kern="1200" dirty="0">
-                <a:solidFill>
-                  <a:schemeClr val="tx1"/>
-                </a:solidFill>
-                <a:effectLst/>
-                <a:latin typeface="+mn-lt"/>
-                <a:ea typeface="+mn-ea"/>
-                <a:cs typeface="+mn-cs"/>
-              </a:rPr>
-              <a:t>Eda</a:t>
-            </a:r>
-            <a:r>
-              <a:rPr lang="zh-CN" altLang="en-US" sz="1200" b="0" kern="1200" dirty="0">
-                <a:solidFill>
-                  <a:schemeClr val="tx1"/>
-                </a:solidFill>
-                <a:effectLst/>
-                <a:latin typeface="+mn-lt"/>
-                <a:ea typeface="+mn-ea"/>
-                <a:cs typeface="+mn-cs"/>
-              </a:rPr>
-              <a:t>为游戏主角会带给玩家更多的治愈感，用宏大的场景图带给玩家足够的神秘感。在</a:t>
-            </a:r>
-            <a:r>
-              <a:rPr lang="en-US" altLang="zh-CN" sz="1200" b="0" kern="1200" dirty="0">
-                <a:solidFill>
-                  <a:schemeClr val="tx1"/>
-                </a:solidFill>
-                <a:effectLst/>
-                <a:latin typeface="+mn-lt"/>
-                <a:ea typeface="+mn-ea"/>
-                <a:cs typeface="+mn-cs"/>
-              </a:rPr>
-              <a:t>Eda</a:t>
-            </a:r>
-            <a:r>
-              <a:rPr lang="zh-CN" altLang="en-US" sz="1200" b="0" kern="1200" dirty="0">
-                <a:solidFill>
-                  <a:schemeClr val="tx1"/>
-                </a:solidFill>
-                <a:effectLst/>
-                <a:latin typeface="+mn-lt"/>
-                <a:ea typeface="+mn-ea"/>
-                <a:cs typeface="+mn-cs"/>
-              </a:rPr>
-              <a:t>对地图的探索中，用一些精妙的机关帮助玩家切换思维获得充足的放松。并通过引入笨笨的</a:t>
-            </a:r>
-            <a:r>
-              <a:rPr lang="en-US" altLang="zh-CN" sz="1200" b="0" kern="1200" dirty="0">
-                <a:solidFill>
-                  <a:schemeClr val="tx1"/>
-                </a:solidFill>
-                <a:effectLst/>
-                <a:latin typeface="+mn-lt"/>
-                <a:ea typeface="+mn-ea"/>
-                <a:cs typeface="+mn-cs"/>
-              </a:rPr>
-              <a:t>Seed</a:t>
-            </a:r>
-            <a:r>
-              <a:rPr lang="zh-CN" altLang="en-US" sz="1200" b="0" kern="1200" dirty="0">
-                <a:solidFill>
-                  <a:schemeClr val="tx1"/>
-                </a:solidFill>
-                <a:effectLst/>
-                <a:latin typeface="+mn-lt"/>
-                <a:ea typeface="+mn-ea"/>
-                <a:cs typeface="+mn-cs"/>
-              </a:rPr>
-              <a:t>将游戏的解密难度进行提升，对玩家的脑洞进一步进行开发。</a:t>
-            </a:r>
-            <a:endParaRPr lang="en-US" altLang="zh-CN" sz="1200" b="0" kern="1200" dirty="0">
-              <a:solidFill>
-                <a:schemeClr val="tx1"/>
-              </a:solidFill>
-              <a:effectLst/>
-              <a:latin typeface="+mn-lt"/>
-              <a:ea typeface="+mn-ea"/>
-              <a:cs typeface="+mn-cs"/>
-            </a:endParaRPr>
-          </a:p>
-          <a:p>
-            <a:pPr marL="0" marR="0" lvl="0" indent="0" algn="l" defTabSz="914400" rtl="0" eaLnBrk="1" fontAlgn="auto" latinLnBrk="0" hangingPunct="1">
-              <a:lnSpc>
-                <a:spcPct val="100000"/>
-              </a:lnSpc>
-              <a:spcBef>
-                <a:spcPts val="0"/>
-              </a:spcBef>
-              <a:spcAft>
-                <a:spcPts val="0"/>
-              </a:spcAft>
-              <a:buClrTx/>
-              <a:buSzTx/>
-              <a:buFontTx/>
-              <a:buNone/>
-              <a:tabLst/>
-              <a:defRPr/>
-            </a:pPr>
-            <a:endParaRPr lang="en-US" altLang="zh-CN" sz="1200" b="0" kern="1200" dirty="0">
-              <a:solidFill>
-                <a:schemeClr val="tx1"/>
-              </a:solidFill>
-              <a:effectLst/>
-              <a:latin typeface="+mn-lt"/>
-              <a:ea typeface="+mn-ea"/>
-              <a:cs typeface="+mn-cs"/>
-            </a:endParaRPr>
-          </a:p>
-          <a:p>
-            <a:pPr marL="0" marR="0" lvl="0" indent="0" algn="l" defTabSz="914400" rtl="0" eaLnBrk="1" fontAlgn="auto" latinLnBrk="0" hangingPunct="1">
-              <a:lnSpc>
-                <a:spcPct val="100000"/>
-              </a:lnSpc>
-              <a:spcBef>
-                <a:spcPts val="0"/>
-              </a:spcBef>
-              <a:spcAft>
-                <a:spcPts val="0"/>
-              </a:spcAft>
-              <a:buClrTx/>
-              <a:buSzTx/>
-              <a:buFontTx/>
-              <a:buNone/>
-              <a:tabLst/>
-              <a:defRPr/>
-            </a:pPr>
-            <a:r>
-              <a:rPr lang="zh-CN" altLang="en-US" sz="1200" b="0" kern="1200" dirty="0">
-                <a:solidFill>
-                  <a:schemeClr val="tx1"/>
-                </a:solidFill>
-                <a:effectLst/>
-                <a:latin typeface="+mn-lt"/>
-                <a:ea typeface="+mn-ea"/>
-                <a:cs typeface="+mn-cs"/>
-              </a:rPr>
-              <a:t>总的来说，游戏的整体画风采用</a:t>
-            </a:r>
-            <a:r>
-              <a:rPr lang="en-US" altLang="zh-CN" sz="1200" b="0" kern="1200" dirty="0">
-                <a:solidFill>
-                  <a:schemeClr val="tx1"/>
-                </a:solidFill>
-                <a:effectLst/>
-                <a:latin typeface="+mn-lt"/>
-                <a:ea typeface="+mn-ea"/>
-                <a:cs typeface="+mn-cs"/>
-              </a:rPr>
-              <a:t>Low-Poly </a:t>
-            </a:r>
-            <a:r>
-              <a:rPr lang="zh-CN" altLang="en-US" sz="1200" b="0" kern="1200" dirty="0">
-                <a:solidFill>
-                  <a:schemeClr val="tx1"/>
-                </a:solidFill>
-                <a:effectLst/>
-                <a:latin typeface="+mn-lt"/>
-                <a:ea typeface="+mn-ea"/>
-                <a:cs typeface="+mn-cs"/>
-              </a:rPr>
-              <a:t>风格，适合玩家在休憩时释放压力，放松心情。而且游戏的解密要素与探索要素能够活跃玩家的思维，让玩家在轻松愉悦的节奏中舒缓日常生活中的压力。而且本项目中设置了多个存盘点，方便玩家在零碎的时间内进行简单的放松。这便大大提高了本款游戏对休闲玩家的贴合程度。</a:t>
-            </a:r>
-            <a:endParaRPr lang="en-US" altLang="zh-CN" sz="1200" b="0" kern="1200" dirty="0">
-              <a:solidFill>
-                <a:schemeClr val="tx1"/>
-              </a:solidFill>
-              <a:effectLst/>
-              <a:latin typeface="+mn-lt"/>
-              <a:ea typeface="+mn-ea"/>
-              <a:cs typeface="+mn-cs"/>
-            </a:endParaRPr>
-          </a:p>
-          <a:p>
-            <a:pPr marL="0" marR="0" lvl="0" indent="0" algn="l" defTabSz="914400" rtl="0" eaLnBrk="1" fontAlgn="auto" latinLnBrk="0" hangingPunct="1">
-              <a:lnSpc>
-                <a:spcPct val="100000"/>
-              </a:lnSpc>
-              <a:spcBef>
-                <a:spcPts val="0"/>
-              </a:spcBef>
-              <a:spcAft>
-                <a:spcPts val="0"/>
-              </a:spcAft>
-              <a:buClrTx/>
-              <a:buSzTx/>
-              <a:buFontTx/>
-              <a:buNone/>
-              <a:tabLst/>
-              <a:defRPr/>
-            </a:pPr>
-            <a:endParaRPr lang="en-US" altLang="zh-CN" sz="1200" b="0" kern="1200" dirty="0">
-              <a:solidFill>
-                <a:schemeClr val="tx1"/>
-              </a:solidFill>
-              <a:effectLst/>
-              <a:latin typeface="+mn-lt"/>
-              <a:ea typeface="+mn-ea"/>
-              <a:cs typeface="+mn-cs"/>
-            </a:endParaRPr>
-          </a:p>
-          <a:p>
-            <a:pPr marL="0" marR="0" lvl="0" indent="0" algn="l" defTabSz="914400" rtl="0" eaLnBrk="1" fontAlgn="auto" latinLnBrk="0" hangingPunct="1">
-              <a:lnSpc>
-                <a:spcPct val="100000"/>
-              </a:lnSpc>
-              <a:spcBef>
-                <a:spcPts val="0"/>
-              </a:spcBef>
-              <a:spcAft>
-                <a:spcPts val="0"/>
-              </a:spcAft>
-              <a:buClrTx/>
-              <a:buSzTx/>
-              <a:buFontTx/>
-              <a:buNone/>
-              <a:tabLst/>
-              <a:defRPr/>
-            </a:pPr>
-            <a:r>
-              <a:rPr lang="zh-CN" altLang="en-US" sz="1200" b="0" kern="1200" dirty="0">
-                <a:solidFill>
-                  <a:schemeClr val="tx1"/>
-                </a:solidFill>
-                <a:effectLst/>
-                <a:latin typeface="+mn-lt"/>
-                <a:ea typeface="+mn-ea"/>
-                <a:cs typeface="+mn-cs"/>
-              </a:rPr>
-              <a:t>本款游戏的创新点主要表现在游戏创意的新颖，和操作方式的灵活。</a:t>
-            </a:r>
-          </a:p>
-        </p:txBody>
-      </p:sp>
-      <p:sp>
-        <p:nvSpPr>
-          <p:cNvPr id="4" name="灯片编号占位符 3"/>
-          <p:cNvSpPr>
-            <a:spLocks noGrp="1"/>
-          </p:cNvSpPr>
-          <p:nvPr>
-            <p:ph type="sldNum" sz="quarter" idx="10"/>
-          </p:nvPr>
-        </p:nvSpPr>
-        <p:spPr/>
-        <p:txBody>
-          <a:bodyPr/>
-          <a:lstStyle/>
-          <a:p>
-            <a:fld id="{85952953-4931-4294-84E4-D4C8E0E07B6B}" type="slidenum">
-              <a:rPr lang="zh-CN" altLang="en-US" smtClean="0"/>
-              <a:t>11</a:t>
-            </a:fld>
-            <a:endParaRPr lang="zh-CN" altLang="en-US"/>
-          </a:p>
-        </p:txBody>
-      </p:sp>
-    </p:spTree>
-    <p:extLst>
-      <p:ext uri="{BB962C8B-B14F-4D97-AF65-F5344CB8AC3E}">
-        <p14:creationId xmlns:p14="http://schemas.microsoft.com/office/powerpoint/2010/main" val="1512823724"/>
-      </p:ext>
-    </p:extLst>
-  </p:cSld>
-  <p:clrMapOvr>
-    <a:masterClrMapping/>
-  </p:clrMapOvr>
-</p:notes>
-</file>
-
-<file path=ppt/notesSlides/notesSlide9.xml><?xml version="1.0" encoding="utf-8"?>
-<p:notes xmlns:a="http://schemas.openxmlformats.org/drawingml/2006/main" xmlns:r="http://schemas.openxmlformats.org/officeDocument/2006/relationships" xmlns:p="http://schemas.openxmlformats.org/presentationml/2006/main">
-  <p:cSld>
-    <p:spTree>
-      <p:nvGrpSpPr>
-        <p:cNvPr id="1" name=""/>
-        <p:cNvGrpSpPr/>
-        <p:nvPr/>
-      </p:nvGrpSpPr>
-      <p:grpSpPr>
-        <a:xfrm>
-          <a:off x="0" y="0"/>
-          <a:ext cx="0" cy="0"/>
-          <a:chOff x="0" y="0"/>
-          <a:chExt cx="0" cy="0"/>
-        </a:xfrm>
-      </p:grpSpPr>
-      <p:sp>
-        <p:nvSpPr>
-          <p:cNvPr id="2" name="幻灯片图像占位符 1"/>
-          <p:cNvSpPr>
-            <a:spLocks noGrp="1" noRot="1" noChangeAspect="1"/>
-          </p:cNvSpPr>
-          <p:nvPr>
-            <p:ph type="sldImg"/>
-          </p:nvPr>
-        </p:nvSpPr>
-        <p:spPr/>
-      </p:sp>
-      <p:sp>
-        <p:nvSpPr>
-          <p:cNvPr id="3" name="备注占位符 2"/>
-          <p:cNvSpPr>
-            <a:spLocks noGrp="1"/>
-          </p:cNvSpPr>
-          <p:nvPr>
-            <p:ph type="body" idx="1"/>
-          </p:nvPr>
-        </p:nvSpPr>
-        <p:spPr/>
-        <p:txBody>
-          <a:bodyPr/>
-          <a:lstStyle/>
-          <a:p>
-            <a:endParaRPr lang="zh-CN" altLang="en-US" dirty="0"/>
-          </a:p>
-        </p:txBody>
-      </p:sp>
-      <p:sp>
-        <p:nvSpPr>
-          <p:cNvPr id="4" name="灯片编号占位符 3"/>
-          <p:cNvSpPr>
-            <a:spLocks noGrp="1"/>
-          </p:cNvSpPr>
-          <p:nvPr>
-            <p:ph type="sldNum" sz="quarter" idx="10"/>
-          </p:nvPr>
-        </p:nvSpPr>
-        <p:spPr/>
-        <p:txBody>
-          <a:bodyPr/>
-          <a:lstStyle/>
-          <a:p>
-            <a:fld id="{85952953-4931-4294-84E4-D4C8E0E07B6B}" type="slidenum">
-              <a:rPr lang="zh-CN" altLang="en-US" smtClean="0"/>
-              <a:t>12</a:t>
-            </a:fld>
-            <a:endParaRPr lang="zh-CN" altLang="en-US"/>
-          </a:p>
-        </p:txBody>
-      </p:sp>
-    </p:spTree>
-    <p:extLst>
-      <p:ext uri="{BB962C8B-B14F-4D97-AF65-F5344CB8AC3E}">
-        <p14:creationId xmlns:p14="http://schemas.microsoft.com/office/powerpoint/2010/main" val="712858840"/>
+        <p14:creationId xmlns:p14="http://schemas.microsoft.com/office/powerpoint/2010/main" val="2071885863"/>
       </p:ext>
     </p:extLst>
   </p:cSld>
@@ -5020,928 +4192,6 @@
 </p:sld>
 </file>
 
-<file path=ppt/slides/slide10.xml><?xml version="1.0" encoding="utf-8"?>
-<p:sld xmlns:a="http://schemas.openxmlformats.org/drawingml/2006/main" xmlns:r="http://schemas.openxmlformats.org/officeDocument/2006/relationships" xmlns:p="http://schemas.openxmlformats.org/presentationml/2006/main" show="0">
-  <p:cSld>
-    <p:spTree>
-      <p:nvGrpSpPr>
-        <p:cNvPr id="1" name=""/>
-        <p:cNvGrpSpPr/>
-        <p:nvPr/>
-      </p:nvGrpSpPr>
-      <p:grpSpPr>
-        <a:xfrm>
-          <a:off x="0" y="0"/>
-          <a:ext cx="0" cy="0"/>
-          <a:chOff x="0" y="0"/>
-          <a:chExt cx="0" cy="0"/>
-        </a:xfrm>
-      </p:grpSpPr>
-      <p:sp>
-        <p:nvSpPr>
-          <p:cNvPr id="2" name="标题 1"/>
-          <p:cNvSpPr>
-            <a:spLocks noGrp="1"/>
-          </p:cNvSpPr>
-          <p:nvPr>
-            <p:ph type="title"/>
-          </p:nvPr>
-        </p:nvSpPr>
-        <p:spPr/>
-        <p:txBody>
-          <a:bodyPr/>
-          <a:lstStyle/>
-          <a:p>
-            <a:r>
-              <a:rPr lang="zh-CN" altLang="en-US" dirty="0"/>
-              <a:t>游戏介绍</a:t>
-            </a:r>
-            <a:r>
-              <a:rPr lang="en-US" altLang="zh-CN" dirty="0"/>
-              <a:t>——Demo</a:t>
-            </a:r>
-            <a:r>
-              <a:rPr lang="zh-CN" altLang="en-US" dirty="0"/>
-              <a:t>演示</a:t>
-            </a:r>
-          </a:p>
-        </p:txBody>
-      </p:sp>
-      <p:sp>
-        <p:nvSpPr>
-          <p:cNvPr id="3" name="内容占位符 2"/>
-          <p:cNvSpPr>
-            <a:spLocks noGrp="1"/>
-          </p:cNvSpPr>
-          <p:nvPr>
-            <p:ph idx="1"/>
-          </p:nvPr>
-        </p:nvSpPr>
-        <p:spPr/>
-        <p:txBody>
-          <a:bodyPr/>
-          <a:lstStyle/>
-          <a:p>
-            <a:endParaRPr lang="zh-CN" altLang="en-US" dirty="0"/>
-          </a:p>
-        </p:txBody>
-      </p:sp>
-    </p:spTree>
-    <p:extLst>
-      <p:ext uri="{BB962C8B-B14F-4D97-AF65-F5344CB8AC3E}">
-        <p14:creationId xmlns:p14="http://schemas.microsoft.com/office/powerpoint/2010/main" val="101502592"/>
-      </p:ext>
-    </p:extLst>
-  </p:cSld>
-  <p:clrMapOvr>
-    <a:masterClrMapping/>
-  </p:clrMapOvr>
-</p:sld>
-</file>
-
-<file path=ppt/slides/slide11.xml><?xml version="1.0" encoding="utf-8"?>
-<p:sld xmlns:a="http://schemas.openxmlformats.org/drawingml/2006/main" xmlns:r="http://schemas.openxmlformats.org/officeDocument/2006/relationships" xmlns:p="http://schemas.openxmlformats.org/presentationml/2006/main" show="0">
-  <p:cSld>
-    <p:spTree>
-      <p:nvGrpSpPr>
-        <p:cNvPr id="1" name=""/>
-        <p:cNvGrpSpPr/>
-        <p:nvPr/>
-      </p:nvGrpSpPr>
-      <p:grpSpPr>
-        <a:xfrm>
-          <a:off x="0" y="0"/>
-          <a:ext cx="0" cy="0"/>
-          <a:chOff x="0" y="0"/>
-          <a:chExt cx="0" cy="0"/>
-        </a:xfrm>
-      </p:grpSpPr>
-      <p:sp>
-        <p:nvSpPr>
-          <p:cNvPr id="2" name="标题 1"/>
-          <p:cNvSpPr>
-            <a:spLocks noGrp="1"/>
-          </p:cNvSpPr>
-          <p:nvPr>
-            <p:ph type="title"/>
-          </p:nvPr>
-        </p:nvSpPr>
-        <p:spPr/>
-        <p:txBody>
-          <a:bodyPr/>
-          <a:lstStyle/>
-          <a:p>
-            <a:r>
-              <a:rPr lang="zh-CN" altLang="en-US" dirty="0"/>
-              <a:t>游戏可行性分析</a:t>
-            </a:r>
-          </a:p>
-        </p:txBody>
-      </p:sp>
-      <p:sp>
-        <p:nvSpPr>
-          <p:cNvPr id="3" name="内容占位符 2"/>
-          <p:cNvSpPr>
-            <a:spLocks noGrp="1"/>
-          </p:cNvSpPr>
-          <p:nvPr>
-            <p:ph idx="1"/>
-          </p:nvPr>
-        </p:nvSpPr>
-        <p:spPr/>
-        <p:txBody>
-          <a:bodyPr/>
-          <a:lstStyle/>
-          <a:p>
-            <a:pPr marL="0" indent="0">
-              <a:buNone/>
-            </a:pPr>
-            <a:endParaRPr lang="en-US" altLang="zh-CN" dirty="0"/>
-          </a:p>
-          <a:p>
-            <a:r>
-              <a:rPr lang="zh-CN" altLang="en-US" dirty="0"/>
-              <a:t>受众分析</a:t>
-            </a:r>
-            <a:endParaRPr lang="en-US" altLang="zh-CN" dirty="0"/>
-          </a:p>
-          <a:p>
-            <a:endParaRPr lang="en-US" altLang="zh-CN" dirty="0"/>
-          </a:p>
-          <a:p>
-            <a:r>
-              <a:rPr lang="zh-CN" altLang="en-US" dirty="0"/>
-              <a:t>贴合型分析</a:t>
-            </a:r>
-            <a:endParaRPr lang="en-US" altLang="zh-CN" dirty="0"/>
-          </a:p>
-          <a:p>
-            <a:endParaRPr lang="en-US" altLang="zh-CN" dirty="0"/>
-          </a:p>
-          <a:p>
-            <a:r>
-              <a:rPr lang="zh-CN" altLang="en-US" dirty="0"/>
-              <a:t>创新点</a:t>
-            </a:r>
-            <a:endParaRPr lang="en-US" altLang="zh-CN" dirty="0"/>
-          </a:p>
-          <a:p>
-            <a:endParaRPr lang="en-US" altLang="zh-CN" dirty="0"/>
-          </a:p>
-        </p:txBody>
-      </p:sp>
-    </p:spTree>
-    <p:extLst>
-      <p:ext uri="{BB962C8B-B14F-4D97-AF65-F5344CB8AC3E}">
-        <p14:creationId xmlns:p14="http://schemas.microsoft.com/office/powerpoint/2010/main" val="3808054890"/>
-      </p:ext>
-    </p:extLst>
-  </p:cSld>
-  <p:clrMapOvr>
-    <a:masterClrMapping/>
-  </p:clrMapOvr>
-</p:sld>
-</file>
-
-<file path=ppt/slides/slide12.xml><?xml version="1.0" encoding="utf-8"?>
-<p:sld xmlns:a="http://schemas.openxmlformats.org/drawingml/2006/main" xmlns:r="http://schemas.openxmlformats.org/officeDocument/2006/relationships" xmlns:p="http://schemas.openxmlformats.org/presentationml/2006/main" show="0">
-  <p:cSld>
-    <p:spTree>
-      <p:nvGrpSpPr>
-        <p:cNvPr id="1" name=""/>
-        <p:cNvGrpSpPr/>
-        <p:nvPr/>
-      </p:nvGrpSpPr>
-      <p:grpSpPr>
-        <a:xfrm>
-          <a:off x="0" y="0"/>
-          <a:ext cx="0" cy="0"/>
-          <a:chOff x="0" y="0"/>
-          <a:chExt cx="0" cy="0"/>
-        </a:xfrm>
-      </p:grpSpPr>
-      <p:sp>
-        <p:nvSpPr>
-          <p:cNvPr id="2" name="标题 1"/>
-          <p:cNvSpPr>
-            <a:spLocks noGrp="1"/>
-          </p:cNvSpPr>
-          <p:nvPr>
-            <p:ph type="title"/>
-          </p:nvPr>
-        </p:nvSpPr>
-        <p:spPr/>
-        <p:txBody>
-          <a:bodyPr/>
-          <a:lstStyle/>
-          <a:p>
-            <a:r>
-              <a:rPr lang="zh-CN" altLang="en-US" dirty="0"/>
-              <a:t>市场推广</a:t>
-            </a:r>
-          </a:p>
-        </p:txBody>
-      </p:sp>
-      <p:sp>
-        <p:nvSpPr>
-          <p:cNvPr id="3" name="内容占位符 2"/>
-          <p:cNvSpPr>
-            <a:spLocks noGrp="1"/>
-          </p:cNvSpPr>
-          <p:nvPr>
-            <p:ph idx="1"/>
-          </p:nvPr>
-        </p:nvSpPr>
-        <p:spPr/>
-        <p:txBody>
-          <a:bodyPr/>
-          <a:lstStyle/>
-          <a:p>
-            <a:r>
-              <a:rPr lang="zh-CN" altLang="en-US" dirty="0"/>
-              <a:t>我们项目的推广准备首先推出手游平台</a:t>
-            </a:r>
-            <a:r>
-              <a:rPr lang="en-US" altLang="zh-CN" dirty="0"/>
-              <a:t>,</a:t>
-            </a:r>
-            <a:r>
-              <a:rPr lang="zh-CN" altLang="en-US" dirty="0"/>
-              <a:t>利用手机的普及型与便携性迅速打开市场</a:t>
-            </a:r>
-            <a:endParaRPr lang="en-US" altLang="zh-CN" dirty="0"/>
-          </a:p>
-          <a:p>
-            <a:endParaRPr lang="en-US" altLang="zh-CN" dirty="0"/>
-          </a:p>
-          <a:p>
-            <a:r>
-              <a:rPr lang="zh-CN" altLang="en-US" dirty="0"/>
-              <a:t>在一线游戏媒体进行宣传投放</a:t>
-            </a:r>
-            <a:endParaRPr lang="en-US" altLang="zh-CN" dirty="0"/>
-          </a:p>
-          <a:p>
-            <a:endParaRPr lang="en-US" altLang="zh-CN" dirty="0"/>
-          </a:p>
-          <a:p>
-            <a:r>
-              <a:rPr lang="zh-CN" altLang="en-US" dirty="0"/>
-              <a:t>通过微信微博平台进行宣传</a:t>
-            </a:r>
-          </a:p>
-          <a:p>
-            <a:pPr marL="0" indent="0">
-              <a:buNone/>
-            </a:pPr>
-            <a:br>
-              <a:rPr lang="zh-CN" altLang="en-US" dirty="0"/>
-            </a:br>
-            <a:endParaRPr lang="zh-CN" altLang="en-US" dirty="0"/>
-          </a:p>
-          <a:p>
-            <a:endParaRPr lang="zh-CN" altLang="en-US" dirty="0"/>
-          </a:p>
-        </p:txBody>
-      </p:sp>
-    </p:spTree>
-    <p:extLst>
-      <p:ext uri="{BB962C8B-B14F-4D97-AF65-F5344CB8AC3E}">
-        <p14:creationId xmlns:p14="http://schemas.microsoft.com/office/powerpoint/2010/main" val="2948610756"/>
-      </p:ext>
-    </p:extLst>
-  </p:cSld>
-  <p:clrMapOvr>
-    <a:masterClrMapping/>
-  </p:clrMapOvr>
-</p:sld>
-</file>
-
-<file path=ppt/slides/slide13.xml><?xml version="1.0" encoding="utf-8"?>
-<p:sld xmlns:a="http://schemas.openxmlformats.org/drawingml/2006/main" xmlns:r="http://schemas.openxmlformats.org/officeDocument/2006/relationships" xmlns:p="http://schemas.openxmlformats.org/presentationml/2006/main">
-  <p:cSld>
-    <p:spTree>
-      <p:nvGrpSpPr>
-        <p:cNvPr id="1" name=""/>
-        <p:cNvGrpSpPr/>
-        <p:nvPr/>
-      </p:nvGrpSpPr>
-      <p:grpSpPr>
-        <a:xfrm>
-          <a:off x="0" y="0"/>
-          <a:ext cx="0" cy="0"/>
-          <a:chOff x="0" y="0"/>
-          <a:chExt cx="0" cy="0"/>
-        </a:xfrm>
-      </p:grpSpPr>
-      <p:sp>
-        <p:nvSpPr>
-          <p:cNvPr id="15" name="Rectangle 14"/>
-          <p:cNvSpPr>
-            <a:spLocks noGrp="1" noRot="1" noChangeAspect="1" noMove="1" noResize="1" noEditPoints="1" noAdjustHandles="1" noChangeArrowheads="1" noChangeShapeType="1" noTextEdit="1"/>
-          </p:cNvSpPr>
-          <p:nvPr>
-            <p:extLst>
-              <p:ext uri="{386F3935-93C4-4BCD-93E2-E3B085C9AB24}">
-                <p16:designElem xmlns:p16="http://schemas.microsoft.com/office/powerpoint/2015/main" val="1"/>
-              </p:ext>
-            </p:extLst>
-          </p:nvPr>
-        </p:nvSpPr>
-        <p:spPr bwMode="ltGray">
-          <a:xfrm>
-            <a:off x="321564" y="320040"/>
-            <a:ext cx="11548872" cy="6217920"/>
-          </a:xfrm>
-          <a:prstGeom prst="rect">
-            <a:avLst/>
-          </a:prstGeom>
-          <a:solidFill>
-            <a:schemeClr val="tx1">
-              <a:alpha val="8000"/>
-            </a:schemeClr>
-          </a:solidFill>
-          <a:ln w="127000" cap="sq" cmpd="thinThick">
-            <a:noFill/>
-          </a:ln>
-        </p:spPr>
-        <p:style>
-          <a:lnRef idx="2">
-            <a:schemeClr val="accent1">
-              <a:shade val="50000"/>
-            </a:schemeClr>
-          </a:lnRef>
-          <a:fillRef idx="1">
-            <a:schemeClr val="accent1"/>
-          </a:fillRef>
-          <a:effectRef idx="0">
-            <a:schemeClr val="accent1"/>
-          </a:effectRef>
-          <a:fontRef idx="minor">
-            <a:schemeClr val="lt1"/>
-          </a:fontRef>
-        </p:style>
-        <p:txBody>
-          <a:bodyPr rtlCol="0" anchor="ctr"/>
-          <a:lstStyle/>
-          <a:p>
-            <a:pPr algn="ctr"/>
-            <a:endParaRPr lang="en-US"/>
-          </a:p>
-        </p:txBody>
-      </p:sp>
-      <p:cxnSp>
-        <p:nvCxnSpPr>
-          <p:cNvPr id="17" name="Straight Connector 16"/>
-          <p:cNvCxnSpPr>
-            <a:cxnSpLocks noGrp="1" noRot="1" noChangeAspect="1" noMove="1" noResize="1" noEditPoints="1" noAdjustHandles="1" noChangeArrowheads="1" noChangeShapeType="1"/>
-          </p:cNvCxnSpPr>
-          <p:nvPr>
-            <p:extLst>
-              <p:ext uri="{386F3935-93C4-4BCD-93E2-E3B085C9AB24}">
-                <p16:designElem xmlns:p16="http://schemas.microsoft.com/office/powerpoint/2015/main" val="1"/>
-              </p:ext>
-            </p:extLst>
-          </p:nvPr>
-        </p:nvCxnSpPr>
-        <p:spPr>
-          <a:xfrm>
-            <a:off x="4654296" y="2057400"/>
-            <a:ext cx="0" cy="2743200"/>
-          </a:xfrm>
-          <a:prstGeom prst="line">
-            <a:avLst/>
-          </a:prstGeom>
-          <a:ln w="19050">
-            <a:solidFill>
-              <a:schemeClr val="tx1">
-                <a:lumMod val="85000"/>
-                <a:lumOff val="15000"/>
-              </a:schemeClr>
-            </a:solidFill>
-          </a:ln>
-        </p:spPr>
-        <p:style>
-          <a:lnRef idx="1">
-            <a:schemeClr val="accent1"/>
-          </a:lnRef>
-          <a:fillRef idx="0">
-            <a:schemeClr val="accent1"/>
-          </a:fillRef>
-          <a:effectRef idx="0">
-            <a:schemeClr val="accent1"/>
-          </a:effectRef>
-          <a:fontRef idx="minor">
-            <a:schemeClr val="tx1"/>
-          </a:fontRef>
-        </p:style>
-      </p:cxnSp>
-      <p:sp>
-        <p:nvSpPr>
-          <p:cNvPr id="3" name="内容占位符 2"/>
-          <p:cNvSpPr>
-            <a:spLocks noGrp="1"/>
-          </p:cNvSpPr>
-          <p:nvPr>
-            <p:ph idx="1"/>
-          </p:nvPr>
-        </p:nvSpPr>
-        <p:spPr>
-          <a:xfrm>
-            <a:off x="4654296" y="1036320"/>
-            <a:ext cx="6785864" cy="5501639"/>
-          </a:xfrm>
-        </p:spPr>
-        <p:txBody>
-          <a:bodyPr anchor="ctr">
-            <a:normAutofit/>
-          </a:bodyPr>
-          <a:lstStyle/>
-          <a:p>
-            <a:r>
-              <a:rPr lang="zh-CN" altLang="zh-CN" sz="2400" dirty="0"/>
-              <a:t>总的来说，我们的项目是一款独立游戏。我们想借助游戏这一平台去实现我们对于未来世界的畅想。我们的游戏理念是打破人们的固有思维，挣脱重力方向的束缚，改变观察世界的角度，以极大的自由度去探索这个世界。正如那句“而世之奇伟瑰怪非常之观，常在于险远而人之所罕至焉，故非有志者不能至也</a:t>
-            </a:r>
-            <a:r>
-              <a:rPr lang="en-US" altLang="zh-CN" sz="2400" dirty="0"/>
-              <a:t>”</a:t>
-            </a:r>
-            <a:r>
-              <a:rPr lang="zh-CN" altLang="zh-CN" sz="2400" dirty="0"/>
-              <a:t>所说的那样，世间最美丽的风景多在于难以到达的地方。然而由于物理世界的束缚，我们只能在险阻前望而却步向世界妥协。于是，我们赋予了</a:t>
-            </a:r>
-            <a:r>
-              <a:rPr lang="zh-CN" altLang="en-US" sz="2400" dirty="0"/>
-              <a:t>主角</a:t>
-            </a:r>
-            <a:r>
-              <a:rPr lang="zh-CN" altLang="zh-CN" sz="2400" dirty="0"/>
-              <a:t>改变重力方向这一特殊能力，让我们得以自由得探索世界。</a:t>
-            </a:r>
-          </a:p>
-          <a:p>
-            <a:endParaRPr lang="zh-CN" altLang="en-US" sz="2400" dirty="0"/>
-          </a:p>
-        </p:txBody>
-      </p:sp>
-      <p:pic>
-        <p:nvPicPr>
-          <p:cNvPr id="7" name="图片 6"/>
-          <p:cNvPicPr>
-            <a:picLocks noChangeAspect="1"/>
-          </p:cNvPicPr>
-          <p:nvPr/>
-        </p:nvPicPr>
-        <p:blipFill>
-          <a:blip r:embed="rId2">
-            <a:extLst>
-              <a:ext uri="{28A0092B-C50C-407E-A947-70E740481C1C}">
-                <a14:useLocalDpi xmlns:a14="http://schemas.microsoft.com/office/drawing/2010/main" val="0"/>
-              </a:ext>
-            </a:extLst>
-          </a:blip>
-          <a:stretch>
-            <a:fillRect/>
-          </a:stretch>
-        </p:blipFill>
-        <p:spPr>
-          <a:xfrm>
-            <a:off x="1160250" y="963877"/>
-            <a:ext cx="2333625" cy="5105400"/>
-          </a:xfrm>
-          <a:prstGeom prst="rect">
-            <a:avLst/>
-          </a:prstGeom>
-        </p:spPr>
-      </p:pic>
-    </p:spTree>
-    <p:extLst>
-      <p:ext uri="{BB962C8B-B14F-4D97-AF65-F5344CB8AC3E}">
-        <p14:creationId xmlns:p14="http://schemas.microsoft.com/office/powerpoint/2010/main" val="2604144851"/>
-      </p:ext>
-    </p:extLst>
-  </p:cSld>
-  <p:clrMapOvr>
-    <a:masterClrMapping/>
-  </p:clrMapOvr>
-</p:sld>
-</file>
-
-<file path=ppt/slides/slide14.xml><?xml version="1.0" encoding="utf-8"?>
-<p:sld xmlns:a="http://schemas.openxmlformats.org/drawingml/2006/main" xmlns:r="http://schemas.openxmlformats.org/officeDocument/2006/relationships" xmlns:p="http://schemas.openxmlformats.org/presentationml/2006/main">
-  <p:cSld>
-    <p:spTree>
-      <p:nvGrpSpPr>
-        <p:cNvPr id="1" name=""/>
-        <p:cNvGrpSpPr/>
-        <p:nvPr/>
-      </p:nvGrpSpPr>
-      <p:grpSpPr>
-        <a:xfrm>
-          <a:off x="0" y="0"/>
-          <a:ext cx="0" cy="0"/>
-          <a:chOff x="0" y="0"/>
-          <a:chExt cx="0" cy="0"/>
-        </a:xfrm>
-      </p:grpSpPr>
-      <p:pic>
-        <p:nvPicPr>
-          <p:cNvPr id="5" name="图片 4"/>
-          <p:cNvPicPr>
-            <a:picLocks noChangeAspect="1"/>
-          </p:cNvPicPr>
-          <p:nvPr/>
-        </p:nvPicPr>
-        <p:blipFill rotWithShape="1">
-          <a:blip r:embed="rId2">
-            <a:extLst>
-              <a:ext uri="{28A0092B-C50C-407E-A947-70E740481C1C}">
-                <a14:useLocalDpi xmlns:a14="http://schemas.microsoft.com/office/drawing/2010/main" val="0"/>
-              </a:ext>
-            </a:extLst>
-          </a:blip>
-          <a:srcRect l="25891" r="12159"/>
-          <a:stretch/>
-        </p:blipFill>
-        <p:spPr>
-          <a:xfrm>
-            <a:off x="4639056" y="10"/>
-            <a:ext cx="7552944" cy="6857990"/>
-          </a:xfrm>
-          <a:prstGeom prst="rect">
-            <a:avLst/>
-          </a:prstGeom>
-          <a:effectLst/>
-        </p:spPr>
-      </p:pic>
-      <p:sp>
-        <p:nvSpPr>
-          <p:cNvPr id="3" name="内容占位符 2"/>
-          <p:cNvSpPr>
-            <a:spLocks noGrp="1"/>
-          </p:cNvSpPr>
-          <p:nvPr>
-            <p:ph idx="1"/>
-          </p:nvPr>
-        </p:nvSpPr>
-        <p:spPr>
-          <a:xfrm>
-            <a:off x="497841" y="1566775"/>
-            <a:ext cx="3863516" cy="3724459"/>
-          </a:xfrm>
-        </p:spPr>
-        <p:txBody>
-          <a:bodyPr>
-            <a:normAutofit/>
-          </a:bodyPr>
-          <a:lstStyle/>
-          <a:p>
-            <a:r>
-              <a:rPr lang="zh-CN" altLang="zh-CN" sz="2400" dirty="0"/>
-              <a:t>然而，有些自然法则却是无法改变的，比如生命，比如时间。每一次重力的翻转，对不同的生命来说，可能意味着不同的结果。也许，</a:t>
-            </a:r>
-            <a:r>
-              <a:rPr lang="zh-CN" altLang="en-US" sz="2400" dirty="0"/>
-              <a:t>主角</a:t>
-            </a:r>
-            <a:r>
-              <a:rPr lang="zh-CN" altLang="zh-CN" sz="2400" dirty="0"/>
-              <a:t>和</a:t>
-            </a:r>
-            <a:r>
-              <a:rPr lang="zh-CN" altLang="en-US" sz="2400" dirty="0"/>
-              <a:t>种子君</a:t>
-            </a:r>
-            <a:r>
-              <a:rPr lang="zh-CN" altLang="zh-CN" sz="2400" dirty="0"/>
-              <a:t>可以顺利的跨过障碍，但是世界里的其他生物却要因此而失去性命。这也许是对</a:t>
-            </a:r>
-            <a:r>
-              <a:rPr lang="en-US" altLang="zh-CN" sz="2400" dirty="0"/>
-              <a:t>“</a:t>
-            </a:r>
-            <a:r>
-              <a:rPr lang="zh-CN" altLang="zh-CN" sz="2400" dirty="0"/>
-              <a:t>鱼和熊掌，不可得兼也</a:t>
-            </a:r>
-            <a:r>
-              <a:rPr lang="en-US" altLang="zh-CN" sz="2400" dirty="0"/>
-              <a:t>”</a:t>
-            </a:r>
-            <a:r>
-              <a:rPr lang="zh-CN" altLang="zh-CN" sz="2400" dirty="0"/>
-              <a:t>最好的诠释了吧。</a:t>
-            </a:r>
-          </a:p>
-          <a:p>
-            <a:endParaRPr lang="zh-CN" altLang="en-US" sz="2400" dirty="0"/>
-          </a:p>
-          <a:p>
-            <a:endParaRPr lang="zh-CN" altLang="en-US" sz="1800" dirty="0"/>
-          </a:p>
-        </p:txBody>
-      </p:sp>
-    </p:spTree>
-    <p:extLst>
-      <p:ext uri="{BB962C8B-B14F-4D97-AF65-F5344CB8AC3E}">
-        <p14:creationId xmlns:p14="http://schemas.microsoft.com/office/powerpoint/2010/main" val="1578263695"/>
-      </p:ext>
-    </p:extLst>
-  </p:cSld>
-  <p:clrMapOvr>
-    <a:masterClrMapping/>
-  </p:clrMapOvr>
-</p:sld>
-</file>
-
-<file path=ppt/slides/slide15.xml><?xml version="1.0" encoding="utf-8"?>
-<p:sld xmlns:a="http://schemas.openxmlformats.org/drawingml/2006/main" xmlns:r="http://schemas.openxmlformats.org/officeDocument/2006/relationships" xmlns:p="http://schemas.openxmlformats.org/presentationml/2006/main">
-  <p:cSld>
-    <p:spTree>
-      <p:nvGrpSpPr>
-        <p:cNvPr id="1" name=""/>
-        <p:cNvGrpSpPr/>
-        <p:nvPr/>
-      </p:nvGrpSpPr>
-      <p:grpSpPr>
-        <a:xfrm>
-          <a:off x="0" y="0"/>
-          <a:ext cx="0" cy="0"/>
-          <a:chOff x="0" y="0"/>
-          <a:chExt cx="0" cy="0"/>
-        </a:xfrm>
-      </p:grpSpPr>
-      <p:pic>
-        <p:nvPicPr>
-          <p:cNvPr id="5" name="图片 4"/>
-          <p:cNvPicPr>
-            <a:picLocks noChangeAspect="1"/>
-          </p:cNvPicPr>
-          <p:nvPr/>
-        </p:nvPicPr>
-        <p:blipFill rotWithShape="1">
-          <a:blip r:embed="rId2">
-            <a:extLst>
-              <a:ext uri="{28A0092B-C50C-407E-A947-70E740481C1C}">
-                <a14:useLocalDpi xmlns:a14="http://schemas.microsoft.com/office/drawing/2010/main" val="0"/>
-              </a:ext>
-            </a:extLst>
-          </a:blip>
-          <a:srcRect l="22255" r="36162"/>
-          <a:stretch/>
-        </p:blipFill>
-        <p:spPr>
-          <a:xfrm>
-            <a:off x="20" y="10"/>
-            <a:ext cx="5069920" cy="6857990"/>
-          </a:xfrm>
-          <a:prstGeom prst="rect">
-            <a:avLst/>
-          </a:prstGeom>
-        </p:spPr>
-      </p:pic>
-      <p:sp>
-        <p:nvSpPr>
-          <p:cNvPr id="10" name="Rectangle 9"/>
-          <p:cNvSpPr>
-            <a:spLocks noGrp="1" noRot="1" noChangeAspect="1" noMove="1" noResize="1" noEditPoints="1" noAdjustHandles="1" noChangeArrowheads="1" noChangeShapeType="1" noTextEdit="1"/>
-          </p:cNvSpPr>
-          <p:nvPr>
-            <p:extLst>
-              <p:ext uri="{386F3935-93C4-4BCD-93E2-E3B085C9AB24}">
-                <p16:designElem xmlns:p16="http://schemas.microsoft.com/office/powerpoint/2015/main" val="1"/>
-              </p:ext>
-            </p:extLst>
-          </p:nvPr>
-        </p:nvSpPr>
-        <p:spPr bwMode="white">
-          <a:xfrm>
-            <a:off x="4639733" y="0"/>
-            <a:ext cx="7552267" cy="6858000"/>
-          </a:xfrm>
-          <a:prstGeom prst="rect">
-            <a:avLst/>
-          </a:prstGeom>
-          <a:solidFill>
-            <a:schemeClr val="tx1">
-              <a:lumMod val="85000"/>
-              <a:lumOff val="15000"/>
-            </a:schemeClr>
-          </a:solidFill>
-          <a:ln>
-            <a:noFill/>
-          </a:ln>
-        </p:spPr>
-        <p:style>
-          <a:lnRef idx="2">
-            <a:schemeClr val="accent1">
-              <a:shade val="50000"/>
-            </a:schemeClr>
-          </a:lnRef>
-          <a:fillRef idx="1">
-            <a:schemeClr val="accent1"/>
-          </a:fillRef>
-          <a:effectRef idx="0">
-            <a:schemeClr val="accent1"/>
-          </a:effectRef>
-          <a:fontRef idx="minor">
-            <a:schemeClr val="lt1"/>
-          </a:fontRef>
-        </p:style>
-        <p:txBody>
-          <a:bodyPr rtlCol="0" anchor="ctr"/>
-          <a:lstStyle/>
-          <a:p>
-            <a:pPr marL="0" marR="0" lvl="0" indent="0" algn="ctr" defTabSz="914400" rtl="0" eaLnBrk="1" fontAlgn="auto" latinLnBrk="0" hangingPunct="1">
-              <a:lnSpc>
-                <a:spcPct val="100000"/>
-              </a:lnSpc>
-              <a:spcBef>
-                <a:spcPts val="0"/>
-              </a:spcBef>
-              <a:spcAft>
-                <a:spcPts val="0"/>
-              </a:spcAft>
-              <a:buClrTx/>
-              <a:buSzTx/>
-              <a:buFontTx/>
-              <a:buNone/>
-              <a:tabLst/>
-              <a:defRPr/>
-            </a:pPr>
-            <a:endParaRPr kumimoji="0" lang="en-US" sz="1800" b="0" i="0" u="none" strike="noStrike" kern="1200" cap="none" spc="0" normalizeH="0" baseline="0" noProof="0">
-              <a:ln>
-                <a:noFill/>
-              </a:ln>
-              <a:solidFill>
-                <a:prstClr val="white"/>
-              </a:solidFill>
-              <a:effectLst/>
-              <a:uLnTx/>
-              <a:uFillTx/>
-              <a:latin typeface="Calibri" panose="020F0502020204030204"/>
-              <a:ea typeface="+mn-ea"/>
-              <a:cs typeface="+mn-cs"/>
-            </a:endParaRPr>
-          </a:p>
-        </p:txBody>
-      </p:sp>
-      <p:sp>
-        <p:nvSpPr>
-          <p:cNvPr id="3" name="内容占位符 2"/>
-          <p:cNvSpPr>
-            <a:spLocks noGrp="1"/>
-          </p:cNvSpPr>
-          <p:nvPr>
-            <p:ph idx="1"/>
-          </p:nvPr>
-        </p:nvSpPr>
-        <p:spPr>
-          <a:xfrm>
-            <a:off x="5069940" y="2322576"/>
-            <a:ext cx="6172200" cy="2269744"/>
-          </a:xfrm>
-        </p:spPr>
-        <p:txBody>
-          <a:bodyPr>
-            <a:normAutofit/>
-          </a:bodyPr>
-          <a:lstStyle/>
-          <a:p>
-            <a:r>
-              <a:rPr lang="zh-CN" altLang="en-US" sz="2400" dirty="0">
-                <a:solidFill>
-                  <a:schemeClr val="bg1"/>
-                </a:solidFill>
-              </a:rPr>
-              <a:t>游戏的整体画风采用</a:t>
-            </a:r>
-            <a:r>
-              <a:rPr lang="en-US" altLang="zh-CN" sz="2400" dirty="0">
-                <a:solidFill>
-                  <a:schemeClr val="bg1"/>
-                </a:solidFill>
-              </a:rPr>
-              <a:t>Low-Poly </a:t>
-            </a:r>
-            <a:r>
-              <a:rPr lang="zh-CN" altLang="en-US" sz="2400" dirty="0">
-                <a:solidFill>
-                  <a:schemeClr val="bg1"/>
-                </a:solidFill>
-              </a:rPr>
-              <a:t>风格，适合玩家在休憩时释放压力，放松心情。而且游戏的解密要素与收集要素可以很好的活跃玩家的思维，让玩家沉浸在对世界的探索之中。整个游戏分为四个世界，每个世界中都有不同的主题与机关。</a:t>
-            </a:r>
-          </a:p>
-          <a:p>
-            <a:endParaRPr lang="zh-CN" altLang="en-US" sz="2400" dirty="0">
-              <a:solidFill>
-                <a:schemeClr val="bg1"/>
-              </a:solidFill>
-            </a:endParaRPr>
-          </a:p>
-          <a:p>
-            <a:pPr marL="0" indent="0">
-              <a:buNone/>
-            </a:pPr>
-            <a:endParaRPr lang="zh-CN" altLang="en-US" sz="2400" dirty="0">
-              <a:solidFill>
-                <a:schemeClr val="bg1"/>
-              </a:solidFill>
-            </a:endParaRPr>
-          </a:p>
-        </p:txBody>
-      </p:sp>
-    </p:spTree>
-    <p:extLst>
-      <p:ext uri="{BB962C8B-B14F-4D97-AF65-F5344CB8AC3E}">
-        <p14:creationId xmlns:p14="http://schemas.microsoft.com/office/powerpoint/2010/main" val="2273129484"/>
-      </p:ext>
-    </p:extLst>
-  </p:cSld>
-  <p:clrMapOvr>
-    <a:masterClrMapping/>
-  </p:clrMapOvr>
-</p:sld>
-</file>
-
-<file path=ppt/slides/slide16.xml><?xml version="1.0" encoding="utf-8"?>
-<p:sld xmlns:a="http://schemas.openxmlformats.org/drawingml/2006/main" xmlns:r="http://schemas.openxmlformats.org/officeDocument/2006/relationships" xmlns:p="http://schemas.openxmlformats.org/presentationml/2006/main">
-  <p:cSld>
-    <p:bg>
-      <p:bgPr>
-        <a:solidFill>
-          <a:schemeClr val="tx1">
-            <a:lumMod val="75000"/>
-            <a:lumOff val="25000"/>
-          </a:schemeClr>
-        </a:solidFill>
-        <a:effectLst/>
-      </p:bgPr>
-    </p:bg>
-    <p:spTree>
-      <p:nvGrpSpPr>
-        <p:cNvPr id="1" name=""/>
-        <p:cNvGrpSpPr/>
-        <p:nvPr/>
-      </p:nvGrpSpPr>
-      <p:grpSpPr>
-        <a:xfrm>
-          <a:off x="0" y="0"/>
-          <a:ext cx="0" cy="0"/>
-          <a:chOff x="0" y="0"/>
-          <a:chExt cx="0" cy="0"/>
-        </a:xfrm>
-      </p:grpSpPr>
-      <p:sp>
-        <p:nvSpPr>
-          <p:cNvPr id="3" name="内容占位符 2"/>
-          <p:cNvSpPr>
-            <a:spLocks noGrp="1"/>
-          </p:cNvSpPr>
-          <p:nvPr>
-            <p:ph idx="1"/>
-          </p:nvPr>
-        </p:nvSpPr>
-        <p:spPr>
-          <a:xfrm>
-            <a:off x="838200" y="2267211"/>
-            <a:ext cx="10515600" cy="3909752"/>
-          </a:xfrm>
-        </p:spPr>
-        <p:txBody>
-          <a:bodyPr>
-            <a:normAutofit/>
-          </a:bodyPr>
-          <a:lstStyle/>
-          <a:p>
-            <a:pPr marL="0" indent="0" algn="ctr">
-              <a:buNone/>
-            </a:pPr>
-            <a:r>
-              <a:rPr lang="zh-CN" altLang="en-US" sz="4800" dirty="0">
-                <a:solidFill>
-                  <a:schemeClr val="bg1"/>
-                </a:solidFill>
-              </a:rPr>
-              <a:t>谢谢各位评委</a:t>
-            </a:r>
-          </a:p>
-        </p:txBody>
-      </p:sp>
-    </p:spTree>
-    <p:extLst>
-      <p:ext uri="{BB962C8B-B14F-4D97-AF65-F5344CB8AC3E}">
-        <p14:creationId xmlns:p14="http://schemas.microsoft.com/office/powerpoint/2010/main" val="3074767836"/>
-      </p:ext>
-    </p:extLst>
-  </p:cSld>
-  <p:clrMapOvr>
-    <a:masterClrMapping/>
-  </p:clrMapOvr>
-</p:sld>
-</file>
-
 <file path=ppt/slides/slide2.xml><?xml version="1.0" encoding="utf-8"?>
 <p:sld xmlns:a="http://schemas.openxmlformats.org/drawingml/2006/main" xmlns:r="http://schemas.openxmlformats.org/officeDocument/2006/relationships" xmlns:p="http://schemas.openxmlformats.org/presentationml/2006/main">
   <p:cSld>
@@ -6019,7 +4269,7 @@
           </p:nvPr>
         </p:nvPicPr>
         <p:blipFill>
-          <a:blip r:embed="rId2">
+          <a:blip r:embed="rId2" cstate="print">
             <a:extLst>
               <a:ext uri="{28A0092B-C50C-407E-A947-70E740481C1C}">
                 <a14:useLocalDpi xmlns:a14="http://schemas.microsoft.com/office/drawing/2010/main" val="0"/>
@@ -6182,7 +4432,15 @@
           <a:p>
             <a:r>
               <a:rPr lang="zh-CN" altLang="en-US" dirty="0"/>
-              <a:t>游戏玩法介绍</a:t>
+              <a:t>游戏介绍</a:t>
+            </a:r>
+            <a:r>
+              <a:rPr lang="en-US" altLang="zh-CN" dirty="0"/>
+              <a:t>-</a:t>
+            </a:r>
+            <a:r>
+              <a:rPr lang="zh-CN" altLang="en-US" dirty="0"/>
+              <a:t>游戏主题</a:t>
             </a:r>
           </a:p>
         </p:txBody>
@@ -6199,9 +4457,34 @@
         </p:nvSpPr>
         <p:spPr/>
         <p:txBody>
-          <a:bodyPr/>
-          <a:lstStyle/>
-          <a:p>
+          <a:bodyPr>
+            <a:normAutofit/>
+          </a:bodyPr>
+          <a:lstStyle/>
+          <a:p>
+            <a:endParaRPr lang="en-US" altLang="zh-CN" dirty="0" smtClean="0"/>
+          </a:p>
+          <a:p>
+            <a:r>
+              <a:rPr lang="zh-CN" altLang="en-US" dirty="0" smtClean="0"/>
+              <a:t>视角</a:t>
+            </a:r>
+            <a:r>
+              <a:rPr lang="zh-CN" altLang="en-US" dirty="0"/>
+              <a:t>转变</a:t>
+            </a:r>
+            <a:r>
+              <a:rPr lang="en-US" altLang="zh-CN" dirty="0"/>
+              <a:t>——</a:t>
+            </a:r>
+            <a:r>
+              <a:rPr lang="zh-CN" altLang="en-US" dirty="0"/>
+              <a:t>重力旋转</a:t>
+            </a:r>
+            <a:endParaRPr lang="en-US" altLang="zh-CN" dirty="0"/>
+          </a:p>
+          <a:p>
+            <a:pPr lvl="1"/>
             <a:r>
               <a:rPr lang="en-US" altLang="zh-CN" dirty="0"/>
               <a:t>Seeder</a:t>
@@ -6213,13 +4496,7 @@
             <a:endParaRPr lang="en-US" altLang="zh-CN" dirty="0"/>
           </a:p>
           <a:p>
-            <a:r>
-              <a:rPr lang="zh-CN" altLang="en-US" dirty="0"/>
-              <a:t>和种子君一同冒险，相互照应，保护。</a:t>
-            </a:r>
-            <a:endParaRPr lang="en-US" altLang="zh-CN" dirty="0"/>
-          </a:p>
-          <a:p>
+            <a:pPr lvl="1"/>
             <a:r>
               <a:rPr lang="zh-CN" altLang="en-US" dirty="0"/>
               <a:t>利用主角改变重力的能力，以每次</a:t>
@@ -6235,37 +4512,129 @@
             <a:endParaRPr lang="en-US" altLang="zh-CN" dirty="0"/>
           </a:p>
           <a:p>
+            <a:pPr lvl="1"/>
             <a:r>
               <a:rPr lang="zh-CN" altLang="en-US" dirty="0"/>
-              <a:t>收集隐藏要素，来解开这个世界的谜团。</a:t>
-            </a:r>
+              <a:t>改变观察世界的角度，探索难以到达的地方</a:t>
+            </a:r>
+            <a:r>
+              <a:rPr lang="zh-CN" altLang="en-US" dirty="0" smtClean="0"/>
+              <a:t>。</a:t>
+            </a:r>
+            <a:endParaRPr lang="en-US" altLang="zh-CN" dirty="0" smtClean="0"/>
+          </a:p>
+          <a:p>
+            <a:pPr lvl="1"/>
             <a:endParaRPr lang="en-US" altLang="zh-CN" dirty="0"/>
           </a:p>
           <a:p>
             <a:r>
               <a:rPr lang="zh-CN" altLang="en-US" dirty="0"/>
-              <a:t>改变观察世界的角度，探索难以到达的地方。</a:t>
-            </a:r>
-            <a:endParaRPr lang="en-US" altLang="zh-CN" dirty="0"/>
-          </a:p>
-          <a:p>
+              <a:t>解密探险</a:t>
+            </a:r>
+            <a:r>
+              <a:rPr lang="en-US" altLang="zh-CN" dirty="0"/>
+              <a:t>——</a:t>
+            </a:r>
             <a:r>
               <a:rPr lang="zh-CN" altLang="en-US" dirty="0"/>
-              <a:t>有很高的操作难度，适合硬核向玩家。</a:t>
-            </a:r>
-          </a:p>
-        </p:txBody>
-      </p:sp>
+              <a:t>丈量</a:t>
+            </a:r>
+            <a:r>
+              <a:rPr lang="zh-CN" altLang="en-US" dirty="0" smtClean="0"/>
+              <a:t>世界</a:t>
+            </a:r>
+            <a:endParaRPr lang="en-US" altLang="zh-CN" dirty="0" smtClean="0"/>
+          </a:p>
+          <a:p>
+            <a:pPr lvl="1"/>
+            <a:r>
+              <a:rPr lang="zh-CN" altLang="en-US" dirty="0"/>
+              <a:t>和种子君一同冒险，相互照应，保护</a:t>
+            </a:r>
+            <a:r>
+              <a:rPr lang="zh-CN" altLang="en-US" dirty="0" smtClean="0"/>
+              <a:t>。</a:t>
+            </a:r>
+            <a:endParaRPr lang="en-US" altLang="zh-CN" dirty="0" smtClean="0"/>
+          </a:p>
+          <a:p>
+            <a:pPr lvl="1"/>
+            <a:r>
+              <a:rPr lang="zh-CN" altLang="en-US" dirty="0"/>
+              <a:t>收集隐藏要素，来解开这个世界的谜团</a:t>
+            </a:r>
+            <a:r>
+              <a:rPr lang="zh-CN" altLang="en-US" dirty="0" smtClean="0"/>
+              <a:t>。</a:t>
+            </a:r>
+            <a:endParaRPr lang="en-US" altLang="zh-CN" dirty="0" smtClean="0"/>
+          </a:p>
+          <a:p>
+            <a:pPr lvl="1"/>
+            <a:r>
+              <a:rPr lang="zh-CN" altLang="en-US" dirty="0" smtClean="0"/>
+              <a:t>有</a:t>
+            </a:r>
+            <a:r>
+              <a:rPr lang="zh-CN" altLang="en-US" dirty="0"/>
+              <a:t>很高的操作难度，适合硬核向玩家。</a:t>
+            </a:r>
+          </a:p>
+          <a:p>
+            <a:pPr lvl="1"/>
+            <a:endParaRPr lang="zh-CN" altLang="en-US" dirty="0"/>
+          </a:p>
+        </p:txBody>
+      </p:sp>
+      <p:pic>
+        <p:nvPicPr>
+          <p:cNvPr id="4" name="图片 3"/>
+          <p:cNvPicPr>
+            <a:picLocks noChangeAspect="1"/>
+          </p:cNvPicPr>
+          <p:nvPr/>
+        </p:nvPicPr>
+        <p:blipFill>
+          <a:blip r:embed="rId3" cstate="print">
+            <a:extLst>
+              <a:ext uri="{28A0092B-C50C-407E-A947-70E740481C1C}">
+                <a14:useLocalDpi xmlns:a14="http://schemas.microsoft.com/office/drawing/2010/main" val="0"/>
+              </a:ext>
+            </a:extLst>
+          </a:blip>
+          <a:stretch>
+            <a:fillRect/>
+          </a:stretch>
+        </p:blipFill>
+        <p:spPr>
+          <a:xfrm>
+            <a:off x="6847114" y="479266"/>
+            <a:ext cx="1698171" cy="1097280"/>
+          </a:xfrm>
+          <a:prstGeom prst="rect">
+            <a:avLst/>
+          </a:prstGeom>
+        </p:spPr>
+      </p:pic>
     </p:spTree>
     <p:extLst>
       <p:ext uri="{BB962C8B-B14F-4D97-AF65-F5344CB8AC3E}">
-        <p14:creationId xmlns:p14="http://schemas.microsoft.com/office/powerpoint/2010/main" val="1268714831"/>
+        <p14:creationId xmlns:p14="http://schemas.microsoft.com/office/powerpoint/2010/main" val="1803118736"/>
       </p:ext>
     </p:extLst>
   </p:cSld>
   <p:clrMapOvr>
     <a:masterClrMapping/>
   </p:clrMapOvr>
+  <mc:AlternateContent xmlns:mc="http://schemas.openxmlformats.org/markup-compatibility/2006">
+    <mc:Choice xmlns:p14="http://schemas.microsoft.com/office/powerpoint/2010/main" Requires="p14">
+      <p:transition spd="slow" p14:dur="2000"/>
+    </mc:Choice>
+    <mc:Fallback>
+      <p:transition spd="slow"/>
+    </mc:Fallback>
+  </mc:AlternateContent>
 </p:sld>
 </file>
 
@@ -6450,7 +4819,7 @@
 </file>
 
 <file path=ppt/slides/slide5.xml><?xml version="1.0" encoding="utf-8"?>
-<p:sld xmlns:a="http://schemas.openxmlformats.org/drawingml/2006/main" xmlns:r="http://schemas.openxmlformats.org/officeDocument/2006/relationships" xmlns:p="http://schemas.openxmlformats.org/presentationml/2006/main" show="0">
+<p:sld xmlns:a="http://schemas.openxmlformats.org/drawingml/2006/main" xmlns:r="http://schemas.openxmlformats.org/officeDocument/2006/relationships" xmlns:p="http://schemas.openxmlformats.org/presentationml/2006/main">
   <p:cSld>
     <p:spTree>
       <p:nvGrpSpPr>
@@ -6476,65 +4845,202 @@
             <p:ph type="title"/>
           </p:nvPr>
         </p:nvSpPr>
-        <p:spPr>
-          <a:xfrm>
-            <a:off x="723900" y="317500"/>
-            <a:ext cx="10515600" cy="1325563"/>
-          </a:xfrm>
-        </p:spPr>
+        <p:spPr/>
         <p:txBody>
           <a:bodyPr/>
           <a:lstStyle/>
           <a:p>
             <a:r>
-              <a:rPr lang="en-US" altLang="zh-CN" dirty="0" err="1"/>
-              <a:t>ppt</a:t>
+              <a:rPr lang="zh-CN" altLang="en-US" dirty="0" smtClean="0"/>
+              <a:t>游戏介绍</a:t>
+            </a:r>
+            <a:r>
+              <a:rPr lang="en-US" altLang="zh-CN" dirty="0" smtClean="0"/>
+              <a:t>——</a:t>
+            </a:r>
+            <a:r>
+              <a:rPr lang="zh-CN" altLang="en-US" dirty="0" smtClean="0"/>
+              <a:t>玩法介绍</a:t>
+            </a:r>
+            <a:endParaRPr lang="zh-CN" altLang="en-US" dirty="0"/>
+          </a:p>
+        </p:txBody>
+      </p:sp>
+      <p:sp>
+        <p:nvSpPr>
+          <p:cNvPr id="3" name="内容占位符 2"/>
+          <p:cNvSpPr>
+            <a:spLocks noGrp="1"/>
+          </p:cNvSpPr>
+          <p:nvPr>
+            <p:ph idx="1"/>
+          </p:nvPr>
+        </p:nvSpPr>
+        <p:spPr/>
+        <p:txBody>
+          <a:bodyPr>
+            <a:normAutofit/>
+          </a:bodyPr>
+          <a:lstStyle/>
+          <a:p>
+            <a:r>
+              <a:rPr lang="zh-CN" altLang="en-US" dirty="0" smtClean="0"/>
+              <a:t>玩法设定</a:t>
+            </a:r>
+            <a:endParaRPr lang="en-US" altLang="zh-CN" dirty="0" smtClean="0"/>
+          </a:p>
+          <a:p>
+            <a:pPr lvl="1"/>
+            <a:r>
+              <a:rPr lang="zh-CN" altLang="en-US" dirty="0" smtClean="0"/>
+              <a:t>每个关卡的任务是将</a:t>
+            </a:r>
+            <a:r>
+              <a:rPr lang="en-US" altLang="zh-CN" dirty="0" smtClean="0"/>
+              <a:t>Seed</a:t>
+            </a:r>
+            <a:r>
+              <a:rPr lang="zh-CN" altLang="en-US" dirty="0" smtClean="0"/>
+              <a:t>送至指定位置</a:t>
+            </a:r>
+            <a:endParaRPr lang="en-US" altLang="zh-CN" dirty="0"/>
+          </a:p>
+          <a:p>
+            <a:pPr lvl="1"/>
+            <a:r>
+              <a:rPr lang="zh-CN" altLang="en-US" dirty="0" smtClean="0"/>
+              <a:t>收集解密要素</a:t>
+            </a:r>
+            <a:endParaRPr lang="en-US" altLang="zh-CN" dirty="0" smtClean="0"/>
+          </a:p>
+          <a:p>
+            <a:pPr lvl="1"/>
+            <a:endParaRPr lang="en-US" altLang="zh-CN" dirty="0"/>
+          </a:p>
+          <a:p>
+            <a:r>
+              <a:rPr lang="zh-CN" altLang="en-US" dirty="0" smtClean="0"/>
+              <a:t>角色控制</a:t>
+            </a:r>
+            <a:endParaRPr lang="en-US" altLang="zh-CN" dirty="0" smtClean="0"/>
+          </a:p>
+          <a:p>
+            <a:pPr lvl="1"/>
+            <a:r>
+              <a:rPr lang="zh-CN" altLang="en-US" dirty="0" smtClean="0"/>
+              <a:t>跳跃        </a:t>
+            </a:r>
+            <a:r>
+              <a:rPr lang="en-US" altLang="zh-CN" dirty="0"/>
+              <a:t> </a:t>
+            </a:r>
+            <a:r>
+              <a:rPr lang="en-US" altLang="zh-CN" dirty="0" smtClean="0"/>
+              <a:t>     </a:t>
+            </a:r>
+            <a:r>
+              <a:rPr lang="zh-CN" altLang="en-US" dirty="0" smtClean="0"/>
+              <a:t>（</a:t>
             </a:r>
             <a:r>
               <a:rPr lang="zh-CN" altLang="en-US" dirty="0"/>
-              <a:t>结构</a:t>
-            </a:r>
-          </a:p>
-        </p:txBody>
-      </p:sp>
-      <p:sp>
-        <p:nvSpPr>
-          <p:cNvPr id="3" name="内容占位符 2"/>
-          <p:cNvSpPr>
-            <a:spLocks noGrp="1"/>
-          </p:cNvSpPr>
-          <p:nvPr>
-            <p:ph idx="1"/>
-          </p:nvPr>
-        </p:nvSpPr>
-        <p:spPr/>
-        <p:txBody>
-          <a:bodyPr/>
-          <a:lstStyle/>
-          <a:p>
+              <a:t>键盘</a:t>
+            </a:r>
+            <a:r>
+              <a:rPr lang="zh-CN" altLang="en-US" dirty="0" smtClean="0"/>
+              <a:t>：空格或</a:t>
+            </a:r>
             <a:r>
               <a:rPr lang="zh-CN" altLang="en-US" dirty="0"/>
-              <a:t>游戏介绍</a:t>
+              <a:t>手柄</a:t>
+            </a:r>
+            <a:r>
+              <a:rPr lang="zh-CN" altLang="en-US" dirty="0" smtClean="0"/>
+              <a:t>：</a:t>
+            </a:r>
+            <a:r>
+              <a:rPr lang="en-US" altLang="zh-CN" dirty="0" smtClean="0"/>
+              <a:t>A</a:t>
+            </a:r>
+            <a:r>
+              <a:rPr lang="zh-CN" altLang="en-US" dirty="0" smtClean="0"/>
+              <a:t>）</a:t>
+            </a:r>
+            <a:endParaRPr lang="en-US" altLang="zh-CN" dirty="0" smtClean="0"/>
+          </a:p>
+          <a:p>
+            <a:pPr lvl="1"/>
+            <a:r>
+              <a:rPr lang="zh-CN" altLang="en-US" dirty="0"/>
+              <a:t>左右移动       （键盘：</a:t>
+            </a:r>
+            <a:r>
+              <a:rPr lang="en-US" altLang="zh-CN" dirty="0"/>
+              <a:t>AD</a:t>
+            </a:r>
+            <a:r>
+              <a:rPr lang="zh-CN" altLang="en-US" dirty="0"/>
+              <a:t>或手柄：左摇杆</a:t>
+            </a:r>
+            <a:r>
+              <a:rPr lang="zh-CN" altLang="en-US" dirty="0" smtClean="0"/>
+              <a:t>）</a:t>
             </a:r>
             <a:endParaRPr lang="en-US" altLang="zh-CN" dirty="0"/>
           </a:p>
           <a:p>
             <a:pPr lvl="1"/>
             <a:r>
+              <a:rPr lang="zh-CN" altLang="en-US" dirty="0" smtClean="0"/>
+              <a:t>增大</a:t>
+            </a:r>
+            <a:r>
+              <a:rPr lang="zh-CN" altLang="en-US" dirty="0" smtClean="0"/>
+              <a:t>物体</a:t>
+            </a:r>
+            <a:r>
               <a:rPr lang="zh-CN" altLang="en-US" dirty="0"/>
-              <a:t>游戏主题</a:t>
-            </a:r>
-            <a:endParaRPr lang="en-US" altLang="zh-CN" dirty="0"/>
+              <a:t>重力（键盘</a:t>
+            </a:r>
+            <a:r>
+              <a:rPr lang="zh-CN" altLang="en-US" dirty="0" smtClean="0"/>
+              <a:t>：</a:t>
+            </a:r>
+            <a:r>
+              <a:rPr lang="en-US" altLang="zh-CN" dirty="0" smtClean="0"/>
+              <a:t>E</a:t>
+            </a:r>
+            <a:r>
+              <a:rPr lang="zh-CN" altLang="en-US" dirty="0" smtClean="0"/>
+              <a:t>或手柄：</a:t>
+            </a:r>
+            <a:r>
+              <a:rPr lang="en-US" altLang="zh-CN" dirty="0" smtClean="0"/>
+              <a:t>X</a:t>
+            </a:r>
+            <a:r>
+              <a:rPr lang="zh-CN" altLang="en-US" dirty="0" smtClean="0"/>
+              <a:t>）</a:t>
+            </a:r>
+            <a:endParaRPr lang="en-US" altLang="zh-CN" dirty="0" smtClean="0"/>
           </a:p>
           <a:p>
             <a:pPr lvl="1"/>
             <a:r>
               <a:rPr lang="zh-CN" altLang="en-US" dirty="0"/>
-              <a:t>玩法介绍           （加上翻转</a:t>
+              <a:t>改变重力方向（键盘：左右方向键或手柄</a:t>
             </a:r>
             <a:r>
               <a:rPr lang="en-US" altLang="zh-CN" dirty="0"/>
-              <a:t>GIF</a:t>
+              <a:t>LB</a:t>
+            </a:r>
+            <a:r>
+              <a:rPr lang="zh-CN" altLang="en-US" dirty="0"/>
+              <a:t>，</a:t>
+            </a:r>
+            <a:r>
+              <a:rPr lang="en-US" altLang="zh-CN" dirty="0"/>
+              <a:t>RB</a:t>
             </a:r>
             <a:r>
               <a:rPr lang="zh-CN" altLang="en-US" dirty="0"/>
@@ -6544,69 +5050,6 @@
           </a:p>
           <a:p>
             <a:pPr lvl="1"/>
-            <a:r>
-              <a:rPr lang="zh-CN" altLang="en-US" dirty="0"/>
-              <a:t>惊艳的视觉效果（</a:t>
-            </a:r>
-            <a:r>
-              <a:rPr lang="en-US" altLang="zh-CN" dirty="0"/>
-              <a:t>background graph display</a:t>
-            </a:r>
-            <a:r>
-              <a:rPr lang="zh-CN" altLang="en-US" dirty="0"/>
-              <a:t>）</a:t>
-            </a:r>
-            <a:endParaRPr lang="en-US" altLang="zh-CN" dirty="0"/>
-          </a:p>
-          <a:p>
-            <a:pPr lvl="1"/>
-            <a:r>
-              <a:rPr lang="en-US" altLang="zh-CN" dirty="0"/>
-              <a:t>Demo</a:t>
-            </a:r>
-            <a:r>
-              <a:rPr lang="zh-CN" altLang="en-US" dirty="0"/>
-              <a:t>展示         （一到两个关卡的视频）</a:t>
-            </a:r>
-            <a:endParaRPr lang="en-US" altLang="zh-CN" dirty="0"/>
-          </a:p>
-          <a:p>
-            <a:r>
-              <a:rPr lang="zh-CN" altLang="en-US" dirty="0"/>
-              <a:t>游戏可行性分析及市场推广</a:t>
-            </a:r>
-            <a:endParaRPr lang="en-US" altLang="zh-CN" dirty="0"/>
-          </a:p>
-          <a:p>
-            <a:pPr lvl="1"/>
-            <a:r>
-              <a:rPr lang="zh-CN" altLang="en-US" dirty="0"/>
-              <a:t>市场受众分析</a:t>
-            </a:r>
-            <a:endParaRPr lang="en-US" altLang="zh-CN" dirty="0"/>
-          </a:p>
-          <a:p>
-            <a:pPr lvl="1"/>
-            <a:r>
-              <a:rPr lang="zh-CN" altLang="en-US" dirty="0"/>
-              <a:t>游戏</a:t>
-            </a:r>
-            <a:r>
-              <a:rPr lang="en-US" altLang="zh-CN" dirty="0"/>
-              <a:t>hit</a:t>
-            </a:r>
-            <a:r>
-              <a:rPr lang="zh-CN" altLang="en-US" dirty="0"/>
-              <a:t>点分析</a:t>
-            </a:r>
-            <a:endParaRPr lang="en-US" altLang="zh-CN" dirty="0"/>
-          </a:p>
-          <a:p>
-            <a:pPr lvl="1"/>
-            <a:r>
-              <a:rPr lang="zh-CN" altLang="en-US" dirty="0"/>
-              <a:t>市场推广计划</a:t>
-            </a:r>
             <a:endParaRPr lang="en-US" altLang="zh-CN" dirty="0"/>
           </a:p>
           <a:p>
@@ -6614,7 +5057,7 @@
             <a:endParaRPr lang="en-US" altLang="zh-CN" dirty="0"/>
           </a:p>
           <a:p>
-            <a:pPr marL="457200" lvl="1" indent="0">
+            <a:pPr marL="0" indent="0">
               <a:buNone/>
             </a:pPr>
             <a:endParaRPr lang="zh-CN" altLang="en-US" dirty="0"/>
@@ -6624,7 +5067,7 @@
     </p:spTree>
     <p:extLst>
       <p:ext uri="{BB962C8B-B14F-4D97-AF65-F5344CB8AC3E}">
-        <p14:creationId xmlns:p14="http://schemas.microsoft.com/office/powerpoint/2010/main" val="3573711563"/>
+        <p14:creationId xmlns:p14="http://schemas.microsoft.com/office/powerpoint/2010/main" val="1283028361"/>
       </p:ext>
     </p:extLst>
   </p:cSld>
@@ -6635,7 +5078,7 @@
 </file>
 
 <file path=ppt/slides/slide6.xml><?xml version="1.0" encoding="utf-8"?>
-<p:sld xmlns:a="http://schemas.openxmlformats.org/drawingml/2006/main" xmlns:r="http://schemas.openxmlformats.org/officeDocument/2006/relationships" xmlns:p="http://schemas.openxmlformats.org/presentationml/2006/main" show="0">
+<p:sld xmlns:a="http://schemas.openxmlformats.org/drawingml/2006/main" xmlns:r="http://schemas.openxmlformats.org/officeDocument/2006/relationships" xmlns:p="http://schemas.openxmlformats.org/presentationml/2006/main">
   <p:cSld>
     <p:spTree>
       <p:nvGrpSpPr>
@@ -6653,34 +5096,106 @@
       </p:grpSpPr>
       <p:sp>
         <p:nvSpPr>
-          <p:cNvPr id="2" name="标题 1"/>
-          <p:cNvSpPr>
-            <a:spLocks noGrp="1"/>
-          </p:cNvSpPr>
-          <p:nvPr>
-            <p:ph type="title"/>
-          </p:nvPr>
-        </p:nvSpPr>
-        <p:spPr/>
-        <p:txBody>
-          <a:bodyPr/>
-          <a:lstStyle/>
-          <a:p>
-            <a:r>
-              <a:rPr lang="zh-CN" altLang="en-US" dirty="0"/>
-              <a:t>游戏介绍</a:t>
-            </a:r>
-            <a:r>
-              <a:rPr lang="en-US" altLang="zh-CN" dirty="0"/>
-              <a:t>-</a:t>
-            </a:r>
-            <a:r>
-              <a:rPr lang="zh-CN" altLang="en-US" dirty="0"/>
-              <a:t>游戏主题</a:t>
-            </a:r>
-          </a:p>
-        </p:txBody>
-      </p:sp>
+          <p:cNvPr id="15" name="Rectangle 14"/>
+          <p:cNvSpPr>
+            <a:spLocks noGrp="1" noRot="1" noChangeAspect="1" noMove="1" noResize="1" noEditPoints="1" noAdjustHandles="1" noChangeArrowheads="1" noChangeShapeType="1" noTextEdit="1"/>
+          </p:cNvSpPr>
+          <p:nvPr>
+            <p:extLst>
+              <p:ext uri="{386F3935-93C4-4BCD-93E2-E3B085C9AB24}">
+                <p16:designElem xmlns:p16="http://schemas.microsoft.com/office/powerpoint/2015/main" xmlns="" val="1"/>
+              </p:ext>
+            </p:extLst>
+          </p:nvPr>
+        </p:nvSpPr>
+        <p:spPr bwMode="ltGray">
+          <a:xfrm>
+            <a:off x="321564" y="320040"/>
+            <a:ext cx="11548872" cy="6217920"/>
+          </a:xfrm>
+          <a:prstGeom prst="rect">
+            <a:avLst/>
+          </a:prstGeom>
+          <a:solidFill>
+            <a:schemeClr val="tx1">
+              <a:alpha val="8000"/>
+            </a:schemeClr>
+          </a:solidFill>
+          <a:ln w="127000" cap="sq" cmpd="thinThick">
+            <a:noFill/>
+          </a:ln>
+        </p:spPr>
+        <p:style>
+          <a:lnRef idx="2">
+            <a:schemeClr val="accent1">
+              <a:shade val="50000"/>
+            </a:schemeClr>
+          </a:lnRef>
+          <a:fillRef idx="1">
+            <a:schemeClr val="accent1"/>
+          </a:fillRef>
+          <a:effectRef idx="0">
+            <a:schemeClr val="accent1"/>
+          </a:effectRef>
+          <a:fontRef idx="minor">
+            <a:schemeClr val="lt1"/>
+          </a:fontRef>
+        </p:style>
+        <p:txBody>
+          <a:bodyPr rtlCol="0" anchor="ctr"/>
+          <a:lstStyle/>
+          <a:p>
+            <a:pPr algn="ctr"/>
+            <a:endParaRPr lang="en-US"/>
+          </a:p>
+        </p:txBody>
+      </p:sp>
+      <p:cxnSp>
+        <p:nvCxnSpPr>
+          <p:cNvPr id="17" name="Straight Connector 16"/>
+          <p:cNvCxnSpPr>
+            <a:cxnSpLocks noGrp="1" noRot="1" noChangeAspect="1" noMove="1" noResize="1" noEditPoints="1" noAdjustHandles="1" noChangeArrowheads="1" noChangeShapeType="1"/>
+          </p:cNvCxnSpPr>
+          <p:nvPr>
+            <p:extLst>
+              <p:ext uri="{386F3935-93C4-4BCD-93E2-E3B085C9AB24}">
+                <p16:designElem xmlns:p16="http://schemas.microsoft.com/office/powerpoint/2015/main" xmlns="" val="1"/>
+              </p:ext>
+            </p:extLst>
+          </p:nvPr>
+        </p:nvCxnSpPr>
+        <p:spPr>
+          <a:xfrm>
+            <a:off x="4654296" y="2057400"/>
+            <a:ext cx="0" cy="2743200"/>
+          </a:xfrm>
+          <a:prstGeom prst="line">
+            <a:avLst/>
+          </a:prstGeom>
+          <a:ln w="19050">
+            <a:solidFill>
+              <a:schemeClr val="tx1">
+                <a:lumMod val="85000"/>
+                <a:lumOff val="15000"/>
+              </a:schemeClr>
+            </a:solidFill>
+          </a:ln>
+        </p:spPr>
+        <p:style>
+          <a:lnRef idx="1">
+            <a:schemeClr val="accent1"/>
+          </a:lnRef>
+          <a:fillRef idx="0">
+            <a:schemeClr val="accent1"/>
+          </a:fillRef>
+          <a:effectRef idx="0">
+            <a:schemeClr val="accent1"/>
+          </a:effectRef>
+          <a:fontRef idx="minor">
+            <a:schemeClr val="tx1"/>
+          </a:fontRef>
+        </p:style>
+      </p:cxnSp>
       <p:sp>
         <p:nvSpPr>
           <p:cNvPr id="3" name="内容占位符 2"/>
@@ -6691,38 +5206,54 @@
             <p:ph idx="1"/>
           </p:nvPr>
         </p:nvSpPr>
-        <p:spPr/>
-        <p:txBody>
-          <a:bodyPr/>
-          <a:lstStyle/>
-          <a:p>
-            <a:r>
-              <a:rPr lang="zh-CN" altLang="en-US" dirty="0"/>
-              <a:t>重力旋转</a:t>
-            </a:r>
-            <a:endParaRPr lang="en-US" altLang="zh-CN" dirty="0"/>
-          </a:p>
-          <a:p>
-            <a:endParaRPr lang="en-US" altLang="zh-CN" dirty="0"/>
-          </a:p>
-          <a:p>
-            <a:r>
-              <a:rPr lang="zh-CN" altLang="en-US" dirty="0"/>
-              <a:t>探险</a:t>
-            </a:r>
+        <p:spPr>
+          <a:xfrm>
+            <a:off x="4654296" y="1036320"/>
+            <a:ext cx="6785864" cy="5501639"/>
+          </a:xfrm>
+        </p:spPr>
+        <p:txBody>
+          <a:bodyPr anchor="ctr">
+            <a:normAutofit/>
+          </a:bodyPr>
+          <a:lstStyle/>
+          <a:p>
+            <a:r>
+              <a:rPr lang="zh-CN" altLang="zh-CN" sz="2400" dirty="0"/>
+              <a:t>总的来说，我们的项目是一款独立游戏。我们想借助游戏这一平台去实现我们对于未来世界的畅想。我们的游戏理念是打破人们的固有思维，挣脱重力方向的束缚，改变观察世界的角度，以极大的自由度去探索这个世界。正如那句“而世之奇伟瑰怪非常之观，常在于险远而人之所罕至焉，故非有志者不能至也</a:t>
+            </a:r>
+            <a:r>
+              <a:rPr lang="en-US" altLang="zh-CN" sz="2400" dirty="0"/>
+              <a:t>”</a:t>
+            </a:r>
+            <a:r>
+              <a:rPr lang="zh-CN" altLang="zh-CN" sz="2400" dirty="0"/>
+              <a:t>所说的那样，世间最美丽的风景多在于难以到达的地方。然而由于物理世界的束缚，我们只能在险阻前望而却步向世界妥协。于是，我们赋予了</a:t>
+            </a:r>
+            <a:r>
+              <a:rPr lang="zh-CN" altLang="en-US" sz="2400" dirty="0"/>
+              <a:t>主角</a:t>
+            </a:r>
+            <a:r>
+              <a:rPr lang="zh-CN" altLang="zh-CN" sz="2400" dirty="0"/>
+              <a:t>改变重力方向这一特殊能力，让我们得以自由得探索世界。</a:t>
+            </a:r>
+          </a:p>
+          <a:p>
+            <a:endParaRPr lang="zh-CN" altLang="en-US" sz="2400" dirty="0"/>
           </a:p>
         </p:txBody>
       </p:sp>
       <p:pic>
         <p:nvPicPr>
-          <p:cNvPr id="4" name="图片 3"/>
+          <p:cNvPr id="7" name="图片 6"/>
           <p:cNvPicPr>
             <a:picLocks noChangeAspect="1"/>
           </p:cNvPicPr>
           <p:nvPr/>
         </p:nvPicPr>
         <p:blipFill>
-          <a:blip r:embed="rId3" cstate="print">
+          <a:blip r:embed="rId2">
             <a:extLst>
               <a:ext uri="{28A0092B-C50C-407E-A947-70E740481C1C}">
                 <a14:useLocalDpi xmlns:a14="http://schemas.microsoft.com/office/drawing/2010/main" val="0"/>
@@ -6735,38 +5266,8 @@
         </p:blipFill>
         <p:spPr>
           <a:xfrm>
-            <a:off x="6847114" y="479266"/>
-            <a:ext cx="1698171" cy="1097280"/>
-          </a:xfrm>
-          <a:prstGeom prst="rect">
-            <a:avLst/>
-          </a:prstGeom>
-        </p:spPr>
-      </p:pic>
-      <p:pic>
-        <p:nvPicPr>
-          <p:cNvPr id="5" name="图片 4"/>
-          <p:cNvPicPr>
-            <a:picLocks noChangeAspect="1"/>
-          </p:cNvPicPr>
-          <p:nvPr/>
-        </p:nvPicPr>
-        <p:blipFill>
-          <a:blip r:embed="rId4">
-            <a:extLst>
-              <a:ext uri="{28A0092B-C50C-407E-A947-70E740481C1C}">
-                <a14:useLocalDpi xmlns:a14="http://schemas.microsoft.com/office/drawing/2010/main" val="0"/>
-              </a:ext>
-            </a:extLst>
-          </a:blip>
-          <a:stretch>
-            <a:fillRect/>
-          </a:stretch>
-        </p:blipFill>
-        <p:spPr>
-          <a:xfrm>
-            <a:off x="7616200" y="4466431"/>
-            <a:ext cx="2391569" cy="2391569"/>
+            <a:off x="1160250" y="963877"/>
+            <a:ext cx="2333625" cy="5105400"/>
           </a:xfrm>
           <a:prstGeom prst="rect">
             <a:avLst/>
@@ -6776,7 +5277,7 @@
     </p:spTree>
     <p:extLst>
       <p:ext uri="{BB962C8B-B14F-4D97-AF65-F5344CB8AC3E}">
-        <p14:creationId xmlns:p14="http://schemas.microsoft.com/office/powerpoint/2010/main" val="1803118736"/>
+        <p14:creationId xmlns:p14="http://schemas.microsoft.com/office/powerpoint/2010/main" val="2604144851"/>
       </p:ext>
     </p:extLst>
   </p:cSld>
@@ -6787,7 +5288,7 @@
 </file>
 
 <file path=ppt/slides/slide7.xml><?xml version="1.0" encoding="utf-8"?>
-<p:sld xmlns:a="http://schemas.openxmlformats.org/drawingml/2006/main" xmlns:r="http://schemas.openxmlformats.org/officeDocument/2006/relationships" xmlns:p="http://schemas.openxmlformats.org/presentationml/2006/main" show="0">
+<p:sld xmlns:a="http://schemas.openxmlformats.org/drawingml/2006/main" xmlns:r="http://schemas.openxmlformats.org/officeDocument/2006/relationships" xmlns:p="http://schemas.openxmlformats.org/presentationml/2006/main">
   <p:cSld>
     <p:spTree>
       <p:nvGrpSpPr>
@@ -6803,36 +5304,36 @@
           <a:chExt cx="0" cy="0"/>
         </a:xfrm>
       </p:grpSpPr>
-      <p:sp>
-        <p:nvSpPr>
-          <p:cNvPr id="2" name="标题 1"/>
-          <p:cNvSpPr>
-            <a:spLocks noGrp="1"/>
-          </p:cNvSpPr>
-          <p:nvPr>
-            <p:ph type="title"/>
-          </p:nvPr>
-        </p:nvSpPr>
-        <p:spPr/>
-        <p:txBody>
-          <a:bodyPr/>
-          <a:lstStyle/>
-          <a:p>
-            <a:r>
-              <a:rPr lang="zh-CN" altLang="en-US" dirty="0"/>
-              <a:t>游戏介绍</a:t>
-            </a:r>
-            <a:r>
-              <a:rPr lang="en-US" altLang="zh-CN" dirty="0"/>
-              <a:t>——</a:t>
-            </a:r>
-            <a:r>
-              <a:rPr lang="zh-CN" altLang="en-US" dirty="0"/>
-              <a:t>玩法介绍</a:t>
-            </a:r>
-          </a:p>
-        </p:txBody>
-      </p:sp>
+      <p:pic>
+        <p:nvPicPr>
+          <p:cNvPr id="5" name="图片 4"/>
+          <p:cNvPicPr>
+            <a:picLocks noChangeAspect="1"/>
+          </p:cNvPicPr>
+          <p:nvPr/>
+        </p:nvPicPr>
+        <p:blipFill rotWithShape="1">
+          <a:blip r:embed="rId2">
+            <a:extLst>
+              <a:ext uri="{28A0092B-C50C-407E-A947-70E740481C1C}">
+                <a14:useLocalDpi xmlns:a14="http://schemas.microsoft.com/office/drawing/2010/main" val="0"/>
+              </a:ext>
+            </a:extLst>
+          </a:blip>
+          <a:srcRect l="25891" r="12159"/>
+          <a:stretch/>
+        </p:blipFill>
+        <p:spPr>
+          <a:xfrm>
+            <a:off x="4639056" y="10"/>
+            <a:ext cx="7552944" cy="6857990"/>
+          </a:xfrm>
+          <a:prstGeom prst="rect">
+            <a:avLst/>
+          </a:prstGeom>
+          <a:effectLst/>
+        </p:spPr>
+      </p:pic>
       <p:sp>
         <p:nvSpPr>
           <p:cNvPr id="3" name="内容占位符 2"/>
@@ -6843,7 +5344,12 @@
             <p:ph idx="1"/>
           </p:nvPr>
         </p:nvSpPr>
-        <p:spPr/>
+        <p:spPr>
+          <a:xfrm>
+            <a:off x="497841" y="1566775"/>
+            <a:ext cx="3863516" cy="3724459"/>
+          </a:xfrm>
+        </p:spPr>
         <p:txBody>
           <a:bodyPr>
             <a:normAutofit/>
@@ -6851,71 +5357,54 @@
           <a:lstStyle/>
           <a:p>
             <a:r>
-              <a:rPr lang="zh-CN" altLang="en-US" dirty="0"/>
-              <a:t>人物可以左右移动</a:t>
-            </a:r>
-          </a:p>
-          <a:p>
-            <a:endParaRPr lang="zh-CN" altLang="en-US" dirty="0"/>
-          </a:p>
-          <a:p>
-            <a:r>
-              <a:rPr lang="en-US" altLang="zh-CN" dirty="0"/>
-              <a:t> </a:t>
-            </a:r>
-            <a:r>
-              <a:rPr lang="zh-CN" altLang="en-US" dirty="0"/>
-              <a:t>人物可以顺时针与逆时针旋转世界</a:t>
-            </a:r>
-          </a:p>
-          <a:p>
-            <a:pPr marL="0" indent="0">
-              <a:buNone/>
-            </a:pPr>
-            <a:endParaRPr lang="zh-CN" altLang="en-US" dirty="0"/>
-          </a:p>
-          <a:p>
-            <a:r>
-              <a:rPr lang="zh-CN" altLang="en-US" dirty="0"/>
-              <a:t>人物发动特殊能力</a:t>
-            </a:r>
-            <a:endParaRPr lang="en-US" altLang="zh-CN" dirty="0"/>
-          </a:p>
-          <a:p>
-            <a:endParaRPr lang="en-US" altLang="zh-CN" dirty="0"/>
-          </a:p>
-          <a:p>
-            <a:r>
-              <a:rPr lang="zh-CN" altLang="en-US" dirty="0"/>
-              <a:t>每个关卡的任务是将</a:t>
-            </a:r>
-            <a:r>
-              <a:rPr lang="en-US" altLang="zh-CN" dirty="0"/>
-              <a:t>Seed</a:t>
-            </a:r>
-            <a:r>
-              <a:rPr lang="zh-CN" altLang="en-US" dirty="0"/>
-              <a:t>送至指定位置</a:t>
-            </a:r>
-          </a:p>
-          <a:p>
-            <a:pPr marL="0" indent="0">
-              <a:buNone/>
-            </a:pPr>
-            <a:endParaRPr lang="en-US" altLang="zh-CN" dirty="0"/>
-          </a:p>
-          <a:p>
-            <a:pPr marL="0" indent="0">
-              <a:buNone/>
-            </a:pPr>
-            <a:endParaRPr lang="zh-CN" altLang="en-US" dirty="0"/>
+              <a:rPr lang="zh-CN" altLang="zh-CN" sz="2400" dirty="0"/>
+              <a:t>然而，有些自然法则却是无法改变的，比如生命，比如时间。每一次重力的翻转，对不同的生命来说，可能意味着不同的结果。也许，</a:t>
+            </a:r>
+            <a:r>
+              <a:rPr lang="zh-CN" altLang="en-US" sz="2400" dirty="0"/>
+              <a:t>主角</a:t>
+            </a:r>
+            <a:r>
+              <a:rPr lang="zh-CN" altLang="zh-CN" sz="2400" dirty="0"/>
+              <a:t>和</a:t>
+            </a:r>
+            <a:r>
+              <a:rPr lang="zh-CN" altLang="en-US" sz="2400" dirty="0"/>
+              <a:t>种子君</a:t>
+            </a:r>
+            <a:r>
+              <a:rPr lang="zh-CN" altLang="zh-CN" sz="2400" dirty="0"/>
+              <a:t>可以顺利的跨过障碍，但是世界里的其他生物却要因此而失去性命。这也许是对</a:t>
+            </a:r>
+            <a:r>
+              <a:rPr lang="en-US" altLang="zh-CN" sz="2400" dirty="0"/>
+              <a:t>“</a:t>
+            </a:r>
+            <a:r>
+              <a:rPr lang="zh-CN" altLang="zh-CN" sz="2400" dirty="0"/>
+              <a:t>鱼和熊掌，不可得兼也</a:t>
+            </a:r>
+            <a:r>
+              <a:rPr lang="en-US" altLang="zh-CN" sz="2400" dirty="0"/>
+              <a:t>”</a:t>
+            </a:r>
+            <a:r>
+              <a:rPr lang="zh-CN" altLang="zh-CN" sz="2400" dirty="0"/>
+              <a:t>最好的诠释了吧。</a:t>
+            </a:r>
+          </a:p>
+          <a:p>
+            <a:endParaRPr lang="zh-CN" altLang="en-US" sz="2400" dirty="0"/>
+          </a:p>
+          <a:p>
+            <a:endParaRPr lang="zh-CN" altLang="en-US" sz="1800" dirty="0"/>
           </a:p>
         </p:txBody>
       </p:sp>
     </p:spTree>
     <p:extLst>
       <p:ext uri="{BB962C8B-B14F-4D97-AF65-F5344CB8AC3E}">
-        <p14:creationId xmlns:p14="http://schemas.microsoft.com/office/powerpoint/2010/main" val="1227583079"/>
+        <p14:creationId xmlns:p14="http://schemas.microsoft.com/office/powerpoint/2010/main" val="1578263695"/>
       </p:ext>
     </p:extLst>
   </p:cSld>
@@ -6926,7 +5415,7 @@
 </file>
 
 <file path=ppt/slides/slide8.xml><?xml version="1.0" encoding="utf-8"?>
-<p:sld xmlns:a="http://schemas.openxmlformats.org/drawingml/2006/main" xmlns:r="http://schemas.openxmlformats.org/officeDocument/2006/relationships" xmlns:p="http://schemas.openxmlformats.org/presentationml/2006/main" show="0">
+<p:sld xmlns:a="http://schemas.openxmlformats.org/drawingml/2006/main" xmlns:r="http://schemas.openxmlformats.org/officeDocument/2006/relationships" xmlns:p="http://schemas.openxmlformats.org/presentationml/2006/main">
   <p:cSld>
     <p:spTree>
       <p:nvGrpSpPr>
@@ -6942,33 +5431,118 @@
           <a:chExt cx="0" cy="0"/>
         </a:xfrm>
       </p:grpSpPr>
-      <p:sp>
-        <p:nvSpPr>
-          <p:cNvPr id="2" name="标题 1"/>
-          <p:cNvSpPr>
-            <a:spLocks noGrp="1"/>
-          </p:cNvSpPr>
-          <p:nvPr>
-            <p:ph type="title"/>
-          </p:nvPr>
-        </p:nvSpPr>
-        <p:spPr/>
-        <p:txBody>
-          <a:bodyPr/>
-          <a:lstStyle/>
-          <a:p>
-            <a:r>
-              <a:rPr lang="zh-CN" altLang="en-US" dirty="0"/>
-              <a:t>游戏介绍</a:t>
-            </a:r>
-            <a:r>
-              <a:rPr lang="en-US" altLang="zh-CN" dirty="0"/>
-              <a:t>——</a:t>
-            </a:r>
-            <a:r>
-              <a:rPr lang="zh-CN" altLang="en-US" dirty="0"/>
-              <a:t>场景渲染</a:t>
-            </a:r>
+      <p:pic>
+        <p:nvPicPr>
+          <p:cNvPr id="5" name="图片 4"/>
+          <p:cNvPicPr>
+            <a:picLocks noChangeAspect="1"/>
+          </p:cNvPicPr>
+          <p:nvPr/>
+        </p:nvPicPr>
+        <p:blipFill rotWithShape="1">
+          <a:blip r:embed="rId2">
+            <a:extLst>
+              <a:ext uri="{28A0092B-C50C-407E-A947-70E740481C1C}">
+                <a14:useLocalDpi xmlns:a14="http://schemas.microsoft.com/office/drawing/2010/main" val="0"/>
+              </a:ext>
+            </a:extLst>
+          </a:blip>
+          <a:srcRect l="22255" r="36162"/>
+          <a:stretch/>
+        </p:blipFill>
+        <p:spPr>
+          <a:xfrm>
+            <a:off x="20" y="10"/>
+            <a:ext cx="5069920" cy="6857990"/>
+          </a:xfrm>
+          <a:prstGeom prst="rect">
+            <a:avLst/>
+          </a:prstGeom>
+        </p:spPr>
+      </p:pic>
+      <p:sp>
+        <p:nvSpPr>
+          <p:cNvPr id="10" name="Rectangle 9"/>
+          <p:cNvSpPr>
+            <a:spLocks noGrp="1" noRot="1" noChangeAspect="1" noMove="1" noResize="1" noEditPoints="1" noAdjustHandles="1" noChangeArrowheads="1" noChangeShapeType="1" noTextEdit="1"/>
+          </p:cNvSpPr>
+          <p:nvPr>
+            <p:extLst>
+              <p:ext uri="{386F3935-93C4-4BCD-93E2-E3B085C9AB24}">
+                <p16:designElem xmlns:p16="http://schemas.microsoft.com/office/powerpoint/2015/main" xmlns="" val="1"/>
+              </p:ext>
+            </p:extLst>
+          </p:nvPr>
+        </p:nvSpPr>
+        <p:spPr bwMode="white">
+          <a:xfrm>
+            <a:off x="4639733" y="0"/>
+            <a:ext cx="7552267" cy="6858000"/>
+          </a:xfrm>
+          <a:prstGeom prst="rect">
+            <a:avLst/>
+          </a:prstGeom>
+          <a:solidFill>
+            <a:schemeClr val="tx1">
+              <a:lumMod val="85000"/>
+              <a:lumOff val="15000"/>
+            </a:schemeClr>
+          </a:solidFill>
+          <a:ln>
+            <a:noFill/>
+          </a:ln>
+        </p:spPr>
+        <p:style>
+          <a:lnRef idx="2">
+            <a:schemeClr val="accent1">
+              <a:shade val="50000"/>
+            </a:schemeClr>
+          </a:lnRef>
+          <a:fillRef idx="1">
+            <a:schemeClr val="accent1"/>
+          </a:fillRef>
+          <a:effectRef idx="0">
+            <a:schemeClr val="accent1"/>
+          </a:effectRef>
+          <a:fontRef idx="minor">
+            <a:schemeClr val="lt1"/>
+          </a:fontRef>
+        </p:style>
+        <p:txBody>
+          <a:bodyPr rtlCol="0" anchor="ctr"/>
+          <a:lstStyle/>
+          <a:p>
+            <a:pPr marL="0" marR="0" lvl="0" indent="0" algn="ctr" defTabSz="914400" rtl="0" eaLnBrk="1" fontAlgn="auto" latinLnBrk="0" hangingPunct="1">
+              <a:lnSpc>
+                <a:spcPct val="100000"/>
+              </a:lnSpc>
+              <a:spcBef>
+                <a:spcPts val="0"/>
+              </a:spcBef>
+              <a:spcAft>
+                <a:spcPts val="0"/>
+              </a:spcAft>
+              <a:buClrTx/>
+              <a:buSzTx/>
+              <a:buFontTx/>
+              <a:buNone/>
+              <a:tabLst/>
+              <a:defRPr/>
+            </a:pPr>
+            <a:endParaRPr kumimoji="0" lang="en-US" sz="1800" b="0" i="0" u="none" strike="noStrike" kern="1200" cap="none" spc="0" normalizeH="0" baseline="0" noProof="0">
+              <a:ln>
+                <a:noFill/>
+              </a:ln>
+              <a:solidFill>
+                <a:prstClr val="white"/>
+              </a:solidFill>
+              <a:effectLst/>
+              <a:uLnTx/>
+              <a:uFillTx/>
+              <a:latin typeface="Calibri" panose="020F0502020204030204"/>
+              <a:ea typeface="+mn-ea"/>
+              <a:cs typeface="+mn-cs"/>
+            </a:endParaRPr>
           </a:p>
         </p:txBody>
       </p:sp>
@@ -6982,43 +5556,122 @@
             <p:ph idx="1"/>
           </p:nvPr>
         </p:nvSpPr>
-        <p:spPr/>
-        <p:txBody>
-          <a:bodyPr/>
-          <a:lstStyle/>
-          <a:p>
-            <a:endParaRPr lang="en-US" altLang="zh-CN" dirty="0"/>
-          </a:p>
-          <a:p>
-            <a:r>
-              <a:rPr lang="en-US" altLang="zh-CN" dirty="0"/>
-              <a:t>Show </a:t>
-            </a:r>
-            <a:r>
-              <a:rPr lang="zh-CN" altLang="en-US" dirty="0"/>
-              <a:t>背景图</a:t>
-            </a:r>
-            <a:endParaRPr lang="en-US" altLang="zh-CN" dirty="0"/>
-          </a:p>
-          <a:p>
-            <a:endParaRPr lang="en-US" altLang="zh-CN" dirty="0"/>
-          </a:p>
-          <a:p>
-            <a:r>
-              <a:rPr lang="en-US" altLang="zh-CN" dirty="0"/>
-              <a:t>Show </a:t>
-            </a:r>
-            <a:r>
-              <a:rPr lang="zh-CN" altLang="en-US" dirty="0"/>
-              <a:t>人物模型</a:t>
-            </a:r>
+        <p:spPr>
+          <a:xfrm>
+            <a:off x="5069940" y="2322576"/>
+            <a:ext cx="6172200" cy="2269744"/>
+          </a:xfrm>
+        </p:spPr>
+        <p:txBody>
+          <a:bodyPr>
+            <a:normAutofit lnSpcReduction="10000"/>
+          </a:bodyPr>
+          <a:lstStyle/>
+          <a:p>
+            <a:r>
+              <a:rPr lang="zh-CN" altLang="en-US" sz="2400" dirty="0">
+                <a:solidFill>
+                  <a:schemeClr val="bg1"/>
+                </a:solidFill>
+              </a:rPr>
+              <a:t>游戏的整体画风采用</a:t>
+            </a:r>
+            <a:r>
+              <a:rPr lang="en-US" altLang="zh-CN" sz="2400" dirty="0">
+                <a:solidFill>
+                  <a:schemeClr val="bg1"/>
+                </a:solidFill>
+              </a:rPr>
+              <a:t>Low-Poly </a:t>
+            </a:r>
+            <a:r>
+              <a:rPr lang="zh-CN" altLang="en-US" sz="2400" dirty="0">
+                <a:solidFill>
+                  <a:schemeClr val="bg1"/>
+                </a:solidFill>
+              </a:rPr>
+              <a:t>风格，适合玩家在休憩时释放压力，放松</a:t>
+            </a:r>
+            <a:r>
+              <a:rPr lang="zh-CN" altLang="en-US" sz="2400" dirty="0" smtClean="0">
+                <a:solidFill>
+                  <a:schemeClr val="bg1"/>
+                </a:solidFill>
+              </a:rPr>
+              <a:t>心情</a:t>
+            </a:r>
+            <a:r>
+              <a:rPr lang="en-US" altLang="zh-CN" sz="2400" dirty="0" smtClean="0">
+                <a:solidFill>
+                  <a:schemeClr val="bg1"/>
+                </a:solidFill>
+              </a:rPr>
+              <a:t>,  </a:t>
+            </a:r>
+            <a:r>
+              <a:rPr lang="zh-CN" altLang="en-US" sz="2400" dirty="0" smtClean="0">
+                <a:solidFill>
+                  <a:schemeClr val="bg1"/>
+                </a:solidFill>
+              </a:rPr>
+              <a:t>特别适合</a:t>
+            </a:r>
+            <a:r>
+              <a:rPr lang="zh-CN" altLang="en-US" sz="2400" dirty="0" smtClean="0">
+                <a:solidFill>
+                  <a:schemeClr val="bg1"/>
+                </a:solidFill>
+              </a:rPr>
+              <a:t>目前</a:t>
+            </a:r>
+            <a:r>
+              <a:rPr lang="zh-CN" altLang="en-US" sz="2400" dirty="0">
+                <a:solidFill>
+                  <a:schemeClr val="bg1"/>
+                </a:solidFill>
+              </a:rPr>
+              <a:t>快节奏的生活</a:t>
+            </a:r>
+            <a:r>
+              <a:rPr lang="zh-CN" altLang="en-US" sz="2400" dirty="0" smtClean="0">
+                <a:solidFill>
+                  <a:schemeClr val="bg1"/>
+                </a:solidFill>
+              </a:rPr>
+              <a:t>。</a:t>
+            </a:r>
+            <a:r>
+              <a:rPr lang="zh-CN" altLang="en-US" sz="2400" dirty="0">
+                <a:solidFill>
+                  <a:schemeClr val="bg1"/>
+                </a:solidFill>
+              </a:rPr>
+              <a:t>而且游戏的解密要素与收集要素可以很好的活跃玩家的思维，让玩家沉浸在对世界的探索之中。整个游戏分为四个世界，每个世界中都有不同的主题与机关。</a:t>
+            </a:r>
+          </a:p>
+          <a:p>
+            <a:endParaRPr lang="zh-CN" altLang="en-US" sz="2400" dirty="0">
+              <a:solidFill>
+                <a:schemeClr val="bg1"/>
+              </a:solidFill>
+            </a:endParaRPr>
+          </a:p>
+          <a:p>
+            <a:pPr marL="0" indent="0">
+              <a:buNone/>
+            </a:pPr>
+            <a:endParaRPr lang="zh-CN" altLang="en-US" sz="2400" dirty="0">
+              <a:solidFill>
+                <a:schemeClr val="bg1"/>
+              </a:solidFill>
+            </a:endParaRPr>
           </a:p>
         </p:txBody>
       </p:sp>
     </p:spTree>
     <p:extLst>
       <p:ext uri="{BB962C8B-B14F-4D97-AF65-F5344CB8AC3E}">
-        <p14:creationId xmlns:p14="http://schemas.microsoft.com/office/powerpoint/2010/main" val="2546324220"/>
+        <p14:creationId xmlns:p14="http://schemas.microsoft.com/office/powerpoint/2010/main" val="2273129484"/>
       </p:ext>
     </p:extLst>
   </p:cSld>
@@ -7029,8 +5682,19 @@
 </file>
 
 <file path=ppt/slides/slide9.xml><?xml version="1.0" encoding="utf-8"?>
-<p:sld xmlns:a="http://schemas.openxmlformats.org/drawingml/2006/main" xmlns:r="http://schemas.openxmlformats.org/officeDocument/2006/relationships" xmlns:p="http://schemas.openxmlformats.org/presentationml/2006/main" show="0">
+<p:sld xmlns:a="http://schemas.openxmlformats.org/drawingml/2006/main" xmlns:r="http://schemas.openxmlformats.org/officeDocument/2006/relationships" xmlns:p="http://schemas.openxmlformats.org/presentationml/2006/main">
   <p:cSld>
+    <p:bg>
+      <p:bgPr>
+        <a:solidFill>
+          <a:schemeClr val="tx1">
+            <a:lumMod val="75000"/>
+            <a:lumOff val="25000"/>
+          </a:schemeClr>
+        </a:solidFill>
+        <a:effectLst/>
+      </p:bgPr>
+    </p:bg>
     <p:spTree>
       <p:nvGrpSpPr>
         <p:cNvPr id="1" name=""/>
@@ -7047,36 +5711,6 @@
       </p:grpSpPr>
       <p:sp>
         <p:nvSpPr>
-          <p:cNvPr id="2" name="标题 1"/>
-          <p:cNvSpPr>
-            <a:spLocks noGrp="1"/>
-          </p:cNvSpPr>
-          <p:nvPr>
-            <p:ph type="title"/>
-          </p:nvPr>
-        </p:nvSpPr>
-        <p:spPr/>
-        <p:txBody>
-          <a:bodyPr/>
-          <a:lstStyle/>
-          <a:p>
-            <a:r>
-              <a:rPr lang="zh-CN" altLang="en-US" dirty="0"/>
-              <a:t>游戏介绍</a:t>
-            </a:r>
-            <a:r>
-              <a:rPr lang="en-US" altLang="zh-CN" dirty="0"/>
-              <a:t>——</a:t>
-            </a:r>
-            <a:r>
-              <a:rPr lang="zh-CN" altLang="en-US" dirty="0"/>
-              <a:t>人物模型</a:t>
-            </a:r>
-          </a:p>
-        </p:txBody>
-      </p:sp>
-      <p:sp>
-        <p:nvSpPr>
           <p:cNvPr id="3" name="内容占位符 2"/>
           <p:cNvSpPr>
             <a:spLocks noGrp="1"/>
@@ -7085,19 +5719,36 @@
             <p:ph idx="1"/>
           </p:nvPr>
         </p:nvSpPr>
-        <p:spPr/>
-        <p:txBody>
-          <a:bodyPr/>
-          <a:lstStyle/>
-          <a:p>
-            <a:endParaRPr lang="zh-CN" altLang="en-US" dirty="0"/>
+        <p:spPr>
+          <a:xfrm>
+            <a:off x="838200" y="2267211"/>
+            <a:ext cx="10515600" cy="3909752"/>
+          </a:xfrm>
+        </p:spPr>
+        <p:txBody>
+          <a:bodyPr>
+            <a:normAutofit/>
+          </a:bodyPr>
+          <a:lstStyle/>
+          <a:p>
+            <a:pPr marL="0" indent="0" algn="ctr">
+              <a:buNone/>
+            </a:pPr>
+            <a:r>
+              <a:rPr lang="zh-CN" altLang="en-US" sz="4800" dirty="0">
+                <a:solidFill>
+                  <a:schemeClr val="bg1"/>
+                </a:solidFill>
+              </a:rPr>
+              <a:t>谢谢各位评委</a:t>
+            </a:r>
           </a:p>
         </p:txBody>
       </p:sp>
     </p:spTree>
     <p:extLst>
       <p:ext uri="{BB962C8B-B14F-4D97-AF65-F5344CB8AC3E}">
-        <p14:creationId xmlns:p14="http://schemas.microsoft.com/office/powerpoint/2010/main" val="768176747"/>
+        <p14:creationId xmlns:p14="http://schemas.microsoft.com/office/powerpoint/2010/main" val="3074767836"/>
       </p:ext>
     </p:extLst>
   </p:cSld>
